--- a/Folien/3T_2017_React und DDD.pptx
+++ b/Folien/3T_2017_React und DDD.pptx
@@ -5,28 +5,33 @@
     <p:sldMasterId id="2147483648" r:id="rId4"/>
     <p:sldMasterId id="2147486020" r:id="rId5"/>
     <p:sldMasterId id="2147486002" r:id="rId6"/>
+    <p:sldMasterId id="2147486033" r:id="rId7"/>
   </p:sldMasterIdLst>
   <p:notesMasterIdLst>
-    <p:notesMasterId r:id="rId18"/>
+    <p:notesMasterId r:id="rId23"/>
   </p:notesMasterIdLst>
   <p:handoutMasterIdLst>
-    <p:handoutMasterId r:id="rId19"/>
+    <p:handoutMasterId r:id="rId24"/>
   </p:handoutMasterIdLst>
   <p:sldIdLst>
-    <p:sldId id="334" r:id="rId7"/>
-    <p:sldId id="345" r:id="rId8"/>
-    <p:sldId id="361" r:id="rId9"/>
-    <p:sldId id="348" r:id="rId10"/>
-    <p:sldId id="362" r:id="rId11"/>
-    <p:sldId id="360" r:id="rId12"/>
-    <p:sldId id="350" r:id="rId13"/>
-    <p:sldId id="352" r:id="rId14"/>
-    <p:sldId id="353" r:id="rId15"/>
-    <p:sldId id="351" r:id="rId16"/>
-    <p:sldId id="335" r:id="rId17"/>
+    <p:sldId id="334" r:id="rId8"/>
+    <p:sldId id="345" r:id="rId9"/>
+    <p:sldId id="361" r:id="rId10"/>
+    <p:sldId id="348" r:id="rId11"/>
+    <p:sldId id="362" r:id="rId12"/>
+    <p:sldId id="360" r:id="rId13"/>
+    <p:sldId id="350" r:id="rId14"/>
+    <p:sldId id="352" r:id="rId15"/>
+    <p:sldId id="364" r:id="rId16"/>
+    <p:sldId id="363" r:id="rId17"/>
+    <p:sldId id="365" r:id="rId18"/>
+    <p:sldId id="367" r:id="rId19"/>
+    <p:sldId id="353" r:id="rId20"/>
+    <p:sldId id="351" r:id="rId21"/>
+    <p:sldId id="335" r:id="rId22"/>
   </p:sldIdLst>
   <p:sldSz cx="9144000" cy="5143500" type="screen16x9"/>
-  <p:notesSz cx="6858000" cy="9144000"/>
+  <p:notesSz cx="6883400" cy="9906000"/>
   <p:defaultTextStyle>
     <a:defPPr>
       <a:defRPr lang="de-DE"/>
@@ -169,12 +174,12 @@
     </p:ext>
     <p:ext uri="{2D200454-40CA-4A62-9FC3-DE9A4176ACB9}">
       <p15:notesGuideLst xmlns:p15="http://schemas.microsoft.com/office/powerpoint/2012/main">
-        <p15:guide id="1" orient="horz" pos="2880">
+        <p15:guide id="1" orient="horz" pos="3120" userDrawn="1">
           <p15:clr>
             <a:srgbClr val="A4A3A4"/>
           </p15:clr>
         </p15:guide>
-        <p15:guide id="2" pos="2160">
+        <p15:guide id="2" pos="2168" userDrawn="1">
           <p15:clr>
             <a:srgbClr val="A4A3A4"/>
           </p15:clr>
@@ -220,17 +225,17 @@
         <p:spPr>
           <a:xfrm>
             <a:off x="0" y="0"/>
-            <a:ext cx="2971800" cy="457200"/>
+            <a:ext cx="2982807" cy="495300"/>
           </a:xfrm>
           <a:prstGeom prst="rect">
             <a:avLst/>
           </a:prstGeom>
         </p:spPr>
         <p:txBody>
-          <a:bodyPr vert="horz" lIns="91440" tIns="45720" rIns="91440" bIns="45720" rtlCol="0"/>
+          <a:bodyPr vert="horz" lIns="95939" tIns="47969" rIns="95939" bIns="47969" rtlCol="0"/>
           <a:lstStyle>
             <a:lvl1pPr algn="l">
-              <a:defRPr sz="1200"/>
+              <a:defRPr sz="1300"/>
             </a:lvl1pPr>
           </a:lstStyle>
           <a:p>
@@ -250,18 +255,18 @@
         </p:nvSpPr>
         <p:spPr>
           <a:xfrm>
-            <a:off x="3884613" y="0"/>
-            <a:ext cx="2971800" cy="457200"/>
+            <a:off x="3899000" y="0"/>
+            <a:ext cx="2982807" cy="495300"/>
           </a:xfrm>
           <a:prstGeom prst="rect">
             <a:avLst/>
           </a:prstGeom>
         </p:spPr>
         <p:txBody>
-          <a:bodyPr vert="horz" lIns="91440" tIns="45720" rIns="91440" bIns="45720" rtlCol="0"/>
+          <a:bodyPr vert="horz" lIns="95939" tIns="47969" rIns="95939" bIns="47969" rtlCol="0"/>
           <a:lstStyle>
             <a:lvl1pPr algn="r">
-              <a:defRPr sz="1200"/>
+              <a:defRPr sz="1300"/>
             </a:lvl1pPr>
           </a:lstStyle>
           <a:p>
@@ -286,18 +291,18 @@
         </p:nvSpPr>
         <p:spPr>
           <a:xfrm>
-            <a:off x="0" y="8685213"/>
-            <a:ext cx="2971800" cy="457200"/>
+            <a:off x="0" y="9408981"/>
+            <a:ext cx="2982807" cy="495300"/>
           </a:xfrm>
           <a:prstGeom prst="rect">
             <a:avLst/>
           </a:prstGeom>
         </p:spPr>
         <p:txBody>
-          <a:bodyPr vert="horz" lIns="91440" tIns="45720" rIns="91440" bIns="45720" rtlCol="0" anchor="b"/>
+          <a:bodyPr vert="horz" lIns="95939" tIns="47969" rIns="95939" bIns="47969" rtlCol="0" anchor="b"/>
           <a:lstStyle>
             <a:lvl1pPr algn="l">
-              <a:defRPr sz="1200"/>
+              <a:defRPr sz="1300"/>
             </a:lvl1pPr>
           </a:lstStyle>
           <a:p>
@@ -317,18 +322,18 @@
         </p:nvSpPr>
         <p:spPr>
           <a:xfrm>
-            <a:off x="3884613" y="8685213"/>
-            <a:ext cx="2971800" cy="457200"/>
+            <a:off x="3899000" y="9408981"/>
+            <a:ext cx="2982807" cy="495300"/>
           </a:xfrm>
           <a:prstGeom prst="rect">
             <a:avLst/>
           </a:prstGeom>
         </p:spPr>
         <p:txBody>
-          <a:bodyPr vert="horz" lIns="91440" tIns="45720" rIns="91440" bIns="45720" rtlCol="0" anchor="b"/>
+          <a:bodyPr vert="horz" lIns="95939" tIns="47969" rIns="95939" bIns="47969" rtlCol="0" anchor="b"/>
           <a:lstStyle>
             <a:lvl1pPr algn="r">
-              <a:defRPr sz="1200"/>
+              <a:defRPr sz="1300"/>
             </a:lvl1pPr>
           </a:lstStyle>
           <a:p>
@@ -387,14 +392,14 @@
         <p:spPr>
           <a:xfrm>
             <a:off x="0" y="0"/>
-            <a:ext cx="2971800" cy="457200"/>
+            <a:ext cx="2982807" cy="495300"/>
           </a:xfrm>
           <a:prstGeom prst="rect">
             <a:avLst/>
           </a:prstGeom>
         </p:spPr>
         <p:txBody>
-          <a:bodyPr vert="horz" lIns="91440" tIns="45720" rIns="91440" bIns="45720" rtlCol="0"/>
+          <a:bodyPr vert="horz" lIns="95939" tIns="47969" rIns="95939" bIns="47969" rtlCol="0"/>
           <a:lstStyle>
             <a:lvl1pPr algn="l" fontAlgn="auto">
               <a:spcBef>
@@ -403,7 +408,7 @@
               <a:spcAft>
                 <a:spcPts val="0"/>
               </a:spcAft>
-              <a:defRPr sz="1200">
+              <a:defRPr sz="1300">
                 <a:latin typeface="+mn-lt"/>
                 <a:ea typeface="+mn-ea"/>
                 <a:cs typeface="+mn-cs"/>
@@ -430,22 +435,22 @@
         </p:nvSpPr>
         <p:spPr>
           <a:xfrm>
-            <a:off x="3884613" y="0"/>
-            <a:ext cx="2971800" cy="457200"/>
+            <a:off x="3899000" y="0"/>
+            <a:ext cx="2982807" cy="495300"/>
           </a:xfrm>
           <a:prstGeom prst="rect">
             <a:avLst/>
           </a:prstGeom>
         </p:spPr>
         <p:txBody>
-          <a:bodyPr vert="horz" wrap="square" lIns="91440" tIns="45720" rIns="91440" bIns="45720" numCol="1" anchor="t" anchorCtr="0" compatLnSpc="1">
+          <a:bodyPr vert="horz" wrap="square" lIns="95939" tIns="47969" rIns="95939" bIns="47969" numCol="1" anchor="t" anchorCtr="0" compatLnSpc="1">
             <a:prstTxWarp prst="textNoShape">
               <a:avLst/>
             </a:prstTxWarp>
           </a:bodyPr>
           <a:lstStyle>
             <a:lvl1pPr algn="r">
-              <a:defRPr sz="1200">
+              <a:defRPr sz="1300">
                 <a:latin typeface="Calibri" pitchFamily="34" charset="0"/>
                 <a:cs typeface="Arial" pitchFamily="34" charset="0"/>
               </a:defRPr>
@@ -478,8 +483,8 @@
         </p:nvSpPr>
         <p:spPr>
           <a:xfrm>
-            <a:off x="381000" y="685800"/>
-            <a:ext cx="6096000" cy="3429000"/>
+            <a:off x="139700" y="742950"/>
+            <a:ext cx="6604000" cy="3714750"/>
           </a:xfrm>
           <a:prstGeom prst="rect">
             <a:avLst/>
@@ -492,7 +497,7 @@
           </a:ln>
         </p:spPr>
         <p:txBody>
-          <a:bodyPr vert="horz" lIns="91440" tIns="45720" rIns="91440" bIns="45720" rtlCol="0" anchor="ctr"/>
+          <a:bodyPr vert="horz" lIns="95939" tIns="47969" rIns="95939" bIns="47969" rtlCol="0" anchor="ctr"/>
           <a:lstStyle/>
           <a:p>
             <a:pPr lvl="0"/>
@@ -512,15 +517,15 @@
         </p:nvSpPr>
         <p:spPr>
           <a:xfrm>
-            <a:off x="685800" y="4343400"/>
-            <a:ext cx="5486400" cy="4114800"/>
+            <a:off x="688340" y="4705350"/>
+            <a:ext cx="5506720" cy="4457700"/>
           </a:xfrm>
           <a:prstGeom prst="rect">
             <a:avLst/>
           </a:prstGeom>
         </p:spPr>
         <p:txBody>
-          <a:bodyPr vert="horz" wrap="square" lIns="91440" tIns="45720" rIns="91440" bIns="45720" numCol="1" anchor="t" anchorCtr="0" compatLnSpc="1">
+          <a:bodyPr vert="horz" wrap="square" lIns="95939" tIns="47969" rIns="95939" bIns="47969" numCol="1" anchor="t" anchorCtr="0" compatLnSpc="1">
             <a:prstTxWarp prst="textNoShape">
               <a:avLst/>
             </a:prstTxWarp>
@@ -576,15 +581,15 @@
         </p:nvSpPr>
         <p:spPr>
           <a:xfrm>
-            <a:off x="0" y="8685213"/>
-            <a:ext cx="2971800" cy="457200"/>
+            <a:off x="0" y="9408981"/>
+            <a:ext cx="2982807" cy="495300"/>
           </a:xfrm>
           <a:prstGeom prst="rect">
             <a:avLst/>
           </a:prstGeom>
         </p:spPr>
         <p:txBody>
-          <a:bodyPr vert="horz" lIns="91440" tIns="45720" rIns="91440" bIns="45720" rtlCol="0" anchor="b"/>
+          <a:bodyPr vert="horz" lIns="95939" tIns="47969" rIns="95939" bIns="47969" rtlCol="0" anchor="b"/>
           <a:lstStyle>
             <a:lvl1pPr algn="l" fontAlgn="auto">
               <a:spcBef>
@@ -593,7 +598,7 @@
               <a:spcAft>
                 <a:spcPts val="0"/>
               </a:spcAft>
-              <a:defRPr sz="1200">
+              <a:defRPr sz="1300">
                 <a:latin typeface="+mn-lt"/>
                 <a:ea typeface="+mn-ea"/>
                 <a:cs typeface="+mn-cs"/>
@@ -620,22 +625,22 @@
         </p:nvSpPr>
         <p:spPr>
           <a:xfrm>
-            <a:off x="3884613" y="8685213"/>
-            <a:ext cx="2971800" cy="457200"/>
+            <a:off x="3899000" y="9408981"/>
+            <a:ext cx="2982807" cy="495300"/>
           </a:xfrm>
           <a:prstGeom prst="rect">
             <a:avLst/>
           </a:prstGeom>
         </p:spPr>
         <p:txBody>
-          <a:bodyPr vert="horz" wrap="square" lIns="91440" tIns="45720" rIns="91440" bIns="45720" numCol="1" anchor="b" anchorCtr="0" compatLnSpc="1">
+          <a:bodyPr vert="horz" wrap="square" lIns="95939" tIns="47969" rIns="95939" bIns="47969" numCol="1" anchor="b" anchorCtr="0" compatLnSpc="1">
             <a:prstTxWarp prst="textNoShape">
               <a:avLst/>
             </a:prstTxWarp>
           </a:bodyPr>
           <a:lstStyle>
             <a:lvl1pPr algn="r">
-              <a:defRPr sz="1200">
+              <a:defRPr sz="1300">
                 <a:latin typeface="Calibri" pitchFamily="34" charset="0"/>
                 <a:cs typeface="Arial" pitchFamily="34" charset="0"/>
               </a:defRPr>
@@ -1088,7 +1093,7 @@
                 <a:cs typeface="Arial" charset="0"/>
               </a:rPr>
               <a:pPr/>
-              <a:t>11</a:t>
+              <a:t>15</a:t>
             </a:fld>
             <a:endParaRPr lang="de-DE">
               <a:cs typeface="Arial" charset="0"/>
@@ -11736,6 +11741,1202 @@
 </p:sldLayout>
 </file>
 
+<file path=ppt/slideLayouts/slideLayout45.xml><?xml version="1.0" encoding="utf-8"?>
+<p:sldLayout xmlns:a="http://schemas.openxmlformats.org/drawingml/2006/main" xmlns:r="http://schemas.openxmlformats.org/officeDocument/2006/relationships" xmlns:p="http://schemas.openxmlformats.org/presentationml/2006/main" type="title" preserve="1">
+  <p:cSld name="Titelfolie">
+    <p:spTree>
+      <p:nvGrpSpPr>
+        <p:cNvPr id="1" name=""/>
+        <p:cNvGrpSpPr/>
+        <p:nvPr/>
+      </p:nvGrpSpPr>
+      <p:grpSpPr>
+        <a:xfrm>
+          <a:off x="0" y="0"/>
+          <a:ext cx="0" cy="0"/>
+          <a:chOff x="0" y="0"/>
+          <a:chExt cx="0" cy="0"/>
+        </a:xfrm>
+      </p:grpSpPr>
+      <p:sp>
+        <p:nvSpPr>
+          <p:cNvPr id="2" name="Titel 1"/>
+          <p:cNvSpPr>
+            <a:spLocks noGrp="1"/>
+          </p:cNvSpPr>
+          <p:nvPr>
+            <p:ph type="ctrTitle"/>
+          </p:nvPr>
+        </p:nvSpPr>
+        <p:spPr>
+          <a:xfrm>
+            <a:off x="1143000" y="841772"/>
+            <a:ext cx="6858000" cy="1790700"/>
+          </a:xfrm>
+        </p:spPr>
+        <p:txBody>
+          <a:bodyPr anchor="b"/>
+          <a:lstStyle>
+            <a:lvl1pPr algn="ctr">
+              <a:defRPr sz="4500"/>
+            </a:lvl1pPr>
+          </a:lstStyle>
+          <a:p>
+            <a:r>
+              <a:rPr lang="de-DE"/>
+              <a:t>Titelmasterformat durch Klicken bearbeiten</a:t>
+            </a:r>
+          </a:p>
+        </p:txBody>
+      </p:sp>
+      <p:sp>
+        <p:nvSpPr>
+          <p:cNvPr id="3" name="Untertitel 2"/>
+          <p:cNvSpPr>
+            <a:spLocks noGrp="1"/>
+          </p:cNvSpPr>
+          <p:nvPr>
+            <p:ph type="subTitle" idx="1"/>
+          </p:nvPr>
+        </p:nvSpPr>
+        <p:spPr>
+          <a:xfrm>
+            <a:off x="1143000" y="2701528"/>
+            <a:ext cx="6858000" cy="1241822"/>
+          </a:xfrm>
+        </p:spPr>
+        <p:txBody>
+          <a:bodyPr/>
+          <a:lstStyle>
+            <a:lvl1pPr marL="0" indent="0" algn="ctr">
+              <a:buNone/>
+              <a:defRPr sz="1800"/>
+            </a:lvl1pPr>
+            <a:lvl2pPr marL="342900" indent="0" algn="ctr">
+              <a:buNone/>
+              <a:defRPr sz="1500"/>
+            </a:lvl2pPr>
+            <a:lvl3pPr marL="685800" indent="0" algn="ctr">
+              <a:buNone/>
+              <a:defRPr sz="1350"/>
+            </a:lvl3pPr>
+            <a:lvl4pPr marL="1028700" indent="0" algn="ctr">
+              <a:buNone/>
+              <a:defRPr sz="1200"/>
+            </a:lvl4pPr>
+            <a:lvl5pPr marL="1371600" indent="0" algn="ctr">
+              <a:buNone/>
+              <a:defRPr sz="1200"/>
+            </a:lvl5pPr>
+            <a:lvl6pPr marL="1714500" indent="0" algn="ctr">
+              <a:buNone/>
+              <a:defRPr sz="1200"/>
+            </a:lvl6pPr>
+            <a:lvl7pPr marL="2057400" indent="0" algn="ctr">
+              <a:buNone/>
+              <a:defRPr sz="1200"/>
+            </a:lvl7pPr>
+            <a:lvl8pPr marL="2400300" indent="0" algn="ctr">
+              <a:buNone/>
+              <a:defRPr sz="1200"/>
+            </a:lvl8pPr>
+            <a:lvl9pPr marL="2743200" indent="0" algn="ctr">
+              <a:buNone/>
+              <a:defRPr sz="1200"/>
+            </a:lvl9pPr>
+          </a:lstStyle>
+          <a:p>
+            <a:r>
+              <a:rPr lang="de-DE"/>
+              <a:t>Formatvorlage des Untertitelmasters durch Klicken bearbeiten</a:t>
+            </a:r>
+          </a:p>
+        </p:txBody>
+      </p:sp>
+      <p:sp>
+        <p:nvSpPr>
+          <p:cNvPr id="4" name="Datumsplatzhalter 3"/>
+          <p:cNvSpPr>
+            <a:spLocks noGrp="1"/>
+          </p:cNvSpPr>
+          <p:nvPr>
+            <p:ph type="dt" sz="half" idx="10"/>
+          </p:nvPr>
+        </p:nvSpPr>
+        <p:spPr/>
+        <p:txBody>
+          <a:bodyPr/>
+          <a:lstStyle/>
+          <a:p>
+            <a:fld id="{C44F7930-81CD-4D63-BA62-1FB6F8E0FA4C}" type="datetimeFigureOut">
+              <a:rPr lang="de-DE" smtClean="0"/>
+              <a:t>29.03.2017</a:t>
+            </a:fld>
+            <a:endParaRPr lang="de-DE"/>
+          </a:p>
+        </p:txBody>
+      </p:sp>
+      <p:sp>
+        <p:nvSpPr>
+          <p:cNvPr id="5" name="Fußzeilenplatzhalter 4"/>
+          <p:cNvSpPr>
+            <a:spLocks noGrp="1"/>
+          </p:cNvSpPr>
+          <p:nvPr>
+            <p:ph type="ftr" sz="quarter" idx="11"/>
+          </p:nvPr>
+        </p:nvSpPr>
+        <p:spPr/>
+        <p:txBody>
+          <a:bodyPr/>
+          <a:lstStyle/>
+          <a:p>
+            <a:endParaRPr lang="de-DE"/>
+          </a:p>
+        </p:txBody>
+      </p:sp>
+      <p:sp>
+        <p:nvSpPr>
+          <p:cNvPr id="6" name="Foliennummernplatzhalter 5"/>
+          <p:cNvSpPr>
+            <a:spLocks noGrp="1"/>
+          </p:cNvSpPr>
+          <p:nvPr>
+            <p:ph type="sldNum" sz="quarter" idx="12"/>
+          </p:nvPr>
+        </p:nvSpPr>
+        <p:spPr/>
+        <p:txBody>
+          <a:bodyPr/>
+          <a:lstStyle/>
+          <a:p>
+            <a:fld id="{4BA636ED-4FAC-40DD-B33F-F61E9DBB46B0}" type="slidenum">
+              <a:rPr lang="de-DE" smtClean="0"/>
+              <a:t>‹Nr.›</a:t>
+            </a:fld>
+            <a:endParaRPr lang="de-DE"/>
+          </a:p>
+        </p:txBody>
+      </p:sp>
+    </p:spTree>
+    <p:extLst>
+      <p:ext uri="{BB962C8B-B14F-4D97-AF65-F5344CB8AC3E}">
+        <p14:creationId xmlns:p14="http://schemas.microsoft.com/office/powerpoint/2010/main" val="3152685989"/>
+      </p:ext>
+    </p:extLst>
+  </p:cSld>
+  <p:clrMapOvr>
+    <a:masterClrMapping/>
+  </p:clrMapOvr>
+</p:sldLayout>
+</file>
+
+<file path=ppt/slideLayouts/slideLayout46.xml><?xml version="1.0" encoding="utf-8"?>
+<p:sldLayout xmlns:a="http://schemas.openxmlformats.org/drawingml/2006/main" xmlns:r="http://schemas.openxmlformats.org/officeDocument/2006/relationships" xmlns:p="http://schemas.openxmlformats.org/presentationml/2006/main" type="obj" preserve="1">
+  <p:cSld name="Titel und Inhalt">
+    <p:spTree>
+      <p:nvGrpSpPr>
+        <p:cNvPr id="1" name=""/>
+        <p:cNvGrpSpPr/>
+        <p:nvPr/>
+      </p:nvGrpSpPr>
+      <p:grpSpPr>
+        <a:xfrm>
+          <a:off x="0" y="0"/>
+          <a:ext cx="0" cy="0"/>
+          <a:chOff x="0" y="0"/>
+          <a:chExt cx="0" cy="0"/>
+        </a:xfrm>
+      </p:grpSpPr>
+      <p:sp>
+        <p:nvSpPr>
+          <p:cNvPr id="2" name="Titel 1"/>
+          <p:cNvSpPr>
+            <a:spLocks noGrp="1"/>
+          </p:cNvSpPr>
+          <p:nvPr>
+            <p:ph type="title"/>
+          </p:nvPr>
+        </p:nvSpPr>
+        <p:spPr/>
+        <p:txBody>
+          <a:bodyPr/>
+          <a:lstStyle/>
+          <a:p>
+            <a:r>
+              <a:rPr lang="de-DE"/>
+              <a:t>Titelmasterformat durch Klicken bearbeiten</a:t>
+            </a:r>
+          </a:p>
+        </p:txBody>
+      </p:sp>
+      <p:sp>
+        <p:nvSpPr>
+          <p:cNvPr id="3" name="Inhaltsplatzhalter 2"/>
+          <p:cNvSpPr>
+            <a:spLocks noGrp="1"/>
+          </p:cNvSpPr>
+          <p:nvPr>
+            <p:ph idx="1"/>
+          </p:nvPr>
+        </p:nvSpPr>
+        <p:spPr/>
+        <p:txBody>
+          <a:bodyPr/>
+          <a:lstStyle/>
+          <a:p>
+            <a:pPr lvl="0"/>
+            <a:r>
+              <a:rPr lang="de-DE"/>
+              <a:t>Formatvorlagen des Textmasters bearbeiten</a:t>
+            </a:r>
+          </a:p>
+          <a:p>
+            <a:pPr lvl="1"/>
+            <a:r>
+              <a:rPr lang="de-DE"/>
+              <a:t>Zweite Ebene</a:t>
+            </a:r>
+          </a:p>
+          <a:p>
+            <a:pPr lvl="2"/>
+            <a:r>
+              <a:rPr lang="de-DE"/>
+              <a:t>Dritte Ebene</a:t>
+            </a:r>
+          </a:p>
+          <a:p>
+            <a:pPr lvl="3"/>
+            <a:r>
+              <a:rPr lang="de-DE"/>
+              <a:t>Vierte Ebene</a:t>
+            </a:r>
+          </a:p>
+          <a:p>
+            <a:pPr lvl="4"/>
+            <a:r>
+              <a:rPr lang="de-DE"/>
+              <a:t>Fünfte Ebene</a:t>
+            </a:r>
+          </a:p>
+        </p:txBody>
+      </p:sp>
+      <p:sp>
+        <p:nvSpPr>
+          <p:cNvPr id="4" name="Datumsplatzhalter 3"/>
+          <p:cNvSpPr>
+            <a:spLocks noGrp="1"/>
+          </p:cNvSpPr>
+          <p:nvPr>
+            <p:ph type="dt" sz="half" idx="10"/>
+          </p:nvPr>
+        </p:nvSpPr>
+        <p:spPr/>
+        <p:txBody>
+          <a:bodyPr/>
+          <a:lstStyle/>
+          <a:p>
+            <a:fld id="{C44F7930-81CD-4D63-BA62-1FB6F8E0FA4C}" type="datetimeFigureOut">
+              <a:rPr lang="de-DE" smtClean="0"/>
+              <a:t>29.03.2017</a:t>
+            </a:fld>
+            <a:endParaRPr lang="de-DE"/>
+          </a:p>
+        </p:txBody>
+      </p:sp>
+      <p:sp>
+        <p:nvSpPr>
+          <p:cNvPr id="5" name="Fußzeilenplatzhalter 4"/>
+          <p:cNvSpPr>
+            <a:spLocks noGrp="1"/>
+          </p:cNvSpPr>
+          <p:nvPr>
+            <p:ph type="ftr" sz="quarter" idx="11"/>
+          </p:nvPr>
+        </p:nvSpPr>
+        <p:spPr/>
+        <p:txBody>
+          <a:bodyPr/>
+          <a:lstStyle/>
+          <a:p>
+            <a:endParaRPr lang="de-DE"/>
+          </a:p>
+        </p:txBody>
+      </p:sp>
+      <p:sp>
+        <p:nvSpPr>
+          <p:cNvPr id="6" name="Foliennummernplatzhalter 5"/>
+          <p:cNvSpPr>
+            <a:spLocks noGrp="1"/>
+          </p:cNvSpPr>
+          <p:nvPr>
+            <p:ph type="sldNum" sz="quarter" idx="12"/>
+          </p:nvPr>
+        </p:nvSpPr>
+        <p:spPr/>
+        <p:txBody>
+          <a:bodyPr/>
+          <a:lstStyle/>
+          <a:p>
+            <a:fld id="{4BA636ED-4FAC-40DD-B33F-F61E9DBB46B0}" type="slidenum">
+              <a:rPr lang="de-DE" smtClean="0"/>
+              <a:t>‹Nr.›</a:t>
+            </a:fld>
+            <a:endParaRPr lang="de-DE"/>
+          </a:p>
+        </p:txBody>
+      </p:sp>
+    </p:spTree>
+    <p:extLst>
+      <p:ext uri="{BB962C8B-B14F-4D97-AF65-F5344CB8AC3E}">
+        <p14:creationId xmlns:p14="http://schemas.microsoft.com/office/powerpoint/2010/main" val="2673543335"/>
+      </p:ext>
+    </p:extLst>
+  </p:cSld>
+  <p:clrMapOvr>
+    <a:masterClrMapping/>
+  </p:clrMapOvr>
+</p:sldLayout>
+</file>
+
+<file path=ppt/slideLayouts/slideLayout47.xml><?xml version="1.0" encoding="utf-8"?>
+<p:sldLayout xmlns:a="http://schemas.openxmlformats.org/drawingml/2006/main" xmlns:r="http://schemas.openxmlformats.org/officeDocument/2006/relationships" xmlns:p="http://schemas.openxmlformats.org/presentationml/2006/main" type="secHead" preserve="1">
+  <p:cSld name="Abschnitts-&#10;überschrift">
+    <p:spTree>
+      <p:nvGrpSpPr>
+        <p:cNvPr id="1" name=""/>
+        <p:cNvGrpSpPr/>
+        <p:nvPr/>
+      </p:nvGrpSpPr>
+      <p:grpSpPr>
+        <a:xfrm>
+          <a:off x="0" y="0"/>
+          <a:ext cx="0" cy="0"/>
+          <a:chOff x="0" y="0"/>
+          <a:chExt cx="0" cy="0"/>
+        </a:xfrm>
+      </p:grpSpPr>
+      <p:sp>
+        <p:nvSpPr>
+          <p:cNvPr id="2" name="Titel 1"/>
+          <p:cNvSpPr>
+            <a:spLocks noGrp="1"/>
+          </p:cNvSpPr>
+          <p:nvPr>
+            <p:ph type="title"/>
+          </p:nvPr>
+        </p:nvSpPr>
+        <p:spPr>
+          <a:xfrm>
+            <a:off x="623888" y="1282304"/>
+            <a:ext cx="7886700" cy="2139553"/>
+          </a:xfrm>
+        </p:spPr>
+        <p:txBody>
+          <a:bodyPr anchor="b"/>
+          <a:lstStyle>
+            <a:lvl1pPr>
+              <a:defRPr sz="4500"/>
+            </a:lvl1pPr>
+          </a:lstStyle>
+          <a:p>
+            <a:r>
+              <a:rPr lang="de-DE"/>
+              <a:t>Titelmasterformat durch Klicken bearbeiten</a:t>
+            </a:r>
+          </a:p>
+        </p:txBody>
+      </p:sp>
+      <p:sp>
+        <p:nvSpPr>
+          <p:cNvPr id="3" name="Textplatzhalter 2"/>
+          <p:cNvSpPr>
+            <a:spLocks noGrp="1"/>
+          </p:cNvSpPr>
+          <p:nvPr>
+            <p:ph type="body" idx="1"/>
+          </p:nvPr>
+        </p:nvSpPr>
+        <p:spPr>
+          <a:xfrm>
+            <a:off x="623888" y="3442098"/>
+            <a:ext cx="7886700" cy="1125140"/>
+          </a:xfrm>
+        </p:spPr>
+        <p:txBody>
+          <a:bodyPr/>
+          <a:lstStyle>
+            <a:lvl1pPr marL="0" indent="0">
+              <a:buNone/>
+              <a:defRPr sz="1800">
+                <a:solidFill>
+                  <a:schemeClr val="tx1">
+                    <a:tint val="75000"/>
+                  </a:schemeClr>
+                </a:solidFill>
+              </a:defRPr>
+            </a:lvl1pPr>
+            <a:lvl2pPr marL="342900" indent="0">
+              <a:buNone/>
+              <a:defRPr sz="1500">
+                <a:solidFill>
+                  <a:schemeClr val="tx1">
+                    <a:tint val="75000"/>
+                  </a:schemeClr>
+                </a:solidFill>
+              </a:defRPr>
+            </a:lvl2pPr>
+            <a:lvl3pPr marL="685800" indent="0">
+              <a:buNone/>
+              <a:defRPr sz="1350">
+                <a:solidFill>
+                  <a:schemeClr val="tx1">
+                    <a:tint val="75000"/>
+                  </a:schemeClr>
+                </a:solidFill>
+              </a:defRPr>
+            </a:lvl3pPr>
+            <a:lvl4pPr marL="1028700" indent="0">
+              <a:buNone/>
+              <a:defRPr sz="1200">
+                <a:solidFill>
+                  <a:schemeClr val="tx1">
+                    <a:tint val="75000"/>
+                  </a:schemeClr>
+                </a:solidFill>
+              </a:defRPr>
+            </a:lvl4pPr>
+            <a:lvl5pPr marL="1371600" indent="0">
+              <a:buNone/>
+              <a:defRPr sz="1200">
+                <a:solidFill>
+                  <a:schemeClr val="tx1">
+                    <a:tint val="75000"/>
+                  </a:schemeClr>
+                </a:solidFill>
+              </a:defRPr>
+            </a:lvl5pPr>
+            <a:lvl6pPr marL="1714500" indent="0">
+              <a:buNone/>
+              <a:defRPr sz="1200">
+                <a:solidFill>
+                  <a:schemeClr val="tx1">
+                    <a:tint val="75000"/>
+                  </a:schemeClr>
+                </a:solidFill>
+              </a:defRPr>
+            </a:lvl6pPr>
+            <a:lvl7pPr marL="2057400" indent="0">
+              <a:buNone/>
+              <a:defRPr sz="1200">
+                <a:solidFill>
+                  <a:schemeClr val="tx1">
+                    <a:tint val="75000"/>
+                  </a:schemeClr>
+                </a:solidFill>
+              </a:defRPr>
+            </a:lvl7pPr>
+            <a:lvl8pPr marL="2400300" indent="0">
+              <a:buNone/>
+              <a:defRPr sz="1200">
+                <a:solidFill>
+                  <a:schemeClr val="tx1">
+                    <a:tint val="75000"/>
+                  </a:schemeClr>
+                </a:solidFill>
+              </a:defRPr>
+            </a:lvl8pPr>
+            <a:lvl9pPr marL="2743200" indent="0">
+              <a:buNone/>
+              <a:defRPr sz="1200">
+                <a:solidFill>
+                  <a:schemeClr val="tx1">
+                    <a:tint val="75000"/>
+                  </a:schemeClr>
+                </a:solidFill>
+              </a:defRPr>
+            </a:lvl9pPr>
+          </a:lstStyle>
+          <a:p>
+            <a:pPr lvl="0"/>
+            <a:r>
+              <a:rPr lang="de-DE"/>
+              <a:t>Formatvorlagen des Textmasters bearbeiten</a:t>
+            </a:r>
+          </a:p>
+        </p:txBody>
+      </p:sp>
+      <p:sp>
+        <p:nvSpPr>
+          <p:cNvPr id="4" name="Datumsplatzhalter 3"/>
+          <p:cNvSpPr>
+            <a:spLocks noGrp="1"/>
+          </p:cNvSpPr>
+          <p:nvPr>
+            <p:ph type="dt" sz="half" idx="10"/>
+          </p:nvPr>
+        </p:nvSpPr>
+        <p:spPr/>
+        <p:txBody>
+          <a:bodyPr/>
+          <a:lstStyle/>
+          <a:p>
+            <a:fld id="{C44F7930-81CD-4D63-BA62-1FB6F8E0FA4C}" type="datetimeFigureOut">
+              <a:rPr lang="de-DE" smtClean="0"/>
+              <a:t>29.03.2017</a:t>
+            </a:fld>
+            <a:endParaRPr lang="de-DE"/>
+          </a:p>
+        </p:txBody>
+      </p:sp>
+      <p:sp>
+        <p:nvSpPr>
+          <p:cNvPr id="5" name="Fußzeilenplatzhalter 4"/>
+          <p:cNvSpPr>
+            <a:spLocks noGrp="1"/>
+          </p:cNvSpPr>
+          <p:nvPr>
+            <p:ph type="ftr" sz="quarter" idx="11"/>
+          </p:nvPr>
+        </p:nvSpPr>
+        <p:spPr/>
+        <p:txBody>
+          <a:bodyPr/>
+          <a:lstStyle/>
+          <a:p>
+            <a:endParaRPr lang="de-DE"/>
+          </a:p>
+        </p:txBody>
+      </p:sp>
+      <p:sp>
+        <p:nvSpPr>
+          <p:cNvPr id="6" name="Foliennummernplatzhalter 5"/>
+          <p:cNvSpPr>
+            <a:spLocks noGrp="1"/>
+          </p:cNvSpPr>
+          <p:nvPr>
+            <p:ph type="sldNum" sz="quarter" idx="12"/>
+          </p:nvPr>
+        </p:nvSpPr>
+        <p:spPr/>
+        <p:txBody>
+          <a:bodyPr/>
+          <a:lstStyle/>
+          <a:p>
+            <a:fld id="{4BA636ED-4FAC-40DD-B33F-F61E9DBB46B0}" type="slidenum">
+              <a:rPr lang="de-DE" smtClean="0"/>
+              <a:t>‹Nr.›</a:t>
+            </a:fld>
+            <a:endParaRPr lang="de-DE"/>
+          </a:p>
+        </p:txBody>
+      </p:sp>
+    </p:spTree>
+    <p:extLst>
+      <p:ext uri="{BB962C8B-B14F-4D97-AF65-F5344CB8AC3E}">
+        <p14:creationId xmlns:p14="http://schemas.microsoft.com/office/powerpoint/2010/main" val="3808767547"/>
+      </p:ext>
+    </p:extLst>
+  </p:cSld>
+  <p:clrMapOvr>
+    <a:masterClrMapping/>
+  </p:clrMapOvr>
+</p:sldLayout>
+</file>
+
+<file path=ppt/slideLayouts/slideLayout48.xml><?xml version="1.0" encoding="utf-8"?>
+<p:sldLayout xmlns:a="http://schemas.openxmlformats.org/drawingml/2006/main" xmlns:r="http://schemas.openxmlformats.org/officeDocument/2006/relationships" xmlns:p="http://schemas.openxmlformats.org/presentationml/2006/main" type="twoObj" preserve="1">
+  <p:cSld name="Zwei Inhalte">
+    <p:spTree>
+      <p:nvGrpSpPr>
+        <p:cNvPr id="1" name=""/>
+        <p:cNvGrpSpPr/>
+        <p:nvPr/>
+      </p:nvGrpSpPr>
+      <p:grpSpPr>
+        <a:xfrm>
+          <a:off x="0" y="0"/>
+          <a:ext cx="0" cy="0"/>
+          <a:chOff x="0" y="0"/>
+          <a:chExt cx="0" cy="0"/>
+        </a:xfrm>
+      </p:grpSpPr>
+      <p:sp>
+        <p:nvSpPr>
+          <p:cNvPr id="2" name="Titel 1"/>
+          <p:cNvSpPr>
+            <a:spLocks noGrp="1"/>
+          </p:cNvSpPr>
+          <p:nvPr>
+            <p:ph type="title"/>
+          </p:nvPr>
+        </p:nvSpPr>
+        <p:spPr/>
+        <p:txBody>
+          <a:bodyPr/>
+          <a:lstStyle/>
+          <a:p>
+            <a:r>
+              <a:rPr lang="de-DE"/>
+              <a:t>Titelmasterformat durch Klicken bearbeiten</a:t>
+            </a:r>
+          </a:p>
+        </p:txBody>
+      </p:sp>
+      <p:sp>
+        <p:nvSpPr>
+          <p:cNvPr id="3" name="Inhaltsplatzhalter 2"/>
+          <p:cNvSpPr>
+            <a:spLocks noGrp="1"/>
+          </p:cNvSpPr>
+          <p:nvPr>
+            <p:ph sz="half" idx="1"/>
+          </p:nvPr>
+        </p:nvSpPr>
+        <p:spPr>
+          <a:xfrm>
+            <a:off x="628650" y="1369219"/>
+            <a:ext cx="3886200" cy="3263504"/>
+          </a:xfrm>
+        </p:spPr>
+        <p:txBody>
+          <a:bodyPr/>
+          <a:lstStyle/>
+          <a:p>
+            <a:pPr lvl="0"/>
+            <a:r>
+              <a:rPr lang="de-DE"/>
+              <a:t>Formatvorlagen des Textmasters bearbeiten</a:t>
+            </a:r>
+          </a:p>
+          <a:p>
+            <a:pPr lvl="1"/>
+            <a:r>
+              <a:rPr lang="de-DE"/>
+              <a:t>Zweite Ebene</a:t>
+            </a:r>
+          </a:p>
+          <a:p>
+            <a:pPr lvl="2"/>
+            <a:r>
+              <a:rPr lang="de-DE"/>
+              <a:t>Dritte Ebene</a:t>
+            </a:r>
+          </a:p>
+          <a:p>
+            <a:pPr lvl="3"/>
+            <a:r>
+              <a:rPr lang="de-DE"/>
+              <a:t>Vierte Ebene</a:t>
+            </a:r>
+          </a:p>
+          <a:p>
+            <a:pPr lvl="4"/>
+            <a:r>
+              <a:rPr lang="de-DE"/>
+              <a:t>Fünfte Ebene</a:t>
+            </a:r>
+          </a:p>
+        </p:txBody>
+      </p:sp>
+      <p:sp>
+        <p:nvSpPr>
+          <p:cNvPr id="4" name="Inhaltsplatzhalter 3"/>
+          <p:cNvSpPr>
+            <a:spLocks noGrp="1"/>
+          </p:cNvSpPr>
+          <p:nvPr>
+            <p:ph sz="half" idx="2"/>
+          </p:nvPr>
+        </p:nvSpPr>
+        <p:spPr>
+          <a:xfrm>
+            <a:off x="4629150" y="1369219"/>
+            <a:ext cx="3886200" cy="3263504"/>
+          </a:xfrm>
+        </p:spPr>
+        <p:txBody>
+          <a:bodyPr/>
+          <a:lstStyle/>
+          <a:p>
+            <a:pPr lvl="0"/>
+            <a:r>
+              <a:rPr lang="de-DE"/>
+              <a:t>Formatvorlagen des Textmasters bearbeiten</a:t>
+            </a:r>
+          </a:p>
+          <a:p>
+            <a:pPr lvl="1"/>
+            <a:r>
+              <a:rPr lang="de-DE"/>
+              <a:t>Zweite Ebene</a:t>
+            </a:r>
+          </a:p>
+          <a:p>
+            <a:pPr lvl="2"/>
+            <a:r>
+              <a:rPr lang="de-DE"/>
+              <a:t>Dritte Ebene</a:t>
+            </a:r>
+          </a:p>
+          <a:p>
+            <a:pPr lvl="3"/>
+            <a:r>
+              <a:rPr lang="de-DE"/>
+              <a:t>Vierte Ebene</a:t>
+            </a:r>
+          </a:p>
+          <a:p>
+            <a:pPr lvl="4"/>
+            <a:r>
+              <a:rPr lang="de-DE"/>
+              <a:t>Fünfte Ebene</a:t>
+            </a:r>
+          </a:p>
+        </p:txBody>
+      </p:sp>
+      <p:sp>
+        <p:nvSpPr>
+          <p:cNvPr id="5" name="Datumsplatzhalter 4"/>
+          <p:cNvSpPr>
+            <a:spLocks noGrp="1"/>
+          </p:cNvSpPr>
+          <p:nvPr>
+            <p:ph type="dt" sz="half" idx="10"/>
+          </p:nvPr>
+        </p:nvSpPr>
+        <p:spPr/>
+        <p:txBody>
+          <a:bodyPr/>
+          <a:lstStyle/>
+          <a:p>
+            <a:fld id="{C44F7930-81CD-4D63-BA62-1FB6F8E0FA4C}" type="datetimeFigureOut">
+              <a:rPr lang="de-DE" smtClean="0"/>
+              <a:t>29.03.2017</a:t>
+            </a:fld>
+            <a:endParaRPr lang="de-DE"/>
+          </a:p>
+        </p:txBody>
+      </p:sp>
+      <p:sp>
+        <p:nvSpPr>
+          <p:cNvPr id="6" name="Fußzeilenplatzhalter 5"/>
+          <p:cNvSpPr>
+            <a:spLocks noGrp="1"/>
+          </p:cNvSpPr>
+          <p:nvPr>
+            <p:ph type="ftr" sz="quarter" idx="11"/>
+          </p:nvPr>
+        </p:nvSpPr>
+        <p:spPr/>
+        <p:txBody>
+          <a:bodyPr/>
+          <a:lstStyle/>
+          <a:p>
+            <a:endParaRPr lang="de-DE"/>
+          </a:p>
+        </p:txBody>
+      </p:sp>
+      <p:sp>
+        <p:nvSpPr>
+          <p:cNvPr id="7" name="Foliennummernplatzhalter 6"/>
+          <p:cNvSpPr>
+            <a:spLocks noGrp="1"/>
+          </p:cNvSpPr>
+          <p:nvPr>
+            <p:ph type="sldNum" sz="quarter" idx="12"/>
+          </p:nvPr>
+        </p:nvSpPr>
+        <p:spPr/>
+        <p:txBody>
+          <a:bodyPr/>
+          <a:lstStyle/>
+          <a:p>
+            <a:fld id="{4BA636ED-4FAC-40DD-B33F-F61E9DBB46B0}" type="slidenum">
+              <a:rPr lang="de-DE" smtClean="0"/>
+              <a:t>‹Nr.›</a:t>
+            </a:fld>
+            <a:endParaRPr lang="de-DE"/>
+          </a:p>
+        </p:txBody>
+      </p:sp>
+    </p:spTree>
+    <p:extLst>
+      <p:ext uri="{BB962C8B-B14F-4D97-AF65-F5344CB8AC3E}">
+        <p14:creationId xmlns:p14="http://schemas.microsoft.com/office/powerpoint/2010/main" val="3495634867"/>
+      </p:ext>
+    </p:extLst>
+  </p:cSld>
+  <p:clrMapOvr>
+    <a:masterClrMapping/>
+  </p:clrMapOvr>
+</p:sldLayout>
+</file>
+
+<file path=ppt/slideLayouts/slideLayout49.xml><?xml version="1.0" encoding="utf-8"?>
+<p:sldLayout xmlns:a="http://schemas.openxmlformats.org/drawingml/2006/main" xmlns:r="http://schemas.openxmlformats.org/officeDocument/2006/relationships" xmlns:p="http://schemas.openxmlformats.org/presentationml/2006/main" type="twoTxTwoObj" preserve="1">
+  <p:cSld name="Vergleich">
+    <p:spTree>
+      <p:nvGrpSpPr>
+        <p:cNvPr id="1" name=""/>
+        <p:cNvGrpSpPr/>
+        <p:nvPr/>
+      </p:nvGrpSpPr>
+      <p:grpSpPr>
+        <a:xfrm>
+          <a:off x="0" y="0"/>
+          <a:ext cx="0" cy="0"/>
+          <a:chOff x="0" y="0"/>
+          <a:chExt cx="0" cy="0"/>
+        </a:xfrm>
+      </p:grpSpPr>
+      <p:sp>
+        <p:nvSpPr>
+          <p:cNvPr id="2" name="Titel 1"/>
+          <p:cNvSpPr>
+            <a:spLocks noGrp="1"/>
+          </p:cNvSpPr>
+          <p:nvPr>
+            <p:ph type="title"/>
+          </p:nvPr>
+        </p:nvSpPr>
+        <p:spPr>
+          <a:xfrm>
+            <a:off x="629841" y="273844"/>
+            <a:ext cx="7886700" cy="994172"/>
+          </a:xfrm>
+        </p:spPr>
+        <p:txBody>
+          <a:bodyPr/>
+          <a:lstStyle/>
+          <a:p>
+            <a:r>
+              <a:rPr lang="de-DE"/>
+              <a:t>Titelmasterformat durch Klicken bearbeiten</a:t>
+            </a:r>
+          </a:p>
+        </p:txBody>
+      </p:sp>
+      <p:sp>
+        <p:nvSpPr>
+          <p:cNvPr id="3" name="Textplatzhalter 2"/>
+          <p:cNvSpPr>
+            <a:spLocks noGrp="1"/>
+          </p:cNvSpPr>
+          <p:nvPr>
+            <p:ph type="body" idx="1"/>
+          </p:nvPr>
+        </p:nvSpPr>
+        <p:spPr>
+          <a:xfrm>
+            <a:off x="629842" y="1260872"/>
+            <a:ext cx="3868340" cy="617934"/>
+          </a:xfrm>
+        </p:spPr>
+        <p:txBody>
+          <a:bodyPr anchor="b"/>
+          <a:lstStyle>
+            <a:lvl1pPr marL="0" indent="0">
+              <a:buNone/>
+              <a:defRPr sz="1800" b="1"/>
+            </a:lvl1pPr>
+            <a:lvl2pPr marL="342900" indent="0">
+              <a:buNone/>
+              <a:defRPr sz="1500" b="1"/>
+            </a:lvl2pPr>
+            <a:lvl3pPr marL="685800" indent="0">
+              <a:buNone/>
+              <a:defRPr sz="1350" b="1"/>
+            </a:lvl3pPr>
+            <a:lvl4pPr marL="1028700" indent="0">
+              <a:buNone/>
+              <a:defRPr sz="1200" b="1"/>
+            </a:lvl4pPr>
+            <a:lvl5pPr marL="1371600" indent="0">
+              <a:buNone/>
+              <a:defRPr sz="1200" b="1"/>
+            </a:lvl5pPr>
+            <a:lvl6pPr marL="1714500" indent="0">
+              <a:buNone/>
+              <a:defRPr sz="1200" b="1"/>
+            </a:lvl6pPr>
+            <a:lvl7pPr marL="2057400" indent="0">
+              <a:buNone/>
+              <a:defRPr sz="1200" b="1"/>
+            </a:lvl7pPr>
+            <a:lvl8pPr marL="2400300" indent="0">
+              <a:buNone/>
+              <a:defRPr sz="1200" b="1"/>
+            </a:lvl8pPr>
+            <a:lvl9pPr marL="2743200" indent="0">
+              <a:buNone/>
+              <a:defRPr sz="1200" b="1"/>
+            </a:lvl9pPr>
+          </a:lstStyle>
+          <a:p>
+            <a:pPr lvl="0"/>
+            <a:r>
+              <a:rPr lang="de-DE"/>
+              <a:t>Formatvorlagen des Textmasters bearbeiten</a:t>
+            </a:r>
+          </a:p>
+        </p:txBody>
+      </p:sp>
+      <p:sp>
+        <p:nvSpPr>
+          <p:cNvPr id="4" name="Inhaltsplatzhalter 3"/>
+          <p:cNvSpPr>
+            <a:spLocks noGrp="1"/>
+          </p:cNvSpPr>
+          <p:nvPr>
+            <p:ph sz="half" idx="2"/>
+          </p:nvPr>
+        </p:nvSpPr>
+        <p:spPr>
+          <a:xfrm>
+            <a:off x="629842" y="1878806"/>
+            <a:ext cx="3868340" cy="2763441"/>
+          </a:xfrm>
+        </p:spPr>
+        <p:txBody>
+          <a:bodyPr/>
+          <a:lstStyle/>
+          <a:p>
+            <a:pPr lvl="0"/>
+            <a:r>
+              <a:rPr lang="de-DE"/>
+              <a:t>Formatvorlagen des Textmasters bearbeiten</a:t>
+            </a:r>
+          </a:p>
+          <a:p>
+            <a:pPr lvl="1"/>
+            <a:r>
+              <a:rPr lang="de-DE"/>
+              <a:t>Zweite Ebene</a:t>
+            </a:r>
+          </a:p>
+          <a:p>
+            <a:pPr lvl="2"/>
+            <a:r>
+              <a:rPr lang="de-DE"/>
+              <a:t>Dritte Ebene</a:t>
+            </a:r>
+          </a:p>
+          <a:p>
+            <a:pPr lvl="3"/>
+            <a:r>
+              <a:rPr lang="de-DE"/>
+              <a:t>Vierte Ebene</a:t>
+            </a:r>
+          </a:p>
+          <a:p>
+            <a:pPr lvl="4"/>
+            <a:r>
+              <a:rPr lang="de-DE"/>
+              <a:t>Fünfte Ebene</a:t>
+            </a:r>
+          </a:p>
+        </p:txBody>
+      </p:sp>
+      <p:sp>
+        <p:nvSpPr>
+          <p:cNvPr id="5" name="Textplatzhalter 4"/>
+          <p:cNvSpPr>
+            <a:spLocks noGrp="1"/>
+          </p:cNvSpPr>
+          <p:nvPr>
+            <p:ph type="body" sz="quarter" idx="3"/>
+          </p:nvPr>
+        </p:nvSpPr>
+        <p:spPr>
+          <a:xfrm>
+            <a:off x="4629150" y="1260872"/>
+            <a:ext cx="3887391" cy="617934"/>
+          </a:xfrm>
+        </p:spPr>
+        <p:txBody>
+          <a:bodyPr anchor="b"/>
+          <a:lstStyle>
+            <a:lvl1pPr marL="0" indent="0">
+              <a:buNone/>
+              <a:defRPr sz="1800" b="1"/>
+            </a:lvl1pPr>
+            <a:lvl2pPr marL="342900" indent="0">
+              <a:buNone/>
+              <a:defRPr sz="1500" b="1"/>
+            </a:lvl2pPr>
+            <a:lvl3pPr marL="685800" indent="0">
+              <a:buNone/>
+              <a:defRPr sz="1350" b="1"/>
+            </a:lvl3pPr>
+            <a:lvl4pPr marL="1028700" indent="0">
+              <a:buNone/>
+              <a:defRPr sz="1200" b="1"/>
+            </a:lvl4pPr>
+            <a:lvl5pPr marL="1371600" indent="0">
+              <a:buNone/>
+              <a:defRPr sz="1200" b="1"/>
+            </a:lvl5pPr>
+            <a:lvl6pPr marL="1714500" indent="0">
+              <a:buNone/>
+              <a:defRPr sz="1200" b="1"/>
+            </a:lvl6pPr>
+            <a:lvl7pPr marL="2057400" indent="0">
+              <a:buNone/>
+              <a:defRPr sz="1200" b="1"/>
+            </a:lvl7pPr>
+            <a:lvl8pPr marL="2400300" indent="0">
+              <a:buNone/>
+              <a:defRPr sz="1200" b="1"/>
+            </a:lvl8pPr>
+            <a:lvl9pPr marL="2743200" indent="0">
+              <a:buNone/>
+              <a:defRPr sz="1200" b="1"/>
+            </a:lvl9pPr>
+          </a:lstStyle>
+          <a:p>
+            <a:pPr lvl="0"/>
+            <a:r>
+              <a:rPr lang="de-DE"/>
+              <a:t>Formatvorlagen des Textmasters bearbeiten</a:t>
+            </a:r>
+          </a:p>
+        </p:txBody>
+      </p:sp>
+      <p:sp>
+        <p:nvSpPr>
+          <p:cNvPr id="6" name="Inhaltsplatzhalter 5"/>
+          <p:cNvSpPr>
+            <a:spLocks noGrp="1"/>
+          </p:cNvSpPr>
+          <p:nvPr>
+            <p:ph sz="quarter" idx="4"/>
+          </p:nvPr>
+        </p:nvSpPr>
+        <p:spPr>
+          <a:xfrm>
+            <a:off x="4629150" y="1878806"/>
+            <a:ext cx="3887391" cy="2763441"/>
+          </a:xfrm>
+        </p:spPr>
+        <p:txBody>
+          <a:bodyPr/>
+          <a:lstStyle/>
+          <a:p>
+            <a:pPr lvl="0"/>
+            <a:r>
+              <a:rPr lang="de-DE"/>
+              <a:t>Formatvorlagen des Textmasters bearbeiten</a:t>
+            </a:r>
+          </a:p>
+          <a:p>
+            <a:pPr lvl="1"/>
+            <a:r>
+              <a:rPr lang="de-DE"/>
+              <a:t>Zweite Ebene</a:t>
+            </a:r>
+          </a:p>
+          <a:p>
+            <a:pPr lvl="2"/>
+            <a:r>
+              <a:rPr lang="de-DE"/>
+              <a:t>Dritte Ebene</a:t>
+            </a:r>
+          </a:p>
+          <a:p>
+            <a:pPr lvl="3"/>
+            <a:r>
+              <a:rPr lang="de-DE"/>
+              <a:t>Vierte Ebene</a:t>
+            </a:r>
+          </a:p>
+          <a:p>
+            <a:pPr lvl="4"/>
+            <a:r>
+              <a:rPr lang="de-DE"/>
+              <a:t>Fünfte Ebene</a:t>
+            </a:r>
+          </a:p>
+        </p:txBody>
+      </p:sp>
+      <p:sp>
+        <p:nvSpPr>
+          <p:cNvPr id="7" name="Datumsplatzhalter 6"/>
+          <p:cNvSpPr>
+            <a:spLocks noGrp="1"/>
+          </p:cNvSpPr>
+          <p:nvPr>
+            <p:ph type="dt" sz="half" idx="10"/>
+          </p:nvPr>
+        </p:nvSpPr>
+        <p:spPr/>
+        <p:txBody>
+          <a:bodyPr/>
+          <a:lstStyle/>
+          <a:p>
+            <a:fld id="{C44F7930-81CD-4D63-BA62-1FB6F8E0FA4C}" type="datetimeFigureOut">
+              <a:rPr lang="de-DE" smtClean="0"/>
+              <a:t>29.03.2017</a:t>
+            </a:fld>
+            <a:endParaRPr lang="de-DE"/>
+          </a:p>
+        </p:txBody>
+      </p:sp>
+      <p:sp>
+        <p:nvSpPr>
+          <p:cNvPr id="8" name="Fußzeilenplatzhalter 7"/>
+          <p:cNvSpPr>
+            <a:spLocks noGrp="1"/>
+          </p:cNvSpPr>
+          <p:nvPr>
+            <p:ph type="ftr" sz="quarter" idx="11"/>
+          </p:nvPr>
+        </p:nvSpPr>
+        <p:spPr/>
+        <p:txBody>
+          <a:bodyPr/>
+          <a:lstStyle/>
+          <a:p>
+            <a:endParaRPr lang="de-DE"/>
+          </a:p>
+        </p:txBody>
+      </p:sp>
+      <p:sp>
+        <p:nvSpPr>
+          <p:cNvPr id="9" name="Foliennummernplatzhalter 8"/>
+          <p:cNvSpPr>
+            <a:spLocks noGrp="1"/>
+          </p:cNvSpPr>
+          <p:nvPr>
+            <p:ph type="sldNum" sz="quarter" idx="12"/>
+          </p:nvPr>
+        </p:nvSpPr>
+        <p:spPr/>
+        <p:txBody>
+          <a:bodyPr/>
+          <a:lstStyle/>
+          <a:p>
+            <a:fld id="{4BA636ED-4FAC-40DD-B33F-F61E9DBB46B0}" type="slidenum">
+              <a:rPr lang="de-DE" smtClean="0"/>
+              <a:t>‹Nr.›</a:t>
+            </a:fld>
+            <a:endParaRPr lang="de-DE"/>
+          </a:p>
+        </p:txBody>
+      </p:sp>
+    </p:spTree>
+    <p:extLst>
+      <p:ext uri="{BB962C8B-B14F-4D97-AF65-F5344CB8AC3E}">
+        <p14:creationId xmlns:p14="http://schemas.microsoft.com/office/powerpoint/2010/main" val="2870629572"/>
+      </p:ext>
+    </p:extLst>
+  </p:cSld>
+  <p:clrMapOvr>
+    <a:masterClrMapping/>
+  </p:clrMapOvr>
+</p:sldLayout>
+</file>
+
 <file path=ppt/slideLayouts/slideLayout5.xml><?xml version="1.0" encoding="utf-8"?>
 <p:sldLayout xmlns:a="http://schemas.openxmlformats.org/drawingml/2006/main" xmlns:r="http://schemas.openxmlformats.org/officeDocument/2006/relationships" xmlns:p="http://schemas.openxmlformats.org/presentationml/2006/main" preserve="1" userDrawn="1">
   <p:cSld name="1/1 ohne Canvas mit Titel">
@@ -11776,6 +12977,1091 @@
         </p:txBody>
       </p:sp>
     </p:spTree>
+  </p:cSld>
+  <p:clrMapOvr>
+    <a:masterClrMapping/>
+  </p:clrMapOvr>
+</p:sldLayout>
+</file>
+
+<file path=ppt/slideLayouts/slideLayout50.xml><?xml version="1.0" encoding="utf-8"?>
+<p:sldLayout xmlns:a="http://schemas.openxmlformats.org/drawingml/2006/main" xmlns:r="http://schemas.openxmlformats.org/officeDocument/2006/relationships" xmlns:p="http://schemas.openxmlformats.org/presentationml/2006/main" type="titleOnly" preserve="1">
+  <p:cSld name="Nur Titel">
+    <p:spTree>
+      <p:nvGrpSpPr>
+        <p:cNvPr id="1" name=""/>
+        <p:cNvGrpSpPr/>
+        <p:nvPr/>
+      </p:nvGrpSpPr>
+      <p:grpSpPr>
+        <a:xfrm>
+          <a:off x="0" y="0"/>
+          <a:ext cx="0" cy="0"/>
+          <a:chOff x="0" y="0"/>
+          <a:chExt cx="0" cy="0"/>
+        </a:xfrm>
+      </p:grpSpPr>
+      <p:sp>
+        <p:nvSpPr>
+          <p:cNvPr id="2" name="Titel 1"/>
+          <p:cNvSpPr>
+            <a:spLocks noGrp="1"/>
+          </p:cNvSpPr>
+          <p:nvPr>
+            <p:ph type="title"/>
+          </p:nvPr>
+        </p:nvSpPr>
+        <p:spPr/>
+        <p:txBody>
+          <a:bodyPr/>
+          <a:lstStyle/>
+          <a:p>
+            <a:r>
+              <a:rPr lang="de-DE"/>
+              <a:t>Titelmasterformat durch Klicken bearbeiten</a:t>
+            </a:r>
+          </a:p>
+        </p:txBody>
+      </p:sp>
+      <p:sp>
+        <p:nvSpPr>
+          <p:cNvPr id="3" name="Datumsplatzhalter 2"/>
+          <p:cNvSpPr>
+            <a:spLocks noGrp="1"/>
+          </p:cNvSpPr>
+          <p:nvPr>
+            <p:ph type="dt" sz="half" idx="10"/>
+          </p:nvPr>
+        </p:nvSpPr>
+        <p:spPr/>
+        <p:txBody>
+          <a:bodyPr/>
+          <a:lstStyle/>
+          <a:p>
+            <a:fld id="{C44F7930-81CD-4D63-BA62-1FB6F8E0FA4C}" type="datetimeFigureOut">
+              <a:rPr lang="de-DE" smtClean="0"/>
+              <a:t>29.03.2017</a:t>
+            </a:fld>
+            <a:endParaRPr lang="de-DE"/>
+          </a:p>
+        </p:txBody>
+      </p:sp>
+      <p:sp>
+        <p:nvSpPr>
+          <p:cNvPr id="4" name="Fußzeilenplatzhalter 3"/>
+          <p:cNvSpPr>
+            <a:spLocks noGrp="1"/>
+          </p:cNvSpPr>
+          <p:nvPr>
+            <p:ph type="ftr" sz="quarter" idx="11"/>
+          </p:nvPr>
+        </p:nvSpPr>
+        <p:spPr/>
+        <p:txBody>
+          <a:bodyPr/>
+          <a:lstStyle/>
+          <a:p>
+            <a:endParaRPr lang="de-DE"/>
+          </a:p>
+        </p:txBody>
+      </p:sp>
+      <p:sp>
+        <p:nvSpPr>
+          <p:cNvPr id="5" name="Foliennummernplatzhalter 4"/>
+          <p:cNvSpPr>
+            <a:spLocks noGrp="1"/>
+          </p:cNvSpPr>
+          <p:nvPr>
+            <p:ph type="sldNum" sz="quarter" idx="12"/>
+          </p:nvPr>
+        </p:nvSpPr>
+        <p:spPr/>
+        <p:txBody>
+          <a:bodyPr/>
+          <a:lstStyle/>
+          <a:p>
+            <a:fld id="{4BA636ED-4FAC-40DD-B33F-F61E9DBB46B0}" type="slidenum">
+              <a:rPr lang="de-DE" smtClean="0"/>
+              <a:t>‹Nr.›</a:t>
+            </a:fld>
+            <a:endParaRPr lang="de-DE"/>
+          </a:p>
+        </p:txBody>
+      </p:sp>
+    </p:spTree>
+    <p:extLst>
+      <p:ext uri="{BB962C8B-B14F-4D97-AF65-F5344CB8AC3E}">
+        <p14:creationId xmlns:p14="http://schemas.microsoft.com/office/powerpoint/2010/main" val="1505366515"/>
+      </p:ext>
+    </p:extLst>
+  </p:cSld>
+  <p:clrMapOvr>
+    <a:masterClrMapping/>
+  </p:clrMapOvr>
+</p:sldLayout>
+</file>
+
+<file path=ppt/slideLayouts/slideLayout51.xml><?xml version="1.0" encoding="utf-8"?>
+<p:sldLayout xmlns:a="http://schemas.openxmlformats.org/drawingml/2006/main" xmlns:r="http://schemas.openxmlformats.org/officeDocument/2006/relationships" xmlns:p="http://schemas.openxmlformats.org/presentationml/2006/main" type="blank" preserve="1">
+  <p:cSld name="Leer">
+    <p:spTree>
+      <p:nvGrpSpPr>
+        <p:cNvPr id="1" name=""/>
+        <p:cNvGrpSpPr/>
+        <p:nvPr/>
+      </p:nvGrpSpPr>
+      <p:grpSpPr>
+        <a:xfrm>
+          <a:off x="0" y="0"/>
+          <a:ext cx="0" cy="0"/>
+          <a:chOff x="0" y="0"/>
+          <a:chExt cx="0" cy="0"/>
+        </a:xfrm>
+      </p:grpSpPr>
+      <p:sp>
+        <p:nvSpPr>
+          <p:cNvPr id="2" name="Datumsplatzhalter 1"/>
+          <p:cNvSpPr>
+            <a:spLocks noGrp="1"/>
+          </p:cNvSpPr>
+          <p:nvPr>
+            <p:ph type="dt" sz="half" idx="10"/>
+          </p:nvPr>
+        </p:nvSpPr>
+        <p:spPr/>
+        <p:txBody>
+          <a:bodyPr/>
+          <a:lstStyle/>
+          <a:p>
+            <a:fld id="{C44F7930-81CD-4D63-BA62-1FB6F8E0FA4C}" type="datetimeFigureOut">
+              <a:rPr lang="de-DE" smtClean="0"/>
+              <a:t>29.03.2017</a:t>
+            </a:fld>
+            <a:endParaRPr lang="de-DE"/>
+          </a:p>
+        </p:txBody>
+      </p:sp>
+      <p:sp>
+        <p:nvSpPr>
+          <p:cNvPr id="3" name="Fußzeilenplatzhalter 2"/>
+          <p:cNvSpPr>
+            <a:spLocks noGrp="1"/>
+          </p:cNvSpPr>
+          <p:nvPr>
+            <p:ph type="ftr" sz="quarter" idx="11"/>
+          </p:nvPr>
+        </p:nvSpPr>
+        <p:spPr/>
+        <p:txBody>
+          <a:bodyPr/>
+          <a:lstStyle/>
+          <a:p>
+            <a:endParaRPr lang="de-DE"/>
+          </a:p>
+        </p:txBody>
+      </p:sp>
+      <p:sp>
+        <p:nvSpPr>
+          <p:cNvPr id="4" name="Foliennummernplatzhalter 3"/>
+          <p:cNvSpPr>
+            <a:spLocks noGrp="1"/>
+          </p:cNvSpPr>
+          <p:nvPr>
+            <p:ph type="sldNum" sz="quarter" idx="12"/>
+          </p:nvPr>
+        </p:nvSpPr>
+        <p:spPr/>
+        <p:txBody>
+          <a:bodyPr/>
+          <a:lstStyle/>
+          <a:p>
+            <a:fld id="{4BA636ED-4FAC-40DD-B33F-F61E9DBB46B0}" type="slidenum">
+              <a:rPr lang="de-DE" smtClean="0"/>
+              <a:t>‹Nr.›</a:t>
+            </a:fld>
+            <a:endParaRPr lang="de-DE"/>
+          </a:p>
+        </p:txBody>
+      </p:sp>
+    </p:spTree>
+    <p:extLst>
+      <p:ext uri="{BB962C8B-B14F-4D97-AF65-F5344CB8AC3E}">
+        <p14:creationId xmlns:p14="http://schemas.microsoft.com/office/powerpoint/2010/main" val="3000201607"/>
+      </p:ext>
+    </p:extLst>
+  </p:cSld>
+  <p:clrMapOvr>
+    <a:masterClrMapping/>
+  </p:clrMapOvr>
+</p:sldLayout>
+</file>
+
+<file path=ppt/slideLayouts/slideLayout52.xml><?xml version="1.0" encoding="utf-8"?>
+<p:sldLayout xmlns:a="http://schemas.openxmlformats.org/drawingml/2006/main" xmlns:r="http://schemas.openxmlformats.org/officeDocument/2006/relationships" xmlns:p="http://schemas.openxmlformats.org/presentationml/2006/main" type="objTx" preserve="1">
+  <p:cSld name="Inhalt mit Überschrift">
+    <p:spTree>
+      <p:nvGrpSpPr>
+        <p:cNvPr id="1" name=""/>
+        <p:cNvGrpSpPr/>
+        <p:nvPr/>
+      </p:nvGrpSpPr>
+      <p:grpSpPr>
+        <a:xfrm>
+          <a:off x="0" y="0"/>
+          <a:ext cx="0" cy="0"/>
+          <a:chOff x="0" y="0"/>
+          <a:chExt cx="0" cy="0"/>
+        </a:xfrm>
+      </p:grpSpPr>
+      <p:sp>
+        <p:nvSpPr>
+          <p:cNvPr id="2" name="Titel 1"/>
+          <p:cNvSpPr>
+            <a:spLocks noGrp="1"/>
+          </p:cNvSpPr>
+          <p:nvPr>
+            <p:ph type="title"/>
+          </p:nvPr>
+        </p:nvSpPr>
+        <p:spPr>
+          <a:xfrm>
+            <a:off x="629841" y="342900"/>
+            <a:ext cx="2949178" cy="1200150"/>
+          </a:xfrm>
+        </p:spPr>
+        <p:txBody>
+          <a:bodyPr anchor="b"/>
+          <a:lstStyle>
+            <a:lvl1pPr>
+              <a:defRPr sz="2400"/>
+            </a:lvl1pPr>
+          </a:lstStyle>
+          <a:p>
+            <a:r>
+              <a:rPr lang="de-DE"/>
+              <a:t>Titelmasterformat durch Klicken bearbeiten</a:t>
+            </a:r>
+          </a:p>
+        </p:txBody>
+      </p:sp>
+      <p:sp>
+        <p:nvSpPr>
+          <p:cNvPr id="3" name="Inhaltsplatzhalter 2"/>
+          <p:cNvSpPr>
+            <a:spLocks noGrp="1"/>
+          </p:cNvSpPr>
+          <p:nvPr>
+            <p:ph idx="1"/>
+          </p:nvPr>
+        </p:nvSpPr>
+        <p:spPr>
+          <a:xfrm>
+            <a:off x="3887391" y="740569"/>
+            <a:ext cx="4629150" cy="3655219"/>
+          </a:xfrm>
+        </p:spPr>
+        <p:txBody>
+          <a:bodyPr/>
+          <a:lstStyle>
+            <a:lvl1pPr>
+              <a:defRPr sz="2400"/>
+            </a:lvl1pPr>
+            <a:lvl2pPr>
+              <a:defRPr sz="2100"/>
+            </a:lvl2pPr>
+            <a:lvl3pPr>
+              <a:defRPr sz="1800"/>
+            </a:lvl3pPr>
+            <a:lvl4pPr>
+              <a:defRPr sz="1500"/>
+            </a:lvl4pPr>
+            <a:lvl5pPr>
+              <a:defRPr sz="1500"/>
+            </a:lvl5pPr>
+            <a:lvl6pPr>
+              <a:defRPr sz="1500"/>
+            </a:lvl6pPr>
+            <a:lvl7pPr>
+              <a:defRPr sz="1500"/>
+            </a:lvl7pPr>
+            <a:lvl8pPr>
+              <a:defRPr sz="1500"/>
+            </a:lvl8pPr>
+            <a:lvl9pPr>
+              <a:defRPr sz="1500"/>
+            </a:lvl9pPr>
+          </a:lstStyle>
+          <a:p>
+            <a:pPr lvl="0"/>
+            <a:r>
+              <a:rPr lang="de-DE"/>
+              <a:t>Formatvorlagen des Textmasters bearbeiten</a:t>
+            </a:r>
+          </a:p>
+          <a:p>
+            <a:pPr lvl="1"/>
+            <a:r>
+              <a:rPr lang="de-DE"/>
+              <a:t>Zweite Ebene</a:t>
+            </a:r>
+          </a:p>
+          <a:p>
+            <a:pPr lvl="2"/>
+            <a:r>
+              <a:rPr lang="de-DE"/>
+              <a:t>Dritte Ebene</a:t>
+            </a:r>
+          </a:p>
+          <a:p>
+            <a:pPr lvl="3"/>
+            <a:r>
+              <a:rPr lang="de-DE"/>
+              <a:t>Vierte Ebene</a:t>
+            </a:r>
+          </a:p>
+          <a:p>
+            <a:pPr lvl="4"/>
+            <a:r>
+              <a:rPr lang="de-DE"/>
+              <a:t>Fünfte Ebene</a:t>
+            </a:r>
+          </a:p>
+        </p:txBody>
+      </p:sp>
+      <p:sp>
+        <p:nvSpPr>
+          <p:cNvPr id="4" name="Textplatzhalter 3"/>
+          <p:cNvSpPr>
+            <a:spLocks noGrp="1"/>
+          </p:cNvSpPr>
+          <p:nvPr>
+            <p:ph type="body" sz="half" idx="2"/>
+          </p:nvPr>
+        </p:nvSpPr>
+        <p:spPr>
+          <a:xfrm>
+            <a:off x="629841" y="1543050"/>
+            <a:ext cx="2949178" cy="2858691"/>
+          </a:xfrm>
+        </p:spPr>
+        <p:txBody>
+          <a:bodyPr/>
+          <a:lstStyle>
+            <a:lvl1pPr marL="0" indent="0">
+              <a:buNone/>
+              <a:defRPr sz="1200"/>
+            </a:lvl1pPr>
+            <a:lvl2pPr marL="342900" indent="0">
+              <a:buNone/>
+              <a:defRPr sz="1050"/>
+            </a:lvl2pPr>
+            <a:lvl3pPr marL="685800" indent="0">
+              <a:buNone/>
+              <a:defRPr sz="900"/>
+            </a:lvl3pPr>
+            <a:lvl4pPr marL="1028700" indent="0">
+              <a:buNone/>
+              <a:defRPr sz="750"/>
+            </a:lvl4pPr>
+            <a:lvl5pPr marL="1371600" indent="0">
+              <a:buNone/>
+              <a:defRPr sz="750"/>
+            </a:lvl5pPr>
+            <a:lvl6pPr marL="1714500" indent="0">
+              <a:buNone/>
+              <a:defRPr sz="750"/>
+            </a:lvl6pPr>
+            <a:lvl7pPr marL="2057400" indent="0">
+              <a:buNone/>
+              <a:defRPr sz="750"/>
+            </a:lvl7pPr>
+            <a:lvl8pPr marL="2400300" indent="0">
+              <a:buNone/>
+              <a:defRPr sz="750"/>
+            </a:lvl8pPr>
+            <a:lvl9pPr marL="2743200" indent="0">
+              <a:buNone/>
+              <a:defRPr sz="750"/>
+            </a:lvl9pPr>
+          </a:lstStyle>
+          <a:p>
+            <a:pPr lvl="0"/>
+            <a:r>
+              <a:rPr lang="de-DE"/>
+              <a:t>Formatvorlagen des Textmasters bearbeiten</a:t>
+            </a:r>
+          </a:p>
+        </p:txBody>
+      </p:sp>
+      <p:sp>
+        <p:nvSpPr>
+          <p:cNvPr id="5" name="Datumsplatzhalter 4"/>
+          <p:cNvSpPr>
+            <a:spLocks noGrp="1"/>
+          </p:cNvSpPr>
+          <p:nvPr>
+            <p:ph type="dt" sz="half" idx="10"/>
+          </p:nvPr>
+        </p:nvSpPr>
+        <p:spPr/>
+        <p:txBody>
+          <a:bodyPr/>
+          <a:lstStyle/>
+          <a:p>
+            <a:fld id="{C44F7930-81CD-4D63-BA62-1FB6F8E0FA4C}" type="datetimeFigureOut">
+              <a:rPr lang="de-DE" smtClean="0"/>
+              <a:t>29.03.2017</a:t>
+            </a:fld>
+            <a:endParaRPr lang="de-DE"/>
+          </a:p>
+        </p:txBody>
+      </p:sp>
+      <p:sp>
+        <p:nvSpPr>
+          <p:cNvPr id="6" name="Fußzeilenplatzhalter 5"/>
+          <p:cNvSpPr>
+            <a:spLocks noGrp="1"/>
+          </p:cNvSpPr>
+          <p:nvPr>
+            <p:ph type="ftr" sz="quarter" idx="11"/>
+          </p:nvPr>
+        </p:nvSpPr>
+        <p:spPr/>
+        <p:txBody>
+          <a:bodyPr/>
+          <a:lstStyle/>
+          <a:p>
+            <a:endParaRPr lang="de-DE"/>
+          </a:p>
+        </p:txBody>
+      </p:sp>
+      <p:sp>
+        <p:nvSpPr>
+          <p:cNvPr id="7" name="Foliennummernplatzhalter 6"/>
+          <p:cNvSpPr>
+            <a:spLocks noGrp="1"/>
+          </p:cNvSpPr>
+          <p:nvPr>
+            <p:ph type="sldNum" sz="quarter" idx="12"/>
+          </p:nvPr>
+        </p:nvSpPr>
+        <p:spPr/>
+        <p:txBody>
+          <a:bodyPr/>
+          <a:lstStyle/>
+          <a:p>
+            <a:fld id="{4BA636ED-4FAC-40DD-B33F-F61E9DBB46B0}" type="slidenum">
+              <a:rPr lang="de-DE" smtClean="0"/>
+              <a:t>‹Nr.›</a:t>
+            </a:fld>
+            <a:endParaRPr lang="de-DE"/>
+          </a:p>
+        </p:txBody>
+      </p:sp>
+    </p:spTree>
+    <p:extLst>
+      <p:ext uri="{BB962C8B-B14F-4D97-AF65-F5344CB8AC3E}">
+        <p14:creationId xmlns:p14="http://schemas.microsoft.com/office/powerpoint/2010/main" val="3154139076"/>
+      </p:ext>
+    </p:extLst>
+  </p:cSld>
+  <p:clrMapOvr>
+    <a:masterClrMapping/>
+  </p:clrMapOvr>
+</p:sldLayout>
+</file>
+
+<file path=ppt/slideLayouts/slideLayout53.xml><?xml version="1.0" encoding="utf-8"?>
+<p:sldLayout xmlns:a="http://schemas.openxmlformats.org/drawingml/2006/main" xmlns:r="http://schemas.openxmlformats.org/officeDocument/2006/relationships" xmlns:p="http://schemas.openxmlformats.org/presentationml/2006/main" type="picTx" preserve="1">
+  <p:cSld name="Bild mit Überschrift">
+    <p:spTree>
+      <p:nvGrpSpPr>
+        <p:cNvPr id="1" name=""/>
+        <p:cNvGrpSpPr/>
+        <p:nvPr/>
+      </p:nvGrpSpPr>
+      <p:grpSpPr>
+        <a:xfrm>
+          <a:off x="0" y="0"/>
+          <a:ext cx="0" cy="0"/>
+          <a:chOff x="0" y="0"/>
+          <a:chExt cx="0" cy="0"/>
+        </a:xfrm>
+      </p:grpSpPr>
+      <p:sp>
+        <p:nvSpPr>
+          <p:cNvPr id="2" name="Titel 1"/>
+          <p:cNvSpPr>
+            <a:spLocks noGrp="1"/>
+          </p:cNvSpPr>
+          <p:nvPr>
+            <p:ph type="title"/>
+          </p:nvPr>
+        </p:nvSpPr>
+        <p:spPr>
+          <a:xfrm>
+            <a:off x="629841" y="342900"/>
+            <a:ext cx="2949178" cy="1200150"/>
+          </a:xfrm>
+        </p:spPr>
+        <p:txBody>
+          <a:bodyPr anchor="b"/>
+          <a:lstStyle>
+            <a:lvl1pPr>
+              <a:defRPr sz="2400"/>
+            </a:lvl1pPr>
+          </a:lstStyle>
+          <a:p>
+            <a:r>
+              <a:rPr lang="de-DE"/>
+              <a:t>Titelmasterformat durch Klicken bearbeiten</a:t>
+            </a:r>
+          </a:p>
+        </p:txBody>
+      </p:sp>
+      <p:sp>
+        <p:nvSpPr>
+          <p:cNvPr id="3" name="Bildplatzhalter 2"/>
+          <p:cNvSpPr>
+            <a:spLocks noGrp="1"/>
+          </p:cNvSpPr>
+          <p:nvPr>
+            <p:ph type="pic" idx="1"/>
+          </p:nvPr>
+        </p:nvSpPr>
+        <p:spPr>
+          <a:xfrm>
+            <a:off x="3887391" y="740569"/>
+            <a:ext cx="4629150" cy="3655219"/>
+          </a:xfrm>
+        </p:spPr>
+        <p:txBody>
+          <a:bodyPr/>
+          <a:lstStyle>
+            <a:lvl1pPr marL="0" indent="0">
+              <a:buNone/>
+              <a:defRPr sz="2400"/>
+            </a:lvl1pPr>
+            <a:lvl2pPr marL="342900" indent="0">
+              <a:buNone/>
+              <a:defRPr sz="2100"/>
+            </a:lvl2pPr>
+            <a:lvl3pPr marL="685800" indent="0">
+              <a:buNone/>
+              <a:defRPr sz="1800"/>
+            </a:lvl3pPr>
+            <a:lvl4pPr marL="1028700" indent="0">
+              <a:buNone/>
+              <a:defRPr sz="1500"/>
+            </a:lvl4pPr>
+            <a:lvl5pPr marL="1371600" indent="0">
+              <a:buNone/>
+              <a:defRPr sz="1500"/>
+            </a:lvl5pPr>
+            <a:lvl6pPr marL="1714500" indent="0">
+              <a:buNone/>
+              <a:defRPr sz="1500"/>
+            </a:lvl6pPr>
+            <a:lvl7pPr marL="2057400" indent="0">
+              <a:buNone/>
+              <a:defRPr sz="1500"/>
+            </a:lvl7pPr>
+            <a:lvl8pPr marL="2400300" indent="0">
+              <a:buNone/>
+              <a:defRPr sz="1500"/>
+            </a:lvl8pPr>
+            <a:lvl9pPr marL="2743200" indent="0">
+              <a:buNone/>
+              <a:defRPr sz="1500"/>
+            </a:lvl9pPr>
+          </a:lstStyle>
+          <a:p>
+            <a:endParaRPr lang="de-DE"/>
+          </a:p>
+        </p:txBody>
+      </p:sp>
+      <p:sp>
+        <p:nvSpPr>
+          <p:cNvPr id="4" name="Textplatzhalter 3"/>
+          <p:cNvSpPr>
+            <a:spLocks noGrp="1"/>
+          </p:cNvSpPr>
+          <p:nvPr>
+            <p:ph type="body" sz="half" idx="2"/>
+          </p:nvPr>
+        </p:nvSpPr>
+        <p:spPr>
+          <a:xfrm>
+            <a:off x="629841" y="1543050"/>
+            <a:ext cx="2949178" cy="2858691"/>
+          </a:xfrm>
+        </p:spPr>
+        <p:txBody>
+          <a:bodyPr/>
+          <a:lstStyle>
+            <a:lvl1pPr marL="0" indent="0">
+              <a:buNone/>
+              <a:defRPr sz="1200"/>
+            </a:lvl1pPr>
+            <a:lvl2pPr marL="342900" indent="0">
+              <a:buNone/>
+              <a:defRPr sz="1050"/>
+            </a:lvl2pPr>
+            <a:lvl3pPr marL="685800" indent="0">
+              <a:buNone/>
+              <a:defRPr sz="900"/>
+            </a:lvl3pPr>
+            <a:lvl4pPr marL="1028700" indent="0">
+              <a:buNone/>
+              <a:defRPr sz="750"/>
+            </a:lvl4pPr>
+            <a:lvl5pPr marL="1371600" indent="0">
+              <a:buNone/>
+              <a:defRPr sz="750"/>
+            </a:lvl5pPr>
+            <a:lvl6pPr marL="1714500" indent="0">
+              <a:buNone/>
+              <a:defRPr sz="750"/>
+            </a:lvl6pPr>
+            <a:lvl7pPr marL="2057400" indent="0">
+              <a:buNone/>
+              <a:defRPr sz="750"/>
+            </a:lvl7pPr>
+            <a:lvl8pPr marL="2400300" indent="0">
+              <a:buNone/>
+              <a:defRPr sz="750"/>
+            </a:lvl8pPr>
+            <a:lvl9pPr marL="2743200" indent="0">
+              <a:buNone/>
+              <a:defRPr sz="750"/>
+            </a:lvl9pPr>
+          </a:lstStyle>
+          <a:p>
+            <a:pPr lvl="0"/>
+            <a:r>
+              <a:rPr lang="de-DE"/>
+              <a:t>Formatvorlagen des Textmasters bearbeiten</a:t>
+            </a:r>
+          </a:p>
+        </p:txBody>
+      </p:sp>
+      <p:sp>
+        <p:nvSpPr>
+          <p:cNvPr id="5" name="Datumsplatzhalter 4"/>
+          <p:cNvSpPr>
+            <a:spLocks noGrp="1"/>
+          </p:cNvSpPr>
+          <p:nvPr>
+            <p:ph type="dt" sz="half" idx="10"/>
+          </p:nvPr>
+        </p:nvSpPr>
+        <p:spPr/>
+        <p:txBody>
+          <a:bodyPr/>
+          <a:lstStyle/>
+          <a:p>
+            <a:fld id="{C44F7930-81CD-4D63-BA62-1FB6F8E0FA4C}" type="datetimeFigureOut">
+              <a:rPr lang="de-DE" smtClean="0"/>
+              <a:t>29.03.2017</a:t>
+            </a:fld>
+            <a:endParaRPr lang="de-DE"/>
+          </a:p>
+        </p:txBody>
+      </p:sp>
+      <p:sp>
+        <p:nvSpPr>
+          <p:cNvPr id="6" name="Fußzeilenplatzhalter 5"/>
+          <p:cNvSpPr>
+            <a:spLocks noGrp="1"/>
+          </p:cNvSpPr>
+          <p:nvPr>
+            <p:ph type="ftr" sz="quarter" idx="11"/>
+          </p:nvPr>
+        </p:nvSpPr>
+        <p:spPr/>
+        <p:txBody>
+          <a:bodyPr/>
+          <a:lstStyle/>
+          <a:p>
+            <a:endParaRPr lang="de-DE"/>
+          </a:p>
+        </p:txBody>
+      </p:sp>
+      <p:sp>
+        <p:nvSpPr>
+          <p:cNvPr id="7" name="Foliennummernplatzhalter 6"/>
+          <p:cNvSpPr>
+            <a:spLocks noGrp="1"/>
+          </p:cNvSpPr>
+          <p:nvPr>
+            <p:ph type="sldNum" sz="quarter" idx="12"/>
+          </p:nvPr>
+        </p:nvSpPr>
+        <p:spPr/>
+        <p:txBody>
+          <a:bodyPr/>
+          <a:lstStyle/>
+          <a:p>
+            <a:fld id="{4BA636ED-4FAC-40DD-B33F-F61E9DBB46B0}" type="slidenum">
+              <a:rPr lang="de-DE" smtClean="0"/>
+              <a:t>‹Nr.›</a:t>
+            </a:fld>
+            <a:endParaRPr lang="de-DE"/>
+          </a:p>
+        </p:txBody>
+      </p:sp>
+    </p:spTree>
+    <p:extLst>
+      <p:ext uri="{BB962C8B-B14F-4D97-AF65-F5344CB8AC3E}">
+        <p14:creationId xmlns:p14="http://schemas.microsoft.com/office/powerpoint/2010/main" val="1742878112"/>
+      </p:ext>
+    </p:extLst>
+  </p:cSld>
+  <p:clrMapOvr>
+    <a:masterClrMapping/>
+  </p:clrMapOvr>
+</p:sldLayout>
+</file>
+
+<file path=ppt/slideLayouts/slideLayout54.xml><?xml version="1.0" encoding="utf-8"?>
+<p:sldLayout xmlns:a="http://schemas.openxmlformats.org/drawingml/2006/main" xmlns:r="http://schemas.openxmlformats.org/officeDocument/2006/relationships" xmlns:p="http://schemas.openxmlformats.org/presentationml/2006/main" type="vertTx" preserve="1">
+  <p:cSld name="Titel und vertikaler Text">
+    <p:spTree>
+      <p:nvGrpSpPr>
+        <p:cNvPr id="1" name=""/>
+        <p:cNvGrpSpPr/>
+        <p:nvPr/>
+      </p:nvGrpSpPr>
+      <p:grpSpPr>
+        <a:xfrm>
+          <a:off x="0" y="0"/>
+          <a:ext cx="0" cy="0"/>
+          <a:chOff x="0" y="0"/>
+          <a:chExt cx="0" cy="0"/>
+        </a:xfrm>
+      </p:grpSpPr>
+      <p:sp>
+        <p:nvSpPr>
+          <p:cNvPr id="2" name="Titel 1"/>
+          <p:cNvSpPr>
+            <a:spLocks noGrp="1"/>
+          </p:cNvSpPr>
+          <p:nvPr>
+            <p:ph type="title"/>
+          </p:nvPr>
+        </p:nvSpPr>
+        <p:spPr/>
+        <p:txBody>
+          <a:bodyPr/>
+          <a:lstStyle/>
+          <a:p>
+            <a:r>
+              <a:rPr lang="de-DE"/>
+              <a:t>Titelmasterformat durch Klicken bearbeiten</a:t>
+            </a:r>
+          </a:p>
+        </p:txBody>
+      </p:sp>
+      <p:sp>
+        <p:nvSpPr>
+          <p:cNvPr id="3" name="Vertikaler Textplatzhalter 2"/>
+          <p:cNvSpPr>
+            <a:spLocks noGrp="1"/>
+          </p:cNvSpPr>
+          <p:nvPr>
+            <p:ph type="body" orient="vert" idx="1"/>
+          </p:nvPr>
+        </p:nvSpPr>
+        <p:spPr/>
+        <p:txBody>
+          <a:bodyPr vert="eaVert"/>
+          <a:lstStyle/>
+          <a:p>
+            <a:pPr lvl="0"/>
+            <a:r>
+              <a:rPr lang="de-DE"/>
+              <a:t>Formatvorlagen des Textmasters bearbeiten</a:t>
+            </a:r>
+          </a:p>
+          <a:p>
+            <a:pPr lvl="1"/>
+            <a:r>
+              <a:rPr lang="de-DE"/>
+              <a:t>Zweite Ebene</a:t>
+            </a:r>
+          </a:p>
+          <a:p>
+            <a:pPr lvl="2"/>
+            <a:r>
+              <a:rPr lang="de-DE"/>
+              <a:t>Dritte Ebene</a:t>
+            </a:r>
+          </a:p>
+          <a:p>
+            <a:pPr lvl="3"/>
+            <a:r>
+              <a:rPr lang="de-DE"/>
+              <a:t>Vierte Ebene</a:t>
+            </a:r>
+          </a:p>
+          <a:p>
+            <a:pPr lvl="4"/>
+            <a:r>
+              <a:rPr lang="de-DE"/>
+              <a:t>Fünfte Ebene</a:t>
+            </a:r>
+          </a:p>
+        </p:txBody>
+      </p:sp>
+      <p:sp>
+        <p:nvSpPr>
+          <p:cNvPr id="4" name="Datumsplatzhalter 3"/>
+          <p:cNvSpPr>
+            <a:spLocks noGrp="1"/>
+          </p:cNvSpPr>
+          <p:nvPr>
+            <p:ph type="dt" sz="half" idx="10"/>
+          </p:nvPr>
+        </p:nvSpPr>
+        <p:spPr/>
+        <p:txBody>
+          <a:bodyPr/>
+          <a:lstStyle/>
+          <a:p>
+            <a:fld id="{C44F7930-81CD-4D63-BA62-1FB6F8E0FA4C}" type="datetimeFigureOut">
+              <a:rPr lang="de-DE" smtClean="0"/>
+              <a:t>29.03.2017</a:t>
+            </a:fld>
+            <a:endParaRPr lang="de-DE"/>
+          </a:p>
+        </p:txBody>
+      </p:sp>
+      <p:sp>
+        <p:nvSpPr>
+          <p:cNvPr id="5" name="Fußzeilenplatzhalter 4"/>
+          <p:cNvSpPr>
+            <a:spLocks noGrp="1"/>
+          </p:cNvSpPr>
+          <p:nvPr>
+            <p:ph type="ftr" sz="quarter" idx="11"/>
+          </p:nvPr>
+        </p:nvSpPr>
+        <p:spPr/>
+        <p:txBody>
+          <a:bodyPr/>
+          <a:lstStyle/>
+          <a:p>
+            <a:endParaRPr lang="de-DE"/>
+          </a:p>
+        </p:txBody>
+      </p:sp>
+      <p:sp>
+        <p:nvSpPr>
+          <p:cNvPr id="6" name="Foliennummernplatzhalter 5"/>
+          <p:cNvSpPr>
+            <a:spLocks noGrp="1"/>
+          </p:cNvSpPr>
+          <p:nvPr>
+            <p:ph type="sldNum" sz="quarter" idx="12"/>
+          </p:nvPr>
+        </p:nvSpPr>
+        <p:spPr/>
+        <p:txBody>
+          <a:bodyPr/>
+          <a:lstStyle/>
+          <a:p>
+            <a:fld id="{4BA636ED-4FAC-40DD-B33F-F61E9DBB46B0}" type="slidenum">
+              <a:rPr lang="de-DE" smtClean="0"/>
+              <a:t>‹Nr.›</a:t>
+            </a:fld>
+            <a:endParaRPr lang="de-DE"/>
+          </a:p>
+        </p:txBody>
+      </p:sp>
+    </p:spTree>
+    <p:extLst>
+      <p:ext uri="{BB962C8B-B14F-4D97-AF65-F5344CB8AC3E}">
+        <p14:creationId xmlns:p14="http://schemas.microsoft.com/office/powerpoint/2010/main" val="3294169368"/>
+      </p:ext>
+    </p:extLst>
+  </p:cSld>
+  <p:clrMapOvr>
+    <a:masterClrMapping/>
+  </p:clrMapOvr>
+</p:sldLayout>
+</file>
+
+<file path=ppt/slideLayouts/slideLayout55.xml><?xml version="1.0" encoding="utf-8"?>
+<p:sldLayout xmlns:a="http://schemas.openxmlformats.org/drawingml/2006/main" xmlns:r="http://schemas.openxmlformats.org/officeDocument/2006/relationships" xmlns:p="http://schemas.openxmlformats.org/presentationml/2006/main" type="vertTitleAndTx" preserve="1">
+  <p:cSld name="Vertikaler Titel und Text">
+    <p:spTree>
+      <p:nvGrpSpPr>
+        <p:cNvPr id="1" name=""/>
+        <p:cNvGrpSpPr/>
+        <p:nvPr/>
+      </p:nvGrpSpPr>
+      <p:grpSpPr>
+        <a:xfrm>
+          <a:off x="0" y="0"/>
+          <a:ext cx="0" cy="0"/>
+          <a:chOff x="0" y="0"/>
+          <a:chExt cx="0" cy="0"/>
+        </a:xfrm>
+      </p:grpSpPr>
+      <p:sp>
+        <p:nvSpPr>
+          <p:cNvPr id="2" name="Vertikaler Titel 1"/>
+          <p:cNvSpPr>
+            <a:spLocks noGrp="1"/>
+          </p:cNvSpPr>
+          <p:nvPr>
+            <p:ph type="title" orient="vert"/>
+          </p:nvPr>
+        </p:nvSpPr>
+        <p:spPr>
+          <a:xfrm>
+            <a:off x="6543675" y="273844"/>
+            <a:ext cx="1971675" cy="4358879"/>
+          </a:xfrm>
+        </p:spPr>
+        <p:txBody>
+          <a:bodyPr vert="eaVert"/>
+          <a:lstStyle/>
+          <a:p>
+            <a:r>
+              <a:rPr lang="de-DE"/>
+              <a:t>Titelmasterformat durch Klicken bearbeiten</a:t>
+            </a:r>
+          </a:p>
+        </p:txBody>
+      </p:sp>
+      <p:sp>
+        <p:nvSpPr>
+          <p:cNvPr id="3" name="Vertikaler Textplatzhalter 2"/>
+          <p:cNvSpPr>
+            <a:spLocks noGrp="1"/>
+          </p:cNvSpPr>
+          <p:nvPr>
+            <p:ph type="body" orient="vert" idx="1"/>
+          </p:nvPr>
+        </p:nvSpPr>
+        <p:spPr>
+          <a:xfrm>
+            <a:off x="628650" y="273844"/>
+            <a:ext cx="5800725" cy="4358879"/>
+          </a:xfrm>
+        </p:spPr>
+        <p:txBody>
+          <a:bodyPr vert="eaVert"/>
+          <a:lstStyle/>
+          <a:p>
+            <a:pPr lvl="0"/>
+            <a:r>
+              <a:rPr lang="de-DE"/>
+              <a:t>Formatvorlagen des Textmasters bearbeiten</a:t>
+            </a:r>
+          </a:p>
+          <a:p>
+            <a:pPr lvl="1"/>
+            <a:r>
+              <a:rPr lang="de-DE"/>
+              <a:t>Zweite Ebene</a:t>
+            </a:r>
+          </a:p>
+          <a:p>
+            <a:pPr lvl="2"/>
+            <a:r>
+              <a:rPr lang="de-DE"/>
+              <a:t>Dritte Ebene</a:t>
+            </a:r>
+          </a:p>
+          <a:p>
+            <a:pPr lvl="3"/>
+            <a:r>
+              <a:rPr lang="de-DE"/>
+              <a:t>Vierte Ebene</a:t>
+            </a:r>
+          </a:p>
+          <a:p>
+            <a:pPr lvl="4"/>
+            <a:r>
+              <a:rPr lang="de-DE"/>
+              <a:t>Fünfte Ebene</a:t>
+            </a:r>
+          </a:p>
+        </p:txBody>
+      </p:sp>
+      <p:sp>
+        <p:nvSpPr>
+          <p:cNvPr id="4" name="Datumsplatzhalter 3"/>
+          <p:cNvSpPr>
+            <a:spLocks noGrp="1"/>
+          </p:cNvSpPr>
+          <p:nvPr>
+            <p:ph type="dt" sz="half" idx="10"/>
+          </p:nvPr>
+        </p:nvSpPr>
+        <p:spPr/>
+        <p:txBody>
+          <a:bodyPr/>
+          <a:lstStyle/>
+          <a:p>
+            <a:fld id="{C44F7930-81CD-4D63-BA62-1FB6F8E0FA4C}" type="datetimeFigureOut">
+              <a:rPr lang="de-DE" smtClean="0"/>
+              <a:t>29.03.2017</a:t>
+            </a:fld>
+            <a:endParaRPr lang="de-DE"/>
+          </a:p>
+        </p:txBody>
+      </p:sp>
+      <p:sp>
+        <p:nvSpPr>
+          <p:cNvPr id="5" name="Fußzeilenplatzhalter 4"/>
+          <p:cNvSpPr>
+            <a:spLocks noGrp="1"/>
+          </p:cNvSpPr>
+          <p:nvPr>
+            <p:ph type="ftr" sz="quarter" idx="11"/>
+          </p:nvPr>
+        </p:nvSpPr>
+        <p:spPr/>
+        <p:txBody>
+          <a:bodyPr/>
+          <a:lstStyle/>
+          <a:p>
+            <a:endParaRPr lang="de-DE"/>
+          </a:p>
+        </p:txBody>
+      </p:sp>
+      <p:sp>
+        <p:nvSpPr>
+          <p:cNvPr id="6" name="Foliennummernplatzhalter 5"/>
+          <p:cNvSpPr>
+            <a:spLocks noGrp="1"/>
+          </p:cNvSpPr>
+          <p:nvPr>
+            <p:ph type="sldNum" sz="quarter" idx="12"/>
+          </p:nvPr>
+        </p:nvSpPr>
+        <p:spPr/>
+        <p:txBody>
+          <a:bodyPr/>
+          <a:lstStyle/>
+          <a:p>
+            <a:fld id="{4BA636ED-4FAC-40DD-B33F-F61E9DBB46B0}" type="slidenum">
+              <a:rPr lang="de-DE" smtClean="0"/>
+              <a:t>‹Nr.›</a:t>
+            </a:fld>
+            <a:endParaRPr lang="de-DE"/>
+          </a:p>
+        </p:txBody>
+      </p:sp>
+    </p:spTree>
+    <p:extLst>
+      <p:ext uri="{BB962C8B-B14F-4D97-AF65-F5344CB8AC3E}">
+        <p14:creationId xmlns:p14="http://schemas.microsoft.com/office/powerpoint/2010/main" val="1060195655"/>
+      </p:ext>
+    </p:extLst>
   </p:cSld>
   <p:clrMapOvr>
     <a:masterClrMapping/>
@@ -16215,6 +18501,544 @@
 </p:sldMaster>
 </file>
 
+<file path=ppt/slideMasters/slideMaster4.xml><?xml version="1.0" encoding="utf-8"?>
+<p:sldMaster xmlns:a="http://schemas.openxmlformats.org/drawingml/2006/main" xmlns:r="http://schemas.openxmlformats.org/officeDocument/2006/relationships" xmlns:p="http://schemas.openxmlformats.org/presentationml/2006/main">
+  <p:cSld>
+    <p:bg>
+      <p:bgRef idx="1001">
+        <a:schemeClr val="bg1"/>
+      </p:bgRef>
+    </p:bg>
+    <p:spTree>
+      <p:nvGrpSpPr>
+        <p:cNvPr id="1" name=""/>
+        <p:cNvGrpSpPr/>
+        <p:nvPr/>
+      </p:nvGrpSpPr>
+      <p:grpSpPr>
+        <a:xfrm>
+          <a:off x="0" y="0"/>
+          <a:ext cx="0" cy="0"/>
+          <a:chOff x="0" y="0"/>
+          <a:chExt cx="0" cy="0"/>
+        </a:xfrm>
+      </p:grpSpPr>
+      <p:sp>
+        <p:nvSpPr>
+          <p:cNvPr id="2" name="Titelplatzhalter 1"/>
+          <p:cNvSpPr>
+            <a:spLocks noGrp="1"/>
+          </p:cNvSpPr>
+          <p:nvPr>
+            <p:ph type="title"/>
+          </p:nvPr>
+        </p:nvSpPr>
+        <p:spPr>
+          <a:xfrm>
+            <a:off x="628650" y="273844"/>
+            <a:ext cx="7886700" cy="994172"/>
+          </a:xfrm>
+          <a:prstGeom prst="rect">
+            <a:avLst/>
+          </a:prstGeom>
+        </p:spPr>
+        <p:txBody>
+          <a:bodyPr vert="horz" lIns="91440" tIns="45720" rIns="91440" bIns="45720" rtlCol="0" anchor="ctr">
+            <a:normAutofit/>
+          </a:bodyPr>
+          <a:lstStyle/>
+          <a:p>
+            <a:r>
+              <a:rPr lang="de-DE"/>
+              <a:t>Titelmasterformat durch Klicken bearbeiten</a:t>
+            </a:r>
+          </a:p>
+        </p:txBody>
+      </p:sp>
+      <p:sp>
+        <p:nvSpPr>
+          <p:cNvPr id="3" name="Textplatzhalter 2"/>
+          <p:cNvSpPr>
+            <a:spLocks noGrp="1"/>
+          </p:cNvSpPr>
+          <p:nvPr>
+            <p:ph type="body" idx="1"/>
+          </p:nvPr>
+        </p:nvSpPr>
+        <p:spPr>
+          <a:xfrm>
+            <a:off x="628650" y="1369219"/>
+            <a:ext cx="7886700" cy="3263504"/>
+          </a:xfrm>
+          <a:prstGeom prst="rect">
+            <a:avLst/>
+          </a:prstGeom>
+        </p:spPr>
+        <p:txBody>
+          <a:bodyPr vert="horz" lIns="91440" tIns="45720" rIns="91440" bIns="45720" rtlCol="0">
+            <a:normAutofit/>
+          </a:bodyPr>
+          <a:lstStyle/>
+          <a:p>
+            <a:pPr lvl="0"/>
+            <a:r>
+              <a:rPr lang="de-DE"/>
+              <a:t>Formatvorlagen des Textmasters bearbeiten</a:t>
+            </a:r>
+          </a:p>
+          <a:p>
+            <a:pPr lvl="1"/>
+            <a:r>
+              <a:rPr lang="de-DE"/>
+              <a:t>Zweite Ebene</a:t>
+            </a:r>
+          </a:p>
+          <a:p>
+            <a:pPr lvl="2"/>
+            <a:r>
+              <a:rPr lang="de-DE"/>
+              <a:t>Dritte Ebene</a:t>
+            </a:r>
+          </a:p>
+          <a:p>
+            <a:pPr lvl="3"/>
+            <a:r>
+              <a:rPr lang="de-DE"/>
+              <a:t>Vierte Ebene</a:t>
+            </a:r>
+          </a:p>
+          <a:p>
+            <a:pPr lvl="4"/>
+            <a:r>
+              <a:rPr lang="de-DE"/>
+              <a:t>Fünfte Ebene</a:t>
+            </a:r>
+          </a:p>
+        </p:txBody>
+      </p:sp>
+      <p:sp>
+        <p:nvSpPr>
+          <p:cNvPr id="4" name="Datumsplatzhalter 3"/>
+          <p:cNvSpPr>
+            <a:spLocks noGrp="1"/>
+          </p:cNvSpPr>
+          <p:nvPr>
+            <p:ph type="dt" sz="half" idx="2"/>
+          </p:nvPr>
+        </p:nvSpPr>
+        <p:spPr>
+          <a:xfrm>
+            <a:off x="628650" y="4767263"/>
+            <a:ext cx="2057400" cy="273844"/>
+          </a:xfrm>
+          <a:prstGeom prst="rect">
+            <a:avLst/>
+          </a:prstGeom>
+        </p:spPr>
+        <p:txBody>
+          <a:bodyPr vert="horz" lIns="91440" tIns="45720" rIns="91440" bIns="45720" rtlCol="0" anchor="ctr"/>
+          <a:lstStyle>
+            <a:lvl1pPr algn="l">
+              <a:defRPr sz="900">
+                <a:solidFill>
+                  <a:schemeClr val="tx1">
+                    <a:tint val="75000"/>
+                  </a:schemeClr>
+                </a:solidFill>
+              </a:defRPr>
+            </a:lvl1pPr>
+          </a:lstStyle>
+          <a:p>
+            <a:fld id="{C44F7930-81CD-4D63-BA62-1FB6F8E0FA4C}" type="datetimeFigureOut">
+              <a:rPr lang="de-DE" smtClean="0"/>
+              <a:t>29.03.2017</a:t>
+            </a:fld>
+            <a:endParaRPr lang="de-DE"/>
+          </a:p>
+        </p:txBody>
+      </p:sp>
+      <p:sp>
+        <p:nvSpPr>
+          <p:cNvPr id="5" name="Fußzeilenplatzhalter 4"/>
+          <p:cNvSpPr>
+            <a:spLocks noGrp="1"/>
+          </p:cNvSpPr>
+          <p:nvPr>
+            <p:ph type="ftr" sz="quarter" idx="3"/>
+          </p:nvPr>
+        </p:nvSpPr>
+        <p:spPr>
+          <a:xfrm>
+            <a:off x="3028950" y="4767263"/>
+            <a:ext cx="3086100" cy="273844"/>
+          </a:xfrm>
+          <a:prstGeom prst="rect">
+            <a:avLst/>
+          </a:prstGeom>
+        </p:spPr>
+        <p:txBody>
+          <a:bodyPr vert="horz" lIns="91440" tIns="45720" rIns="91440" bIns="45720" rtlCol="0" anchor="ctr"/>
+          <a:lstStyle>
+            <a:lvl1pPr algn="ctr">
+              <a:defRPr sz="900">
+                <a:solidFill>
+                  <a:schemeClr val="tx1">
+                    <a:tint val="75000"/>
+                  </a:schemeClr>
+                </a:solidFill>
+              </a:defRPr>
+            </a:lvl1pPr>
+          </a:lstStyle>
+          <a:p>
+            <a:endParaRPr lang="de-DE"/>
+          </a:p>
+        </p:txBody>
+      </p:sp>
+      <p:sp>
+        <p:nvSpPr>
+          <p:cNvPr id="6" name="Foliennummernplatzhalter 5"/>
+          <p:cNvSpPr>
+            <a:spLocks noGrp="1"/>
+          </p:cNvSpPr>
+          <p:nvPr>
+            <p:ph type="sldNum" sz="quarter" idx="4"/>
+          </p:nvPr>
+        </p:nvSpPr>
+        <p:spPr>
+          <a:xfrm>
+            <a:off x="6457950" y="4767263"/>
+            <a:ext cx="2057400" cy="273844"/>
+          </a:xfrm>
+          <a:prstGeom prst="rect">
+            <a:avLst/>
+          </a:prstGeom>
+        </p:spPr>
+        <p:txBody>
+          <a:bodyPr vert="horz" lIns="91440" tIns="45720" rIns="91440" bIns="45720" rtlCol="0" anchor="ctr"/>
+          <a:lstStyle>
+            <a:lvl1pPr algn="r">
+              <a:defRPr sz="900">
+                <a:solidFill>
+                  <a:schemeClr val="tx1">
+                    <a:tint val="75000"/>
+                  </a:schemeClr>
+                </a:solidFill>
+              </a:defRPr>
+            </a:lvl1pPr>
+          </a:lstStyle>
+          <a:p>
+            <a:fld id="{4BA636ED-4FAC-40DD-B33F-F61E9DBB46B0}" type="slidenum">
+              <a:rPr lang="de-DE" smtClean="0"/>
+              <a:t>‹Nr.›</a:t>
+            </a:fld>
+            <a:endParaRPr lang="de-DE"/>
+          </a:p>
+        </p:txBody>
+      </p:sp>
+    </p:spTree>
+    <p:extLst>
+      <p:ext uri="{BB962C8B-B14F-4D97-AF65-F5344CB8AC3E}">
+        <p14:creationId xmlns:p14="http://schemas.microsoft.com/office/powerpoint/2010/main" val="2023882156"/>
+      </p:ext>
+    </p:extLst>
+  </p:cSld>
+  <p:clrMap bg1="lt1" tx1="dk1" bg2="lt2" tx2="dk2" accent1="accent1" accent2="accent2" accent3="accent3" accent4="accent4" accent5="accent5" accent6="accent6" hlink="hlink" folHlink="folHlink"/>
+  <p:sldLayoutIdLst>
+    <p:sldLayoutId id="2147486034" r:id="rId1"/>
+    <p:sldLayoutId id="2147486035" r:id="rId2"/>
+    <p:sldLayoutId id="2147486036" r:id="rId3"/>
+    <p:sldLayoutId id="2147486037" r:id="rId4"/>
+    <p:sldLayoutId id="2147486038" r:id="rId5"/>
+    <p:sldLayoutId id="2147486039" r:id="rId6"/>
+    <p:sldLayoutId id="2147486040" r:id="rId7"/>
+    <p:sldLayoutId id="2147486041" r:id="rId8"/>
+    <p:sldLayoutId id="2147486042" r:id="rId9"/>
+    <p:sldLayoutId id="2147486043" r:id="rId10"/>
+    <p:sldLayoutId id="2147486044" r:id="rId11"/>
+  </p:sldLayoutIdLst>
+  <p:txStyles>
+    <p:titleStyle>
+      <a:lvl1pPr algn="l" defTabSz="685800" rtl="0" eaLnBrk="1" latinLnBrk="0" hangingPunct="1">
+        <a:lnSpc>
+          <a:spcPct val="90000"/>
+        </a:lnSpc>
+        <a:spcBef>
+          <a:spcPct val="0"/>
+        </a:spcBef>
+        <a:buNone/>
+        <a:defRPr sz="3300" kern="1200">
+          <a:solidFill>
+            <a:schemeClr val="tx1"/>
+          </a:solidFill>
+          <a:latin typeface="+mj-lt"/>
+          <a:ea typeface="+mj-ea"/>
+          <a:cs typeface="+mj-cs"/>
+        </a:defRPr>
+      </a:lvl1pPr>
+    </p:titleStyle>
+    <p:bodyStyle>
+      <a:lvl1pPr marL="171450" indent="-171450" algn="l" defTabSz="685800" rtl="0" eaLnBrk="1" latinLnBrk="0" hangingPunct="1">
+        <a:lnSpc>
+          <a:spcPct val="90000"/>
+        </a:lnSpc>
+        <a:spcBef>
+          <a:spcPts val="750"/>
+        </a:spcBef>
+        <a:buFont typeface="Arial" panose="020B0604020202020204" pitchFamily="34" charset="0"/>
+        <a:buChar char="•"/>
+        <a:defRPr sz="2100" kern="1200">
+          <a:solidFill>
+            <a:schemeClr val="tx1"/>
+          </a:solidFill>
+          <a:latin typeface="+mn-lt"/>
+          <a:ea typeface="+mn-ea"/>
+          <a:cs typeface="+mn-cs"/>
+        </a:defRPr>
+      </a:lvl1pPr>
+      <a:lvl2pPr marL="514350" indent="-171450" algn="l" defTabSz="685800" rtl="0" eaLnBrk="1" latinLnBrk="0" hangingPunct="1">
+        <a:lnSpc>
+          <a:spcPct val="90000"/>
+        </a:lnSpc>
+        <a:spcBef>
+          <a:spcPts val="375"/>
+        </a:spcBef>
+        <a:buFont typeface="Arial" panose="020B0604020202020204" pitchFamily="34" charset="0"/>
+        <a:buChar char="•"/>
+        <a:defRPr sz="1800" kern="1200">
+          <a:solidFill>
+            <a:schemeClr val="tx1"/>
+          </a:solidFill>
+          <a:latin typeface="+mn-lt"/>
+          <a:ea typeface="+mn-ea"/>
+          <a:cs typeface="+mn-cs"/>
+        </a:defRPr>
+      </a:lvl2pPr>
+      <a:lvl3pPr marL="857250" indent="-171450" algn="l" defTabSz="685800" rtl="0" eaLnBrk="1" latinLnBrk="0" hangingPunct="1">
+        <a:lnSpc>
+          <a:spcPct val="90000"/>
+        </a:lnSpc>
+        <a:spcBef>
+          <a:spcPts val="375"/>
+        </a:spcBef>
+        <a:buFont typeface="Arial" panose="020B0604020202020204" pitchFamily="34" charset="0"/>
+        <a:buChar char="•"/>
+        <a:defRPr sz="1500" kern="1200">
+          <a:solidFill>
+            <a:schemeClr val="tx1"/>
+          </a:solidFill>
+          <a:latin typeface="+mn-lt"/>
+          <a:ea typeface="+mn-ea"/>
+          <a:cs typeface="+mn-cs"/>
+        </a:defRPr>
+      </a:lvl3pPr>
+      <a:lvl4pPr marL="1200150" indent="-171450" algn="l" defTabSz="685800" rtl="0" eaLnBrk="1" latinLnBrk="0" hangingPunct="1">
+        <a:lnSpc>
+          <a:spcPct val="90000"/>
+        </a:lnSpc>
+        <a:spcBef>
+          <a:spcPts val="375"/>
+        </a:spcBef>
+        <a:buFont typeface="Arial" panose="020B0604020202020204" pitchFamily="34" charset="0"/>
+        <a:buChar char="•"/>
+        <a:defRPr sz="1350" kern="1200">
+          <a:solidFill>
+            <a:schemeClr val="tx1"/>
+          </a:solidFill>
+          <a:latin typeface="+mn-lt"/>
+          <a:ea typeface="+mn-ea"/>
+          <a:cs typeface="+mn-cs"/>
+        </a:defRPr>
+      </a:lvl4pPr>
+      <a:lvl5pPr marL="1543050" indent="-171450" algn="l" defTabSz="685800" rtl="0" eaLnBrk="1" latinLnBrk="0" hangingPunct="1">
+        <a:lnSpc>
+          <a:spcPct val="90000"/>
+        </a:lnSpc>
+        <a:spcBef>
+          <a:spcPts val="375"/>
+        </a:spcBef>
+        <a:buFont typeface="Arial" panose="020B0604020202020204" pitchFamily="34" charset="0"/>
+        <a:buChar char="•"/>
+        <a:defRPr sz="1350" kern="1200">
+          <a:solidFill>
+            <a:schemeClr val="tx1"/>
+          </a:solidFill>
+          <a:latin typeface="+mn-lt"/>
+          <a:ea typeface="+mn-ea"/>
+          <a:cs typeface="+mn-cs"/>
+        </a:defRPr>
+      </a:lvl5pPr>
+      <a:lvl6pPr marL="1885950" indent="-171450" algn="l" defTabSz="685800" rtl="0" eaLnBrk="1" latinLnBrk="0" hangingPunct="1">
+        <a:lnSpc>
+          <a:spcPct val="90000"/>
+        </a:lnSpc>
+        <a:spcBef>
+          <a:spcPts val="375"/>
+        </a:spcBef>
+        <a:buFont typeface="Arial" panose="020B0604020202020204" pitchFamily="34" charset="0"/>
+        <a:buChar char="•"/>
+        <a:defRPr sz="1350" kern="1200">
+          <a:solidFill>
+            <a:schemeClr val="tx1"/>
+          </a:solidFill>
+          <a:latin typeface="+mn-lt"/>
+          <a:ea typeface="+mn-ea"/>
+          <a:cs typeface="+mn-cs"/>
+        </a:defRPr>
+      </a:lvl6pPr>
+      <a:lvl7pPr marL="2228850" indent="-171450" algn="l" defTabSz="685800" rtl="0" eaLnBrk="1" latinLnBrk="0" hangingPunct="1">
+        <a:lnSpc>
+          <a:spcPct val="90000"/>
+        </a:lnSpc>
+        <a:spcBef>
+          <a:spcPts val="375"/>
+        </a:spcBef>
+        <a:buFont typeface="Arial" panose="020B0604020202020204" pitchFamily="34" charset="0"/>
+        <a:buChar char="•"/>
+        <a:defRPr sz="1350" kern="1200">
+          <a:solidFill>
+            <a:schemeClr val="tx1"/>
+          </a:solidFill>
+          <a:latin typeface="+mn-lt"/>
+          <a:ea typeface="+mn-ea"/>
+          <a:cs typeface="+mn-cs"/>
+        </a:defRPr>
+      </a:lvl7pPr>
+      <a:lvl8pPr marL="2571750" indent="-171450" algn="l" defTabSz="685800" rtl="0" eaLnBrk="1" latinLnBrk="0" hangingPunct="1">
+        <a:lnSpc>
+          <a:spcPct val="90000"/>
+        </a:lnSpc>
+        <a:spcBef>
+          <a:spcPts val="375"/>
+        </a:spcBef>
+        <a:buFont typeface="Arial" panose="020B0604020202020204" pitchFamily="34" charset="0"/>
+        <a:buChar char="•"/>
+        <a:defRPr sz="1350" kern="1200">
+          <a:solidFill>
+            <a:schemeClr val="tx1"/>
+          </a:solidFill>
+          <a:latin typeface="+mn-lt"/>
+          <a:ea typeface="+mn-ea"/>
+          <a:cs typeface="+mn-cs"/>
+        </a:defRPr>
+      </a:lvl8pPr>
+      <a:lvl9pPr marL="2914650" indent="-171450" algn="l" defTabSz="685800" rtl="0" eaLnBrk="1" latinLnBrk="0" hangingPunct="1">
+        <a:lnSpc>
+          <a:spcPct val="90000"/>
+        </a:lnSpc>
+        <a:spcBef>
+          <a:spcPts val="375"/>
+        </a:spcBef>
+        <a:buFont typeface="Arial" panose="020B0604020202020204" pitchFamily="34" charset="0"/>
+        <a:buChar char="•"/>
+        <a:defRPr sz="1350" kern="1200">
+          <a:solidFill>
+            <a:schemeClr val="tx1"/>
+          </a:solidFill>
+          <a:latin typeface="+mn-lt"/>
+          <a:ea typeface="+mn-ea"/>
+          <a:cs typeface="+mn-cs"/>
+        </a:defRPr>
+      </a:lvl9pPr>
+    </p:bodyStyle>
+    <p:otherStyle>
+      <a:defPPr>
+        <a:defRPr lang="de-DE"/>
+      </a:defPPr>
+      <a:lvl1pPr marL="0" algn="l" defTabSz="685800" rtl="0" eaLnBrk="1" latinLnBrk="0" hangingPunct="1">
+        <a:defRPr sz="1350" kern="1200">
+          <a:solidFill>
+            <a:schemeClr val="tx1"/>
+          </a:solidFill>
+          <a:latin typeface="+mn-lt"/>
+          <a:ea typeface="+mn-ea"/>
+          <a:cs typeface="+mn-cs"/>
+        </a:defRPr>
+      </a:lvl1pPr>
+      <a:lvl2pPr marL="342900" algn="l" defTabSz="685800" rtl="0" eaLnBrk="1" latinLnBrk="0" hangingPunct="1">
+        <a:defRPr sz="1350" kern="1200">
+          <a:solidFill>
+            <a:schemeClr val="tx1"/>
+          </a:solidFill>
+          <a:latin typeface="+mn-lt"/>
+          <a:ea typeface="+mn-ea"/>
+          <a:cs typeface="+mn-cs"/>
+        </a:defRPr>
+      </a:lvl2pPr>
+      <a:lvl3pPr marL="685800" algn="l" defTabSz="685800" rtl="0" eaLnBrk="1" latinLnBrk="0" hangingPunct="1">
+        <a:defRPr sz="1350" kern="1200">
+          <a:solidFill>
+            <a:schemeClr val="tx1"/>
+          </a:solidFill>
+          <a:latin typeface="+mn-lt"/>
+          <a:ea typeface="+mn-ea"/>
+          <a:cs typeface="+mn-cs"/>
+        </a:defRPr>
+      </a:lvl3pPr>
+      <a:lvl4pPr marL="1028700" algn="l" defTabSz="685800" rtl="0" eaLnBrk="1" latinLnBrk="0" hangingPunct="1">
+        <a:defRPr sz="1350" kern="1200">
+          <a:solidFill>
+            <a:schemeClr val="tx1"/>
+          </a:solidFill>
+          <a:latin typeface="+mn-lt"/>
+          <a:ea typeface="+mn-ea"/>
+          <a:cs typeface="+mn-cs"/>
+        </a:defRPr>
+      </a:lvl4pPr>
+      <a:lvl5pPr marL="1371600" algn="l" defTabSz="685800" rtl="0" eaLnBrk="1" latinLnBrk="0" hangingPunct="1">
+        <a:defRPr sz="1350" kern="1200">
+          <a:solidFill>
+            <a:schemeClr val="tx1"/>
+          </a:solidFill>
+          <a:latin typeface="+mn-lt"/>
+          <a:ea typeface="+mn-ea"/>
+          <a:cs typeface="+mn-cs"/>
+        </a:defRPr>
+      </a:lvl5pPr>
+      <a:lvl6pPr marL="1714500" algn="l" defTabSz="685800" rtl="0" eaLnBrk="1" latinLnBrk="0" hangingPunct="1">
+        <a:defRPr sz="1350" kern="1200">
+          <a:solidFill>
+            <a:schemeClr val="tx1"/>
+          </a:solidFill>
+          <a:latin typeface="+mn-lt"/>
+          <a:ea typeface="+mn-ea"/>
+          <a:cs typeface="+mn-cs"/>
+        </a:defRPr>
+      </a:lvl6pPr>
+      <a:lvl7pPr marL="2057400" algn="l" defTabSz="685800" rtl="0" eaLnBrk="1" latinLnBrk="0" hangingPunct="1">
+        <a:defRPr sz="1350" kern="1200">
+          <a:solidFill>
+            <a:schemeClr val="tx1"/>
+          </a:solidFill>
+          <a:latin typeface="+mn-lt"/>
+          <a:ea typeface="+mn-ea"/>
+          <a:cs typeface="+mn-cs"/>
+        </a:defRPr>
+      </a:lvl7pPr>
+      <a:lvl8pPr marL="2400300" algn="l" defTabSz="685800" rtl="0" eaLnBrk="1" latinLnBrk="0" hangingPunct="1">
+        <a:defRPr sz="1350" kern="1200">
+          <a:solidFill>
+            <a:schemeClr val="tx1"/>
+          </a:solidFill>
+          <a:latin typeface="+mn-lt"/>
+          <a:ea typeface="+mn-ea"/>
+          <a:cs typeface="+mn-cs"/>
+        </a:defRPr>
+      </a:lvl8pPr>
+      <a:lvl9pPr marL="2743200" algn="l" defTabSz="685800" rtl="0" eaLnBrk="1" latinLnBrk="0" hangingPunct="1">
+        <a:defRPr sz="1350" kern="1200">
+          <a:solidFill>
+            <a:schemeClr val="tx1"/>
+          </a:solidFill>
+          <a:latin typeface="+mn-lt"/>
+          <a:ea typeface="+mn-ea"/>
+          <a:cs typeface="+mn-cs"/>
+        </a:defRPr>
+      </a:lvl9pPr>
+    </p:otherStyle>
+  </p:txStyles>
+</p:sldMaster>
+</file>
+
 <file path=ppt/slides/slide1.xml><?xml version="1.0" encoding="utf-8"?>
 <p:sld xmlns:a="http://schemas.openxmlformats.org/drawingml/2006/main" xmlns:r="http://schemas.openxmlformats.org/officeDocument/2006/relationships" xmlns:p="http://schemas.openxmlformats.org/presentationml/2006/main">
   <p:cSld>
@@ -16339,6 +19163,3086 @@
       </p:grpSpPr>
       <p:sp>
         <p:nvSpPr>
+          <p:cNvPr id="6" name="Inhaltsplatzhalter 5"/>
+          <p:cNvSpPr>
+            <a:spLocks noGrp="1"/>
+          </p:cNvSpPr>
+          <p:nvPr>
+            <p:ph idx="1"/>
+          </p:nvPr>
+        </p:nvSpPr>
+        <p:spPr/>
+        <p:txBody>
+          <a:bodyPr/>
+          <a:lstStyle/>
+          <a:p>
+            <a:endParaRPr lang="de-DE"/>
+          </a:p>
+        </p:txBody>
+      </p:sp>
+      <p:pic>
+        <p:nvPicPr>
+          <p:cNvPr id="8" name="Inhaltsplatzhalter 7"/>
+          <p:cNvPicPr>
+            <a:picLocks noGrp="1" noChangeAspect="1"/>
+          </p:cNvPicPr>
+          <p:nvPr>
+            <p:ph idx="14"/>
+          </p:nvPr>
+        </p:nvPicPr>
+        <p:blipFill>
+          <a:blip r:embed="rId2"/>
+          <a:stretch>
+            <a:fillRect/>
+          </a:stretch>
+        </p:blipFill>
+        <p:spPr>
+          <a:xfrm>
+            <a:off x="4860032" y="1132796"/>
+            <a:ext cx="3887788" cy="1522716"/>
+          </a:xfrm>
+          <a:prstGeom prst="rect">
+            <a:avLst/>
+          </a:prstGeom>
+        </p:spPr>
+      </p:pic>
+      <p:sp>
+        <p:nvSpPr>
+          <p:cNvPr id="4" name="Titel 3"/>
+          <p:cNvSpPr>
+            <a:spLocks noGrp="1"/>
+          </p:cNvSpPr>
+          <p:nvPr>
+            <p:ph type="title"/>
+          </p:nvPr>
+        </p:nvSpPr>
+        <p:spPr>
+          <a:xfrm>
+            <a:off x="250825" y="411087"/>
+            <a:ext cx="2921726" cy="431614"/>
+          </a:xfrm>
+        </p:spPr>
+        <p:txBody>
+          <a:bodyPr/>
+          <a:lstStyle/>
+          <a:p>
+            <a:r>
+              <a:rPr lang="de-DE" dirty="0"/>
+              <a:t>Was stimmt hier dran nicht</a:t>
+            </a:r>
+          </a:p>
+        </p:txBody>
+      </p:sp>
+      <p:pic>
+        <p:nvPicPr>
+          <p:cNvPr id="5" name="Grafik 4"/>
+          <p:cNvPicPr>
+            <a:picLocks noChangeAspect="1"/>
+          </p:cNvPicPr>
+          <p:nvPr/>
+        </p:nvPicPr>
+        <p:blipFill>
+          <a:blip r:embed="rId3"/>
+          <a:stretch>
+            <a:fillRect/>
+          </a:stretch>
+        </p:blipFill>
+        <p:spPr>
+          <a:xfrm>
+            <a:off x="250824" y="987552"/>
+            <a:ext cx="3889127" cy="3904439"/>
+          </a:xfrm>
+          <a:prstGeom prst="rect">
+            <a:avLst/>
+          </a:prstGeom>
+        </p:spPr>
+      </p:pic>
+      <p:sp>
+        <p:nvSpPr>
+          <p:cNvPr id="10" name="Textfeld 9"/>
+          <p:cNvSpPr txBox="1"/>
+          <p:nvPr/>
+        </p:nvSpPr>
+        <p:spPr>
+          <a:xfrm>
+            <a:off x="4932040" y="3075806"/>
+            <a:ext cx="3815780" cy="900696"/>
+          </a:xfrm>
+          <a:prstGeom prst="rect">
+            <a:avLst/>
+          </a:prstGeom>
+          <a:noFill/>
+        </p:spPr>
+        <p:txBody>
+          <a:bodyPr wrap="square" lIns="0" tIns="0" rIns="0" bIns="0" rtlCol="0">
+            <a:spAutoFit/>
+          </a:bodyPr>
+          <a:lstStyle/>
+          <a:p>
+            <a:pPr>
+              <a:lnSpc>
+                <a:spcPts val="1800"/>
+              </a:lnSpc>
+              <a:spcBef>
+                <a:spcPts val="163"/>
+              </a:spcBef>
+              <a:spcAft>
+                <a:spcPts val="500"/>
+              </a:spcAft>
+            </a:pPr>
+            <a:r>
+              <a:rPr lang="en-US" sz="1200" dirty="0"/>
+              <a:t>Doesn’t this new design put your mind at ease? You can read the code and easily comprehend it. You can also test it and confirm that it does exactly what it is meant to do, and that it doesn’t do anything that it shouldn’t.</a:t>
+            </a:r>
+            <a:endParaRPr lang="de-DE" sz="900" dirty="0" err="1"/>
+          </a:p>
+        </p:txBody>
+      </p:sp>
+    </p:spTree>
+    <p:extLst>
+      <p:ext uri="{BB962C8B-B14F-4D97-AF65-F5344CB8AC3E}">
+        <p14:creationId xmlns:p14="http://schemas.microsoft.com/office/powerpoint/2010/main" val="985760896"/>
+      </p:ext>
+    </p:extLst>
+  </p:cSld>
+  <p:clrMapOvr>
+    <a:masterClrMapping/>
+  </p:clrMapOvr>
+</p:sld>
+</file>
+
+<file path=ppt/slides/slide11.xml><?xml version="1.0" encoding="utf-8"?>
+<p:sld xmlns:a="http://schemas.openxmlformats.org/drawingml/2006/main" xmlns:r="http://schemas.openxmlformats.org/officeDocument/2006/relationships" xmlns:p="http://schemas.openxmlformats.org/presentationml/2006/main">
+  <p:cSld>
+    <p:spTree>
+      <p:nvGrpSpPr>
+        <p:cNvPr id="1" name=""/>
+        <p:cNvGrpSpPr/>
+        <p:nvPr/>
+      </p:nvGrpSpPr>
+      <p:grpSpPr>
+        <a:xfrm>
+          <a:off x="0" y="0"/>
+          <a:ext cx="0" cy="0"/>
+          <a:chOff x="0" y="0"/>
+          <a:chExt cx="0" cy="0"/>
+        </a:xfrm>
+      </p:grpSpPr>
+      <p:pic>
+        <p:nvPicPr>
+          <p:cNvPr id="5" name="Inhaltsplatzhalter 4"/>
+          <p:cNvPicPr>
+            <a:picLocks noGrp="1" noChangeAspect="1"/>
+          </p:cNvPicPr>
+          <p:nvPr>
+            <p:ph idx="14"/>
+          </p:nvPr>
+        </p:nvPicPr>
+        <p:blipFill>
+          <a:blip r:embed="rId2"/>
+          <a:stretch>
+            <a:fillRect/>
+          </a:stretch>
+        </p:blipFill>
+        <p:spPr>
+          <a:xfrm>
+            <a:off x="4859338" y="1483519"/>
+            <a:ext cx="3889375" cy="2897187"/>
+          </a:xfrm>
+          <a:prstGeom prst="rect">
+            <a:avLst/>
+          </a:prstGeom>
+        </p:spPr>
+      </p:pic>
+      <p:sp>
+        <p:nvSpPr>
+          <p:cNvPr id="4" name="Titel 3"/>
+          <p:cNvSpPr>
+            <a:spLocks noGrp="1"/>
+          </p:cNvSpPr>
+          <p:nvPr>
+            <p:ph type="title"/>
+          </p:nvPr>
+        </p:nvSpPr>
+        <p:spPr>
+          <a:xfrm>
+            <a:off x="250825" y="411087"/>
+            <a:ext cx="1191700" cy="431614"/>
+          </a:xfrm>
+        </p:spPr>
+        <p:txBody>
+          <a:bodyPr/>
+          <a:lstStyle/>
+          <a:p>
+            <a:r>
+              <a:rPr lang="de-DE" dirty="0"/>
+              <a:t>Beispiele</a:t>
+            </a:r>
+          </a:p>
+        </p:txBody>
+      </p:sp>
+      <p:pic>
+        <p:nvPicPr>
+          <p:cNvPr id="1026" name="Picture 2" descr="Dashed lines separate &#10;Subdomains &#10;This is a &#10;Subdomain &#10;Product Catalog &#10;Subdomain &#10;Shipping &#10;Subdomain &#10;Solid lines mark off &#10;Bounded Contexts &#10;Orders Subdomain &#10;whole business Domain &#10;Invoicing &#10;Subdomain &#10;e-Commerce &#10;System &#10;Inventory &#10;Inventory &#10;System &#10;Subdomain &#10;External Forecasting &#10;System &#10;Straight lines between Subdomains and Bounded &#10;Contexts indicate integration relationships "/>
+          <p:cNvPicPr>
+            <a:picLocks noGrp="1" noChangeAspect="1" noChangeArrowheads="1"/>
+          </p:cNvPicPr>
+          <p:nvPr>
+            <p:ph idx="1"/>
+          </p:nvPr>
+        </p:nvPicPr>
+        <p:blipFill>
+          <a:blip r:embed="rId3" cstate="print">
+            <a:extLst>
+              <a:ext uri="{28A0092B-C50C-407E-A947-70E740481C1C}">
+                <a14:useLocalDpi xmlns:a14="http://schemas.microsoft.com/office/drawing/2010/main" val="0"/>
+              </a:ext>
+            </a:extLst>
+          </a:blip>
+          <a:srcRect/>
+          <a:stretch>
+            <a:fillRect/>
+          </a:stretch>
+        </p:blipFill>
+        <p:spPr bwMode="auto">
+          <a:xfrm>
+            <a:off x="395288" y="1387687"/>
+            <a:ext cx="3889375" cy="3088851"/>
+          </a:xfrm>
+          <a:prstGeom prst="rect">
+            <a:avLst/>
+          </a:prstGeom>
+          <a:noFill/>
+          <a:extLst>
+            <a:ext uri="{909E8E84-426E-40DD-AFC4-6F175D3DCCD1}">
+              <a14:hiddenFill xmlns:a14="http://schemas.microsoft.com/office/drawing/2010/main">
+                <a:solidFill>
+                  <a:srgbClr val="FFFFFF"/>
+                </a:solidFill>
+              </a14:hiddenFill>
+            </a:ext>
+          </a:extLst>
+        </p:spPr>
+      </p:pic>
+    </p:spTree>
+    <p:extLst>
+      <p:ext uri="{BB962C8B-B14F-4D97-AF65-F5344CB8AC3E}">
+        <p14:creationId xmlns:p14="http://schemas.microsoft.com/office/powerpoint/2010/main" val="3002306481"/>
+      </p:ext>
+    </p:extLst>
+  </p:cSld>
+  <p:clrMapOvr>
+    <a:masterClrMapping/>
+  </p:clrMapOvr>
+</p:sld>
+</file>
+
+<file path=ppt/slides/slide12.xml><?xml version="1.0" encoding="utf-8"?>
+<p:sld xmlns:a="http://schemas.openxmlformats.org/drawingml/2006/main" xmlns:r="http://schemas.openxmlformats.org/officeDocument/2006/relationships" xmlns:p="http://schemas.openxmlformats.org/presentationml/2006/main">
+  <p:cSld>
+    <p:spTree>
+      <p:nvGrpSpPr>
+        <p:cNvPr id="1" name=""/>
+        <p:cNvGrpSpPr/>
+        <p:nvPr/>
+      </p:nvGrpSpPr>
+      <p:grpSpPr>
+        <a:xfrm>
+          <a:off x="0" y="0"/>
+          <a:ext cx="0" cy="0"/>
+          <a:chOff x="0" y="0"/>
+          <a:chExt cx="0" cy="0"/>
+        </a:xfrm>
+      </p:grpSpPr>
+      <p:sp>
+        <p:nvSpPr>
+          <p:cNvPr id="4" name="Ellipse 3"/>
+          <p:cNvSpPr/>
+          <p:nvPr/>
+        </p:nvSpPr>
+        <p:spPr>
+          <a:xfrm>
+            <a:off x="104775" y="190500"/>
+            <a:ext cx="8963025" cy="4695825"/>
+          </a:xfrm>
+          <a:prstGeom prst="ellipse">
+            <a:avLst/>
+          </a:prstGeom>
+          <a:noFill/>
+          <a:ln>
+            <a:prstDash val="sysDash"/>
+          </a:ln>
+        </p:spPr>
+        <p:style>
+          <a:lnRef idx="2">
+            <a:schemeClr val="accent1">
+              <a:shade val="50000"/>
+            </a:schemeClr>
+          </a:lnRef>
+          <a:fillRef idx="1">
+            <a:schemeClr val="accent1"/>
+          </a:fillRef>
+          <a:effectRef idx="0">
+            <a:schemeClr val="accent1"/>
+          </a:effectRef>
+          <a:fontRef idx="minor">
+            <a:schemeClr val="lt1"/>
+          </a:fontRef>
+        </p:style>
+        <p:txBody>
+          <a:bodyPr rot="0" spcFirstLastPara="0" vertOverflow="overflow" horzOverflow="overflow" vert="horz" wrap="square" lIns="68580" tIns="34290" rIns="68580" bIns="34290" numCol="1" spcCol="0" rtlCol="0" fromWordArt="0" anchor="ctr" anchorCtr="0" forceAA="0" compatLnSpc="1">
+            <a:prstTxWarp prst="textNoShape">
+              <a:avLst/>
+            </a:prstTxWarp>
+            <a:noAutofit/>
+          </a:bodyPr>
+          <a:lstStyle/>
+          <a:p>
+            <a:pPr algn="ctr" defTabSz="685800" fontAlgn="auto">
+              <a:spcBef>
+                <a:spcPts val="0"/>
+              </a:spcBef>
+              <a:spcAft>
+                <a:spcPts val="0"/>
+              </a:spcAft>
+            </a:pPr>
+            <a:endParaRPr lang="de-DE" sz="1350" dirty="0">
+              <a:solidFill>
+                <a:prstClr val="white"/>
+              </a:solidFill>
+              <a:latin typeface="Calibri" panose="020F0502020204030204"/>
+            </a:endParaRPr>
+          </a:p>
+        </p:txBody>
+      </p:sp>
+      <p:sp>
+        <p:nvSpPr>
+          <p:cNvPr id="5" name="Textfeld 4"/>
+          <p:cNvSpPr txBox="1"/>
+          <p:nvPr/>
+        </p:nvSpPr>
+        <p:spPr>
+          <a:xfrm>
+            <a:off x="213229" y="52000"/>
+            <a:ext cx="1637179" cy="300082"/>
+          </a:xfrm>
+          <a:prstGeom prst="rect">
+            <a:avLst/>
+          </a:prstGeom>
+          <a:noFill/>
+        </p:spPr>
+        <p:txBody>
+          <a:bodyPr wrap="none" rtlCol="0">
+            <a:spAutoFit/>
+          </a:bodyPr>
+          <a:lstStyle/>
+          <a:p>
+            <a:pPr defTabSz="685800" fontAlgn="auto">
+              <a:spcBef>
+                <a:spcPts val="0"/>
+              </a:spcBef>
+              <a:spcAft>
+                <a:spcPts val="0"/>
+              </a:spcAft>
+            </a:pPr>
+            <a:r>
+              <a:rPr lang="de-DE" sz="1350" dirty="0">
+                <a:solidFill>
+                  <a:prstClr val="black"/>
+                </a:solidFill>
+                <a:latin typeface="Calibri" panose="020F0502020204030204"/>
+                <a:ea typeface="+mn-ea"/>
+              </a:rPr>
+              <a:t>Geile Reisen Domain</a:t>
+            </a:r>
+          </a:p>
+        </p:txBody>
+      </p:sp>
+      <p:sp>
+        <p:nvSpPr>
+          <p:cNvPr id="6" name="Ellipse 5"/>
+          <p:cNvSpPr/>
+          <p:nvPr/>
+        </p:nvSpPr>
+        <p:spPr>
+          <a:xfrm>
+            <a:off x="2047875" y="328999"/>
+            <a:ext cx="3505200" cy="1480751"/>
+          </a:xfrm>
+          <a:prstGeom prst="ellipse">
+            <a:avLst/>
+          </a:prstGeom>
+          <a:noFill/>
+          <a:ln>
+            <a:prstDash val="sysDot"/>
+          </a:ln>
+        </p:spPr>
+        <p:style>
+          <a:lnRef idx="2">
+            <a:schemeClr val="accent1">
+              <a:shade val="50000"/>
+            </a:schemeClr>
+          </a:lnRef>
+          <a:fillRef idx="1">
+            <a:schemeClr val="accent1"/>
+          </a:fillRef>
+          <a:effectRef idx="0">
+            <a:schemeClr val="accent1"/>
+          </a:effectRef>
+          <a:fontRef idx="minor">
+            <a:schemeClr val="lt1"/>
+          </a:fontRef>
+        </p:style>
+        <p:txBody>
+          <a:bodyPr rot="0" spcFirstLastPara="0" vertOverflow="overflow" horzOverflow="overflow" vert="horz" wrap="square" lIns="68580" tIns="34290" rIns="68580" bIns="34290" numCol="1" spcCol="0" rtlCol="0" fromWordArt="0" anchor="ctr" anchorCtr="0" forceAA="0" compatLnSpc="1">
+            <a:prstTxWarp prst="textNoShape">
+              <a:avLst/>
+            </a:prstTxWarp>
+            <a:noAutofit/>
+          </a:bodyPr>
+          <a:lstStyle/>
+          <a:p>
+            <a:pPr algn="ctr" defTabSz="685800" fontAlgn="auto">
+              <a:spcBef>
+                <a:spcPts val="0"/>
+              </a:spcBef>
+              <a:spcAft>
+                <a:spcPts val="0"/>
+              </a:spcAft>
+            </a:pPr>
+            <a:endParaRPr lang="de-DE" sz="1350">
+              <a:solidFill>
+                <a:prstClr val="white"/>
+              </a:solidFill>
+              <a:latin typeface="Calibri" panose="020F0502020204030204"/>
+            </a:endParaRPr>
+          </a:p>
+        </p:txBody>
+      </p:sp>
+      <p:sp>
+        <p:nvSpPr>
+          <p:cNvPr id="7" name="Textfeld 6"/>
+          <p:cNvSpPr txBox="1"/>
+          <p:nvPr/>
+        </p:nvSpPr>
+        <p:spPr>
+          <a:xfrm>
+            <a:off x="3009900" y="1649626"/>
+            <a:ext cx="1628775" cy="300082"/>
+          </a:xfrm>
+          <a:prstGeom prst="rect">
+            <a:avLst/>
+          </a:prstGeom>
+          <a:noFill/>
+        </p:spPr>
+        <p:txBody>
+          <a:bodyPr wrap="square" rtlCol="0">
+            <a:spAutoFit/>
+          </a:bodyPr>
+          <a:lstStyle/>
+          <a:p>
+            <a:pPr defTabSz="685800" fontAlgn="auto">
+              <a:spcBef>
+                <a:spcPts val="0"/>
+              </a:spcBef>
+              <a:spcAft>
+                <a:spcPts val="0"/>
+              </a:spcAft>
+            </a:pPr>
+            <a:r>
+              <a:rPr lang="de-DE" sz="1350" dirty="0">
+                <a:solidFill>
+                  <a:prstClr val="black"/>
+                </a:solidFill>
+                <a:latin typeface="Calibri" panose="020F0502020204030204"/>
+                <a:ea typeface="+mn-ea"/>
+              </a:rPr>
+              <a:t>Reiseauswahl CORE</a:t>
+            </a:r>
+          </a:p>
+        </p:txBody>
+      </p:sp>
+      <p:sp>
+        <p:nvSpPr>
+          <p:cNvPr id="8" name="Ellipse 7"/>
+          <p:cNvSpPr/>
+          <p:nvPr/>
+        </p:nvSpPr>
+        <p:spPr>
+          <a:xfrm>
+            <a:off x="2162175" y="443299"/>
+            <a:ext cx="3162300" cy="1147376"/>
+          </a:xfrm>
+          <a:prstGeom prst="ellipse">
+            <a:avLst/>
+          </a:prstGeom>
+          <a:noFill/>
+          <a:ln w="3175">
+            <a:prstDash val="sysDot"/>
+          </a:ln>
+        </p:spPr>
+        <p:style>
+          <a:lnRef idx="2">
+            <a:schemeClr val="accent1">
+              <a:shade val="50000"/>
+            </a:schemeClr>
+          </a:lnRef>
+          <a:fillRef idx="1">
+            <a:schemeClr val="accent1"/>
+          </a:fillRef>
+          <a:effectRef idx="0">
+            <a:schemeClr val="accent1"/>
+          </a:effectRef>
+          <a:fontRef idx="minor">
+            <a:schemeClr val="lt1"/>
+          </a:fontRef>
+        </p:style>
+        <p:txBody>
+          <a:bodyPr rot="0" spcFirstLastPara="0" vertOverflow="overflow" horzOverflow="overflow" vert="horz" wrap="square" lIns="68580" tIns="34290" rIns="68580" bIns="34290" numCol="1" spcCol="0" rtlCol="0" fromWordArt="0" anchor="ctr" anchorCtr="0" forceAA="0" compatLnSpc="1">
+            <a:prstTxWarp prst="textNoShape">
+              <a:avLst/>
+            </a:prstTxWarp>
+            <a:noAutofit/>
+          </a:bodyPr>
+          <a:lstStyle/>
+          <a:p>
+            <a:pPr algn="ctr" defTabSz="685800" fontAlgn="auto">
+              <a:spcBef>
+                <a:spcPts val="0"/>
+              </a:spcBef>
+              <a:spcAft>
+                <a:spcPts val="0"/>
+              </a:spcAft>
+            </a:pPr>
+            <a:endParaRPr lang="de-DE" sz="1350">
+              <a:solidFill>
+                <a:prstClr val="white"/>
+              </a:solidFill>
+              <a:latin typeface="Calibri" panose="020F0502020204030204"/>
+            </a:endParaRPr>
+          </a:p>
+        </p:txBody>
+      </p:sp>
+      <p:sp>
+        <p:nvSpPr>
+          <p:cNvPr id="9" name="Rechteck 8"/>
+          <p:cNvSpPr/>
+          <p:nvPr/>
+        </p:nvSpPr>
+        <p:spPr>
+          <a:xfrm>
+            <a:off x="3343275" y="498262"/>
+            <a:ext cx="800100" cy="323850"/>
+          </a:xfrm>
+          <a:prstGeom prst="rect">
+            <a:avLst/>
+          </a:prstGeom>
+        </p:spPr>
+        <p:style>
+          <a:lnRef idx="2">
+            <a:schemeClr val="accent1">
+              <a:shade val="50000"/>
+            </a:schemeClr>
+          </a:lnRef>
+          <a:fillRef idx="1">
+            <a:schemeClr val="accent1"/>
+          </a:fillRef>
+          <a:effectRef idx="0">
+            <a:schemeClr val="accent1"/>
+          </a:effectRef>
+          <a:fontRef idx="minor">
+            <a:schemeClr val="lt1"/>
+          </a:fontRef>
+        </p:style>
+        <p:txBody>
+          <a:bodyPr rot="0" spcFirstLastPara="0" vertOverflow="overflow" horzOverflow="overflow" vert="horz" wrap="square" lIns="68580" tIns="34290" rIns="68580" bIns="34290" numCol="1" spcCol="0" rtlCol="0" fromWordArt="0" anchor="ctr" anchorCtr="0" forceAA="0" compatLnSpc="1">
+            <a:prstTxWarp prst="textNoShape">
+              <a:avLst/>
+            </a:prstTxWarp>
+            <a:noAutofit/>
+          </a:bodyPr>
+          <a:lstStyle/>
+          <a:p>
+            <a:pPr algn="ctr" defTabSz="685800" fontAlgn="auto">
+              <a:spcBef>
+                <a:spcPts val="0"/>
+              </a:spcBef>
+              <a:spcAft>
+                <a:spcPts val="0"/>
+              </a:spcAft>
+            </a:pPr>
+            <a:r>
+              <a:rPr lang="de-DE" sz="1350" dirty="0">
+                <a:solidFill>
+                  <a:prstClr val="white"/>
+                </a:solidFill>
+                <a:latin typeface="Calibri" panose="020F0502020204030204"/>
+              </a:rPr>
+              <a:t>Kunde</a:t>
+            </a:r>
+          </a:p>
+        </p:txBody>
+      </p:sp>
+      <p:sp>
+        <p:nvSpPr>
+          <p:cNvPr id="10" name="Rechteck 9"/>
+          <p:cNvSpPr/>
+          <p:nvPr/>
+        </p:nvSpPr>
+        <p:spPr>
+          <a:xfrm>
+            <a:off x="3343275" y="1206974"/>
+            <a:ext cx="800100" cy="323850"/>
+          </a:xfrm>
+          <a:prstGeom prst="rect">
+            <a:avLst/>
+          </a:prstGeom>
+        </p:spPr>
+        <p:style>
+          <a:lnRef idx="2">
+            <a:schemeClr val="accent1">
+              <a:shade val="50000"/>
+            </a:schemeClr>
+          </a:lnRef>
+          <a:fillRef idx="1">
+            <a:schemeClr val="accent1"/>
+          </a:fillRef>
+          <a:effectRef idx="0">
+            <a:schemeClr val="accent1"/>
+          </a:effectRef>
+          <a:fontRef idx="minor">
+            <a:schemeClr val="lt1"/>
+          </a:fontRef>
+        </p:style>
+        <p:txBody>
+          <a:bodyPr rot="0" spcFirstLastPara="0" vertOverflow="overflow" horzOverflow="overflow" vert="horz" wrap="square" lIns="68580" tIns="34290" rIns="68580" bIns="34290" numCol="1" spcCol="0" rtlCol="0" fromWordArt="0" anchor="ctr" anchorCtr="0" forceAA="0" compatLnSpc="1">
+            <a:prstTxWarp prst="textNoShape">
+              <a:avLst/>
+            </a:prstTxWarp>
+            <a:noAutofit/>
+          </a:bodyPr>
+          <a:lstStyle/>
+          <a:p>
+            <a:pPr algn="ctr" defTabSz="685800" fontAlgn="auto">
+              <a:spcBef>
+                <a:spcPts val="0"/>
+              </a:spcBef>
+              <a:spcAft>
+                <a:spcPts val="0"/>
+              </a:spcAft>
+            </a:pPr>
+            <a:r>
+              <a:rPr lang="de-DE" sz="1350" dirty="0">
+                <a:solidFill>
+                  <a:prstClr val="white"/>
+                </a:solidFill>
+                <a:latin typeface="Calibri" panose="020F0502020204030204"/>
+              </a:rPr>
+              <a:t>Event</a:t>
+            </a:r>
+          </a:p>
+        </p:txBody>
+      </p:sp>
+      <p:sp>
+        <p:nvSpPr>
+          <p:cNvPr id="11" name="Rechteck 10"/>
+          <p:cNvSpPr/>
+          <p:nvPr/>
+        </p:nvSpPr>
+        <p:spPr>
+          <a:xfrm>
+            <a:off x="4117181" y="855062"/>
+            <a:ext cx="976313" cy="323850"/>
+          </a:xfrm>
+          <a:prstGeom prst="rect">
+            <a:avLst/>
+          </a:prstGeom>
+        </p:spPr>
+        <p:style>
+          <a:lnRef idx="2">
+            <a:schemeClr val="accent1">
+              <a:shade val="50000"/>
+            </a:schemeClr>
+          </a:lnRef>
+          <a:fillRef idx="1">
+            <a:schemeClr val="accent1"/>
+          </a:fillRef>
+          <a:effectRef idx="0">
+            <a:schemeClr val="accent1"/>
+          </a:effectRef>
+          <a:fontRef idx="minor">
+            <a:schemeClr val="lt1"/>
+          </a:fontRef>
+        </p:style>
+        <p:txBody>
+          <a:bodyPr rot="0" spcFirstLastPara="0" vertOverflow="overflow" horzOverflow="overflow" vert="horz" wrap="square" lIns="68580" tIns="34290" rIns="68580" bIns="34290" numCol="1" spcCol="0" rtlCol="0" fromWordArt="0" anchor="ctr" anchorCtr="0" forceAA="0" compatLnSpc="1">
+            <a:prstTxWarp prst="textNoShape">
+              <a:avLst/>
+            </a:prstTxWarp>
+            <a:noAutofit/>
+          </a:bodyPr>
+          <a:lstStyle/>
+          <a:p>
+            <a:pPr algn="ctr" defTabSz="685800" fontAlgn="auto">
+              <a:spcBef>
+                <a:spcPts val="0"/>
+              </a:spcBef>
+              <a:spcAft>
+                <a:spcPts val="0"/>
+              </a:spcAft>
+            </a:pPr>
+            <a:r>
+              <a:rPr lang="de-DE" sz="1350" dirty="0">
+                <a:solidFill>
+                  <a:prstClr val="white"/>
+                </a:solidFill>
+                <a:latin typeface="Calibri" panose="020F0502020204030204"/>
+              </a:rPr>
+              <a:t>Equipment</a:t>
+            </a:r>
+          </a:p>
+        </p:txBody>
+      </p:sp>
+      <p:sp>
+        <p:nvSpPr>
+          <p:cNvPr id="13" name="Ellipse 12"/>
+          <p:cNvSpPr/>
+          <p:nvPr/>
+        </p:nvSpPr>
+        <p:spPr>
+          <a:xfrm>
+            <a:off x="295275" y="1989758"/>
+            <a:ext cx="3505200" cy="1480751"/>
+          </a:xfrm>
+          <a:prstGeom prst="ellipse">
+            <a:avLst/>
+          </a:prstGeom>
+          <a:noFill/>
+          <a:ln>
+            <a:prstDash val="sysDot"/>
+          </a:ln>
+        </p:spPr>
+        <p:style>
+          <a:lnRef idx="2">
+            <a:schemeClr val="accent1">
+              <a:shade val="50000"/>
+            </a:schemeClr>
+          </a:lnRef>
+          <a:fillRef idx="1">
+            <a:schemeClr val="accent1"/>
+          </a:fillRef>
+          <a:effectRef idx="0">
+            <a:schemeClr val="accent1"/>
+          </a:effectRef>
+          <a:fontRef idx="minor">
+            <a:schemeClr val="lt1"/>
+          </a:fontRef>
+        </p:style>
+        <p:txBody>
+          <a:bodyPr rot="0" spcFirstLastPara="0" vertOverflow="overflow" horzOverflow="overflow" vert="horz" wrap="square" lIns="68580" tIns="34290" rIns="68580" bIns="34290" numCol="1" spcCol="0" rtlCol="0" fromWordArt="0" anchor="ctr" anchorCtr="0" forceAA="0" compatLnSpc="1">
+            <a:prstTxWarp prst="textNoShape">
+              <a:avLst/>
+            </a:prstTxWarp>
+            <a:noAutofit/>
+          </a:bodyPr>
+          <a:lstStyle/>
+          <a:p>
+            <a:pPr algn="ctr" defTabSz="685800" fontAlgn="auto">
+              <a:spcBef>
+                <a:spcPts val="0"/>
+              </a:spcBef>
+              <a:spcAft>
+                <a:spcPts val="0"/>
+              </a:spcAft>
+            </a:pPr>
+            <a:endParaRPr lang="de-DE" sz="1350">
+              <a:solidFill>
+                <a:prstClr val="white"/>
+              </a:solidFill>
+              <a:latin typeface="Calibri" panose="020F0502020204030204"/>
+            </a:endParaRPr>
+          </a:p>
+        </p:txBody>
+      </p:sp>
+      <p:sp>
+        <p:nvSpPr>
+          <p:cNvPr id="14" name="Textfeld 13"/>
+          <p:cNvSpPr txBox="1"/>
+          <p:nvPr/>
+        </p:nvSpPr>
+        <p:spPr>
+          <a:xfrm>
+            <a:off x="1195388" y="3458409"/>
+            <a:ext cx="1628775" cy="300082"/>
+          </a:xfrm>
+          <a:prstGeom prst="rect">
+            <a:avLst/>
+          </a:prstGeom>
+          <a:noFill/>
+        </p:spPr>
+        <p:txBody>
+          <a:bodyPr wrap="square" rtlCol="0">
+            <a:spAutoFit/>
+          </a:bodyPr>
+          <a:lstStyle/>
+          <a:p>
+            <a:pPr defTabSz="685800" fontAlgn="auto">
+              <a:spcBef>
+                <a:spcPts val="0"/>
+              </a:spcBef>
+              <a:spcAft>
+                <a:spcPts val="0"/>
+              </a:spcAft>
+            </a:pPr>
+            <a:r>
+              <a:rPr lang="de-DE" sz="1350" dirty="0">
+                <a:solidFill>
+                  <a:prstClr val="black"/>
+                </a:solidFill>
+                <a:latin typeface="Calibri" panose="020F0502020204030204"/>
+                <a:ea typeface="+mn-ea"/>
+              </a:rPr>
+              <a:t>Reservierungen</a:t>
+            </a:r>
+          </a:p>
+        </p:txBody>
+      </p:sp>
+      <p:sp>
+        <p:nvSpPr>
+          <p:cNvPr id="15" name="Ellipse 14"/>
+          <p:cNvSpPr/>
+          <p:nvPr/>
+        </p:nvSpPr>
+        <p:spPr>
+          <a:xfrm>
+            <a:off x="447675" y="2128258"/>
+            <a:ext cx="3162300" cy="1147376"/>
+          </a:xfrm>
+          <a:prstGeom prst="ellipse">
+            <a:avLst/>
+          </a:prstGeom>
+          <a:noFill/>
+          <a:ln w="3175">
+            <a:prstDash val="sysDot"/>
+          </a:ln>
+        </p:spPr>
+        <p:style>
+          <a:lnRef idx="2">
+            <a:schemeClr val="accent1">
+              <a:shade val="50000"/>
+            </a:schemeClr>
+          </a:lnRef>
+          <a:fillRef idx="1">
+            <a:schemeClr val="accent1"/>
+          </a:fillRef>
+          <a:effectRef idx="0">
+            <a:schemeClr val="accent1"/>
+          </a:effectRef>
+          <a:fontRef idx="minor">
+            <a:schemeClr val="lt1"/>
+          </a:fontRef>
+        </p:style>
+        <p:txBody>
+          <a:bodyPr rot="0" spcFirstLastPara="0" vertOverflow="overflow" horzOverflow="overflow" vert="horz" wrap="square" lIns="68580" tIns="34290" rIns="68580" bIns="34290" numCol="1" spcCol="0" rtlCol="0" fromWordArt="0" anchor="ctr" anchorCtr="0" forceAA="0" compatLnSpc="1">
+            <a:prstTxWarp prst="textNoShape">
+              <a:avLst/>
+            </a:prstTxWarp>
+            <a:noAutofit/>
+          </a:bodyPr>
+          <a:lstStyle/>
+          <a:p>
+            <a:pPr algn="ctr" defTabSz="685800" fontAlgn="auto">
+              <a:spcBef>
+                <a:spcPts val="0"/>
+              </a:spcBef>
+              <a:spcAft>
+                <a:spcPts val="0"/>
+              </a:spcAft>
+            </a:pPr>
+            <a:endParaRPr lang="de-DE" sz="1350">
+              <a:solidFill>
+                <a:prstClr val="white"/>
+              </a:solidFill>
+              <a:latin typeface="Calibri" panose="020F0502020204030204"/>
+            </a:endParaRPr>
+          </a:p>
+        </p:txBody>
+      </p:sp>
+      <p:sp>
+        <p:nvSpPr>
+          <p:cNvPr id="16" name="Fünfeck 15"/>
+          <p:cNvSpPr/>
+          <p:nvPr/>
+        </p:nvSpPr>
+        <p:spPr>
+          <a:xfrm>
+            <a:off x="2419350" y="644098"/>
+            <a:ext cx="923925" cy="297977"/>
+          </a:xfrm>
+          <a:prstGeom prst="pentagon">
+            <a:avLst/>
+          </a:prstGeom>
+          <a:solidFill>
+            <a:schemeClr val="accent3">
+              <a:lumMod val="75000"/>
+            </a:schemeClr>
+          </a:solidFill>
+        </p:spPr>
+        <p:style>
+          <a:lnRef idx="2">
+            <a:schemeClr val="accent1">
+              <a:shade val="50000"/>
+            </a:schemeClr>
+          </a:lnRef>
+          <a:fillRef idx="1">
+            <a:schemeClr val="accent1"/>
+          </a:fillRef>
+          <a:effectRef idx="0">
+            <a:schemeClr val="accent1"/>
+          </a:effectRef>
+          <a:fontRef idx="minor">
+            <a:schemeClr val="lt1"/>
+          </a:fontRef>
+        </p:style>
+        <p:txBody>
+          <a:bodyPr rot="0" spcFirstLastPara="0" vertOverflow="overflow" horzOverflow="overflow" vert="horz" wrap="square" lIns="68580" tIns="34290" rIns="68580" bIns="34290" numCol="1" spcCol="0" rtlCol="0" fromWordArt="0" anchor="ctr" anchorCtr="0" forceAA="0" compatLnSpc="1">
+            <a:prstTxWarp prst="textNoShape">
+              <a:avLst/>
+            </a:prstTxWarp>
+            <a:noAutofit/>
+          </a:bodyPr>
+          <a:lstStyle/>
+          <a:p>
+            <a:pPr algn="ctr" defTabSz="685800" fontAlgn="auto">
+              <a:spcBef>
+                <a:spcPts val="0"/>
+              </a:spcBef>
+              <a:spcAft>
+                <a:spcPts val="0"/>
+              </a:spcAft>
+            </a:pPr>
+            <a:r>
+              <a:rPr lang="de-DE" sz="1350" dirty="0">
+                <a:solidFill>
+                  <a:prstClr val="white"/>
+                </a:solidFill>
+                <a:latin typeface="Calibri" panose="020F0502020204030204"/>
+              </a:rPr>
+              <a:t>Suche</a:t>
+            </a:r>
+          </a:p>
+        </p:txBody>
+      </p:sp>
+      <p:sp>
+        <p:nvSpPr>
+          <p:cNvPr id="17" name="Fünfeck 16"/>
+          <p:cNvSpPr/>
+          <p:nvPr/>
+        </p:nvSpPr>
+        <p:spPr>
+          <a:xfrm>
+            <a:off x="2401491" y="958874"/>
+            <a:ext cx="1094184" cy="297977"/>
+          </a:xfrm>
+          <a:prstGeom prst="pentagon">
+            <a:avLst/>
+          </a:prstGeom>
+          <a:solidFill>
+            <a:schemeClr val="accent2">
+              <a:lumMod val="50000"/>
+            </a:schemeClr>
+          </a:solidFill>
+        </p:spPr>
+        <p:style>
+          <a:lnRef idx="2">
+            <a:schemeClr val="accent1">
+              <a:shade val="50000"/>
+            </a:schemeClr>
+          </a:lnRef>
+          <a:fillRef idx="1">
+            <a:schemeClr val="accent1"/>
+          </a:fillRef>
+          <a:effectRef idx="0">
+            <a:schemeClr val="accent1"/>
+          </a:effectRef>
+          <a:fontRef idx="minor">
+            <a:schemeClr val="lt1"/>
+          </a:fontRef>
+        </p:style>
+        <p:txBody>
+          <a:bodyPr rot="0" spcFirstLastPara="0" vertOverflow="overflow" horzOverflow="overflow" vert="horz" wrap="square" lIns="68580" tIns="34290" rIns="68580" bIns="34290" numCol="1" spcCol="0" rtlCol="0" fromWordArt="0" anchor="ctr" anchorCtr="0" forceAA="0" compatLnSpc="1">
+            <a:prstTxWarp prst="textNoShape">
+              <a:avLst/>
+            </a:prstTxWarp>
+            <a:noAutofit/>
+          </a:bodyPr>
+          <a:lstStyle/>
+          <a:p>
+            <a:pPr algn="ctr" defTabSz="685800" fontAlgn="auto">
+              <a:spcBef>
+                <a:spcPts val="0"/>
+              </a:spcBef>
+              <a:spcAft>
+                <a:spcPts val="0"/>
+              </a:spcAft>
+            </a:pPr>
+            <a:r>
+              <a:rPr lang="de-DE" sz="1350" dirty="0">
+                <a:solidFill>
+                  <a:prstClr val="white"/>
+                </a:solidFill>
+                <a:latin typeface="Calibri" panose="020F0502020204030204"/>
+              </a:rPr>
+              <a:t>Buchen</a:t>
+            </a:r>
+          </a:p>
+        </p:txBody>
+      </p:sp>
+      <p:sp>
+        <p:nvSpPr>
+          <p:cNvPr id="18" name="Fünfeck 17"/>
+          <p:cNvSpPr/>
+          <p:nvPr/>
+        </p:nvSpPr>
+        <p:spPr>
+          <a:xfrm>
+            <a:off x="887612" y="2304857"/>
+            <a:ext cx="1094184" cy="297977"/>
+          </a:xfrm>
+          <a:prstGeom prst="pentagon">
+            <a:avLst/>
+          </a:prstGeom>
+          <a:solidFill>
+            <a:schemeClr val="accent2">
+              <a:lumMod val="50000"/>
+            </a:schemeClr>
+          </a:solidFill>
+        </p:spPr>
+        <p:style>
+          <a:lnRef idx="2">
+            <a:schemeClr val="accent1">
+              <a:shade val="50000"/>
+            </a:schemeClr>
+          </a:lnRef>
+          <a:fillRef idx="1">
+            <a:schemeClr val="accent1"/>
+          </a:fillRef>
+          <a:effectRef idx="0">
+            <a:schemeClr val="accent1"/>
+          </a:effectRef>
+          <a:fontRef idx="minor">
+            <a:schemeClr val="lt1"/>
+          </a:fontRef>
+        </p:style>
+        <p:txBody>
+          <a:bodyPr rot="0" spcFirstLastPara="0" vertOverflow="overflow" horzOverflow="overflow" vert="horz" wrap="square" lIns="68580" tIns="34290" rIns="68580" bIns="34290" numCol="1" spcCol="0" rtlCol="0" fromWordArt="0" anchor="ctr" anchorCtr="0" forceAA="0" compatLnSpc="1">
+            <a:prstTxWarp prst="textNoShape">
+              <a:avLst/>
+            </a:prstTxWarp>
+            <a:noAutofit/>
+          </a:bodyPr>
+          <a:lstStyle/>
+          <a:p>
+            <a:pPr algn="ctr" defTabSz="685800" fontAlgn="auto">
+              <a:spcBef>
+                <a:spcPts val="0"/>
+              </a:spcBef>
+              <a:spcAft>
+                <a:spcPts val="0"/>
+              </a:spcAft>
+            </a:pPr>
+            <a:r>
+              <a:rPr lang="de-DE" sz="1350" dirty="0">
+                <a:solidFill>
+                  <a:prstClr val="white"/>
+                </a:solidFill>
+                <a:latin typeface="Calibri" panose="020F0502020204030204"/>
+              </a:rPr>
+              <a:t>Buchen</a:t>
+            </a:r>
+          </a:p>
+        </p:txBody>
+      </p:sp>
+      <p:sp>
+        <p:nvSpPr>
+          <p:cNvPr id="19" name="Fünfeck 18"/>
+          <p:cNvSpPr/>
+          <p:nvPr/>
+        </p:nvSpPr>
+        <p:spPr>
+          <a:xfrm>
+            <a:off x="1181100" y="2636621"/>
+            <a:ext cx="1447800" cy="297977"/>
+          </a:xfrm>
+          <a:prstGeom prst="pentagon">
+            <a:avLst/>
+          </a:prstGeom>
+          <a:solidFill>
+            <a:schemeClr val="accent6">
+              <a:lumMod val="75000"/>
+            </a:schemeClr>
+          </a:solidFill>
+        </p:spPr>
+        <p:style>
+          <a:lnRef idx="2">
+            <a:schemeClr val="accent1">
+              <a:shade val="50000"/>
+            </a:schemeClr>
+          </a:lnRef>
+          <a:fillRef idx="1">
+            <a:schemeClr val="accent1"/>
+          </a:fillRef>
+          <a:effectRef idx="0">
+            <a:schemeClr val="accent1"/>
+          </a:effectRef>
+          <a:fontRef idx="minor">
+            <a:schemeClr val="lt1"/>
+          </a:fontRef>
+        </p:style>
+        <p:txBody>
+          <a:bodyPr rot="0" spcFirstLastPara="0" vertOverflow="overflow" horzOverflow="overflow" vert="horz" wrap="square" lIns="68580" tIns="34290" rIns="68580" bIns="34290" numCol="1" spcCol="0" rtlCol="0" fromWordArt="0" anchor="ctr" anchorCtr="0" forceAA="0" compatLnSpc="1">
+            <a:prstTxWarp prst="textNoShape">
+              <a:avLst/>
+            </a:prstTxWarp>
+            <a:noAutofit/>
+          </a:bodyPr>
+          <a:lstStyle/>
+          <a:p>
+            <a:pPr algn="ctr" defTabSz="685800" fontAlgn="auto">
+              <a:spcBef>
+                <a:spcPts val="0"/>
+              </a:spcBef>
+              <a:spcAft>
+                <a:spcPts val="0"/>
+              </a:spcAft>
+            </a:pPr>
+            <a:r>
+              <a:rPr lang="de-DE" sz="1350" dirty="0">
+                <a:solidFill>
+                  <a:prstClr val="white"/>
+                </a:solidFill>
+                <a:latin typeface="Calibri" panose="020F0502020204030204"/>
+              </a:rPr>
+              <a:t>Stornieren</a:t>
+            </a:r>
+          </a:p>
+        </p:txBody>
+      </p:sp>
+      <p:sp>
+        <p:nvSpPr>
+          <p:cNvPr id="20" name="Fünfeck 19"/>
+          <p:cNvSpPr/>
+          <p:nvPr/>
+        </p:nvSpPr>
+        <p:spPr>
+          <a:xfrm>
+            <a:off x="1415654" y="2968385"/>
+            <a:ext cx="1447800" cy="212639"/>
+          </a:xfrm>
+          <a:prstGeom prst="pentagon">
+            <a:avLst/>
+          </a:prstGeom>
+          <a:solidFill>
+            <a:schemeClr val="bg2">
+              <a:lumMod val="10000"/>
+            </a:schemeClr>
+          </a:solidFill>
+        </p:spPr>
+        <p:style>
+          <a:lnRef idx="2">
+            <a:schemeClr val="accent1">
+              <a:shade val="50000"/>
+            </a:schemeClr>
+          </a:lnRef>
+          <a:fillRef idx="1">
+            <a:schemeClr val="accent1"/>
+          </a:fillRef>
+          <a:effectRef idx="0">
+            <a:schemeClr val="accent1"/>
+          </a:effectRef>
+          <a:fontRef idx="minor">
+            <a:schemeClr val="lt1"/>
+          </a:fontRef>
+        </p:style>
+        <p:txBody>
+          <a:bodyPr rot="0" spcFirstLastPara="0" vertOverflow="overflow" horzOverflow="overflow" vert="horz" wrap="square" lIns="68580" tIns="34290" rIns="68580" bIns="34290" numCol="1" spcCol="0" rtlCol="0" fromWordArt="0" anchor="ctr" anchorCtr="0" forceAA="0" compatLnSpc="1">
+            <a:prstTxWarp prst="textNoShape">
+              <a:avLst/>
+            </a:prstTxWarp>
+            <a:noAutofit/>
+          </a:bodyPr>
+          <a:lstStyle/>
+          <a:p>
+            <a:pPr algn="ctr" defTabSz="685800" fontAlgn="auto">
+              <a:spcBef>
+                <a:spcPts val="0"/>
+              </a:spcBef>
+              <a:spcAft>
+                <a:spcPts val="0"/>
+              </a:spcAft>
+            </a:pPr>
+            <a:r>
+              <a:rPr lang="de-DE" sz="1350" dirty="0">
+                <a:solidFill>
+                  <a:prstClr val="white"/>
+                </a:solidFill>
+                <a:latin typeface="Calibri" panose="020F0502020204030204"/>
+              </a:rPr>
+              <a:t>Bewerten</a:t>
+            </a:r>
+          </a:p>
+        </p:txBody>
+      </p:sp>
+      <p:sp>
+        <p:nvSpPr>
+          <p:cNvPr id="21" name="Ellipse 20"/>
+          <p:cNvSpPr/>
+          <p:nvPr/>
+        </p:nvSpPr>
+        <p:spPr>
+          <a:xfrm>
+            <a:off x="396479" y="4590760"/>
+            <a:ext cx="1027509" cy="434065"/>
+          </a:xfrm>
+          <a:prstGeom prst="ellipse">
+            <a:avLst/>
+          </a:prstGeom>
+          <a:noFill/>
+          <a:ln>
+            <a:prstDash val="sysDot"/>
+          </a:ln>
+        </p:spPr>
+        <p:style>
+          <a:lnRef idx="2">
+            <a:schemeClr val="accent1">
+              <a:shade val="50000"/>
+            </a:schemeClr>
+          </a:lnRef>
+          <a:fillRef idx="1">
+            <a:schemeClr val="accent1"/>
+          </a:fillRef>
+          <a:effectRef idx="0">
+            <a:schemeClr val="accent1"/>
+          </a:effectRef>
+          <a:fontRef idx="minor">
+            <a:schemeClr val="lt1"/>
+          </a:fontRef>
+        </p:style>
+        <p:txBody>
+          <a:bodyPr rot="0" spcFirstLastPara="0" vertOverflow="overflow" horzOverflow="overflow" vert="horz" wrap="square" lIns="68580" tIns="34290" rIns="68580" bIns="34290" numCol="1" spcCol="0" rtlCol="0" fromWordArt="0" anchor="ctr" anchorCtr="0" forceAA="0" compatLnSpc="1">
+            <a:prstTxWarp prst="textNoShape">
+              <a:avLst/>
+            </a:prstTxWarp>
+            <a:noAutofit/>
+          </a:bodyPr>
+          <a:lstStyle/>
+          <a:p>
+            <a:pPr algn="ctr" defTabSz="685800" fontAlgn="auto">
+              <a:spcBef>
+                <a:spcPts val="0"/>
+              </a:spcBef>
+              <a:spcAft>
+                <a:spcPts val="0"/>
+              </a:spcAft>
+            </a:pPr>
+            <a:endParaRPr lang="de-DE" sz="1350">
+              <a:solidFill>
+                <a:prstClr val="white"/>
+              </a:solidFill>
+              <a:latin typeface="Calibri" panose="020F0502020204030204"/>
+            </a:endParaRPr>
+          </a:p>
+        </p:txBody>
+      </p:sp>
+      <p:sp>
+        <p:nvSpPr>
+          <p:cNvPr id="22" name="Ellipse 21"/>
+          <p:cNvSpPr/>
+          <p:nvPr/>
+        </p:nvSpPr>
+        <p:spPr>
+          <a:xfrm>
+            <a:off x="-74414" y="4087446"/>
+            <a:ext cx="1027509" cy="434065"/>
+          </a:xfrm>
+          <a:prstGeom prst="ellipse">
+            <a:avLst/>
+          </a:prstGeom>
+          <a:noFill/>
+          <a:ln>
+            <a:prstDash val="sysDot"/>
+          </a:ln>
+        </p:spPr>
+        <p:style>
+          <a:lnRef idx="2">
+            <a:schemeClr val="accent1">
+              <a:shade val="50000"/>
+            </a:schemeClr>
+          </a:lnRef>
+          <a:fillRef idx="1">
+            <a:schemeClr val="accent1"/>
+          </a:fillRef>
+          <a:effectRef idx="0">
+            <a:schemeClr val="accent1"/>
+          </a:effectRef>
+          <a:fontRef idx="minor">
+            <a:schemeClr val="lt1"/>
+          </a:fontRef>
+        </p:style>
+        <p:txBody>
+          <a:bodyPr rot="0" spcFirstLastPara="0" vertOverflow="overflow" horzOverflow="overflow" vert="horz" wrap="square" lIns="68580" tIns="34290" rIns="68580" bIns="34290" numCol="1" spcCol="0" rtlCol="0" fromWordArt="0" anchor="ctr" anchorCtr="0" forceAA="0" compatLnSpc="1">
+            <a:prstTxWarp prst="textNoShape">
+              <a:avLst/>
+            </a:prstTxWarp>
+            <a:noAutofit/>
+          </a:bodyPr>
+          <a:lstStyle/>
+          <a:p>
+            <a:pPr algn="ctr" defTabSz="685800" fontAlgn="auto">
+              <a:spcBef>
+                <a:spcPts val="0"/>
+              </a:spcBef>
+              <a:spcAft>
+                <a:spcPts val="0"/>
+              </a:spcAft>
+            </a:pPr>
+            <a:endParaRPr lang="de-DE" sz="1350">
+              <a:solidFill>
+                <a:prstClr val="white"/>
+              </a:solidFill>
+              <a:latin typeface="Calibri" panose="020F0502020204030204"/>
+            </a:endParaRPr>
+          </a:p>
+        </p:txBody>
+      </p:sp>
+      <p:sp>
+        <p:nvSpPr>
+          <p:cNvPr id="23" name="Ellipse 22"/>
+          <p:cNvSpPr/>
+          <p:nvPr/>
+        </p:nvSpPr>
+        <p:spPr>
+          <a:xfrm>
+            <a:off x="697585" y="4235180"/>
+            <a:ext cx="1027509" cy="434065"/>
+          </a:xfrm>
+          <a:prstGeom prst="ellipse">
+            <a:avLst/>
+          </a:prstGeom>
+          <a:noFill/>
+          <a:ln>
+            <a:prstDash val="sysDot"/>
+          </a:ln>
+        </p:spPr>
+        <p:style>
+          <a:lnRef idx="2">
+            <a:schemeClr val="accent1">
+              <a:shade val="50000"/>
+            </a:schemeClr>
+          </a:lnRef>
+          <a:fillRef idx="1">
+            <a:schemeClr val="accent1"/>
+          </a:fillRef>
+          <a:effectRef idx="0">
+            <a:schemeClr val="accent1"/>
+          </a:effectRef>
+          <a:fontRef idx="minor">
+            <a:schemeClr val="lt1"/>
+          </a:fontRef>
+        </p:style>
+        <p:txBody>
+          <a:bodyPr rot="0" spcFirstLastPara="0" vertOverflow="overflow" horzOverflow="overflow" vert="horz" wrap="square" lIns="68580" tIns="34290" rIns="68580" bIns="34290" numCol="1" spcCol="0" rtlCol="0" fromWordArt="0" anchor="ctr" anchorCtr="0" forceAA="0" compatLnSpc="1">
+            <a:prstTxWarp prst="textNoShape">
+              <a:avLst/>
+            </a:prstTxWarp>
+            <a:noAutofit/>
+          </a:bodyPr>
+          <a:lstStyle/>
+          <a:p>
+            <a:pPr algn="ctr" defTabSz="685800" fontAlgn="auto">
+              <a:spcBef>
+                <a:spcPts val="0"/>
+              </a:spcBef>
+              <a:spcAft>
+                <a:spcPts val="0"/>
+              </a:spcAft>
+            </a:pPr>
+            <a:endParaRPr lang="de-DE" sz="1350">
+              <a:solidFill>
+                <a:prstClr val="white"/>
+              </a:solidFill>
+              <a:latin typeface="Calibri" panose="020F0502020204030204"/>
+            </a:endParaRPr>
+          </a:p>
+        </p:txBody>
+      </p:sp>
+      <p:sp>
+        <p:nvSpPr>
+          <p:cNvPr id="24" name="Ellipse 23"/>
+          <p:cNvSpPr/>
+          <p:nvPr/>
+        </p:nvSpPr>
+        <p:spPr>
+          <a:xfrm>
+            <a:off x="1187054" y="4705060"/>
+            <a:ext cx="1027509" cy="434065"/>
+          </a:xfrm>
+          <a:prstGeom prst="ellipse">
+            <a:avLst/>
+          </a:prstGeom>
+          <a:noFill/>
+          <a:ln>
+            <a:prstDash val="sysDot"/>
+          </a:ln>
+        </p:spPr>
+        <p:style>
+          <a:lnRef idx="2">
+            <a:schemeClr val="accent1">
+              <a:shade val="50000"/>
+            </a:schemeClr>
+          </a:lnRef>
+          <a:fillRef idx="1">
+            <a:schemeClr val="accent1"/>
+          </a:fillRef>
+          <a:effectRef idx="0">
+            <a:schemeClr val="accent1"/>
+          </a:effectRef>
+          <a:fontRef idx="minor">
+            <a:schemeClr val="lt1"/>
+          </a:fontRef>
+        </p:style>
+        <p:txBody>
+          <a:bodyPr rot="0" spcFirstLastPara="0" vertOverflow="overflow" horzOverflow="overflow" vert="horz" wrap="square" lIns="68580" tIns="34290" rIns="68580" bIns="34290" numCol="1" spcCol="0" rtlCol="0" fromWordArt="0" anchor="ctr" anchorCtr="0" forceAA="0" compatLnSpc="1">
+            <a:prstTxWarp prst="textNoShape">
+              <a:avLst/>
+            </a:prstTxWarp>
+            <a:noAutofit/>
+          </a:bodyPr>
+          <a:lstStyle/>
+          <a:p>
+            <a:pPr algn="ctr" defTabSz="685800" fontAlgn="auto">
+              <a:spcBef>
+                <a:spcPts val="0"/>
+              </a:spcBef>
+              <a:spcAft>
+                <a:spcPts val="0"/>
+              </a:spcAft>
+            </a:pPr>
+            <a:endParaRPr lang="de-DE" sz="1350">
+              <a:solidFill>
+                <a:prstClr val="white"/>
+              </a:solidFill>
+              <a:latin typeface="Calibri" panose="020F0502020204030204"/>
+            </a:endParaRPr>
+          </a:p>
+        </p:txBody>
+      </p:sp>
+      <p:sp>
+        <p:nvSpPr>
+          <p:cNvPr id="25" name="Ellipse 24"/>
+          <p:cNvSpPr/>
+          <p:nvPr/>
+        </p:nvSpPr>
+        <p:spPr>
+          <a:xfrm>
+            <a:off x="4018604" y="3114454"/>
+            <a:ext cx="3143250" cy="1414786"/>
+          </a:xfrm>
+          <a:prstGeom prst="ellipse">
+            <a:avLst/>
+          </a:prstGeom>
+          <a:noFill/>
+          <a:ln>
+            <a:prstDash val="sysDot"/>
+          </a:ln>
+        </p:spPr>
+        <p:style>
+          <a:lnRef idx="2">
+            <a:schemeClr val="accent1">
+              <a:shade val="50000"/>
+            </a:schemeClr>
+          </a:lnRef>
+          <a:fillRef idx="1">
+            <a:schemeClr val="accent1"/>
+          </a:fillRef>
+          <a:effectRef idx="0">
+            <a:schemeClr val="accent1"/>
+          </a:effectRef>
+          <a:fontRef idx="minor">
+            <a:schemeClr val="lt1"/>
+          </a:fontRef>
+        </p:style>
+        <p:txBody>
+          <a:bodyPr rot="0" spcFirstLastPara="0" vertOverflow="overflow" horzOverflow="overflow" vert="horz" wrap="square" lIns="68580" tIns="34290" rIns="68580" bIns="34290" numCol="1" spcCol="0" rtlCol="0" fromWordArt="0" anchor="ctr" anchorCtr="0" forceAA="0" compatLnSpc="1">
+            <a:prstTxWarp prst="textNoShape">
+              <a:avLst/>
+            </a:prstTxWarp>
+            <a:noAutofit/>
+          </a:bodyPr>
+          <a:lstStyle/>
+          <a:p>
+            <a:pPr algn="ctr" defTabSz="685800" fontAlgn="auto">
+              <a:spcBef>
+                <a:spcPts val="0"/>
+              </a:spcBef>
+              <a:spcAft>
+                <a:spcPts val="0"/>
+              </a:spcAft>
+            </a:pPr>
+            <a:endParaRPr lang="de-DE" sz="1350">
+              <a:solidFill>
+                <a:prstClr val="white"/>
+              </a:solidFill>
+              <a:latin typeface="Calibri" panose="020F0502020204030204"/>
+            </a:endParaRPr>
+          </a:p>
+        </p:txBody>
+      </p:sp>
+      <p:sp>
+        <p:nvSpPr>
+          <p:cNvPr id="26" name="Textfeld 25"/>
+          <p:cNvSpPr txBox="1"/>
+          <p:nvPr/>
+        </p:nvSpPr>
+        <p:spPr>
+          <a:xfrm>
+            <a:off x="4775842" y="4529239"/>
+            <a:ext cx="1628775" cy="300082"/>
+          </a:xfrm>
+          <a:prstGeom prst="rect">
+            <a:avLst/>
+          </a:prstGeom>
+          <a:noFill/>
+        </p:spPr>
+        <p:txBody>
+          <a:bodyPr wrap="square" rtlCol="0">
+            <a:spAutoFit/>
+          </a:bodyPr>
+          <a:lstStyle/>
+          <a:p>
+            <a:pPr defTabSz="685800" fontAlgn="auto">
+              <a:spcBef>
+                <a:spcPts val="0"/>
+              </a:spcBef>
+              <a:spcAft>
+                <a:spcPts val="0"/>
+              </a:spcAft>
+            </a:pPr>
+            <a:r>
+              <a:rPr lang="de-DE" sz="1350" dirty="0">
+                <a:solidFill>
+                  <a:prstClr val="black"/>
+                </a:solidFill>
+                <a:latin typeface="Calibri" panose="020F0502020204030204"/>
+                <a:ea typeface="+mn-ea"/>
+              </a:rPr>
+              <a:t>Help </a:t>
+            </a:r>
+            <a:r>
+              <a:rPr lang="de-DE" sz="1350" dirty="0" err="1">
+                <a:solidFill>
+                  <a:prstClr val="black"/>
+                </a:solidFill>
+                <a:latin typeface="Calibri" panose="020F0502020204030204"/>
+                <a:ea typeface="+mn-ea"/>
+              </a:rPr>
+              <a:t>Self</a:t>
+            </a:r>
+            <a:r>
+              <a:rPr lang="de-DE" sz="1350" dirty="0">
+                <a:solidFill>
+                  <a:prstClr val="black"/>
+                </a:solidFill>
+                <a:latin typeface="Calibri" panose="020F0502020204030204"/>
+                <a:ea typeface="+mn-ea"/>
+              </a:rPr>
+              <a:t> Service</a:t>
+            </a:r>
+          </a:p>
+        </p:txBody>
+      </p:sp>
+      <p:sp>
+        <p:nvSpPr>
+          <p:cNvPr id="27" name="Ellipse 26"/>
+          <p:cNvSpPr/>
+          <p:nvPr/>
+        </p:nvSpPr>
+        <p:spPr>
+          <a:xfrm>
+            <a:off x="5708155" y="1505331"/>
+            <a:ext cx="2846189" cy="1414786"/>
+          </a:xfrm>
+          <a:prstGeom prst="ellipse">
+            <a:avLst/>
+          </a:prstGeom>
+          <a:noFill/>
+          <a:ln>
+            <a:prstDash val="sysDot"/>
+          </a:ln>
+        </p:spPr>
+        <p:style>
+          <a:lnRef idx="2">
+            <a:schemeClr val="accent1">
+              <a:shade val="50000"/>
+            </a:schemeClr>
+          </a:lnRef>
+          <a:fillRef idx="1">
+            <a:schemeClr val="accent1"/>
+          </a:fillRef>
+          <a:effectRef idx="0">
+            <a:schemeClr val="accent1"/>
+          </a:effectRef>
+          <a:fontRef idx="minor">
+            <a:schemeClr val="lt1"/>
+          </a:fontRef>
+        </p:style>
+        <p:txBody>
+          <a:bodyPr rot="0" spcFirstLastPara="0" vertOverflow="overflow" horzOverflow="overflow" vert="horz" wrap="square" lIns="68580" tIns="34290" rIns="68580" bIns="34290" numCol="1" spcCol="0" rtlCol="0" fromWordArt="0" anchor="ctr" anchorCtr="0" forceAA="0" compatLnSpc="1">
+            <a:prstTxWarp prst="textNoShape">
+              <a:avLst/>
+            </a:prstTxWarp>
+            <a:noAutofit/>
+          </a:bodyPr>
+          <a:lstStyle/>
+          <a:p>
+            <a:pPr algn="ctr" defTabSz="685800" fontAlgn="auto">
+              <a:spcBef>
+                <a:spcPts val="0"/>
+              </a:spcBef>
+              <a:spcAft>
+                <a:spcPts val="0"/>
+              </a:spcAft>
+            </a:pPr>
+            <a:endParaRPr lang="de-DE" sz="1350">
+              <a:solidFill>
+                <a:prstClr val="white"/>
+              </a:solidFill>
+              <a:latin typeface="Calibri" panose="020F0502020204030204"/>
+            </a:endParaRPr>
+          </a:p>
+        </p:txBody>
+      </p:sp>
+      <p:sp>
+        <p:nvSpPr>
+          <p:cNvPr id="28" name="Textfeld 27"/>
+          <p:cNvSpPr txBox="1"/>
+          <p:nvPr/>
+        </p:nvSpPr>
+        <p:spPr>
+          <a:xfrm>
+            <a:off x="6505575" y="1172494"/>
+            <a:ext cx="1628775" cy="300082"/>
+          </a:xfrm>
+          <a:prstGeom prst="rect">
+            <a:avLst/>
+          </a:prstGeom>
+          <a:noFill/>
+        </p:spPr>
+        <p:txBody>
+          <a:bodyPr wrap="square" rtlCol="0">
+            <a:spAutoFit/>
+          </a:bodyPr>
+          <a:lstStyle/>
+          <a:p>
+            <a:pPr defTabSz="685800" fontAlgn="auto">
+              <a:spcBef>
+                <a:spcPts val="0"/>
+              </a:spcBef>
+              <a:spcAft>
+                <a:spcPts val="0"/>
+              </a:spcAft>
+            </a:pPr>
+            <a:r>
+              <a:rPr lang="de-DE" sz="1350" dirty="0">
+                <a:solidFill>
+                  <a:prstClr val="black"/>
+                </a:solidFill>
+                <a:latin typeface="Calibri" panose="020F0502020204030204"/>
+                <a:ea typeface="+mn-ea"/>
+              </a:rPr>
+              <a:t>Kundenverwaltung</a:t>
+            </a:r>
+          </a:p>
+        </p:txBody>
+      </p:sp>
+      <p:sp>
+        <p:nvSpPr>
+          <p:cNvPr id="29" name="Rechteck 28"/>
+          <p:cNvSpPr/>
+          <p:nvPr/>
+        </p:nvSpPr>
+        <p:spPr>
+          <a:xfrm>
+            <a:off x="7055651" y="1821985"/>
+            <a:ext cx="800100" cy="323850"/>
+          </a:xfrm>
+          <a:prstGeom prst="rect">
+            <a:avLst/>
+          </a:prstGeom>
+        </p:spPr>
+        <p:style>
+          <a:lnRef idx="2">
+            <a:schemeClr val="accent1">
+              <a:shade val="50000"/>
+            </a:schemeClr>
+          </a:lnRef>
+          <a:fillRef idx="1">
+            <a:schemeClr val="accent1"/>
+          </a:fillRef>
+          <a:effectRef idx="0">
+            <a:schemeClr val="accent1"/>
+          </a:effectRef>
+          <a:fontRef idx="minor">
+            <a:schemeClr val="lt1"/>
+          </a:fontRef>
+        </p:style>
+        <p:txBody>
+          <a:bodyPr rot="0" spcFirstLastPara="0" vertOverflow="overflow" horzOverflow="overflow" vert="horz" wrap="square" lIns="68580" tIns="34290" rIns="68580" bIns="34290" numCol="1" spcCol="0" rtlCol="0" fromWordArt="0" anchor="ctr" anchorCtr="0" forceAA="0" compatLnSpc="1">
+            <a:prstTxWarp prst="textNoShape">
+              <a:avLst/>
+            </a:prstTxWarp>
+            <a:noAutofit/>
+          </a:bodyPr>
+          <a:lstStyle/>
+          <a:p>
+            <a:pPr algn="ctr" defTabSz="685800" fontAlgn="auto">
+              <a:spcBef>
+                <a:spcPts val="0"/>
+              </a:spcBef>
+              <a:spcAft>
+                <a:spcPts val="0"/>
+              </a:spcAft>
+            </a:pPr>
+            <a:r>
+              <a:rPr lang="de-DE" sz="1350" dirty="0">
+                <a:solidFill>
+                  <a:prstClr val="white"/>
+                </a:solidFill>
+                <a:latin typeface="Calibri" panose="020F0502020204030204"/>
+              </a:rPr>
+              <a:t>Reisen</a:t>
+            </a:r>
+          </a:p>
+        </p:txBody>
+      </p:sp>
+      <p:cxnSp>
+        <p:nvCxnSpPr>
+          <p:cNvPr id="31" name="Gerader Verbinder 30"/>
+          <p:cNvCxnSpPr>
+            <a:stCxn id="15" idx="3"/>
+            <a:endCxn id="22" idx="0"/>
+          </p:cNvCxnSpPr>
+          <p:nvPr/>
+        </p:nvCxnSpPr>
+        <p:spPr>
+          <a:xfrm flipH="1">
+            <a:off x="439341" y="3107605"/>
+            <a:ext cx="471442" cy="979841"/>
+          </a:xfrm>
+          <a:prstGeom prst="line">
+            <a:avLst/>
+          </a:prstGeom>
+        </p:spPr>
+        <p:style>
+          <a:lnRef idx="1">
+            <a:schemeClr val="accent1"/>
+          </a:lnRef>
+          <a:fillRef idx="0">
+            <a:schemeClr val="accent1"/>
+          </a:fillRef>
+          <a:effectRef idx="0">
+            <a:schemeClr val="accent1"/>
+          </a:effectRef>
+          <a:fontRef idx="minor">
+            <a:schemeClr val="tx1"/>
+          </a:fontRef>
+        </p:style>
+      </p:cxnSp>
+      <p:cxnSp>
+        <p:nvCxnSpPr>
+          <p:cNvPr id="33" name="Gerader Verbinder 32"/>
+          <p:cNvCxnSpPr>
+            <a:stCxn id="15" idx="3"/>
+            <a:endCxn id="23" idx="0"/>
+          </p:cNvCxnSpPr>
+          <p:nvPr/>
+        </p:nvCxnSpPr>
+        <p:spPr>
+          <a:xfrm>
+            <a:off x="910783" y="3107604"/>
+            <a:ext cx="300557" cy="1127576"/>
+          </a:xfrm>
+          <a:prstGeom prst="line">
+            <a:avLst/>
+          </a:prstGeom>
+        </p:spPr>
+        <p:style>
+          <a:lnRef idx="1">
+            <a:schemeClr val="accent1"/>
+          </a:lnRef>
+          <a:fillRef idx="0">
+            <a:schemeClr val="accent1"/>
+          </a:fillRef>
+          <a:effectRef idx="0">
+            <a:schemeClr val="accent1"/>
+          </a:effectRef>
+          <a:fontRef idx="minor">
+            <a:schemeClr val="tx1"/>
+          </a:fontRef>
+        </p:style>
+      </p:cxnSp>
+      <p:cxnSp>
+        <p:nvCxnSpPr>
+          <p:cNvPr id="35" name="Gerader Verbinder 34"/>
+          <p:cNvCxnSpPr>
+            <a:stCxn id="15" idx="3"/>
+            <a:endCxn id="23" idx="3"/>
+          </p:cNvCxnSpPr>
+          <p:nvPr/>
+        </p:nvCxnSpPr>
+        <p:spPr>
+          <a:xfrm flipH="1">
+            <a:off x="848060" y="3107605"/>
+            <a:ext cx="62723" cy="1498073"/>
+          </a:xfrm>
+          <a:prstGeom prst="line">
+            <a:avLst/>
+          </a:prstGeom>
+        </p:spPr>
+        <p:style>
+          <a:lnRef idx="1">
+            <a:schemeClr val="accent1"/>
+          </a:lnRef>
+          <a:fillRef idx="0">
+            <a:schemeClr val="accent1"/>
+          </a:fillRef>
+          <a:effectRef idx="0">
+            <a:schemeClr val="accent1"/>
+          </a:effectRef>
+          <a:fontRef idx="minor">
+            <a:schemeClr val="tx1"/>
+          </a:fontRef>
+        </p:style>
+      </p:cxnSp>
+      <p:cxnSp>
+        <p:nvCxnSpPr>
+          <p:cNvPr id="37" name="Gerader Verbinder 36"/>
+          <p:cNvCxnSpPr>
+            <a:stCxn id="15" idx="3"/>
+            <a:endCxn id="24" idx="1"/>
+          </p:cNvCxnSpPr>
+          <p:nvPr/>
+        </p:nvCxnSpPr>
+        <p:spPr>
+          <a:xfrm>
+            <a:off x="910783" y="3107604"/>
+            <a:ext cx="426746" cy="1661023"/>
+          </a:xfrm>
+          <a:prstGeom prst="line">
+            <a:avLst/>
+          </a:prstGeom>
+        </p:spPr>
+        <p:style>
+          <a:lnRef idx="1">
+            <a:schemeClr val="accent1"/>
+          </a:lnRef>
+          <a:fillRef idx="0">
+            <a:schemeClr val="accent1"/>
+          </a:fillRef>
+          <a:effectRef idx="0">
+            <a:schemeClr val="accent1"/>
+          </a:effectRef>
+          <a:fontRef idx="minor">
+            <a:schemeClr val="tx1"/>
+          </a:fontRef>
+        </p:style>
+      </p:cxnSp>
+      <p:sp>
+        <p:nvSpPr>
+          <p:cNvPr id="38" name="Ellipse 37"/>
+          <p:cNvSpPr/>
+          <p:nvPr/>
+        </p:nvSpPr>
+        <p:spPr>
+          <a:xfrm>
+            <a:off x="4066229" y="3250573"/>
+            <a:ext cx="3001321" cy="1147376"/>
+          </a:xfrm>
+          <a:prstGeom prst="ellipse">
+            <a:avLst/>
+          </a:prstGeom>
+          <a:noFill/>
+          <a:ln w="3175">
+            <a:prstDash val="sysDot"/>
+          </a:ln>
+        </p:spPr>
+        <p:style>
+          <a:lnRef idx="2">
+            <a:schemeClr val="accent1">
+              <a:shade val="50000"/>
+            </a:schemeClr>
+          </a:lnRef>
+          <a:fillRef idx="1">
+            <a:schemeClr val="accent1"/>
+          </a:fillRef>
+          <a:effectRef idx="0">
+            <a:schemeClr val="accent1"/>
+          </a:effectRef>
+          <a:fontRef idx="minor">
+            <a:schemeClr val="lt1"/>
+          </a:fontRef>
+        </p:style>
+        <p:txBody>
+          <a:bodyPr rot="0" spcFirstLastPara="0" vertOverflow="overflow" horzOverflow="overflow" vert="horz" wrap="square" lIns="68580" tIns="34290" rIns="68580" bIns="34290" numCol="1" spcCol="0" rtlCol="0" fromWordArt="0" anchor="ctr" anchorCtr="0" forceAA="0" compatLnSpc="1">
+            <a:prstTxWarp prst="textNoShape">
+              <a:avLst/>
+            </a:prstTxWarp>
+            <a:noAutofit/>
+          </a:bodyPr>
+          <a:lstStyle/>
+          <a:p>
+            <a:pPr algn="ctr" defTabSz="685800" fontAlgn="auto">
+              <a:spcBef>
+                <a:spcPts val="0"/>
+              </a:spcBef>
+              <a:spcAft>
+                <a:spcPts val="0"/>
+              </a:spcAft>
+            </a:pPr>
+            <a:endParaRPr lang="de-DE" sz="1350">
+              <a:solidFill>
+                <a:prstClr val="white"/>
+              </a:solidFill>
+              <a:latin typeface="Calibri" panose="020F0502020204030204"/>
+            </a:endParaRPr>
+          </a:p>
+        </p:txBody>
+      </p:sp>
+      <p:sp>
+        <p:nvSpPr>
+          <p:cNvPr id="39" name="Ellipse 38"/>
+          <p:cNvSpPr/>
+          <p:nvPr/>
+        </p:nvSpPr>
+        <p:spPr>
+          <a:xfrm>
+            <a:off x="5731494" y="1639455"/>
+            <a:ext cx="2667473" cy="1147376"/>
+          </a:xfrm>
+          <a:prstGeom prst="ellipse">
+            <a:avLst/>
+          </a:prstGeom>
+          <a:noFill/>
+          <a:ln w="3175">
+            <a:prstDash val="sysDot"/>
+          </a:ln>
+        </p:spPr>
+        <p:style>
+          <a:lnRef idx="2">
+            <a:schemeClr val="accent1">
+              <a:shade val="50000"/>
+            </a:schemeClr>
+          </a:lnRef>
+          <a:fillRef idx="1">
+            <a:schemeClr val="accent1"/>
+          </a:fillRef>
+          <a:effectRef idx="0">
+            <a:schemeClr val="accent1"/>
+          </a:effectRef>
+          <a:fontRef idx="minor">
+            <a:schemeClr val="lt1"/>
+          </a:fontRef>
+        </p:style>
+        <p:txBody>
+          <a:bodyPr rot="0" spcFirstLastPara="0" vertOverflow="overflow" horzOverflow="overflow" vert="horz" wrap="square" lIns="68580" tIns="34290" rIns="68580" bIns="34290" numCol="1" spcCol="0" rtlCol="0" fromWordArt="0" anchor="ctr" anchorCtr="0" forceAA="0" compatLnSpc="1">
+            <a:prstTxWarp prst="textNoShape">
+              <a:avLst/>
+            </a:prstTxWarp>
+            <a:noAutofit/>
+          </a:bodyPr>
+          <a:lstStyle/>
+          <a:p>
+            <a:pPr algn="ctr" defTabSz="685800" fontAlgn="auto">
+              <a:spcBef>
+                <a:spcPts val="0"/>
+              </a:spcBef>
+              <a:spcAft>
+                <a:spcPts val="0"/>
+              </a:spcAft>
+            </a:pPr>
+            <a:endParaRPr lang="de-DE" sz="1350">
+              <a:solidFill>
+                <a:prstClr val="white"/>
+              </a:solidFill>
+              <a:latin typeface="Calibri" panose="020F0502020204030204"/>
+            </a:endParaRPr>
+          </a:p>
+        </p:txBody>
+      </p:sp>
+      <p:cxnSp>
+        <p:nvCxnSpPr>
+          <p:cNvPr id="41" name="Gerade Verbindung mit Pfeil 40"/>
+          <p:cNvCxnSpPr>
+            <a:cxnSpLocks/>
+            <a:stCxn id="39" idx="4"/>
+          </p:cNvCxnSpPr>
+          <p:nvPr/>
+        </p:nvCxnSpPr>
+        <p:spPr>
+          <a:xfrm flipH="1">
+            <a:off x="6709018" y="2786831"/>
+            <a:ext cx="356213" cy="461230"/>
+          </a:xfrm>
+          <a:prstGeom prst="straightConnector1">
+            <a:avLst/>
+          </a:prstGeom>
+          <a:ln>
+            <a:tailEnd type="triangle"/>
+          </a:ln>
+        </p:spPr>
+        <p:style>
+          <a:lnRef idx="1">
+            <a:schemeClr val="accent1"/>
+          </a:lnRef>
+          <a:fillRef idx="0">
+            <a:schemeClr val="accent1"/>
+          </a:fillRef>
+          <a:effectRef idx="0">
+            <a:schemeClr val="accent1"/>
+          </a:effectRef>
+          <a:fontRef idx="minor">
+            <a:schemeClr val="tx1"/>
+          </a:fontRef>
+        </p:style>
+      </p:cxnSp>
+      <p:sp>
+        <p:nvSpPr>
+          <p:cNvPr id="42" name="Textfeld 41"/>
+          <p:cNvSpPr txBox="1"/>
+          <p:nvPr/>
+        </p:nvSpPr>
+        <p:spPr>
+          <a:xfrm>
+            <a:off x="7062498" y="3078113"/>
+            <a:ext cx="1137043" cy="300082"/>
+          </a:xfrm>
+          <a:prstGeom prst="rect">
+            <a:avLst/>
+          </a:prstGeom>
+          <a:noFill/>
+        </p:spPr>
+        <p:txBody>
+          <a:bodyPr wrap="none" rtlCol="0">
+            <a:spAutoFit/>
+          </a:bodyPr>
+          <a:lstStyle/>
+          <a:p>
+            <a:pPr defTabSz="685800" fontAlgn="auto">
+              <a:spcBef>
+                <a:spcPts val="0"/>
+              </a:spcBef>
+              <a:spcAft>
+                <a:spcPts val="0"/>
+              </a:spcAft>
+            </a:pPr>
+            <a:r>
+              <a:rPr lang="de-DE" sz="1350" dirty="0">
+                <a:solidFill>
+                  <a:prstClr val="black"/>
+                </a:solidFill>
+                <a:latin typeface="Calibri" panose="020F0502020204030204"/>
+                <a:ea typeface="+mn-ea"/>
+              </a:rPr>
+              <a:t>Message </a:t>
+            </a:r>
+            <a:r>
+              <a:rPr lang="de-DE" sz="1350" dirty="0" err="1">
+                <a:solidFill>
+                  <a:prstClr val="black"/>
+                </a:solidFill>
+                <a:latin typeface="Calibri" panose="020F0502020204030204"/>
+                <a:ea typeface="+mn-ea"/>
+              </a:rPr>
+              <a:t>Que</a:t>
+            </a:r>
+            <a:endParaRPr lang="de-DE" sz="1350" dirty="0">
+              <a:solidFill>
+                <a:prstClr val="black"/>
+              </a:solidFill>
+              <a:latin typeface="Calibri" panose="020F0502020204030204"/>
+              <a:ea typeface="+mn-ea"/>
+            </a:endParaRPr>
+          </a:p>
+        </p:txBody>
+      </p:sp>
+      <p:cxnSp>
+        <p:nvCxnSpPr>
+          <p:cNvPr id="44" name="Gerade Verbindung mit Pfeil 43"/>
+          <p:cNvCxnSpPr>
+            <a:cxnSpLocks/>
+            <a:stCxn id="38" idx="1"/>
+          </p:cNvCxnSpPr>
+          <p:nvPr/>
+        </p:nvCxnSpPr>
+        <p:spPr>
+          <a:xfrm flipH="1" flipV="1">
+            <a:off x="3518131" y="3114454"/>
+            <a:ext cx="987631" cy="304148"/>
+          </a:xfrm>
+          <a:prstGeom prst="straightConnector1">
+            <a:avLst/>
+          </a:prstGeom>
+          <a:ln>
+            <a:tailEnd type="triangle"/>
+          </a:ln>
+        </p:spPr>
+        <p:style>
+          <a:lnRef idx="1">
+            <a:schemeClr val="accent1"/>
+          </a:lnRef>
+          <a:fillRef idx="0">
+            <a:schemeClr val="accent1"/>
+          </a:fillRef>
+          <a:effectRef idx="0">
+            <a:schemeClr val="accent1"/>
+          </a:effectRef>
+          <a:fontRef idx="minor">
+            <a:schemeClr val="tx1"/>
+          </a:fontRef>
+        </p:style>
+      </p:cxnSp>
+      <p:sp>
+        <p:nvSpPr>
+          <p:cNvPr id="45" name="Rechteck 44"/>
+          <p:cNvSpPr/>
+          <p:nvPr/>
+        </p:nvSpPr>
+        <p:spPr>
+          <a:xfrm>
+            <a:off x="6547014" y="3284778"/>
+            <a:ext cx="162004" cy="140669"/>
+          </a:xfrm>
+          <a:prstGeom prst="rect">
+            <a:avLst/>
+          </a:prstGeom>
+          <a:noFill/>
+        </p:spPr>
+        <p:style>
+          <a:lnRef idx="2">
+            <a:schemeClr val="accent1">
+              <a:shade val="50000"/>
+            </a:schemeClr>
+          </a:lnRef>
+          <a:fillRef idx="1">
+            <a:schemeClr val="accent1"/>
+          </a:fillRef>
+          <a:effectRef idx="0">
+            <a:schemeClr val="accent1"/>
+          </a:effectRef>
+          <a:fontRef idx="minor">
+            <a:schemeClr val="lt1"/>
+          </a:fontRef>
+        </p:style>
+        <p:txBody>
+          <a:bodyPr rot="0" spcFirstLastPara="0" vertOverflow="overflow" horzOverflow="overflow" vert="horz" wrap="square" lIns="68580" tIns="34290" rIns="68580" bIns="34290" numCol="1" spcCol="0" rtlCol="0" fromWordArt="0" anchor="ctr" anchorCtr="0" forceAA="0" compatLnSpc="1">
+            <a:prstTxWarp prst="textNoShape">
+              <a:avLst/>
+            </a:prstTxWarp>
+            <a:noAutofit/>
+          </a:bodyPr>
+          <a:lstStyle/>
+          <a:p>
+            <a:pPr algn="ctr" defTabSz="685800" fontAlgn="auto">
+              <a:spcBef>
+                <a:spcPts val="0"/>
+              </a:spcBef>
+              <a:spcAft>
+                <a:spcPts val="0"/>
+              </a:spcAft>
+            </a:pPr>
+            <a:endParaRPr lang="de-DE" sz="1350">
+              <a:solidFill>
+                <a:prstClr val="white"/>
+              </a:solidFill>
+              <a:latin typeface="Calibri" panose="020F0502020204030204"/>
+            </a:endParaRPr>
+          </a:p>
+        </p:txBody>
+      </p:sp>
+      <p:sp>
+        <p:nvSpPr>
+          <p:cNvPr id="47" name="Rechteck 46"/>
+          <p:cNvSpPr/>
+          <p:nvPr/>
+        </p:nvSpPr>
+        <p:spPr>
+          <a:xfrm>
+            <a:off x="3340335" y="2947111"/>
+            <a:ext cx="162004" cy="140669"/>
+          </a:xfrm>
+          <a:prstGeom prst="rect">
+            <a:avLst/>
+          </a:prstGeom>
+          <a:noFill/>
+        </p:spPr>
+        <p:style>
+          <a:lnRef idx="2">
+            <a:schemeClr val="accent1">
+              <a:shade val="50000"/>
+            </a:schemeClr>
+          </a:lnRef>
+          <a:fillRef idx="1">
+            <a:schemeClr val="accent1"/>
+          </a:fillRef>
+          <a:effectRef idx="0">
+            <a:schemeClr val="accent1"/>
+          </a:effectRef>
+          <a:fontRef idx="minor">
+            <a:schemeClr val="lt1"/>
+          </a:fontRef>
+        </p:style>
+        <p:txBody>
+          <a:bodyPr rot="0" spcFirstLastPara="0" vertOverflow="overflow" horzOverflow="overflow" vert="horz" wrap="square" lIns="68580" tIns="34290" rIns="68580" bIns="34290" numCol="1" spcCol="0" rtlCol="0" fromWordArt="0" anchor="ctr" anchorCtr="0" forceAA="0" compatLnSpc="1">
+            <a:prstTxWarp prst="textNoShape">
+              <a:avLst/>
+            </a:prstTxWarp>
+            <a:noAutofit/>
+          </a:bodyPr>
+          <a:lstStyle/>
+          <a:p>
+            <a:pPr algn="ctr" defTabSz="685800" fontAlgn="auto">
+              <a:spcBef>
+                <a:spcPts val="0"/>
+              </a:spcBef>
+              <a:spcAft>
+                <a:spcPts val="0"/>
+              </a:spcAft>
+            </a:pPr>
+            <a:endParaRPr lang="de-DE" sz="1350">
+              <a:solidFill>
+                <a:prstClr val="white"/>
+              </a:solidFill>
+              <a:latin typeface="Calibri" panose="020F0502020204030204"/>
+            </a:endParaRPr>
+          </a:p>
+        </p:txBody>
+      </p:sp>
+      <p:sp>
+        <p:nvSpPr>
+          <p:cNvPr id="50" name="Rechteck 49"/>
+          <p:cNvSpPr/>
+          <p:nvPr/>
+        </p:nvSpPr>
+        <p:spPr>
+          <a:xfrm>
+            <a:off x="6252306" y="1590675"/>
+            <a:ext cx="162004" cy="140669"/>
+          </a:xfrm>
+          <a:prstGeom prst="rect">
+            <a:avLst/>
+          </a:prstGeom>
+          <a:noFill/>
+        </p:spPr>
+        <p:style>
+          <a:lnRef idx="2">
+            <a:schemeClr val="accent1">
+              <a:shade val="50000"/>
+            </a:schemeClr>
+          </a:lnRef>
+          <a:fillRef idx="1">
+            <a:schemeClr val="accent1"/>
+          </a:fillRef>
+          <a:effectRef idx="0">
+            <a:schemeClr val="accent1"/>
+          </a:effectRef>
+          <a:fontRef idx="minor">
+            <a:schemeClr val="lt1"/>
+          </a:fontRef>
+        </p:style>
+        <p:txBody>
+          <a:bodyPr rot="0" spcFirstLastPara="0" vertOverflow="overflow" horzOverflow="overflow" vert="horz" wrap="square" lIns="68580" tIns="34290" rIns="68580" bIns="34290" numCol="1" spcCol="0" rtlCol="0" fromWordArt="0" anchor="ctr" anchorCtr="0" forceAA="0" compatLnSpc="1">
+            <a:prstTxWarp prst="textNoShape">
+              <a:avLst/>
+            </a:prstTxWarp>
+            <a:noAutofit/>
+          </a:bodyPr>
+          <a:lstStyle/>
+          <a:p>
+            <a:pPr algn="ctr" defTabSz="685800" fontAlgn="auto">
+              <a:spcBef>
+                <a:spcPts val="0"/>
+              </a:spcBef>
+              <a:spcAft>
+                <a:spcPts val="0"/>
+              </a:spcAft>
+            </a:pPr>
+            <a:endParaRPr lang="de-DE" sz="1350">
+              <a:solidFill>
+                <a:prstClr val="white"/>
+              </a:solidFill>
+              <a:latin typeface="Calibri" panose="020F0502020204030204"/>
+            </a:endParaRPr>
+          </a:p>
+        </p:txBody>
+      </p:sp>
+      <p:cxnSp>
+        <p:nvCxnSpPr>
+          <p:cNvPr id="52" name="Gerade Verbindung mit Pfeil 51"/>
+          <p:cNvCxnSpPr>
+            <a:stCxn id="50" idx="1"/>
+          </p:cNvCxnSpPr>
+          <p:nvPr/>
+        </p:nvCxnSpPr>
+        <p:spPr>
+          <a:xfrm flipH="1" flipV="1">
+            <a:off x="5123518" y="1252532"/>
+            <a:ext cx="1128788" cy="408478"/>
+          </a:xfrm>
+          <a:prstGeom prst="straightConnector1">
+            <a:avLst/>
+          </a:prstGeom>
+          <a:ln>
+            <a:tailEnd type="triangle"/>
+          </a:ln>
+        </p:spPr>
+        <p:style>
+          <a:lnRef idx="1">
+            <a:schemeClr val="accent1"/>
+          </a:lnRef>
+          <a:fillRef idx="0">
+            <a:schemeClr val="accent1"/>
+          </a:fillRef>
+          <a:effectRef idx="0">
+            <a:schemeClr val="accent1"/>
+          </a:effectRef>
+          <a:fontRef idx="minor">
+            <a:schemeClr val="tx1"/>
+          </a:fontRef>
+        </p:style>
+      </p:cxnSp>
+      <p:sp>
+        <p:nvSpPr>
+          <p:cNvPr id="53" name="Rechteck 52"/>
+          <p:cNvSpPr/>
+          <p:nvPr/>
+        </p:nvSpPr>
+        <p:spPr>
+          <a:xfrm>
+            <a:off x="6061678" y="2075501"/>
+            <a:ext cx="922727" cy="323850"/>
+          </a:xfrm>
+          <a:prstGeom prst="rect">
+            <a:avLst/>
+          </a:prstGeom>
+        </p:spPr>
+        <p:style>
+          <a:lnRef idx="2">
+            <a:schemeClr val="accent1">
+              <a:shade val="50000"/>
+            </a:schemeClr>
+          </a:lnRef>
+          <a:fillRef idx="1">
+            <a:schemeClr val="accent1"/>
+          </a:fillRef>
+          <a:effectRef idx="0">
+            <a:schemeClr val="accent1"/>
+          </a:effectRef>
+          <a:fontRef idx="minor">
+            <a:schemeClr val="lt1"/>
+          </a:fontRef>
+        </p:style>
+        <p:txBody>
+          <a:bodyPr rot="0" spcFirstLastPara="0" vertOverflow="overflow" horzOverflow="overflow" vert="horz" wrap="square" lIns="68580" tIns="34290" rIns="68580" bIns="34290" numCol="1" spcCol="0" rtlCol="0" fromWordArt="0" anchor="ctr" anchorCtr="0" forceAA="0" compatLnSpc="1">
+            <a:prstTxWarp prst="textNoShape">
+              <a:avLst/>
+            </a:prstTxWarp>
+            <a:noAutofit/>
+          </a:bodyPr>
+          <a:lstStyle/>
+          <a:p>
+            <a:pPr algn="ctr" defTabSz="685800" fontAlgn="auto">
+              <a:spcBef>
+                <a:spcPts val="0"/>
+              </a:spcBef>
+              <a:spcAft>
+                <a:spcPts val="0"/>
+              </a:spcAft>
+            </a:pPr>
+            <a:r>
+              <a:rPr lang="de-DE" sz="1350" dirty="0">
+                <a:solidFill>
+                  <a:prstClr val="white"/>
+                </a:solidFill>
+                <a:latin typeface="Calibri" panose="020F0502020204030204"/>
+              </a:rPr>
+              <a:t>Neukunde</a:t>
+            </a:r>
+          </a:p>
+        </p:txBody>
+      </p:sp>
+      <p:sp>
+        <p:nvSpPr>
+          <p:cNvPr id="55" name="Fünfeck 54"/>
+          <p:cNvSpPr/>
+          <p:nvPr/>
+        </p:nvSpPr>
+        <p:spPr>
+          <a:xfrm>
+            <a:off x="5439324" y="3905251"/>
+            <a:ext cx="1183230" cy="319571"/>
+          </a:xfrm>
+          <a:prstGeom prst="pentagon">
+            <a:avLst/>
+          </a:prstGeom>
+          <a:solidFill>
+            <a:schemeClr val="bg2">
+              <a:lumMod val="10000"/>
+            </a:schemeClr>
+          </a:solidFill>
+        </p:spPr>
+        <p:style>
+          <a:lnRef idx="2">
+            <a:schemeClr val="accent1">
+              <a:shade val="50000"/>
+            </a:schemeClr>
+          </a:lnRef>
+          <a:fillRef idx="1">
+            <a:schemeClr val="accent1"/>
+          </a:fillRef>
+          <a:effectRef idx="0">
+            <a:schemeClr val="accent1"/>
+          </a:effectRef>
+          <a:fontRef idx="minor">
+            <a:schemeClr val="lt1"/>
+          </a:fontRef>
+        </p:style>
+        <p:txBody>
+          <a:bodyPr rot="0" spcFirstLastPara="0" vertOverflow="overflow" horzOverflow="overflow" vert="horz" wrap="square" lIns="68580" tIns="34290" rIns="68580" bIns="34290" numCol="1" spcCol="0" rtlCol="0" fromWordArt="0" anchor="ctr" anchorCtr="0" forceAA="0" compatLnSpc="1">
+            <a:prstTxWarp prst="textNoShape">
+              <a:avLst/>
+            </a:prstTxWarp>
+            <a:noAutofit/>
+          </a:bodyPr>
+          <a:lstStyle/>
+          <a:p>
+            <a:pPr algn="ctr" defTabSz="685800" fontAlgn="auto">
+              <a:spcBef>
+                <a:spcPts val="0"/>
+              </a:spcBef>
+              <a:spcAft>
+                <a:spcPts val="0"/>
+              </a:spcAft>
+            </a:pPr>
+            <a:r>
+              <a:rPr lang="de-DE" sz="1350" dirty="0">
+                <a:solidFill>
+                  <a:prstClr val="white"/>
+                </a:solidFill>
+                <a:latin typeface="Calibri" panose="020F0502020204030204"/>
+              </a:rPr>
+              <a:t>Bewerten</a:t>
+            </a:r>
+          </a:p>
+        </p:txBody>
+      </p:sp>
+      <p:sp>
+        <p:nvSpPr>
+          <p:cNvPr id="57" name="Fünfeck 56"/>
+          <p:cNvSpPr/>
+          <p:nvPr/>
+        </p:nvSpPr>
+        <p:spPr>
+          <a:xfrm>
+            <a:off x="5667374" y="3635710"/>
+            <a:ext cx="1447800" cy="297977"/>
+          </a:xfrm>
+          <a:prstGeom prst="pentagon">
+            <a:avLst/>
+          </a:prstGeom>
+          <a:solidFill>
+            <a:schemeClr val="accent6">
+              <a:lumMod val="75000"/>
+            </a:schemeClr>
+          </a:solidFill>
+        </p:spPr>
+        <p:style>
+          <a:lnRef idx="2">
+            <a:schemeClr val="accent1">
+              <a:shade val="50000"/>
+            </a:schemeClr>
+          </a:lnRef>
+          <a:fillRef idx="1">
+            <a:schemeClr val="accent1"/>
+          </a:fillRef>
+          <a:effectRef idx="0">
+            <a:schemeClr val="accent1"/>
+          </a:effectRef>
+          <a:fontRef idx="minor">
+            <a:schemeClr val="lt1"/>
+          </a:fontRef>
+        </p:style>
+        <p:txBody>
+          <a:bodyPr rot="0" spcFirstLastPara="0" vertOverflow="overflow" horzOverflow="overflow" vert="horz" wrap="square" lIns="68580" tIns="34290" rIns="68580" bIns="34290" numCol="1" spcCol="0" rtlCol="0" fromWordArt="0" anchor="ctr" anchorCtr="0" forceAA="0" compatLnSpc="1">
+            <a:prstTxWarp prst="textNoShape">
+              <a:avLst/>
+            </a:prstTxWarp>
+            <a:noAutofit/>
+          </a:bodyPr>
+          <a:lstStyle/>
+          <a:p>
+            <a:pPr algn="ctr" defTabSz="685800" fontAlgn="auto">
+              <a:spcBef>
+                <a:spcPts val="0"/>
+              </a:spcBef>
+              <a:spcAft>
+                <a:spcPts val="0"/>
+              </a:spcAft>
+            </a:pPr>
+            <a:r>
+              <a:rPr lang="de-DE" sz="1350" dirty="0">
+                <a:solidFill>
+                  <a:prstClr val="white"/>
+                </a:solidFill>
+                <a:latin typeface="Calibri" panose="020F0502020204030204"/>
+              </a:rPr>
+              <a:t>Stornieren</a:t>
+            </a:r>
+          </a:p>
+        </p:txBody>
+      </p:sp>
+      <p:sp>
+        <p:nvSpPr>
+          <p:cNvPr id="58" name="Rechteck 57"/>
+          <p:cNvSpPr/>
+          <p:nvPr/>
+        </p:nvSpPr>
+        <p:spPr>
+          <a:xfrm>
+            <a:off x="2547898" y="2005166"/>
+            <a:ext cx="162004" cy="140669"/>
+          </a:xfrm>
+          <a:prstGeom prst="rect">
+            <a:avLst/>
+          </a:prstGeom>
+          <a:noFill/>
+        </p:spPr>
+        <p:style>
+          <a:lnRef idx="2">
+            <a:schemeClr val="accent1">
+              <a:shade val="50000"/>
+            </a:schemeClr>
+          </a:lnRef>
+          <a:fillRef idx="1">
+            <a:schemeClr val="accent1"/>
+          </a:fillRef>
+          <a:effectRef idx="0">
+            <a:schemeClr val="accent1"/>
+          </a:effectRef>
+          <a:fontRef idx="minor">
+            <a:schemeClr val="lt1"/>
+          </a:fontRef>
+        </p:style>
+        <p:txBody>
+          <a:bodyPr rot="0" spcFirstLastPara="0" vertOverflow="overflow" horzOverflow="overflow" vert="horz" wrap="square" lIns="68580" tIns="34290" rIns="68580" bIns="34290" numCol="1" spcCol="0" rtlCol="0" fromWordArt="0" anchor="ctr" anchorCtr="0" forceAA="0" compatLnSpc="1">
+            <a:prstTxWarp prst="textNoShape">
+              <a:avLst/>
+            </a:prstTxWarp>
+            <a:noAutofit/>
+          </a:bodyPr>
+          <a:lstStyle/>
+          <a:p>
+            <a:pPr algn="ctr" defTabSz="685800" fontAlgn="auto">
+              <a:spcBef>
+                <a:spcPts val="0"/>
+              </a:spcBef>
+              <a:spcAft>
+                <a:spcPts val="0"/>
+              </a:spcAft>
+            </a:pPr>
+            <a:endParaRPr lang="de-DE" sz="1350">
+              <a:solidFill>
+                <a:prstClr val="white"/>
+              </a:solidFill>
+              <a:latin typeface="Calibri" panose="020F0502020204030204"/>
+            </a:endParaRPr>
+          </a:p>
+        </p:txBody>
+      </p:sp>
+      <p:cxnSp>
+        <p:nvCxnSpPr>
+          <p:cNvPr id="59" name="Gerade Verbindung mit Pfeil 58"/>
+          <p:cNvCxnSpPr>
+            <a:cxnSpLocks/>
+            <a:stCxn id="8" idx="3"/>
+          </p:cNvCxnSpPr>
+          <p:nvPr/>
+        </p:nvCxnSpPr>
+        <p:spPr>
+          <a:xfrm>
+            <a:off x="2625283" y="1422646"/>
+            <a:ext cx="3617" cy="627071"/>
+          </a:xfrm>
+          <a:prstGeom prst="straightConnector1">
+            <a:avLst/>
+          </a:prstGeom>
+          <a:ln>
+            <a:tailEnd type="triangle"/>
+          </a:ln>
+        </p:spPr>
+        <p:style>
+          <a:lnRef idx="1">
+            <a:schemeClr val="accent1"/>
+          </a:lnRef>
+          <a:fillRef idx="0">
+            <a:schemeClr val="accent1"/>
+          </a:fillRef>
+          <a:effectRef idx="0">
+            <a:schemeClr val="accent1"/>
+          </a:effectRef>
+          <a:fontRef idx="minor">
+            <a:schemeClr val="tx1"/>
+          </a:fontRef>
+        </p:style>
+      </p:cxnSp>
+      <p:sp>
+        <p:nvSpPr>
+          <p:cNvPr id="62" name="Rechteck 61"/>
+          <p:cNvSpPr/>
+          <p:nvPr/>
+        </p:nvSpPr>
+        <p:spPr>
+          <a:xfrm>
+            <a:off x="6740173" y="2406284"/>
+            <a:ext cx="922727" cy="323850"/>
+          </a:xfrm>
+          <a:prstGeom prst="rect">
+            <a:avLst/>
+          </a:prstGeom>
+        </p:spPr>
+        <p:style>
+          <a:lnRef idx="2">
+            <a:schemeClr val="accent1">
+              <a:shade val="50000"/>
+            </a:schemeClr>
+          </a:lnRef>
+          <a:fillRef idx="1">
+            <a:schemeClr val="accent1"/>
+          </a:fillRef>
+          <a:effectRef idx="0">
+            <a:schemeClr val="accent1"/>
+          </a:effectRef>
+          <a:fontRef idx="minor">
+            <a:schemeClr val="lt1"/>
+          </a:fontRef>
+        </p:style>
+        <p:txBody>
+          <a:bodyPr rot="0" spcFirstLastPara="0" vertOverflow="overflow" horzOverflow="overflow" vert="horz" wrap="square" lIns="68580" tIns="34290" rIns="68580" bIns="34290" numCol="1" spcCol="0" rtlCol="0" fromWordArt="0" anchor="ctr" anchorCtr="0" forceAA="0" compatLnSpc="1">
+            <a:prstTxWarp prst="textNoShape">
+              <a:avLst/>
+            </a:prstTxWarp>
+            <a:noAutofit/>
+          </a:bodyPr>
+          <a:lstStyle/>
+          <a:p>
+            <a:pPr algn="ctr" defTabSz="685800" fontAlgn="auto">
+              <a:spcBef>
+                <a:spcPts val="0"/>
+              </a:spcBef>
+              <a:spcAft>
+                <a:spcPts val="0"/>
+              </a:spcAft>
+            </a:pPr>
+            <a:r>
+              <a:rPr lang="de-DE" sz="1350" dirty="0">
+                <a:solidFill>
+                  <a:prstClr val="white"/>
+                </a:solidFill>
+                <a:latin typeface="Calibri" panose="020F0502020204030204"/>
+              </a:rPr>
+              <a:t>Interessen</a:t>
+            </a:r>
+          </a:p>
+        </p:txBody>
+      </p:sp>
+      <p:sp>
+        <p:nvSpPr>
+          <p:cNvPr id="63" name="Textfeld 62"/>
+          <p:cNvSpPr txBox="1"/>
+          <p:nvPr/>
+        </p:nvSpPr>
+        <p:spPr>
+          <a:xfrm>
+            <a:off x="5612448" y="1069375"/>
+            <a:ext cx="485902" cy="300082"/>
+          </a:xfrm>
+          <a:prstGeom prst="rect">
+            <a:avLst/>
+          </a:prstGeom>
+          <a:noFill/>
+        </p:spPr>
+        <p:txBody>
+          <a:bodyPr wrap="none" rtlCol="0">
+            <a:spAutoFit/>
+          </a:bodyPr>
+          <a:lstStyle/>
+          <a:p>
+            <a:pPr defTabSz="685800" fontAlgn="auto">
+              <a:spcBef>
+                <a:spcPts val="0"/>
+              </a:spcBef>
+              <a:spcAft>
+                <a:spcPts val="0"/>
+              </a:spcAft>
+            </a:pPr>
+            <a:r>
+              <a:rPr lang="de-DE" sz="1350" dirty="0">
+                <a:solidFill>
+                  <a:prstClr val="black"/>
+                </a:solidFill>
+                <a:latin typeface="Calibri" panose="020F0502020204030204"/>
+                <a:ea typeface="+mn-ea"/>
+              </a:rPr>
+              <a:t>Rest</a:t>
+            </a:r>
+          </a:p>
+        </p:txBody>
+      </p:sp>
+      <p:sp>
+        <p:nvSpPr>
+          <p:cNvPr id="48" name="Rechteck 47"/>
+          <p:cNvSpPr/>
+          <p:nvPr/>
+        </p:nvSpPr>
+        <p:spPr>
+          <a:xfrm>
+            <a:off x="4580799" y="3378195"/>
+            <a:ext cx="800100" cy="323850"/>
+          </a:xfrm>
+          <a:prstGeom prst="rect">
+            <a:avLst/>
+          </a:prstGeom>
+        </p:spPr>
+        <p:style>
+          <a:lnRef idx="2">
+            <a:schemeClr val="accent1">
+              <a:shade val="50000"/>
+            </a:schemeClr>
+          </a:lnRef>
+          <a:fillRef idx="1">
+            <a:schemeClr val="accent1"/>
+          </a:fillRef>
+          <a:effectRef idx="0">
+            <a:schemeClr val="accent1"/>
+          </a:effectRef>
+          <a:fontRef idx="minor">
+            <a:schemeClr val="lt1"/>
+          </a:fontRef>
+        </p:style>
+        <p:txBody>
+          <a:bodyPr rot="0" spcFirstLastPara="0" vertOverflow="overflow" horzOverflow="overflow" vert="horz" wrap="square" lIns="68580" tIns="34290" rIns="68580" bIns="34290" numCol="1" spcCol="0" rtlCol="0" fromWordArt="0" anchor="ctr" anchorCtr="0" forceAA="0" compatLnSpc="1">
+            <a:prstTxWarp prst="textNoShape">
+              <a:avLst/>
+            </a:prstTxWarp>
+            <a:noAutofit/>
+          </a:bodyPr>
+          <a:lstStyle/>
+          <a:p>
+            <a:pPr algn="ctr" defTabSz="685800" fontAlgn="auto">
+              <a:spcBef>
+                <a:spcPts val="0"/>
+              </a:spcBef>
+              <a:spcAft>
+                <a:spcPts val="0"/>
+              </a:spcAft>
+            </a:pPr>
+            <a:r>
+              <a:rPr lang="de-DE" sz="1350" dirty="0">
+                <a:solidFill>
+                  <a:prstClr val="white"/>
+                </a:solidFill>
+                <a:latin typeface="Calibri" panose="020F0502020204030204"/>
+              </a:rPr>
+              <a:t>Reisen</a:t>
+            </a:r>
+          </a:p>
+        </p:txBody>
+      </p:sp>
+      <p:sp>
+        <p:nvSpPr>
+          <p:cNvPr id="49" name="Rechteck 48"/>
+          <p:cNvSpPr/>
+          <p:nvPr/>
+        </p:nvSpPr>
+        <p:spPr>
+          <a:xfrm>
+            <a:off x="4194228" y="3763596"/>
+            <a:ext cx="800100" cy="323850"/>
+          </a:xfrm>
+          <a:prstGeom prst="rect">
+            <a:avLst/>
+          </a:prstGeom>
+        </p:spPr>
+        <p:style>
+          <a:lnRef idx="2">
+            <a:schemeClr val="accent1">
+              <a:shade val="50000"/>
+            </a:schemeClr>
+          </a:lnRef>
+          <a:fillRef idx="1">
+            <a:schemeClr val="accent1"/>
+          </a:fillRef>
+          <a:effectRef idx="0">
+            <a:schemeClr val="accent1"/>
+          </a:effectRef>
+          <a:fontRef idx="minor">
+            <a:schemeClr val="lt1"/>
+          </a:fontRef>
+        </p:style>
+        <p:txBody>
+          <a:bodyPr rot="0" spcFirstLastPara="0" vertOverflow="overflow" horzOverflow="overflow" vert="horz" wrap="square" lIns="68580" tIns="34290" rIns="68580" bIns="34290" numCol="1" spcCol="0" rtlCol="0" fromWordArt="0" anchor="ctr" anchorCtr="0" forceAA="0" compatLnSpc="1">
+            <a:prstTxWarp prst="textNoShape">
+              <a:avLst/>
+            </a:prstTxWarp>
+            <a:noAutofit/>
+          </a:bodyPr>
+          <a:lstStyle/>
+          <a:p>
+            <a:pPr algn="ctr" defTabSz="685800" fontAlgn="auto">
+              <a:spcBef>
+                <a:spcPts val="0"/>
+              </a:spcBef>
+              <a:spcAft>
+                <a:spcPts val="0"/>
+              </a:spcAft>
+            </a:pPr>
+            <a:r>
+              <a:rPr lang="de-DE" sz="1350" dirty="0">
+                <a:solidFill>
+                  <a:prstClr val="white"/>
+                </a:solidFill>
+                <a:latin typeface="Calibri" panose="020F0502020204030204"/>
+              </a:rPr>
+              <a:t>Beweis</a:t>
+            </a:r>
+          </a:p>
+        </p:txBody>
+      </p:sp>
+      <p:sp>
+        <p:nvSpPr>
+          <p:cNvPr id="51" name="Rechteck 50"/>
+          <p:cNvSpPr/>
+          <p:nvPr/>
+        </p:nvSpPr>
+        <p:spPr>
+          <a:xfrm>
+            <a:off x="4495132" y="4090716"/>
+            <a:ext cx="998392" cy="323850"/>
+          </a:xfrm>
+          <a:prstGeom prst="rect">
+            <a:avLst/>
+          </a:prstGeom>
+        </p:spPr>
+        <p:style>
+          <a:lnRef idx="2">
+            <a:schemeClr val="accent1">
+              <a:shade val="50000"/>
+            </a:schemeClr>
+          </a:lnRef>
+          <a:fillRef idx="1">
+            <a:schemeClr val="accent1"/>
+          </a:fillRef>
+          <a:effectRef idx="0">
+            <a:schemeClr val="accent1"/>
+          </a:effectRef>
+          <a:fontRef idx="minor">
+            <a:schemeClr val="lt1"/>
+          </a:fontRef>
+        </p:style>
+        <p:txBody>
+          <a:bodyPr rot="0" spcFirstLastPara="0" vertOverflow="overflow" horzOverflow="overflow" vert="horz" wrap="square" lIns="68580" tIns="34290" rIns="68580" bIns="34290" numCol="1" spcCol="0" rtlCol="0" fromWordArt="0" anchor="ctr" anchorCtr="0" forceAA="0" compatLnSpc="1">
+            <a:prstTxWarp prst="textNoShape">
+              <a:avLst/>
+            </a:prstTxWarp>
+            <a:noAutofit/>
+          </a:bodyPr>
+          <a:lstStyle/>
+          <a:p>
+            <a:pPr algn="ctr" defTabSz="685800" fontAlgn="auto">
+              <a:spcBef>
+                <a:spcPts val="0"/>
+              </a:spcBef>
+              <a:spcAft>
+                <a:spcPts val="0"/>
+              </a:spcAft>
+            </a:pPr>
+            <a:r>
+              <a:rPr lang="de-DE" sz="1350" dirty="0">
+                <a:solidFill>
+                  <a:prstClr val="white"/>
+                </a:solidFill>
+                <a:latin typeface="Calibri" panose="020F0502020204030204"/>
+              </a:rPr>
+              <a:t>Alternative</a:t>
+            </a:r>
+          </a:p>
+        </p:txBody>
+      </p:sp>
+    </p:spTree>
+    <p:extLst>
+      <p:ext uri="{BB962C8B-B14F-4D97-AF65-F5344CB8AC3E}">
+        <p14:creationId xmlns:p14="http://schemas.microsoft.com/office/powerpoint/2010/main" val="3102634789"/>
+      </p:ext>
+    </p:extLst>
+  </p:cSld>
+  <p:clrMapOvr>
+    <a:masterClrMapping/>
+  </p:clrMapOvr>
+</p:sld>
+</file>
+
+<file path=ppt/slides/slide13.xml><?xml version="1.0" encoding="utf-8"?>
+<p:sld xmlns:a="http://schemas.openxmlformats.org/drawingml/2006/main" xmlns:r="http://schemas.openxmlformats.org/officeDocument/2006/relationships" xmlns:p="http://schemas.openxmlformats.org/presentationml/2006/main">
+  <p:cSld>
+    <p:spTree>
+      <p:nvGrpSpPr>
+        <p:cNvPr id="1" name=""/>
+        <p:cNvGrpSpPr/>
+        <p:nvPr/>
+      </p:nvGrpSpPr>
+      <p:grpSpPr>
+        <a:xfrm>
+          <a:off x="0" y="0"/>
+          <a:ext cx="0" cy="0"/>
+          <a:chOff x="0" y="0"/>
+          <a:chExt cx="0" cy="0"/>
+        </a:xfrm>
+      </p:grpSpPr>
+      <p:pic>
+        <p:nvPicPr>
+          <p:cNvPr id="7" name="Picture 2" descr="http://www.alex11.org/wp-content/uploads/2012/01/Peace_eye_by_skrobdizzles-e1326758699333-1024x810.jpg"/>
+          <p:cNvPicPr>
+            <a:picLocks noGrp="1" noChangeAspect="1" noChangeArrowheads="1"/>
+          </p:cNvPicPr>
+          <p:nvPr>
+            <p:ph type="pic" sz="quarter" idx="17"/>
+          </p:nvPr>
+        </p:nvPicPr>
+        <p:blipFill>
+          <a:blip r:embed="rId2">
+            <a:extLst>
+              <a:ext uri="{28A0092B-C50C-407E-A947-70E740481C1C}">
+                <a14:useLocalDpi xmlns:a14="http://schemas.microsoft.com/office/drawing/2010/main" val="0"/>
+              </a:ext>
+            </a:extLst>
+          </a:blip>
+          <a:srcRect l="7527" r="7527"/>
+          <a:stretch>
+            <a:fillRect/>
+          </a:stretch>
+        </p:blipFill>
+        <p:spPr bwMode="auto">
+          <a:prstGeom prst="rect">
+            <a:avLst/>
+          </a:prstGeom>
+          <a:noFill/>
+          <a:extLst>
+            <a:ext uri="{909E8E84-426E-40DD-AFC4-6F175D3DCCD1}">
+              <a14:hiddenFill xmlns:a14="http://schemas.microsoft.com/office/drawing/2010/main">
+                <a:solidFill>
+                  <a:srgbClr val="FFFFFF"/>
+                </a:solidFill>
+              </a14:hiddenFill>
+            </a:ext>
+          </a:extLst>
+        </p:spPr>
+      </p:pic>
+      <p:sp>
+        <p:nvSpPr>
+          <p:cNvPr id="6" name="Textplatzhalter 5"/>
+          <p:cNvSpPr>
+            <a:spLocks noGrp="1"/>
+          </p:cNvSpPr>
+          <p:nvPr>
+            <p:ph idx="1"/>
+          </p:nvPr>
+        </p:nvSpPr>
+        <p:spPr/>
+        <p:txBody>
+          <a:bodyPr/>
+          <a:lstStyle/>
+          <a:p>
+            <a:pPr indent="-207963"/>
+            <a:r>
+              <a:rPr lang="de-DE" sz="1600" dirty="0"/>
+              <a:t>HMI</a:t>
+            </a:r>
+          </a:p>
+          <a:p>
+            <a:pPr lvl="2"/>
+            <a:r>
+              <a:rPr lang="de-DE" sz="1600" dirty="0"/>
+              <a:t>Neue Eingabegeräte</a:t>
+            </a:r>
+          </a:p>
+          <a:p>
+            <a:pPr lvl="2"/>
+            <a:r>
+              <a:rPr lang="de-DE" sz="1600" dirty="0"/>
+              <a:t>Feedback</a:t>
+            </a:r>
+          </a:p>
+          <a:p>
+            <a:pPr lvl="2"/>
+            <a:endParaRPr lang="de-DE" sz="1600" dirty="0"/>
+          </a:p>
+          <a:p>
+            <a:pPr indent="-207963"/>
+            <a:r>
+              <a:rPr lang="de-DE" sz="1600" dirty="0"/>
+              <a:t>Spielwelt</a:t>
+            </a:r>
+          </a:p>
+          <a:p>
+            <a:pPr lvl="2"/>
+            <a:r>
+              <a:rPr lang="de-DE" sz="1600" dirty="0"/>
+              <a:t>Unterschiedliche Level </a:t>
+            </a:r>
+          </a:p>
+          <a:p>
+            <a:pPr lvl="2"/>
+            <a:r>
+              <a:rPr lang="de-DE" sz="1600" dirty="0"/>
+              <a:t>Integration von Sound</a:t>
+            </a:r>
+          </a:p>
+          <a:p>
+            <a:pPr marL="0" lvl="2" indent="0">
+              <a:buNone/>
+            </a:pPr>
+            <a:endParaRPr lang="de-DE" sz="1600" dirty="0"/>
+          </a:p>
+          <a:p>
+            <a:pPr indent="-207963"/>
+            <a:r>
+              <a:rPr lang="de-DE" sz="1600" dirty="0"/>
+              <a:t>Mehr Spieler </a:t>
+            </a:r>
+          </a:p>
+          <a:p>
+            <a:pPr lvl="2"/>
+            <a:r>
+              <a:rPr lang="de-DE" sz="1600" dirty="0"/>
+              <a:t>mehr Spaß</a:t>
+            </a:r>
+          </a:p>
+          <a:p>
+            <a:endParaRPr lang="de-DE" sz="1600" dirty="0"/>
+          </a:p>
+        </p:txBody>
+      </p:sp>
+      <p:sp>
+        <p:nvSpPr>
           <p:cNvPr id="5" name="Titel 4"/>
           <p:cNvSpPr>
             <a:spLocks noGrp="1"/>
@@ -16350,7 +22254,7 @@
         <p:spPr>
           <a:xfrm>
             <a:off x="250825" y="411087"/>
-            <a:ext cx="1167656" cy="431614"/>
+            <a:ext cx="1145214" cy="431614"/>
           </a:xfrm>
         </p:spPr>
         <p:txBody>
@@ -16359,7 +22263,7 @@
           <a:p>
             <a:r>
               <a:rPr lang="de-DE" dirty="0"/>
-              <a:t>Ergebnis</a:t>
+              <a:t>Ausblick</a:t>
             </a:r>
           </a:p>
         </p:txBody>
@@ -16375,7 +22279,7 @@
         <p:spPr bwMode="auto">
           <a:xfrm>
             <a:off x="1534273" y="418356"/>
-            <a:ext cx="1385664" cy="417074"/>
+            <a:ext cx="951250" cy="417074"/>
           </a:xfrm>
           <a:prstGeom prst="rect">
             <a:avLst/>
@@ -16429,7 +22333,7 @@
           <a:p>
             <a:r>
               <a:rPr lang="de-DE" dirty="0"/>
-              <a:t>Seht selbst</a:t>
+              <a:t>Ideen?</a:t>
             </a:r>
           </a:p>
         </p:txBody>
@@ -16447,7 +22351,134 @@
 </p:sld>
 </file>
 
-<file path=ppt/slides/slide11.xml><?xml version="1.0" encoding="utf-8"?>
+<file path=ppt/slides/slide14.xml><?xml version="1.0" encoding="utf-8"?>
+<p:sld xmlns:a="http://schemas.openxmlformats.org/drawingml/2006/main" xmlns:r="http://schemas.openxmlformats.org/officeDocument/2006/relationships" xmlns:p="http://schemas.openxmlformats.org/presentationml/2006/main">
+  <p:cSld>
+    <p:spTree>
+      <p:nvGrpSpPr>
+        <p:cNvPr id="1" name=""/>
+        <p:cNvGrpSpPr/>
+        <p:nvPr/>
+      </p:nvGrpSpPr>
+      <p:grpSpPr>
+        <a:xfrm>
+          <a:off x="0" y="0"/>
+          <a:ext cx="0" cy="0"/>
+          <a:chOff x="0" y="0"/>
+          <a:chExt cx="0" cy="0"/>
+        </a:xfrm>
+      </p:grpSpPr>
+      <p:sp>
+        <p:nvSpPr>
+          <p:cNvPr id="5" name="Titel 4"/>
+          <p:cNvSpPr>
+            <a:spLocks noGrp="1"/>
+          </p:cNvSpPr>
+          <p:nvPr>
+            <p:ph type="title"/>
+          </p:nvPr>
+        </p:nvSpPr>
+        <p:spPr>
+          <a:xfrm>
+            <a:off x="250825" y="411087"/>
+            <a:ext cx="1167656" cy="431614"/>
+          </a:xfrm>
+        </p:spPr>
+        <p:txBody>
+          <a:bodyPr/>
+          <a:lstStyle/>
+          <a:p>
+            <a:r>
+              <a:rPr lang="de-DE" dirty="0"/>
+              <a:t>Ergebnis</a:t>
+            </a:r>
+          </a:p>
+        </p:txBody>
+      </p:sp>
+      <p:sp>
+        <p:nvSpPr>
+          <p:cNvPr id="4" name="Titel 83"/>
+          <p:cNvSpPr txBox="1">
+            <a:spLocks/>
+          </p:cNvSpPr>
+          <p:nvPr/>
+        </p:nvSpPr>
+        <p:spPr bwMode="auto">
+          <a:xfrm>
+            <a:off x="1534273" y="418356"/>
+            <a:ext cx="1385664" cy="417074"/>
+          </a:xfrm>
+          <a:prstGeom prst="rect">
+            <a:avLst/>
+          </a:prstGeom>
+          <a:solidFill>
+            <a:srgbClr val="0095D8"/>
+          </a:solidFill>
+          <a:ln w="9525">
+            <a:noFill/>
+            <a:miter lim="800000"/>
+            <a:headEnd/>
+            <a:tailEnd/>
+          </a:ln>
+        </p:spPr>
+        <p:txBody>
+          <a:bodyPr vert="horz" wrap="none" lIns="144000" tIns="82800" rIns="144000" bIns="86400" numCol="1" rtlCol="0" anchor="ctr" anchorCtr="0" compatLnSpc="1">
+            <a:prstTxWarp prst="textNoShape">
+              <a:avLst/>
+            </a:prstTxWarp>
+            <a:spAutoFit/>
+          </a:bodyPr>
+          <a:lstStyle>
+            <a:defPPr>
+              <a:defRPr lang="de-DE"/>
+            </a:defPPr>
+            <a:lvl1pPr marL="0" marR="0" lvl="0" indent="0" defTabSz="914400" eaLnBrk="1" latinLnBrk="0" hangingPunct="1">
+              <a:lnSpc>
+                <a:spcPct val="100000"/>
+              </a:lnSpc>
+              <a:buClrTx/>
+              <a:buSzTx/>
+              <a:buFontTx/>
+              <a:buNone/>
+              <a:tabLst/>
+              <a:defRPr kumimoji="0" sz="1600" b="1" i="0" u="none" strike="noStrike" cap="none" spc="0" normalizeH="0" baseline="0">
+                <a:ln>
+                  <a:noFill/>
+                </a:ln>
+                <a:solidFill>
+                  <a:srgbClr val="FFFFFF"/>
+                </a:solidFill>
+                <a:effectLst/>
+                <a:uLnTx/>
+                <a:uFillTx/>
+                <a:latin typeface="Arial"/>
+                <a:ea typeface="ＭＳ Ｐゴシック" charset="0"/>
+                <a:cs typeface="ＭＳ Ｐゴシック" charset="0"/>
+              </a:defRPr>
+            </a:lvl1pPr>
+          </a:lstStyle>
+          <a:p>
+            <a:r>
+              <a:rPr lang="de-DE" dirty="0"/>
+              <a:t>Seht selbst</a:t>
+            </a:r>
+          </a:p>
+        </p:txBody>
+      </p:sp>
+    </p:spTree>
+    <p:extLst>
+      <p:ext uri="{BB962C8B-B14F-4D97-AF65-F5344CB8AC3E}">
+        <p14:creationId xmlns:p14="http://schemas.microsoft.com/office/powerpoint/2010/main" val="135947717"/>
+      </p:ext>
+    </p:extLst>
+  </p:cSld>
+  <p:clrMapOvr>
+    <a:masterClrMapping/>
+  </p:clrMapOvr>
+</p:sld>
+</file>
+
+<file path=ppt/slides/slide15.xml><?xml version="1.0" encoding="utf-8"?>
 <p:sld xmlns:a="http://schemas.openxmlformats.org/drawingml/2006/main" xmlns:r="http://schemas.openxmlformats.org/officeDocument/2006/relationships" xmlns:p="http://schemas.openxmlformats.org/presentationml/2006/main">
   <p:cSld>
     <p:spTree>
@@ -17641,6 +23672,49 @@
             <a:r>
               <a:rPr lang="en-US" b="0" i="1" dirty="0"/>
               <a:t>Eric Evans brought about what is a timeless work. It is my firm belief that Eric’s work will guide developers in practical ways for decades to come.</a:t>
+            </a:r>
+          </a:p>
+          <a:p>
+            <a:pPr lvl="1"/>
+            <a:endParaRPr lang="en-US" i="1" dirty="0"/>
+          </a:p>
+          <a:p>
+            <a:pPr lvl="3"/>
+            <a:r>
+              <a:rPr lang="en-US" i="1" dirty="0" err="1"/>
+              <a:t>Ubiqious</a:t>
+            </a:r>
+            <a:r>
+              <a:rPr lang="en-US" i="1" dirty="0"/>
+              <a:t> Language</a:t>
+            </a:r>
+          </a:p>
+          <a:p>
+            <a:pPr lvl="3"/>
+            <a:r>
+              <a:rPr lang="en-US" i="1" dirty="0"/>
+              <a:t>Bounded Context</a:t>
+            </a:r>
+          </a:p>
+          <a:p>
+            <a:pPr lvl="3"/>
+            <a:r>
+              <a:rPr lang="en-US" i="1" dirty="0"/>
+              <a:t>Context Map</a:t>
+            </a:r>
+          </a:p>
+          <a:p>
+            <a:pPr lvl="3"/>
+            <a:r>
+              <a:rPr lang="en-US" i="1" dirty="0"/>
+              <a:t>Value Objects</a:t>
+            </a:r>
+          </a:p>
+          <a:p>
+            <a:pPr lvl="3"/>
+            <a:r>
+              <a:rPr lang="en-US" i="1" dirty="0"/>
+              <a:t>Entities</a:t>
             </a:r>
             <a:endParaRPr lang="de-DE" i="1" dirty="0"/>
           </a:p>
@@ -18227,155 +24301,43 @@
                 </a:solidFill>
                 <a:cs typeface="+mn-cs"/>
               </a:rPr>
-              <a:t>Team 1</a:t>
+              <a:t>Benefits</a:t>
             </a:r>
           </a:p>
           <a:p>
             <a:pPr lvl="2"/>
             <a:r>
-              <a:rPr lang="de-DE" dirty="0">
-                <a:solidFill>
-                  <a:schemeClr val="accent1">
-                    <a:lumMod val="75000"/>
-                  </a:schemeClr>
-                </a:solidFill>
-              </a:rPr>
-              <a:t>Kollisionserkennung ist schwerer als man denkt</a:t>
+              <a:rPr lang="en-US" b="0" dirty="0"/>
+              <a:t>DDD isn’t first and foremost about technology. In its most central principles, DDD is about discussion, listening, understanding, discovery, and business value</a:t>
             </a:r>
           </a:p>
           <a:p>
             <a:pPr lvl="2"/>
             <a:r>
-              <a:rPr lang="de-DE" dirty="0">
-                <a:solidFill>
-                  <a:schemeClr val="accent1">
-                    <a:lumMod val="75000"/>
-                  </a:schemeClr>
-                </a:solidFill>
-              </a:rPr>
-              <a:t>Spielerisches Herangehen und konzentriertes Arbeiten schließen sich nicht aus</a:t>
+              <a:rPr lang="en-US" b="0" dirty="0"/>
+              <a:t>DDD brings domain experts and software developers together</a:t>
             </a:r>
           </a:p>
           <a:p>
             <a:pPr lvl="2"/>
             <a:r>
-              <a:rPr lang="de-DE" dirty="0" err="1">
-                <a:solidFill>
-                  <a:schemeClr val="accent1">
-                    <a:lumMod val="75000"/>
-                  </a:schemeClr>
-                </a:solidFill>
-              </a:rPr>
-              <a:t>Pong</a:t>
-            </a:r>
-            <a:r>
-              <a:rPr lang="de-DE" dirty="0">
-                <a:solidFill>
-                  <a:schemeClr val="accent1">
-                    <a:lumMod val="75000"/>
-                  </a:schemeClr>
-                </a:solidFill>
-              </a:rPr>
-              <a:t> macht erstaunlich viel Spaß</a:t>
-            </a:r>
-          </a:p>
-          <a:p>
-            <a:pPr marL="0" lvl="2" indent="0">
-              <a:buNone/>
-            </a:pPr>
-            <a:endParaRPr lang="de-DE" dirty="0">
-              <a:solidFill>
-                <a:schemeClr val="accent1">
-                  <a:lumMod val="75000"/>
-                </a:schemeClr>
-              </a:solidFill>
-            </a:endParaRPr>
-          </a:p>
-          <a:p>
-            <a:r>
-              <a:rPr lang="de-DE" dirty="0">
-                <a:solidFill>
-                  <a:schemeClr val="accent4">
-                    <a:lumMod val="75000"/>
-                  </a:schemeClr>
-                </a:solidFill>
-              </a:rPr>
-              <a:t>Team 2</a:t>
+              <a:rPr lang="en-US" b="0" dirty="0"/>
+              <a:t>DDD addresses the strategic initiatives of the business</a:t>
             </a:r>
           </a:p>
           <a:p>
             <a:pPr lvl="2"/>
             <a:r>
-              <a:rPr lang="de-DE" dirty="0">
-                <a:solidFill>
-                  <a:schemeClr val="accent4">
-                    <a:lumMod val="75000"/>
-                  </a:schemeClr>
-                </a:solidFill>
-              </a:rPr>
-              <a:t>C# und C++ ……</a:t>
+              <a:rPr lang="en-US" b="0" dirty="0"/>
+              <a:t>DDD meets the real technical demands of the software by using tactical design modeling tools</a:t>
             </a:r>
           </a:p>
           <a:p>
             <a:pPr lvl="2"/>
             <a:r>
-              <a:rPr lang="de-DE" dirty="0">
-                <a:solidFill>
-                  <a:schemeClr val="accent4">
-                    <a:lumMod val="75000"/>
-                  </a:schemeClr>
-                </a:solidFill>
-              </a:rPr>
-              <a:t>Kein blindes Vertrauen in Bibliotheken </a:t>
-            </a:r>
-          </a:p>
-          <a:p>
-            <a:pPr lvl="3"/>
-            <a:r>
-              <a:rPr lang="de-DE" dirty="0" err="1">
-                <a:solidFill>
-                  <a:schemeClr val="accent4">
-                    <a:lumMod val="75000"/>
-                  </a:schemeClr>
-                </a:solidFill>
-              </a:rPr>
-              <a:t>Wiiuse</a:t>
-            </a:r>
-            <a:r>
-              <a:rPr lang="de-DE" dirty="0">
-                <a:solidFill>
-                  <a:schemeClr val="accent4">
-                    <a:lumMod val="75000"/>
-                  </a:schemeClr>
-                </a:solidFill>
-              </a:rPr>
-              <a:t> unbrauchbar</a:t>
-            </a:r>
-          </a:p>
-          <a:p>
-            <a:pPr lvl="3"/>
-            <a:r>
-              <a:rPr lang="de-DE" dirty="0" err="1">
-                <a:solidFill>
-                  <a:schemeClr val="accent4">
-                    <a:lumMod val="75000"/>
-                  </a:schemeClr>
-                </a:solidFill>
-              </a:rPr>
-              <a:t>WiimoteLib</a:t>
-            </a:r>
-            <a:r>
-              <a:rPr lang="de-DE" dirty="0">
-                <a:solidFill>
-                  <a:schemeClr val="accent4">
-                    <a:lumMod val="75000"/>
-                  </a:schemeClr>
-                </a:solidFill>
-              </a:rPr>
-              <a:t> OK</a:t>
-            </a:r>
-          </a:p>
-          <a:p>
+              <a:rPr lang="en-US" b="0" i="1" dirty="0"/>
+              <a:t>the design is the code and the code is the design</a:t>
+            </a:r>
             <a:endParaRPr lang="de-DE" dirty="0"/>
           </a:p>
         </p:txBody>
@@ -18559,231 +24521,107 @@
           <a:chExt cx="0" cy="0"/>
         </a:xfrm>
       </p:grpSpPr>
-      <p:pic>
-        <p:nvPicPr>
-          <p:cNvPr id="7" name="Picture 2" descr="http://www.alex11.org/wp-content/uploads/2012/01/Peace_eye_by_skrobdizzles-e1326758699333-1024x810.jpg"/>
-          <p:cNvPicPr>
-            <a:picLocks noGrp="1" noChangeAspect="1" noChangeArrowheads="1"/>
-          </p:cNvPicPr>
+      <p:sp>
+        <p:nvSpPr>
+          <p:cNvPr id="2" name="Bildplatzhalter 1"/>
+          <p:cNvSpPr>
+            <a:spLocks noGrp="1"/>
+          </p:cNvSpPr>
           <p:nvPr>
             <p:ph type="pic" sz="quarter" idx="17"/>
           </p:nvPr>
+        </p:nvSpPr>
+        <p:spPr/>
+      </p:sp>
+      <p:sp>
+        <p:nvSpPr>
+          <p:cNvPr id="3" name="Inhaltsplatzhalter 2"/>
+          <p:cNvSpPr>
+            <a:spLocks noGrp="1"/>
+          </p:cNvSpPr>
+          <p:nvPr>
+            <p:ph idx="1"/>
+          </p:nvPr>
+        </p:nvSpPr>
+        <p:spPr/>
+        <p:txBody>
+          <a:bodyPr/>
+          <a:lstStyle/>
+          <a:p>
+            <a:r>
+              <a:rPr lang="de-DE" dirty="0" err="1"/>
+              <a:t>Ubiquitous</a:t>
+            </a:r>
+            <a:r>
+              <a:rPr lang="de-DE" dirty="0"/>
+              <a:t> Language</a:t>
+            </a:r>
+          </a:p>
+          <a:p>
+            <a:pPr lvl="1"/>
+            <a:r>
+              <a:rPr lang="en-US" i="1" dirty="0"/>
+              <a:t>The Ubiquitous Language is a shared language developed by the team—a team composed of both domain experts and software developers.</a:t>
+            </a:r>
+            <a:endParaRPr lang="de-DE" dirty="0"/>
+          </a:p>
+        </p:txBody>
+      </p:sp>
+      <p:sp>
+        <p:nvSpPr>
+          <p:cNvPr id="4" name="Titel 3"/>
+          <p:cNvSpPr>
+            <a:spLocks noGrp="1"/>
+          </p:cNvSpPr>
+          <p:nvPr>
+            <p:ph type="title"/>
+          </p:nvPr>
+        </p:nvSpPr>
+        <p:spPr>
+          <a:xfrm>
+            <a:off x="250825" y="411087"/>
+            <a:ext cx="1017743" cy="431614"/>
+          </a:xfrm>
+        </p:spPr>
+        <p:txBody>
+          <a:bodyPr/>
+          <a:lstStyle/>
+          <a:p>
+            <a:r>
+              <a:rPr lang="de-DE" dirty="0"/>
+              <a:t>Termini</a:t>
+            </a:r>
+          </a:p>
+        </p:txBody>
+      </p:sp>
+      <p:pic>
+        <p:nvPicPr>
+          <p:cNvPr id="5" name="Grafik 4"/>
+          <p:cNvPicPr>
+            <a:picLocks noChangeAspect="1"/>
+          </p:cNvPicPr>
+          <p:nvPr/>
         </p:nvPicPr>
         <p:blipFill>
-          <a:blip r:embed="rId2">
-            <a:extLst>
-              <a:ext uri="{28A0092B-C50C-407E-A947-70E740481C1C}">
-                <a14:useLocalDpi xmlns:a14="http://schemas.microsoft.com/office/drawing/2010/main" val="0"/>
-              </a:ext>
-            </a:extLst>
-          </a:blip>
-          <a:srcRect l="7527" r="7527"/>
+          <a:blip r:embed="rId2"/>
           <a:stretch>
             <a:fillRect/>
           </a:stretch>
         </p:blipFill>
-        <p:spPr bwMode="auto">
-          <a:prstGeom prst="rect">
-            <a:avLst/>
-          </a:prstGeom>
-          <a:noFill/>
-          <a:extLst>
-            <a:ext uri="{909E8E84-426E-40DD-AFC4-6F175D3DCCD1}">
-              <a14:hiddenFill xmlns:a14="http://schemas.microsoft.com/office/drawing/2010/main">
-                <a:solidFill>
-                  <a:srgbClr val="FFFFFF"/>
-                </a:solidFill>
-              </a14:hiddenFill>
-            </a:ext>
-          </a:extLst>
-        </p:spPr>
-      </p:pic>
-      <p:sp>
-        <p:nvSpPr>
-          <p:cNvPr id="6" name="Textplatzhalter 5"/>
-          <p:cNvSpPr>
-            <a:spLocks noGrp="1"/>
-          </p:cNvSpPr>
-          <p:nvPr>
-            <p:ph idx="1"/>
-          </p:nvPr>
-        </p:nvSpPr>
-        <p:spPr/>
-        <p:txBody>
-          <a:bodyPr/>
-          <a:lstStyle/>
-          <a:p>
-            <a:pPr indent="-207963"/>
-            <a:r>
-              <a:rPr lang="de-DE" sz="1600" dirty="0"/>
-              <a:t>HMI</a:t>
-            </a:r>
-          </a:p>
-          <a:p>
-            <a:pPr lvl="2"/>
-            <a:r>
-              <a:rPr lang="de-DE" sz="1600" dirty="0"/>
-              <a:t>Neue Eingabegeräte</a:t>
-            </a:r>
-          </a:p>
-          <a:p>
-            <a:pPr lvl="2"/>
-            <a:r>
-              <a:rPr lang="de-DE" sz="1600" dirty="0"/>
-              <a:t>Feedback</a:t>
-            </a:r>
-          </a:p>
-          <a:p>
-            <a:pPr lvl="2"/>
-            <a:endParaRPr lang="de-DE" sz="1600" dirty="0"/>
-          </a:p>
-          <a:p>
-            <a:pPr indent="-207963"/>
-            <a:r>
-              <a:rPr lang="de-DE" sz="1600" dirty="0"/>
-              <a:t>Spielwelt</a:t>
-            </a:r>
-          </a:p>
-          <a:p>
-            <a:pPr lvl="2"/>
-            <a:r>
-              <a:rPr lang="de-DE" sz="1600" dirty="0"/>
-              <a:t>Unterschiedliche Level </a:t>
-            </a:r>
-          </a:p>
-          <a:p>
-            <a:pPr lvl="2"/>
-            <a:r>
-              <a:rPr lang="de-DE" sz="1600" dirty="0"/>
-              <a:t>Integration von Sound</a:t>
-            </a:r>
-          </a:p>
-          <a:p>
-            <a:pPr marL="0" lvl="2" indent="0">
-              <a:buNone/>
-            </a:pPr>
-            <a:endParaRPr lang="de-DE" sz="1600" dirty="0"/>
-          </a:p>
-          <a:p>
-            <a:pPr indent="-207963"/>
-            <a:r>
-              <a:rPr lang="de-DE" sz="1600" dirty="0"/>
-              <a:t>Mehr Spieler </a:t>
-            </a:r>
-          </a:p>
-          <a:p>
-            <a:pPr lvl="2"/>
-            <a:r>
-              <a:rPr lang="de-DE" sz="1600" dirty="0"/>
-              <a:t>mehr Spaß</a:t>
-            </a:r>
-          </a:p>
-          <a:p>
-            <a:endParaRPr lang="de-DE" sz="1600" dirty="0"/>
-          </a:p>
-        </p:txBody>
-      </p:sp>
-      <p:sp>
-        <p:nvSpPr>
-          <p:cNvPr id="5" name="Titel 4"/>
-          <p:cNvSpPr>
-            <a:spLocks noGrp="1"/>
-          </p:cNvSpPr>
-          <p:nvPr>
-            <p:ph type="title"/>
-          </p:nvPr>
-        </p:nvSpPr>
         <p:spPr>
           <a:xfrm>
-            <a:off x="250825" y="411087"/>
-            <a:ext cx="1145214" cy="431614"/>
-          </a:xfrm>
-        </p:spPr>
-        <p:txBody>
-          <a:bodyPr/>
-          <a:lstStyle/>
-          <a:p>
-            <a:r>
-              <a:rPr lang="de-DE" dirty="0"/>
-              <a:t>Ausblick</a:t>
-            </a:r>
-          </a:p>
-        </p:txBody>
-      </p:sp>
-      <p:sp>
-        <p:nvSpPr>
-          <p:cNvPr id="4" name="Titel 83"/>
-          <p:cNvSpPr txBox="1">
-            <a:spLocks/>
-          </p:cNvSpPr>
-          <p:nvPr/>
-        </p:nvSpPr>
-        <p:spPr bwMode="auto">
-          <a:xfrm>
-            <a:off x="1534273" y="418356"/>
-            <a:ext cx="951250" cy="417074"/>
+            <a:off x="953075" y="2355726"/>
+            <a:ext cx="4357489" cy="2326921"/>
           </a:xfrm>
           <a:prstGeom prst="rect">
             <a:avLst/>
           </a:prstGeom>
-          <a:solidFill>
-            <a:srgbClr val="0095D8"/>
-          </a:solidFill>
-          <a:ln w="9525">
-            <a:noFill/>
-            <a:miter lim="800000"/>
-            <a:headEnd/>
-            <a:tailEnd/>
-          </a:ln>
-        </p:spPr>
-        <p:txBody>
-          <a:bodyPr vert="horz" wrap="none" lIns="144000" tIns="82800" rIns="144000" bIns="86400" numCol="1" rtlCol="0" anchor="ctr" anchorCtr="0" compatLnSpc="1">
-            <a:prstTxWarp prst="textNoShape">
-              <a:avLst/>
-            </a:prstTxWarp>
-            <a:spAutoFit/>
-          </a:bodyPr>
-          <a:lstStyle>
-            <a:defPPr>
-              <a:defRPr lang="de-DE"/>
-            </a:defPPr>
-            <a:lvl1pPr marL="0" marR="0" lvl="0" indent="0" defTabSz="914400" eaLnBrk="1" latinLnBrk="0" hangingPunct="1">
-              <a:lnSpc>
-                <a:spcPct val="100000"/>
-              </a:lnSpc>
-              <a:buClrTx/>
-              <a:buSzTx/>
-              <a:buFontTx/>
-              <a:buNone/>
-              <a:tabLst/>
-              <a:defRPr kumimoji="0" sz="1600" b="1" i="0" u="none" strike="noStrike" cap="none" spc="0" normalizeH="0" baseline="0">
-                <a:ln>
-                  <a:noFill/>
-                </a:ln>
-                <a:solidFill>
-                  <a:srgbClr val="FFFFFF"/>
-                </a:solidFill>
-                <a:effectLst/>
-                <a:uLnTx/>
-                <a:uFillTx/>
-                <a:latin typeface="Arial"/>
-                <a:ea typeface="ＭＳ Ｐゴシック" charset="0"/>
-                <a:cs typeface="ＭＳ Ｐゴシック" charset="0"/>
-              </a:defRPr>
-            </a:lvl1pPr>
-          </a:lstStyle>
-          <a:p>
-            <a:r>
-              <a:rPr lang="de-DE" dirty="0"/>
-              <a:t>Ideen?</a:t>
-            </a:r>
-          </a:p>
-        </p:txBody>
-      </p:sp>
+        </p:spPr>
+      </p:pic>
     </p:spTree>
     <p:extLst>
       <p:ext uri="{BB962C8B-B14F-4D97-AF65-F5344CB8AC3E}">
-        <p14:creationId xmlns:p14="http://schemas.microsoft.com/office/powerpoint/2010/main" val="135947717"/>
+        <p14:creationId xmlns:p14="http://schemas.microsoft.com/office/powerpoint/2010/main" val="1916531576"/>
       </p:ext>
     </p:extLst>
   </p:cSld>
@@ -19821,9 +25659,9 @@
 </file>
 
 <file path=ppt/theme/theme4.xml><?xml version="1.0" encoding="utf-8"?>
-<a:theme xmlns:a="http://schemas.openxmlformats.org/drawingml/2006/main" name="Larissa-Design">
+<a:theme xmlns:a="http://schemas.openxmlformats.org/drawingml/2006/main" name="Office">
   <a:themeElements>
-    <a:clrScheme name="Larissa">
+    <a:clrScheme name="Office">
       <a:dk1>
         <a:sysClr val="windowText" lastClr="000000"/>
       </a:dk1>
@@ -19831,44 +25669,44 @@
         <a:sysClr val="window" lastClr="FFFFFF"/>
       </a:lt1>
       <a:dk2>
-        <a:srgbClr val="1F497D"/>
+        <a:srgbClr val="44546A"/>
       </a:dk2>
       <a:lt2>
-        <a:srgbClr val="EEECE1"/>
+        <a:srgbClr val="E7E6E6"/>
       </a:lt2>
       <a:accent1>
-        <a:srgbClr val="4F81BD"/>
+        <a:srgbClr val="4472C4"/>
       </a:accent1>
       <a:accent2>
-        <a:srgbClr val="C0504D"/>
+        <a:srgbClr val="ED7D31"/>
       </a:accent2>
       <a:accent3>
-        <a:srgbClr val="9BBB59"/>
+        <a:srgbClr val="A5A5A5"/>
       </a:accent3>
       <a:accent4>
-        <a:srgbClr val="8064A2"/>
+        <a:srgbClr val="FFC000"/>
       </a:accent4>
       <a:accent5>
-        <a:srgbClr val="4BACC6"/>
+        <a:srgbClr val="5B9BD5"/>
       </a:accent5>
       <a:accent6>
-        <a:srgbClr val="F79646"/>
+        <a:srgbClr val="70AD47"/>
       </a:accent6>
       <a:hlink>
-        <a:srgbClr val="0000FF"/>
+        <a:srgbClr val="0563C1"/>
       </a:hlink>
       <a:folHlink>
-        <a:srgbClr val="800080"/>
+        <a:srgbClr val="954F72"/>
       </a:folHlink>
     </a:clrScheme>
-    <a:fontScheme name="Larissa">
+    <a:fontScheme name="Office">
       <a:majorFont>
-        <a:latin typeface="Calibri"/>
+        <a:latin typeface="Calibri Light" panose="020F0302020204030204"/>
         <a:ea typeface=""/>
         <a:cs typeface=""/>
-        <a:font script="Jpan" typeface="ＭＳ Ｐゴシック"/>
+        <a:font script="Jpan" typeface="游ゴシック Light"/>
         <a:font script="Hang" typeface="맑은 고딕"/>
-        <a:font script="Hans" typeface="宋体"/>
+        <a:font script="Hans" typeface="等线 Light"/>
         <a:font script="Hant" typeface="新細明體"/>
         <a:font script="Arab" typeface="Times New Roman"/>
         <a:font script="Hebr" typeface="Times New Roman"/>
@@ -19895,14 +25733,32 @@
         <a:font script="Mong" typeface="Mongolian Baiti"/>
         <a:font script="Viet" typeface="Times New Roman"/>
         <a:font script="Uigh" typeface="Microsoft Uighur"/>
+        <a:font script="Geor" typeface="Sylfaen"/>
+        <a:font script="Armn" typeface="Arial"/>
+        <a:font script="Bugi" typeface="Leelawadee UI"/>
+        <a:font script="Bopo" typeface="Microsoft JhengHei"/>
+        <a:font script="Java" typeface="Javanese Text"/>
+        <a:font script="Lisu" typeface="Segoe UI"/>
+        <a:font script="Mymr" typeface="Myanmar Text"/>
+        <a:font script="Nkoo" typeface="Ebrima"/>
+        <a:font script="Olck" typeface="Nirmala UI"/>
+        <a:font script="Osma" typeface="Ebrima"/>
+        <a:font script="Phag" typeface="Phagspa"/>
+        <a:font script="Syrn" typeface="Estrangelo Edessa"/>
+        <a:font script="Syrj" typeface="Estrangelo Edessa"/>
+        <a:font script="Syre" typeface="Estrangelo Edessa"/>
+        <a:font script="Sora" typeface="Nirmala UI"/>
+        <a:font script="Tale" typeface="Microsoft Tai Le"/>
+        <a:font script="Talu" typeface="Microsoft New Tai Lue"/>
+        <a:font script="Tfng" typeface="Ebrima"/>
       </a:majorFont>
       <a:minorFont>
-        <a:latin typeface="Calibri"/>
+        <a:latin typeface="Calibri" panose="020F0502020204030204"/>
         <a:ea typeface=""/>
         <a:cs typeface=""/>
-        <a:font script="Jpan" typeface="ＭＳ Ｐゴシック"/>
+        <a:font script="Jpan" typeface="游ゴシック"/>
         <a:font script="Hang" typeface="맑은 고딕"/>
-        <a:font script="Hans" typeface="宋体"/>
+        <a:font script="Hans" typeface="等线"/>
         <a:font script="Hant" typeface="新細明體"/>
         <a:font script="Arab" typeface="Arial"/>
         <a:font script="Hebr" typeface="Arial"/>
@@ -19929,9 +25785,27 @@
         <a:font script="Mong" typeface="Mongolian Baiti"/>
         <a:font script="Viet" typeface="Arial"/>
         <a:font script="Uigh" typeface="Microsoft Uighur"/>
+        <a:font script="Geor" typeface="Sylfaen"/>
+        <a:font script="Armn" typeface="Arial"/>
+        <a:font script="Bugi" typeface="Leelawadee UI"/>
+        <a:font script="Bopo" typeface="Microsoft JhengHei"/>
+        <a:font script="Java" typeface="Javanese Text"/>
+        <a:font script="Lisu" typeface="Segoe UI"/>
+        <a:font script="Mymr" typeface="Myanmar Text"/>
+        <a:font script="Nkoo" typeface="Ebrima"/>
+        <a:font script="Olck" typeface="Nirmala UI"/>
+        <a:font script="Osma" typeface="Ebrima"/>
+        <a:font script="Phag" typeface="Phagspa"/>
+        <a:font script="Syrn" typeface="Estrangelo Edessa"/>
+        <a:font script="Syrj" typeface="Estrangelo Edessa"/>
+        <a:font script="Syre" typeface="Estrangelo Edessa"/>
+        <a:font script="Sora" typeface="Nirmala UI"/>
+        <a:font script="Tale" typeface="Microsoft Tai Le"/>
+        <a:font script="Talu" typeface="Microsoft New Tai Lue"/>
+        <a:font script="Tfng" typeface="Ebrima"/>
       </a:minorFont>
     </a:fontScheme>
-    <a:fmtScheme name="Larissa">
+    <a:fmtScheme name="Office">
       <a:fillStyleLst>
         <a:solidFill>
           <a:schemeClr val="phClr"/>
@@ -19940,166 +25814,142 @@
           <a:gsLst>
             <a:gs pos="0">
               <a:schemeClr val="phClr">
-                <a:tint val="50000"/>
-                <a:satMod val="300000"/>
+                <a:lumMod val="110000"/>
+                <a:satMod val="105000"/>
+                <a:tint val="67000"/>
               </a:schemeClr>
             </a:gs>
-            <a:gs pos="35000">
+            <a:gs pos="50000">
               <a:schemeClr val="phClr">
-                <a:tint val="37000"/>
-                <a:satMod val="300000"/>
+                <a:lumMod val="105000"/>
+                <a:satMod val="103000"/>
+                <a:tint val="73000"/>
               </a:schemeClr>
             </a:gs>
             <a:gs pos="100000">
               <a:schemeClr val="phClr">
-                <a:tint val="15000"/>
-                <a:satMod val="350000"/>
+                <a:lumMod val="105000"/>
+                <a:satMod val="109000"/>
+                <a:tint val="81000"/>
               </a:schemeClr>
             </a:gs>
           </a:gsLst>
-          <a:lin ang="16200000" scaled="1"/>
+          <a:lin ang="5400000" scaled="0"/>
         </a:gradFill>
         <a:gradFill rotWithShape="1">
           <a:gsLst>
             <a:gs pos="0">
               <a:schemeClr val="phClr">
-                <a:shade val="51000"/>
-                <a:satMod val="130000"/>
+                <a:satMod val="103000"/>
+                <a:lumMod val="102000"/>
+                <a:tint val="94000"/>
               </a:schemeClr>
             </a:gs>
-            <a:gs pos="80000">
+            <a:gs pos="50000">
               <a:schemeClr val="phClr">
-                <a:shade val="93000"/>
-                <a:satMod val="130000"/>
+                <a:satMod val="110000"/>
+                <a:lumMod val="100000"/>
+                <a:shade val="100000"/>
               </a:schemeClr>
             </a:gs>
             <a:gs pos="100000">
               <a:schemeClr val="phClr">
-                <a:shade val="94000"/>
-                <a:satMod val="135000"/>
+                <a:lumMod val="99000"/>
+                <a:satMod val="120000"/>
+                <a:shade val="78000"/>
               </a:schemeClr>
             </a:gs>
           </a:gsLst>
-          <a:lin ang="16200000" scaled="0"/>
+          <a:lin ang="5400000" scaled="0"/>
         </a:gradFill>
       </a:fillStyleLst>
       <a:lnStyleLst>
-        <a:ln w="9525" cap="flat" cmpd="sng" algn="ctr">
-          <a:solidFill>
-            <a:schemeClr val="phClr">
-              <a:shade val="95000"/>
-              <a:satMod val="105000"/>
-            </a:schemeClr>
-          </a:solidFill>
-          <a:prstDash val="solid"/>
-        </a:ln>
-        <a:ln w="25400" cap="flat" cmpd="sng" algn="ctr">
+        <a:ln w="6350" cap="flat" cmpd="sng" algn="ctr">
           <a:solidFill>
             <a:schemeClr val="phClr"/>
           </a:solidFill>
           <a:prstDash val="solid"/>
+          <a:miter lim="800000"/>
         </a:ln>
-        <a:ln w="38100" cap="flat" cmpd="sng" algn="ctr">
+        <a:ln w="12700" cap="flat" cmpd="sng" algn="ctr">
           <a:solidFill>
             <a:schemeClr val="phClr"/>
           </a:solidFill>
           <a:prstDash val="solid"/>
+          <a:miter lim="800000"/>
+        </a:ln>
+        <a:ln w="19050" cap="flat" cmpd="sng" algn="ctr">
+          <a:solidFill>
+            <a:schemeClr val="phClr"/>
+          </a:solidFill>
+          <a:prstDash val="solid"/>
+          <a:miter lim="800000"/>
         </a:ln>
       </a:lnStyleLst>
       <a:effectStyleLst>
         <a:effectStyle>
+          <a:effectLst/>
+        </a:effectStyle>
+        <a:effectStyle>
+          <a:effectLst/>
+        </a:effectStyle>
+        <a:effectStyle>
           <a:effectLst>
-            <a:outerShdw blurRad="40000" dist="20000" dir="5400000" rotWithShape="0">
+            <a:outerShdw blurRad="57150" dist="19050" dir="5400000" algn="ctr" rotWithShape="0">
               <a:srgbClr val="000000">
-                <a:alpha val="38000"/>
+                <a:alpha val="63000"/>
               </a:srgbClr>
             </a:outerShdw>
           </a:effectLst>
-        </a:effectStyle>
-        <a:effectStyle>
-          <a:effectLst>
-            <a:outerShdw blurRad="40000" dist="23000" dir="5400000" rotWithShape="0">
-              <a:srgbClr val="000000">
-                <a:alpha val="35000"/>
-              </a:srgbClr>
-            </a:outerShdw>
-          </a:effectLst>
-        </a:effectStyle>
-        <a:effectStyle>
-          <a:effectLst>
-            <a:outerShdw blurRad="40000" dist="23000" dir="5400000" rotWithShape="0">
-              <a:srgbClr val="000000">
-                <a:alpha val="35000"/>
-              </a:srgbClr>
-            </a:outerShdw>
-          </a:effectLst>
-          <a:scene3d>
-            <a:camera prst="orthographicFront">
-              <a:rot lat="0" lon="0" rev="0"/>
-            </a:camera>
-            <a:lightRig rig="threePt" dir="t">
-              <a:rot lat="0" lon="0" rev="1200000"/>
-            </a:lightRig>
-          </a:scene3d>
-          <a:sp3d>
-            <a:bevelT w="63500" h="25400"/>
-          </a:sp3d>
         </a:effectStyle>
       </a:effectStyleLst>
       <a:bgFillStyleLst>
         <a:solidFill>
           <a:schemeClr val="phClr"/>
         </a:solidFill>
+        <a:solidFill>
+          <a:schemeClr val="phClr">
+            <a:tint val="95000"/>
+            <a:satMod val="170000"/>
+          </a:schemeClr>
+        </a:solidFill>
         <a:gradFill rotWithShape="1">
           <a:gsLst>
             <a:gs pos="0">
               <a:schemeClr val="phClr">
-                <a:tint val="40000"/>
-                <a:satMod val="350000"/>
+                <a:tint val="93000"/>
+                <a:satMod val="150000"/>
+                <a:shade val="98000"/>
+                <a:lumMod val="102000"/>
               </a:schemeClr>
             </a:gs>
-            <a:gs pos="40000">
+            <a:gs pos="50000">
               <a:schemeClr val="phClr">
-                <a:tint val="45000"/>
-                <a:shade val="99000"/>
-                <a:satMod val="350000"/>
+                <a:tint val="98000"/>
+                <a:satMod val="130000"/>
+                <a:shade val="90000"/>
+                <a:lumMod val="103000"/>
               </a:schemeClr>
             </a:gs>
             <a:gs pos="100000">
               <a:schemeClr val="phClr">
-                <a:shade val="20000"/>
-                <a:satMod val="255000"/>
+                <a:shade val="63000"/>
+                <a:satMod val="120000"/>
               </a:schemeClr>
             </a:gs>
           </a:gsLst>
-          <a:path path="circle">
-            <a:fillToRect l="50000" t="-80000" r="50000" b="180000"/>
-          </a:path>
-        </a:gradFill>
-        <a:gradFill rotWithShape="1">
-          <a:gsLst>
-            <a:gs pos="0">
-              <a:schemeClr val="phClr">
-                <a:tint val="80000"/>
-                <a:satMod val="300000"/>
-              </a:schemeClr>
-            </a:gs>
-            <a:gs pos="100000">
-              <a:schemeClr val="phClr">
-                <a:shade val="30000"/>
-                <a:satMod val="200000"/>
-              </a:schemeClr>
-            </a:gs>
-          </a:gsLst>
-          <a:path path="circle">
-            <a:fillToRect l="50000" t="50000" r="50000" b="50000"/>
-          </a:path>
+          <a:lin ang="5400000" scaled="0"/>
         </a:gradFill>
       </a:bgFillStyleLst>
     </a:fmtScheme>
   </a:themeElements>
   <a:objectDefaults/>
   <a:extraClrSchemeLst/>
+  <a:extLst>
+    <a:ext uri="{05A4C25C-085E-4340-85A3-A5531E510DB2}">
+      <thm15:themeFamily xmlns:thm15="http://schemas.microsoft.com/office/thememl/2012/main" name="Office Theme" id="{62F939B6-93AF-4DB8-9C6B-D6C7DFDC589F}" vid="{4A3C46E8-61CC-4603-A589-7422A47A8E4A}"/>
+    </a:ext>
+  </a:extLst>
 </a:theme>
 </file>
 
@@ -20386,7 +26236,305 @@
 </a:theme>
 </file>
 
+<file path=ppt/theme/theme6.xml><?xml version="1.0" encoding="utf-8"?>
+<a:theme xmlns:a="http://schemas.openxmlformats.org/drawingml/2006/main" name="Larissa-Design">
+  <a:themeElements>
+    <a:clrScheme name="Larissa">
+      <a:dk1>
+        <a:sysClr val="windowText" lastClr="000000"/>
+      </a:dk1>
+      <a:lt1>
+        <a:sysClr val="window" lastClr="FFFFFF"/>
+      </a:lt1>
+      <a:dk2>
+        <a:srgbClr val="1F497D"/>
+      </a:dk2>
+      <a:lt2>
+        <a:srgbClr val="EEECE1"/>
+      </a:lt2>
+      <a:accent1>
+        <a:srgbClr val="4F81BD"/>
+      </a:accent1>
+      <a:accent2>
+        <a:srgbClr val="C0504D"/>
+      </a:accent2>
+      <a:accent3>
+        <a:srgbClr val="9BBB59"/>
+      </a:accent3>
+      <a:accent4>
+        <a:srgbClr val="8064A2"/>
+      </a:accent4>
+      <a:accent5>
+        <a:srgbClr val="4BACC6"/>
+      </a:accent5>
+      <a:accent6>
+        <a:srgbClr val="F79646"/>
+      </a:accent6>
+      <a:hlink>
+        <a:srgbClr val="0000FF"/>
+      </a:hlink>
+      <a:folHlink>
+        <a:srgbClr val="800080"/>
+      </a:folHlink>
+    </a:clrScheme>
+    <a:fontScheme name="Larissa">
+      <a:majorFont>
+        <a:latin typeface="Calibri"/>
+        <a:ea typeface=""/>
+        <a:cs typeface=""/>
+        <a:font script="Jpan" typeface="ＭＳ Ｐゴシック"/>
+        <a:font script="Hang" typeface="맑은 고딕"/>
+        <a:font script="Hans" typeface="宋体"/>
+        <a:font script="Hant" typeface="新細明體"/>
+        <a:font script="Arab" typeface="Times New Roman"/>
+        <a:font script="Hebr" typeface="Times New Roman"/>
+        <a:font script="Thai" typeface="Angsana New"/>
+        <a:font script="Ethi" typeface="Nyala"/>
+        <a:font script="Beng" typeface="Vrinda"/>
+        <a:font script="Gujr" typeface="Shruti"/>
+        <a:font script="Khmr" typeface="MoolBoran"/>
+        <a:font script="Knda" typeface="Tunga"/>
+        <a:font script="Guru" typeface="Raavi"/>
+        <a:font script="Cans" typeface="Euphemia"/>
+        <a:font script="Cher" typeface="Plantagenet Cherokee"/>
+        <a:font script="Yiii" typeface="Microsoft Yi Baiti"/>
+        <a:font script="Tibt" typeface="Microsoft Himalaya"/>
+        <a:font script="Thaa" typeface="MV Boli"/>
+        <a:font script="Deva" typeface="Mangal"/>
+        <a:font script="Telu" typeface="Gautami"/>
+        <a:font script="Taml" typeface="Latha"/>
+        <a:font script="Syrc" typeface="Estrangelo Edessa"/>
+        <a:font script="Orya" typeface="Kalinga"/>
+        <a:font script="Mlym" typeface="Kartika"/>
+        <a:font script="Laoo" typeface="DokChampa"/>
+        <a:font script="Sinh" typeface="Iskoola Pota"/>
+        <a:font script="Mong" typeface="Mongolian Baiti"/>
+        <a:font script="Viet" typeface="Times New Roman"/>
+        <a:font script="Uigh" typeface="Microsoft Uighur"/>
+      </a:majorFont>
+      <a:minorFont>
+        <a:latin typeface="Calibri"/>
+        <a:ea typeface=""/>
+        <a:cs typeface=""/>
+        <a:font script="Jpan" typeface="ＭＳ Ｐゴシック"/>
+        <a:font script="Hang" typeface="맑은 고딕"/>
+        <a:font script="Hans" typeface="宋体"/>
+        <a:font script="Hant" typeface="新細明體"/>
+        <a:font script="Arab" typeface="Arial"/>
+        <a:font script="Hebr" typeface="Arial"/>
+        <a:font script="Thai" typeface="Cordia New"/>
+        <a:font script="Ethi" typeface="Nyala"/>
+        <a:font script="Beng" typeface="Vrinda"/>
+        <a:font script="Gujr" typeface="Shruti"/>
+        <a:font script="Khmr" typeface="DaunPenh"/>
+        <a:font script="Knda" typeface="Tunga"/>
+        <a:font script="Guru" typeface="Raavi"/>
+        <a:font script="Cans" typeface="Euphemia"/>
+        <a:font script="Cher" typeface="Plantagenet Cherokee"/>
+        <a:font script="Yiii" typeface="Microsoft Yi Baiti"/>
+        <a:font script="Tibt" typeface="Microsoft Himalaya"/>
+        <a:font script="Thaa" typeface="MV Boli"/>
+        <a:font script="Deva" typeface="Mangal"/>
+        <a:font script="Telu" typeface="Gautami"/>
+        <a:font script="Taml" typeface="Latha"/>
+        <a:font script="Syrc" typeface="Estrangelo Edessa"/>
+        <a:font script="Orya" typeface="Kalinga"/>
+        <a:font script="Mlym" typeface="Kartika"/>
+        <a:font script="Laoo" typeface="DokChampa"/>
+        <a:font script="Sinh" typeface="Iskoola Pota"/>
+        <a:font script="Mong" typeface="Mongolian Baiti"/>
+        <a:font script="Viet" typeface="Arial"/>
+        <a:font script="Uigh" typeface="Microsoft Uighur"/>
+      </a:minorFont>
+    </a:fontScheme>
+    <a:fmtScheme name="Larissa">
+      <a:fillStyleLst>
+        <a:solidFill>
+          <a:schemeClr val="phClr"/>
+        </a:solidFill>
+        <a:gradFill rotWithShape="1">
+          <a:gsLst>
+            <a:gs pos="0">
+              <a:schemeClr val="phClr">
+                <a:tint val="50000"/>
+                <a:satMod val="300000"/>
+              </a:schemeClr>
+            </a:gs>
+            <a:gs pos="35000">
+              <a:schemeClr val="phClr">
+                <a:tint val="37000"/>
+                <a:satMod val="300000"/>
+              </a:schemeClr>
+            </a:gs>
+            <a:gs pos="100000">
+              <a:schemeClr val="phClr">
+                <a:tint val="15000"/>
+                <a:satMod val="350000"/>
+              </a:schemeClr>
+            </a:gs>
+          </a:gsLst>
+          <a:lin ang="16200000" scaled="1"/>
+        </a:gradFill>
+        <a:gradFill rotWithShape="1">
+          <a:gsLst>
+            <a:gs pos="0">
+              <a:schemeClr val="phClr">
+                <a:shade val="51000"/>
+                <a:satMod val="130000"/>
+              </a:schemeClr>
+            </a:gs>
+            <a:gs pos="80000">
+              <a:schemeClr val="phClr">
+                <a:shade val="93000"/>
+                <a:satMod val="130000"/>
+              </a:schemeClr>
+            </a:gs>
+            <a:gs pos="100000">
+              <a:schemeClr val="phClr">
+                <a:shade val="94000"/>
+                <a:satMod val="135000"/>
+              </a:schemeClr>
+            </a:gs>
+          </a:gsLst>
+          <a:lin ang="16200000" scaled="0"/>
+        </a:gradFill>
+      </a:fillStyleLst>
+      <a:lnStyleLst>
+        <a:ln w="9525" cap="flat" cmpd="sng" algn="ctr">
+          <a:solidFill>
+            <a:schemeClr val="phClr">
+              <a:shade val="95000"/>
+              <a:satMod val="105000"/>
+            </a:schemeClr>
+          </a:solidFill>
+          <a:prstDash val="solid"/>
+        </a:ln>
+        <a:ln w="25400" cap="flat" cmpd="sng" algn="ctr">
+          <a:solidFill>
+            <a:schemeClr val="phClr"/>
+          </a:solidFill>
+          <a:prstDash val="solid"/>
+        </a:ln>
+        <a:ln w="38100" cap="flat" cmpd="sng" algn="ctr">
+          <a:solidFill>
+            <a:schemeClr val="phClr"/>
+          </a:solidFill>
+          <a:prstDash val="solid"/>
+        </a:ln>
+      </a:lnStyleLst>
+      <a:effectStyleLst>
+        <a:effectStyle>
+          <a:effectLst>
+            <a:outerShdw blurRad="40000" dist="20000" dir="5400000" rotWithShape="0">
+              <a:srgbClr val="000000">
+                <a:alpha val="38000"/>
+              </a:srgbClr>
+            </a:outerShdw>
+          </a:effectLst>
+        </a:effectStyle>
+        <a:effectStyle>
+          <a:effectLst>
+            <a:outerShdw blurRad="40000" dist="23000" dir="5400000" rotWithShape="0">
+              <a:srgbClr val="000000">
+                <a:alpha val="35000"/>
+              </a:srgbClr>
+            </a:outerShdw>
+          </a:effectLst>
+        </a:effectStyle>
+        <a:effectStyle>
+          <a:effectLst>
+            <a:outerShdw blurRad="40000" dist="23000" dir="5400000" rotWithShape="0">
+              <a:srgbClr val="000000">
+                <a:alpha val="35000"/>
+              </a:srgbClr>
+            </a:outerShdw>
+          </a:effectLst>
+          <a:scene3d>
+            <a:camera prst="orthographicFront">
+              <a:rot lat="0" lon="0" rev="0"/>
+            </a:camera>
+            <a:lightRig rig="threePt" dir="t">
+              <a:rot lat="0" lon="0" rev="1200000"/>
+            </a:lightRig>
+          </a:scene3d>
+          <a:sp3d>
+            <a:bevelT w="63500" h="25400"/>
+          </a:sp3d>
+        </a:effectStyle>
+      </a:effectStyleLst>
+      <a:bgFillStyleLst>
+        <a:solidFill>
+          <a:schemeClr val="phClr"/>
+        </a:solidFill>
+        <a:gradFill rotWithShape="1">
+          <a:gsLst>
+            <a:gs pos="0">
+              <a:schemeClr val="phClr">
+                <a:tint val="40000"/>
+                <a:satMod val="350000"/>
+              </a:schemeClr>
+            </a:gs>
+            <a:gs pos="40000">
+              <a:schemeClr val="phClr">
+                <a:tint val="45000"/>
+                <a:shade val="99000"/>
+                <a:satMod val="350000"/>
+              </a:schemeClr>
+            </a:gs>
+            <a:gs pos="100000">
+              <a:schemeClr val="phClr">
+                <a:shade val="20000"/>
+                <a:satMod val="255000"/>
+              </a:schemeClr>
+            </a:gs>
+          </a:gsLst>
+          <a:path path="circle">
+            <a:fillToRect l="50000" t="-80000" r="50000" b="180000"/>
+          </a:path>
+        </a:gradFill>
+        <a:gradFill rotWithShape="1">
+          <a:gsLst>
+            <a:gs pos="0">
+              <a:schemeClr val="phClr">
+                <a:tint val="80000"/>
+                <a:satMod val="300000"/>
+              </a:schemeClr>
+            </a:gs>
+            <a:gs pos="100000">
+              <a:schemeClr val="phClr">
+                <a:shade val="30000"/>
+                <a:satMod val="200000"/>
+              </a:schemeClr>
+            </a:gs>
+          </a:gsLst>
+          <a:path path="circle">
+            <a:fillToRect l="50000" t="50000" r="50000" b="50000"/>
+          </a:path>
+        </a:gradFill>
+      </a:bgFillStyleLst>
+    </a:fmtScheme>
+  </a:themeElements>
+  <a:objectDefaults/>
+  <a:extraClrSchemeLst/>
+</a:theme>
+</file>
+
 <file path=customXml/item1.xml><?xml version="1.0" encoding="utf-8"?>
+<p:properties xmlns:p="http://schemas.microsoft.com/office/2006/metadata/properties" xmlns:xsi="http://www.w3.org/2001/XMLSchema-instance">
+  <documentManagement/>
+</p:properties>
+</file>
+
+<file path=customXml/item2.xml><?xml version="1.0" encoding="utf-8"?>
+<?mso-contentType ?>
+<FormTemplates xmlns="http://schemas.microsoft.com/sharepoint/v3/contenttype/forms">
+  <Display>DocumentLibraryForm</Display>
+  <Edit>DocumentLibraryForm</Edit>
+  <New>DocumentLibraryForm</New>
+</FormTemplates>
+</file>
+
+<file path=customXml/item3.xml><?xml version="1.0" encoding="utf-8"?>
 <ct:contentTypeSchema xmlns:ct="http://schemas.microsoft.com/office/2006/metadata/contentType" xmlns:ma="http://schemas.microsoft.com/office/2006/metadata/properties/metaAttributes" ct:_="" ma:_="" ma:contentTypeName="Dokument" ma:contentTypeID="0x010100CE11DE9E58843A42B1F637E057635A16" ma:contentTypeVersion="0" ma:contentTypeDescription="Ein neues Dokument erstellen." ma:contentTypeScope="" ma:versionID="dfee1da9dca0f09f6848b5b8c67760e0">
   <xsd:schema xmlns:xsd="http://www.w3.org/2001/XMLSchema" xmlns:p="http://schemas.microsoft.com/office/2006/metadata/properties" targetNamespace="http://schemas.microsoft.com/office/2006/metadata/properties" ma:root="true" ma:fieldsID="246f02dd96380beb4f7cdcce14d77fd6">
     <xsd:element name="properties">
@@ -20435,32 +26583,16 @@
 </ct:contentTypeSchema>
 </file>
 
-<file path=customXml/item2.xml><?xml version="1.0" encoding="utf-8"?>
-<?mso-contentType ?>
-<FormTemplates xmlns="http://schemas.microsoft.com/sharepoint/v3/contenttype/forms">
-  <Display>DocumentLibraryForm</Display>
-  <Edit>DocumentLibraryForm</Edit>
-  <New>DocumentLibraryForm</New>
-</FormTemplates>
-</file>
-
-<file path=customXml/item3.xml><?xml version="1.0" encoding="utf-8"?>
-<p:properties xmlns:p="http://schemas.microsoft.com/office/2006/metadata/properties" xmlns:xsi="http://www.w3.org/2001/XMLSchema-instance">
-  <documentManagement/>
-</p:properties>
-</file>
-
 <file path=customXml/itemProps1.xml><?xml version="1.0" encoding="utf-8"?>
-<ds:datastoreItem xmlns:ds="http://schemas.openxmlformats.org/officeDocument/2006/customXml" ds:itemID="{F7CDCAB2-FFA3-4AA5-8951-F674AD256E4C}">
+<ds:datastoreItem xmlns:ds="http://schemas.openxmlformats.org/officeDocument/2006/customXml" ds:itemID="{59B834B3-90EC-4401-9017-D7D8CC13FBFE}">
   <ds:schemaRefs>
-    <ds:schemaRef ds:uri="http://schemas.microsoft.com/office/2006/metadata/contentType"/>
-    <ds:schemaRef ds:uri="http://schemas.microsoft.com/office/2006/metadata/properties/metaAttributes"/>
-    <ds:schemaRef ds:uri="http://www.w3.org/2001/XMLSchema"/>
+    <ds:schemaRef ds:uri="http://purl.org/dc/dcmitype/"/>
+    <ds:schemaRef ds:uri="http://purl.org/dc/elements/1.1/"/>
     <ds:schemaRef ds:uri="http://schemas.microsoft.com/office/2006/metadata/properties"/>
+    <ds:schemaRef ds:uri="http://schemas.microsoft.com/office/2006/documentManagement/types"/>
+    <ds:schemaRef ds:uri="http://purl.org/dc/terms/"/>
     <ds:schemaRef ds:uri="http://schemas.openxmlformats.org/package/2006/metadata/core-properties"/>
-    <ds:schemaRef ds:uri="http://purl.org/dc/elements/1.1/"/>
-    <ds:schemaRef ds:uri="http://purl.org/dc/terms/"/>
-    <ds:schemaRef ds:uri="http://schemas.microsoft.com/office/internal/2005/internalDocumentation"/>
+    <ds:schemaRef ds:uri="http://www.w3.org/XML/1998/namespace"/>
   </ds:schemaRefs>
 </ds:datastoreItem>
 </file>
@@ -20474,15 +26606,16 @@
 </file>
 
 <file path=customXml/itemProps3.xml><?xml version="1.0" encoding="utf-8"?>
-<ds:datastoreItem xmlns:ds="http://schemas.openxmlformats.org/officeDocument/2006/customXml" ds:itemID="{59B834B3-90EC-4401-9017-D7D8CC13FBFE}">
+<ds:datastoreItem xmlns:ds="http://schemas.openxmlformats.org/officeDocument/2006/customXml" ds:itemID="{F7CDCAB2-FFA3-4AA5-8951-F674AD256E4C}">
   <ds:schemaRefs>
+    <ds:schemaRef ds:uri="http://schemas.microsoft.com/office/2006/metadata/contentType"/>
+    <ds:schemaRef ds:uri="http://schemas.microsoft.com/office/2006/metadata/properties/metaAttributes"/>
+    <ds:schemaRef ds:uri="http://www.w3.org/2001/XMLSchema"/>
+    <ds:schemaRef ds:uri="http://schemas.microsoft.com/office/2006/metadata/properties"/>
+    <ds:schemaRef ds:uri="http://schemas.openxmlformats.org/package/2006/metadata/core-properties"/>
+    <ds:schemaRef ds:uri="http://purl.org/dc/elements/1.1/"/>
     <ds:schemaRef ds:uri="http://purl.org/dc/terms/"/>
-    <ds:schemaRef ds:uri="http://schemas.openxmlformats.org/package/2006/metadata/core-properties"/>
-    <ds:schemaRef ds:uri="http://purl.org/dc/dcmitype/"/>
-    <ds:schemaRef ds:uri="http://schemas.microsoft.com/office/2006/documentManagement/types"/>
-    <ds:schemaRef ds:uri="http://schemas.microsoft.com/office/2006/metadata/properties"/>
-    <ds:schemaRef ds:uri="http://www.w3.org/XML/1998/namespace"/>
-    <ds:schemaRef ds:uri="http://purl.org/dc/elements/1.1/"/>
+    <ds:schemaRef ds:uri="http://schemas.microsoft.com/office/internal/2005/internalDocumentation"/>
   </ds:schemaRefs>
 </ds:datastoreItem>
 </file>
--- a/Folien/3T_2017_React und DDD.pptx
+++ b/Folien/3T_2017_React und DDD.pptx
@@ -8,10 +8,10 @@
     <p:sldMasterId id="2147486033" r:id="rId7"/>
   </p:sldMasterIdLst>
   <p:notesMasterIdLst>
-    <p:notesMasterId r:id="rId23"/>
+    <p:notesMasterId r:id="rId27"/>
   </p:notesMasterIdLst>
   <p:handoutMasterIdLst>
-    <p:handoutMasterId r:id="rId24"/>
+    <p:handoutMasterId r:id="rId28"/>
   </p:handoutMasterIdLst>
   <p:sldIdLst>
     <p:sldId id="334" r:id="rId8"/>
@@ -19,16 +19,20 @@
     <p:sldId id="361" r:id="rId10"/>
     <p:sldId id="348" r:id="rId11"/>
     <p:sldId id="362" r:id="rId12"/>
-    <p:sldId id="360" r:id="rId13"/>
-    <p:sldId id="350" r:id="rId14"/>
-    <p:sldId id="352" r:id="rId15"/>
-    <p:sldId id="364" r:id="rId16"/>
-    <p:sldId id="363" r:id="rId17"/>
-    <p:sldId id="365" r:id="rId18"/>
-    <p:sldId id="367" r:id="rId19"/>
-    <p:sldId id="353" r:id="rId20"/>
-    <p:sldId id="351" r:id="rId21"/>
-    <p:sldId id="335" r:id="rId22"/>
+    <p:sldId id="368" r:id="rId13"/>
+    <p:sldId id="369" r:id="rId14"/>
+    <p:sldId id="370" r:id="rId15"/>
+    <p:sldId id="371" r:id="rId16"/>
+    <p:sldId id="372" r:id="rId17"/>
+    <p:sldId id="373" r:id="rId18"/>
+    <p:sldId id="352" r:id="rId19"/>
+    <p:sldId id="364" r:id="rId20"/>
+    <p:sldId id="363" r:id="rId21"/>
+    <p:sldId id="365" r:id="rId22"/>
+    <p:sldId id="367" r:id="rId23"/>
+    <p:sldId id="351" r:id="rId24"/>
+    <p:sldId id="374" r:id="rId25"/>
+    <p:sldId id="335" r:id="rId26"/>
   </p:sldIdLst>
   <p:sldSz cx="9144000" cy="5143500" type="screen16x9"/>
   <p:notesSz cx="6883400" cy="9906000"/>
@@ -273,7 +277,7 @@
             <a:fld id="{81CD9070-DBFC-4CF9-BCA1-D82221F14D9E}" type="datetimeFigureOut">
               <a:rPr lang="de-DE" smtClean="0"/>
               <a:pPr/>
-              <a:t>29.03.2017</a:t>
+              <a:t>31.03.2017</a:t>
             </a:fld>
             <a:endParaRPr lang="de-DE"/>
           </a:p>
@@ -465,7 +469,7 @@
               <a:pPr>
                 <a:defRPr/>
               </a:pPr>
-              <a:t>29.03.2017</a:t>
+              <a:t>31.03.2017</a:t>
             </a:fld>
             <a:endParaRPr lang="de-DE"/>
           </a:p>
@@ -1093,7 +1097,7 @@
                 <a:cs typeface="Arial" charset="0"/>
               </a:rPr>
               <a:pPr/>
-              <a:t>15</a:t>
+              <a:t>19</a:t>
             </a:fld>
             <a:endParaRPr lang="de-DE">
               <a:cs typeface="Arial" charset="0"/>
@@ -8327,7 +8331,7 @@
           <a:p>
             <a:fld id="{8FC56F25-E008-454B-8C69-80127ABB9DE1}" type="datetimeFigureOut">
               <a:rPr lang="de-DE" smtClean="0"/>
-              <a:t>29.03.2017</a:t>
+              <a:t>31.03.2017</a:t>
             </a:fld>
             <a:endParaRPr lang="de-DE"/>
           </a:p>
@@ -8495,7 +8499,7 @@
           <a:p>
             <a:fld id="{8FC56F25-E008-454B-8C69-80127ABB9DE1}" type="datetimeFigureOut">
               <a:rPr lang="de-DE" smtClean="0"/>
-              <a:t>29.03.2017</a:t>
+              <a:t>31.03.2017</a:t>
             </a:fld>
             <a:endParaRPr lang="de-DE"/>
           </a:p>
@@ -8740,7 +8744,7 @@
           <a:p>
             <a:fld id="{8FC56F25-E008-454B-8C69-80127ABB9DE1}" type="datetimeFigureOut">
               <a:rPr lang="de-DE" smtClean="0"/>
-              <a:t>29.03.2017</a:t>
+              <a:t>31.03.2017</a:t>
             </a:fld>
             <a:endParaRPr lang="de-DE"/>
           </a:p>
@@ -9025,7 +9029,7 @@
           <a:p>
             <a:fld id="{8FC56F25-E008-454B-8C69-80127ABB9DE1}" type="datetimeFigureOut">
               <a:rPr lang="de-DE" smtClean="0"/>
-              <a:t>29.03.2017</a:t>
+              <a:t>31.03.2017</a:t>
             </a:fld>
             <a:endParaRPr lang="de-DE"/>
           </a:p>
@@ -9651,7 +9655,7 @@
           <a:p>
             <a:fld id="{8FC56F25-E008-454B-8C69-80127ABB9DE1}" type="datetimeFigureOut">
               <a:rPr lang="de-DE" smtClean="0"/>
-              <a:t>29.03.2017</a:t>
+              <a:t>31.03.2017</a:t>
             </a:fld>
             <a:endParaRPr lang="de-DE"/>
           </a:p>
@@ -9768,7 +9772,7 @@
           <a:p>
             <a:fld id="{8FC56F25-E008-454B-8C69-80127ABB9DE1}" type="datetimeFigureOut">
               <a:rPr lang="de-DE" smtClean="0"/>
-              <a:t>29.03.2017</a:t>
+              <a:t>31.03.2017</a:t>
             </a:fld>
             <a:endParaRPr lang="de-DE"/>
           </a:p>
@@ -9863,7 +9867,7 @@
           <a:p>
             <a:fld id="{8FC56F25-E008-454B-8C69-80127ABB9DE1}" type="datetimeFigureOut">
               <a:rPr lang="de-DE" smtClean="0"/>
-              <a:t>29.03.2017</a:t>
+              <a:t>31.03.2017</a:t>
             </a:fld>
             <a:endParaRPr lang="de-DE"/>
           </a:p>
@@ -10138,7 +10142,7 @@
           <a:p>
             <a:fld id="{8FC56F25-E008-454B-8C69-80127ABB9DE1}" type="datetimeFigureOut">
               <a:rPr lang="de-DE" smtClean="0"/>
-              <a:t>29.03.2017</a:t>
+              <a:t>31.03.2017</a:t>
             </a:fld>
             <a:endParaRPr lang="de-DE"/>
           </a:p>
@@ -10390,7 +10394,7 @@
           <a:p>
             <a:fld id="{8FC56F25-E008-454B-8C69-80127ABB9DE1}" type="datetimeFigureOut">
               <a:rPr lang="de-DE" smtClean="0"/>
-              <a:t>29.03.2017</a:t>
+              <a:t>31.03.2017</a:t>
             </a:fld>
             <a:endParaRPr lang="de-DE"/>
           </a:p>
@@ -10558,7 +10562,7 @@
           <a:p>
             <a:fld id="{8FC56F25-E008-454B-8C69-80127ABB9DE1}" type="datetimeFigureOut">
               <a:rPr lang="de-DE" smtClean="0"/>
-              <a:t>29.03.2017</a:t>
+              <a:t>31.03.2017</a:t>
             </a:fld>
             <a:endParaRPr lang="de-DE"/>
           </a:p>
@@ -10736,7 +10740,7 @@
           <a:p>
             <a:fld id="{8FC56F25-E008-454B-8C69-80127ABB9DE1}" type="datetimeFigureOut">
               <a:rPr lang="de-DE" smtClean="0"/>
-              <a:t>29.03.2017</a:t>
+              <a:t>31.03.2017</a:t>
             </a:fld>
             <a:endParaRPr lang="de-DE"/>
           </a:p>
@@ -11870,7 +11874,7 @@
           <a:p>
             <a:fld id="{C44F7930-81CD-4D63-BA62-1FB6F8E0FA4C}" type="datetimeFigureOut">
               <a:rPr lang="de-DE" smtClean="0"/>
-              <a:t>29.03.2017</a:t>
+              <a:t>31.03.2017</a:t>
             </a:fld>
             <a:endParaRPr lang="de-DE"/>
           </a:p>
@@ -12038,7 +12042,7 @@
           <a:p>
             <a:fld id="{C44F7930-81CD-4D63-BA62-1FB6F8E0FA4C}" type="datetimeFigureOut">
               <a:rPr lang="de-DE" smtClean="0"/>
-              <a:t>29.03.2017</a:t>
+              <a:t>31.03.2017</a:t>
             </a:fld>
             <a:endParaRPr lang="de-DE"/>
           </a:p>
@@ -12283,7 +12287,7 @@
           <a:p>
             <a:fld id="{C44F7930-81CD-4D63-BA62-1FB6F8E0FA4C}" type="datetimeFigureOut">
               <a:rPr lang="de-DE" smtClean="0"/>
-              <a:t>29.03.2017</a:t>
+              <a:t>31.03.2017</a:t>
             </a:fld>
             <a:endParaRPr lang="de-DE"/>
           </a:p>
@@ -12512,7 +12516,7 @@
           <a:p>
             <a:fld id="{C44F7930-81CD-4D63-BA62-1FB6F8E0FA4C}" type="datetimeFigureOut">
               <a:rPr lang="de-DE" smtClean="0"/>
-              <a:t>29.03.2017</a:t>
+              <a:t>31.03.2017</a:t>
             </a:fld>
             <a:endParaRPr lang="de-DE"/>
           </a:p>
@@ -12876,7 +12880,7 @@
           <a:p>
             <a:fld id="{C44F7930-81CD-4D63-BA62-1FB6F8E0FA4C}" type="datetimeFigureOut">
               <a:rPr lang="de-DE" smtClean="0"/>
-              <a:t>29.03.2017</a:t>
+              <a:t>31.03.2017</a:t>
             </a:fld>
             <a:endParaRPr lang="de-DE"/>
           </a:p>
@@ -13040,7 +13044,7 @@
           <a:p>
             <a:fld id="{C44F7930-81CD-4D63-BA62-1FB6F8E0FA4C}" type="datetimeFigureOut">
               <a:rPr lang="de-DE" smtClean="0"/>
-              <a:t>29.03.2017</a:t>
+              <a:t>31.03.2017</a:t>
             </a:fld>
             <a:endParaRPr lang="de-DE"/>
           </a:p>
@@ -13135,7 +13139,7 @@
           <a:p>
             <a:fld id="{C44F7930-81CD-4D63-BA62-1FB6F8E0FA4C}" type="datetimeFigureOut">
               <a:rPr lang="de-DE" smtClean="0"/>
-              <a:t>29.03.2017</a:t>
+              <a:t>31.03.2017</a:t>
             </a:fld>
             <a:endParaRPr lang="de-DE"/>
           </a:p>
@@ -13410,7 +13414,7 @@
           <a:p>
             <a:fld id="{C44F7930-81CD-4D63-BA62-1FB6F8E0FA4C}" type="datetimeFigureOut">
               <a:rPr lang="de-DE" smtClean="0"/>
-              <a:t>29.03.2017</a:t>
+              <a:t>31.03.2017</a:t>
             </a:fld>
             <a:endParaRPr lang="de-DE"/>
           </a:p>
@@ -13662,7 +13666,7 @@
           <a:p>
             <a:fld id="{C44F7930-81CD-4D63-BA62-1FB6F8E0FA4C}" type="datetimeFigureOut">
               <a:rPr lang="de-DE" smtClean="0"/>
-              <a:t>29.03.2017</a:t>
+              <a:t>31.03.2017</a:t>
             </a:fld>
             <a:endParaRPr lang="de-DE"/>
           </a:p>
@@ -13830,7 +13834,7 @@
           <a:p>
             <a:fld id="{C44F7930-81CD-4D63-BA62-1FB6F8E0FA4C}" type="datetimeFigureOut">
               <a:rPr lang="de-DE" smtClean="0"/>
-              <a:t>29.03.2017</a:t>
+              <a:t>31.03.2017</a:t>
             </a:fld>
             <a:endParaRPr lang="de-DE"/>
           </a:p>
@@ -14008,7 +14012,7 @@
           <a:p>
             <a:fld id="{C44F7930-81CD-4D63-BA62-1FB6F8E0FA4C}" type="datetimeFigureOut">
               <a:rPr lang="de-DE" smtClean="0"/>
-              <a:t>29.03.2017</a:t>
+              <a:t>31.03.2017</a:t>
             </a:fld>
             <a:endParaRPr lang="de-DE"/>
           </a:p>
@@ -16872,7 +16876,7 @@
           <a:p>
             <a:fld id="{8FC56F25-E008-454B-8C69-80127ABB9DE1}" type="datetimeFigureOut">
               <a:rPr lang="de-DE" smtClean="0"/>
-              <a:t>29.03.2017</a:t>
+              <a:t>31.03.2017</a:t>
             </a:fld>
             <a:endParaRPr lang="de-DE"/>
           </a:p>
@@ -18651,7 +18655,7 @@
           <a:p>
             <a:fld id="{C44F7930-81CD-4D63-BA62-1FB6F8E0FA4C}" type="datetimeFigureOut">
               <a:rPr lang="de-DE" smtClean="0"/>
-              <a:t>29.03.2017</a:t>
+              <a:t>31.03.2017</a:t>
             </a:fld>
             <a:endParaRPr lang="de-DE"/>
           </a:p>
@@ -19163,6 +19167,812 @@
       </p:grpSpPr>
       <p:sp>
         <p:nvSpPr>
+          <p:cNvPr id="2" name="Textplatzhalter 1"/>
+          <p:cNvSpPr>
+            <a:spLocks noGrp="1"/>
+          </p:cNvSpPr>
+          <p:nvPr>
+            <p:ph idx="1"/>
+          </p:nvPr>
+        </p:nvSpPr>
+        <p:spPr/>
+        <p:txBody>
+          <a:bodyPr/>
+          <a:lstStyle/>
+          <a:p>
+            <a:pPr lvl="3">
+              <a:lnSpc>
+                <a:spcPct val="150000"/>
+              </a:lnSpc>
+            </a:pPr>
+            <a:r>
+              <a:rPr lang="en-US" i="1" dirty="0" err="1"/>
+              <a:t>Nicht</a:t>
+            </a:r>
+            <a:r>
+              <a:rPr lang="en-US" i="1" dirty="0"/>
+              <a:t> das </a:t>
+            </a:r>
+            <a:r>
+              <a:rPr lang="en-US" i="1" dirty="0" err="1"/>
+              <a:t>schnellste</a:t>
+            </a:r>
+            <a:endParaRPr lang="en-US" i="1" dirty="0"/>
+          </a:p>
+          <a:p>
+            <a:pPr lvl="3">
+              <a:lnSpc>
+                <a:spcPct val="150000"/>
+              </a:lnSpc>
+            </a:pPr>
+            <a:r>
+              <a:rPr lang="en-US" i="1" dirty="0"/>
+              <a:t>Babel </a:t>
+            </a:r>
+            <a:r>
+              <a:rPr lang="en-US" i="1" dirty="0" err="1"/>
+              <a:t>benötigt</a:t>
+            </a:r>
+            <a:endParaRPr lang="en-US" i="1" dirty="0"/>
+          </a:p>
+          <a:p>
+            <a:pPr lvl="3">
+              <a:lnSpc>
+                <a:spcPct val="150000"/>
+              </a:lnSpc>
+            </a:pPr>
+            <a:r>
+              <a:rPr lang="en-US" i="1" dirty="0" err="1"/>
+              <a:t>ReactDOM</a:t>
+            </a:r>
+            <a:r>
+              <a:rPr lang="en-US" i="1" dirty="0"/>
+              <a:t> </a:t>
+            </a:r>
+            <a:r>
+              <a:rPr lang="en-US" i="1" dirty="0" err="1"/>
+              <a:t>benötigt</a:t>
+            </a:r>
+            <a:endParaRPr lang="en-US" i="1" dirty="0"/>
+          </a:p>
+          <a:p>
+            <a:pPr lvl="3">
+              <a:lnSpc>
+                <a:spcPct val="150000"/>
+              </a:lnSpc>
+            </a:pPr>
+            <a:r>
+              <a:rPr lang="en-US" i="1" dirty="0"/>
+              <a:t>Klassen </a:t>
+            </a:r>
+            <a:r>
+              <a:rPr lang="en-US" i="1" dirty="0" err="1"/>
+              <a:t>groß</a:t>
+            </a:r>
+            <a:r>
+              <a:rPr lang="en-US" i="1" dirty="0"/>
+              <a:t> </a:t>
+            </a:r>
+            <a:r>
+              <a:rPr lang="en-US" i="1" dirty="0" err="1"/>
+              <a:t>schreiben</a:t>
+            </a:r>
+            <a:endParaRPr lang="de-DE" dirty="0"/>
+          </a:p>
+        </p:txBody>
+      </p:sp>
+      <p:sp>
+        <p:nvSpPr>
+          <p:cNvPr id="3" name="Titel 2"/>
+          <p:cNvSpPr>
+            <a:spLocks noGrp="1"/>
+          </p:cNvSpPr>
+          <p:nvPr>
+            <p:ph type="title"/>
+          </p:nvPr>
+        </p:nvSpPr>
+        <p:spPr>
+          <a:xfrm>
+            <a:off x="250825" y="411087"/>
+            <a:ext cx="848658" cy="431614"/>
+          </a:xfrm>
+        </p:spPr>
+        <p:txBody>
+          <a:bodyPr/>
+          <a:lstStyle/>
+          <a:p>
+            <a:r>
+              <a:rPr lang="de-DE" dirty="0" err="1"/>
+              <a:t>React</a:t>
+            </a:r>
+            <a:endParaRPr lang="de-DE" dirty="0"/>
+          </a:p>
+        </p:txBody>
+      </p:sp>
+      <p:pic>
+        <p:nvPicPr>
+          <p:cNvPr id="10" name="Bildplatzhalter 9"/>
+          <p:cNvPicPr>
+            <a:picLocks noGrp="1" noChangeAspect="1"/>
+          </p:cNvPicPr>
+          <p:nvPr>
+            <p:ph type="pic" sz="quarter" idx="17"/>
+          </p:nvPr>
+        </p:nvPicPr>
+        <p:blipFill>
+          <a:blip r:embed="rId2">
+            <a:extLst>
+              <a:ext uri="{28A0092B-C50C-407E-A947-70E740481C1C}">
+                <a14:useLocalDpi xmlns:a14="http://schemas.microsoft.com/office/drawing/2010/main" val="0"/>
+              </a:ext>
+            </a:extLst>
+          </a:blip>
+          <a:srcRect t="7630" b="7630"/>
+          <a:stretch>
+            <a:fillRect/>
+          </a:stretch>
+        </p:blipFill>
+        <p:spPr/>
+      </p:pic>
+    </p:spTree>
+    <p:extLst>
+      <p:ext uri="{BB962C8B-B14F-4D97-AF65-F5344CB8AC3E}">
+        <p14:creationId xmlns:p14="http://schemas.microsoft.com/office/powerpoint/2010/main" val="1104477734"/>
+      </p:ext>
+    </p:extLst>
+  </p:cSld>
+  <p:clrMapOvr>
+    <a:masterClrMapping/>
+  </p:clrMapOvr>
+</p:sld>
+</file>
+
+<file path=ppt/slides/slide11.xml><?xml version="1.0" encoding="utf-8"?>
+<p:sld xmlns:a="http://schemas.openxmlformats.org/drawingml/2006/main" xmlns:r="http://schemas.openxmlformats.org/officeDocument/2006/relationships" xmlns:p="http://schemas.openxmlformats.org/presentationml/2006/main">
+  <p:cSld>
+    <p:bg>
+      <p:bgRef idx="1001">
+        <a:schemeClr val="bg1"/>
+      </p:bgRef>
+    </p:bg>
+    <p:spTree>
+      <p:nvGrpSpPr>
+        <p:cNvPr id="1" name=""/>
+        <p:cNvGrpSpPr/>
+        <p:nvPr/>
+      </p:nvGrpSpPr>
+      <p:grpSpPr>
+        <a:xfrm>
+          <a:off x="0" y="0"/>
+          <a:ext cx="0" cy="0"/>
+          <a:chOff x="0" y="0"/>
+          <a:chExt cx="0" cy="0"/>
+        </a:xfrm>
+      </p:grpSpPr>
+      <p:pic>
+        <p:nvPicPr>
+          <p:cNvPr id="4100" name="Picture 4" descr="http://www.metaphonica.com/wp-content/uploads/2012/07/Photoxpress_10045531.jpg"/>
+          <p:cNvPicPr>
+            <a:picLocks noGrp="1" noChangeAspect="1" noChangeArrowheads="1"/>
+          </p:cNvPicPr>
+          <p:nvPr>
+            <p:ph type="pic" sz="quarter" idx="17"/>
+          </p:nvPr>
+        </p:nvPicPr>
+        <p:blipFill>
+          <a:blip r:embed="rId3" cstate="print">
+            <a:extLst>
+              <a:ext uri="{28A0092B-C50C-407E-A947-70E740481C1C}">
+                <a14:useLocalDpi xmlns:a14="http://schemas.microsoft.com/office/drawing/2010/main" val="0"/>
+              </a:ext>
+            </a:extLst>
+          </a:blip>
+          <a:srcRect l="3787" r="3787"/>
+          <a:stretch>
+            <a:fillRect/>
+          </a:stretch>
+        </p:blipFill>
+        <p:spPr bwMode="auto">
+          <a:prstGeom prst="rect">
+            <a:avLst/>
+          </a:prstGeom>
+          <a:noFill/>
+          <a:extLst>
+            <a:ext uri="{909E8E84-426E-40DD-AFC4-6F175D3DCCD1}">
+              <a14:hiddenFill xmlns:a14="http://schemas.microsoft.com/office/drawing/2010/main">
+                <a:solidFill>
+                  <a:srgbClr val="FFFFFF"/>
+                </a:solidFill>
+              </a14:hiddenFill>
+            </a:ext>
+          </a:extLst>
+        </p:spPr>
+      </p:pic>
+      <p:sp>
+        <p:nvSpPr>
+          <p:cNvPr id="6" name="Textplatzhalter 5"/>
+          <p:cNvSpPr>
+            <a:spLocks noGrp="1"/>
+          </p:cNvSpPr>
+          <p:nvPr>
+            <p:ph idx="1"/>
+          </p:nvPr>
+        </p:nvSpPr>
+        <p:spPr/>
+        <p:txBody>
+          <a:bodyPr/>
+          <a:lstStyle/>
+          <a:p>
+            <a:pPr lvl="3"/>
+            <a:endParaRPr lang="de-DE" dirty="0">
+              <a:solidFill>
+                <a:schemeClr val="accent1">
+                  <a:lumMod val="75000"/>
+                </a:schemeClr>
+              </a:solidFill>
+            </a:endParaRPr>
+          </a:p>
+          <a:p>
+            <a:pPr lvl="2"/>
+            <a:endParaRPr lang="de-DE" dirty="0">
+              <a:solidFill>
+                <a:schemeClr val="accent1">
+                  <a:lumMod val="75000"/>
+                </a:schemeClr>
+              </a:solidFill>
+            </a:endParaRPr>
+          </a:p>
+          <a:p>
+            <a:endParaRPr lang="de-DE" dirty="0"/>
+          </a:p>
+        </p:txBody>
+      </p:sp>
+      <p:sp>
+        <p:nvSpPr>
+          <p:cNvPr id="5" name="Titel 4"/>
+          <p:cNvSpPr>
+            <a:spLocks noGrp="1"/>
+          </p:cNvSpPr>
+          <p:nvPr>
+            <p:ph type="title"/>
+          </p:nvPr>
+        </p:nvSpPr>
+        <p:spPr>
+          <a:xfrm>
+            <a:off x="250825" y="411087"/>
+            <a:ext cx="1156434" cy="431614"/>
+          </a:xfrm>
+        </p:spPr>
+        <p:txBody>
+          <a:bodyPr/>
+          <a:lstStyle/>
+          <a:p>
+            <a:r>
+              <a:rPr lang="de-DE" dirty="0" err="1"/>
+              <a:t>React</a:t>
+            </a:r>
+            <a:r>
+              <a:rPr lang="de-DE" dirty="0"/>
+              <a:t> JS</a:t>
+            </a:r>
+          </a:p>
+        </p:txBody>
+      </p:sp>
+      <p:sp>
+        <p:nvSpPr>
+          <p:cNvPr id="4" name="Titel 83"/>
+          <p:cNvSpPr txBox="1">
+            <a:spLocks/>
+          </p:cNvSpPr>
+          <p:nvPr/>
+        </p:nvSpPr>
+        <p:spPr bwMode="auto">
+          <a:xfrm>
+            <a:off x="1475656" y="411087"/>
+            <a:ext cx="3878718" cy="417074"/>
+          </a:xfrm>
+          <a:prstGeom prst="rect">
+            <a:avLst/>
+          </a:prstGeom>
+          <a:solidFill>
+            <a:srgbClr val="0095D8"/>
+          </a:solidFill>
+          <a:ln w="9525">
+            <a:noFill/>
+            <a:miter lim="800000"/>
+            <a:headEnd/>
+            <a:tailEnd/>
+          </a:ln>
+        </p:spPr>
+        <p:txBody>
+          <a:bodyPr vert="horz" wrap="none" lIns="144000" tIns="82800" rIns="144000" bIns="86400" numCol="1" rtlCol="0" anchor="ctr" anchorCtr="0" compatLnSpc="1">
+            <a:prstTxWarp prst="textNoShape">
+              <a:avLst/>
+            </a:prstTxWarp>
+            <a:spAutoFit/>
+          </a:bodyPr>
+          <a:lstStyle>
+            <a:defPPr>
+              <a:defRPr lang="de-DE"/>
+            </a:defPPr>
+            <a:lvl1pPr marL="0" marR="0" lvl="0" indent="0" defTabSz="914400" eaLnBrk="1" latinLnBrk="0" hangingPunct="1">
+              <a:lnSpc>
+                <a:spcPct val="100000"/>
+              </a:lnSpc>
+              <a:buClrTx/>
+              <a:buSzTx/>
+              <a:buFontTx/>
+              <a:buNone/>
+              <a:tabLst/>
+              <a:defRPr kumimoji="0" sz="1600" b="1" i="0" u="none" strike="noStrike" cap="none" spc="0" normalizeH="0" baseline="0">
+                <a:ln>
+                  <a:noFill/>
+                </a:ln>
+                <a:solidFill>
+                  <a:srgbClr val="FFFFFF"/>
+                </a:solidFill>
+                <a:effectLst/>
+                <a:uLnTx/>
+                <a:uFillTx/>
+                <a:latin typeface="Arial"/>
+                <a:ea typeface="ＭＳ Ｐゴシック" charset="0"/>
+                <a:cs typeface="ＭＳ Ｐゴシック" charset="0"/>
+              </a:defRPr>
+            </a:lvl1pPr>
+          </a:lstStyle>
+          <a:p>
+            <a:r>
+              <a:rPr lang="de-DE" dirty="0"/>
+              <a:t>Was haben wir in der Praxis gelernt?</a:t>
+            </a:r>
+          </a:p>
+        </p:txBody>
+      </p:sp>
+    </p:spTree>
+    <p:extLst>
+      <p:ext uri="{BB962C8B-B14F-4D97-AF65-F5344CB8AC3E}">
+        <p14:creationId xmlns:p14="http://schemas.microsoft.com/office/powerpoint/2010/main" val="833537590"/>
+      </p:ext>
+    </p:extLst>
+  </p:cSld>
+  <p:clrMapOvr>
+    <a:overrideClrMapping bg1="lt1" tx1="dk1" bg2="lt2" tx2="dk2" accent1="accent1" accent2="accent2" accent3="accent3" accent4="accent4" accent5="accent5" accent6="accent6" hlink="hlink" folHlink="folHlink"/>
+  </p:clrMapOvr>
+</p:sld>
+</file>
+
+<file path=ppt/slides/slide12.xml><?xml version="1.0" encoding="utf-8"?>
+<p:sld xmlns:a="http://schemas.openxmlformats.org/drawingml/2006/main" xmlns:r="http://schemas.openxmlformats.org/officeDocument/2006/relationships" xmlns:p="http://schemas.openxmlformats.org/presentationml/2006/main">
+  <p:cSld>
+    <p:spTree>
+      <p:nvGrpSpPr>
+        <p:cNvPr id="1" name=""/>
+        <p:cNvGrpSpPr/>
+        <p:nvPr/>
+      </p:nvGrpSpPr>
+      <p:grpSpPr>
+        <a:xfrm>
+          <a:off x="0" y="0"/>
+          <a:ext cx="0" cy="0"/>
+          <a:chOff x="0" y="0"/>
+          <a:chExt cx="0" cy="0"/>
+        </a:xfrm>
+      </p:grpSpPr>
+      <p:sp>
+        <p:nvSpPr>
+          <p:cNvPr id="6" name="Textplatzhalter 5"/>
+          <p:cNvSpPr>
+            <a:spLocks noGrp="1"/>
+          </p:cNvSpPr>
+          <p:nvPr>
+            <p:ph idx="1"/>
+          </p:nvPr>
+        </p:nvSpPr>
+        <p:spPr/>
+        <p:txBody>
+          <a:bodyPr/>
+          <a:lstStyle/>
+          <a:p>
+            <a:r>
+              <a:rPr lang="de-DE" dirty="0">
+                <a:solidFill>
+                  <a:schemeClr val="accent1">
+                    <a:lumMod val="75000"/>
+                  </a:schemeClr>
+                </a:solidFill>
+                <a:cs typeface="+mn-cs"/>
+              </a:rPr>
+              <a:t>Benefits</a:t>
+            </a:r>
+          </a:p>
+          <a:p>
+            <a:pPr lvl="2"/>
+            <a:r>
+              <a:rPr lang="en-US" b="0" dirty="0"/>
+              <a:t>DDD isn’t first and foremost about technology. In its most central principles, DDD is about discussion, listening, understanding, discovery, and business value</a:t>
+            </a:r>
+          </a:p>
+          <a:p>
+            <a:pPr lvl="2"/>
+            <a:r>
+              <a:rPr lang="en-US" b="0" dirty="0"/>
+              <a:t>DDD brings domain experts and software developers together</a:t>
+            </a:r>
+          </a:p>
+          <a:p>
+            <a:pPr lvl="2"/>
+            <a:r>
+              <a:rPr lang="en-US" b="0" dirty="0"/>
+              <a:t>DDD addresses the strategic initiatives of the business</a:t>
+            </a:r>
+          </a:p>
+          <a:p>
+            <a:pPr lvl="2"/>
+            <a:r>
+              <a:rPr lang="en-US" b="0" dirty="0"/>
+              <a:t>DDD meets the real technical demands of the software by using tactical design modeling tools</a:t>
+            </a:r>
+          </a:p>
+          <a:p>
+            <a:pPr lvl="2"/>
+            <a:r>
+              <a:rPr lang="en-US" b="0" i="1" dirty="0"/>
+              <a:t>the design is the code and the code is the design</a:t>
+            </a:r>
+          </a:p>
+          <a:p>
+            <a:pPr lvl="2"/>
+            <a:endParaRPr lang="en-US" b="0" i="1" dirty="0"/>
+          </a:p>
+          <a:p>
+            <a:pPr lvl="2"/>
+            <a:endParaRPr lang="en-US" b="0" i="1" dirty="0"/>
+          </a:p>
+          <a:p>
+            <a:pPr lvl="2"/>
+            <a:r>
+              <a:rPr lang="en-US" i="1" dirty="0" err="1"/>
+              <a:t>Bessere</a:t>
+            </a:r>
+            <a:r>
+              <a:rPr lang="en-US" i="1" dirty="0"/>
+              <a:t> </a:t>
+            </a:r>
+            <a:r>
+              <a:rPr lang="en-US" i="1" dirty="0" err="1"/>
+              <a:t>Architektur</a:t>
+            </a:r>
+            <a:r>
+              <a:rPr lang="en-US" i="1" dirty="0"/>
+              <a:t> </a:t>
+            </a:r>
+            <a:r>
+              <a:rPr lang="en-US" i="1" dirty="0" err="1"/>
+              <a:t>für</a:t>
+            </a:r>
+            <a:r>
+              <a:rPr lang="en-US" i="1" dirty="0"/>
+              <a:t> </a:t>
+            </a:r>
+            <a:r>
+              <a:rPr lang="en-US" i="1" dirty="0" err="1"/>
+              <a:t>verteilte</a:t>
+            </a:r>
+            <a:r>
+              <a:rPr lang="en-US" i="1" dirty="0"/>
+              <a:t> </a:t>
+            </a:r>
+            <a:r>
+              <a:rPr lang="en-US" i="1" dirty="0" err="1"/>
+              <a:t>Webapplikation</a:t>
+            </a:r>
+            <a:endParaRPr lang="de-DE" dirty="0"/>
+          </a:p>
+        </p:txBody>
+      </p:sp>
+      <p:sp>
+        <p:nvSpPr>
+          <p:cNvPr id="5" name="Titel 4"/>
+          <p:cNvSpPr>
+            <a:spLocks noGrp="1"/>
+          </p:cNvSpPr>
+          <p:nvPr>
+            <p:ph type="title"/>
+          </p:nvPr>
+        </p:nvSpPr>
+        <p:spPr>
+          <a:xfrm>
+            <a:off x="250825" y="411087"/>
+            <a:ext cx="2478912" cy="431614"/>
+          </a:xfrm>
+        </p:spPr>
+        <p:txBody>
+          <a:bodyPr/>
+          <a:lstStyle/>
+          <a:p>
+            <a:r>
+              <a:rPr lang="de-DE" dirty="0"/>
+              <a:t>Domain </a:t>
+            </a:r>
+            <a:r>
+              <a:rPr lang="de-DE" dirty="0" err="1"/>
+              <a:t>Driven</a:t>
+            </a:r>
+            <a:r>
+              <a:rPr lang="de-DE" dirty="0"/>
+              <a:t> Design</a:t>
+            </a:r>
+          </a:p>
+        </p:txBody>
+      </p:sp>
+      <p:sp>
+        <p:nvSpPr>
+          <p:cNvPr id="4" name="Titel 83"/>
+          <p:cNvSpPr txBox="1">
+            <a:spLocks/>
+          </p:cNvSpPr>
+          <p:nvPr/>
+        </p:nvSpPr>
+        <p:spPr bwMode="auto">
+          <a:xfrm>
+            <a:off x="2843808" y="425627"/>
+            <a:ext cx="1103920" cy="417074"/>
+          </a:xfrm>
+          <a:prstGeom prst="rect">
+            <a:avLst/>
+          </a:prstGeom>
+          <a:solidFill>
+            <a:srgbClr val="0095D8"/>
+          </a:solidFill>
+          <a:ln w="9525">
+            <a:noFill/>
+            <a:miter lim="800000"/>
+            <a:headEnd/>
+            <a:tailEnd/>
+          </a:ln>
+        </p:spPr>
+        <p:txBody>
+          <a:bodyPr vert="horz" wrap="none" lIns="144000" tIns="82800" rIns="144000" bIns="86400" numCol="1" rtlCol="0" anchor="ctr" anchorCtr="0" compatLnSpc="1">
+            <a:prstTxWarp prst="textNoShape">
+              <a:avLst/>
+            </a:prstTxWarp>
+            <a:spAutoFit/>
+          </a:bodyPr>
+          <a:lstStyle>
+            <a:defPPr>
+              <a:defRPr lang="de-DE"/>
+            </a:defPPr>
+            <a:lvl1pPr marL="0" marR="0" lvl="0" indent="0" defTabSz="914400" eaLnBrk="1" latinLnBrk="0" hangingPunct="1">
+              <a:lnSpc>
+                <a:spcPct val="100000"/>
+              </a:lnSpc>
+              <a:buClrTx/>
+              <a:buSzTx/>
+              <a:buFontTx/>
+              <a:buNone/>
+              <a:tabLst/>
+              <a:defRPr kumimoji="0" sz="1600" b="1" i="0" u="none" strike="noStrike" cap="none" spc="0" normalizeH="0" baseline="0">
+                <a:ln>
+                  <a:noFill/>
+                </a:ln>
+                <a:solidFill>
+                  <a:srgbClr val="FFFFFF"/>
+                </a:solidFill>
+                <a:effectLst/>
+                <a:uLnTx/>
+                <a:uFillTx/>
+                <a:latin typeface="Arial"/>
+                <a:ea typeface="ＭＳ Ｐゴシック" charset="0"/>
+                <a:cs typeface="ＭＳ Ｐゴシック" charset="0"/>
+              </a:defRPr>
+            </a:lvl1pPr>
+          </a:lstStyle>
+          <a:p>
+            <a:r>
+              <a:rPr lang="de-DE" dirty="0"/>
+              <a:t>Warum?</a:t>
+            </a:r>
+          </a:p>
+        </p:txBody>
+      </p:sp>
+      <p:pic>
+        <p:nvPicPr>
+          <p:cNvPr id="4100" name="Picture 4" descr="http://www.metaphonica.com/wp-content/uploads/2012/07/Photoxpress_10045531.jpg"/>
+          <p:cNvPicPr>
+            <a:picLocks noGrp="1" noChangeAspect="1" noChangeArrowheads="1"/>
+          </p:cNvPicPr>
+          <p:nvPr>
+            <p:ph type="pic" sz="quarter" idx="17"/>
+          </p:nvPr>
+        </p:nvPicPr>
+        <p:blipFill>
+          <a:blip r:embed="rId2" cstate="print">
+            <a:extLst>
+              <a:ext uri="{28A0092B-C50C-407E-A947-70E740481C1C}">
+                <a14:useLocalDpi xmlns:a14="http://schemas.microsoft.com/office/drawing/2010/main" val="0"/>
+              </a:ext>
+            </a:extLst>
+          </a:blip>
+          <a:srcRect l="3856" r="3856"/>
+          <a:stretch>
+            <a:fillRect/>
+          </a:stretch>
+        </p:blipFill>
+        <p:spPr bwMode="auto">
+          <a:prstGeom prst="rect">
+            <a:avLst/>
+          </a:prstGeom>
+          <a:noFill/>
+          <a:extLst>
+            <a:ext uri="{909E8E84-426E-40DD-AFC4-6F175D3DCCD1}">
+              <a14:hiddenFill xmlns:a14="http://schemas.microsoft.com/office/drawing/2010/main">
+                <a:solidFill>
+                  <a:srgbClr val="FFFFFF"/>
+                </a:solidFill>
+              </a14:hiddenFill>
+            </a:ext>
+          </a:extLst>
+        </p:spPr>
+      </p:pic>
+    </p:spTree>
+    <p:extLst>
+      <p:ext uri="{BB962C8B-B14F-4D97-AF65-F5344CB8AC3E}">
+        <p14:creationId xmlns:p14="http://schemas.microsoft.com/office/powerpoint/2010/main" val="135947717"/>
+      </p:ext>
+    </p:extLst>
+  </p:cSld>
+  <p:clrMapOvr>
+    <a:masterClrMapping/>
+  </p:clrMapOvr>
+</p:sld>
+</file>
+
+<file path=ppt/slides/slide13.xml><?xml version="1.0" encoding="utf-8"?>
+<p:sld xmlns:a="http://schemas.openxmlformats.org/drawingml/2006/main" xmlns:r="http://schemas.openxmlformats.org/officeDocument/2006/relationships" xmlns:p="http://schemas.openxmlformats.org/presentationml/2006/main">
+  <p:cSld>
+    <p:spTree>
+      <p:nvGrpSpPr>
+        <p:cNvPr id="1" name=""/>
+        <p:cNvGrpSpPr/>
+        <p:nvPr/>
+      </p:nvGrpSpPr>
+      <p:grpSpPr>
+        <a:xfrm>
+          <a:off x="0" y="0"/>
+          <a:ext cx="0" cy="0"/>
+          <a:chOff x="0" y="0"/>
+          <a:chExt cx="0" cy="0"/>
+        </a:xfrm>
+      </p:grpSpPr>
+      <p:sp>
+        <p:nvSpPr>
+          <p:cNvPr id="2" name="Bildplatzhalter 1"/>
+          <p:cNvSpPr>
+            <a:spLocks noGrp="1"/>
+          </p:cNvSpPr>
+          <p:nvPr>
+            <p:ph type="pic" sz="quarter" idx="17"/>
+          </p:nvPr>
+        </p:nvSpPr>
+        <p:spPr/>
+      </p:sp>
+      <p:sp>
+        <p:nvSpPr>
+          <p:cNvPr id="3" name="Inhaltsplatzhalter 2"/>
+          <p:cNvSpPr>
+            <a:spLocks noGrp="1"/>
+          </p:cNvSpPr>
+          <p:nvPr>
+            <p:ph idx="1"/>
+          </p:nvPr>
+        </p:nvSpPr>
+        <p:spPr/>
+        <p:txBody>
+          <a:bodyPr/>
+          <a:lstStyle/>
+          <a:p>
+            <a:r>
+              <a:rPr lang="de-DE" dirty="0" err="1"/>
+              <a:t>Ubiquitous</a:t>
+            </a:r>
+            <a:r>
+              <a:rPr lang="de-DE" dirty="0"/>
+              <a:t> Language</a:t>
+            </a:r>
+          </a:p>
+          <a:p>
+            <a:pPr lvl="1"/>
+            <a:r>
+              <a:rPr lang="en-US" i="1" dirty="0"/>
+              <a:t>The Ubiquitous Language is a shared language developed by the team—a team composed of both domain experts and software developers.</a:t>
+            </a:r>
+            <a:endParaRPr lang="de-DE" dirty="0"/>
+          </a:p>
+        </p:txBody>
+      </p:sp>
+      <p:sp>
+        <p:nvSpPr>
+          <p:cNvPr id="4" name="Titel 3"/>
+          <p:cNvSpPr>
+            <a:spLocks noGrp="1"/>
+          </p:cNvSpPr>
+          <p:nvPr>
+            <p:ph type="title"/>
+          </p:nvPr>
+        </p:nvSpPr>
+        <p:spPr>
+          <a:xfrm>
+            <a:off x="250825" y="411087"/>
+            <a:ext cx="1017743" cy="431614"/>
+          </a:xfrm>
+        </p:spPr>
+        <p:txBody>
+          <a:bodyPr/>
+          <a:lstStyle/>
+          <a:p>
+            <a:r>
+              <a:rPr lang="de-DE" dirty="0"/>
+              <a:t>Termini</a:t>
+            </a:r>
+          </a:p>
+        </p:txBody>
+      </p:sp>
+      <p:pic>
+        <p:nvPicPr>
+          <p:cNvPr id="5" name="Grafik 4"/>
+          <p:cNvPicPr>
+            <a:picLocks noChangeAspect="1"/>
+          </p:cNvPicPr>
+          <p:nvPr/>
+        </p:nvPicPr>
+        <p:blipFill>
+          <a:blip r:embed="rId2"/>
+          <a:stretch>
+            <a:fillRect/>
+          </a:stretch>
+        </p:blipFill>
+        <p:spPr>
+          <a:xfrm>
+            <a:off x="953075" y="2355726"/>
+            <a:ext cx="4357489" cy="2326921"/>
+          </a:xfrm>
+          <a:prstGeom prst="rect">
+            <a:avLst/>
+          </a:prstGeom>
+        </p:spPr>
+      </p:pic>
+    </p:spTree>
+    <p:extLst>
+      <p:ext uri="{BB962C8B-B14F-4D97-AF65-F5344CB8AC3E}">
+        <p14:creationId xmlns:p14="http://schemas.microsoft.com/office/powerpoint/2010/main" val="1916531576"/>
+      </p:ext>
+    </p:extLst>
+  </p:cSld>
+  <p:clrMapOvr>
+    <a:masterClrMapping/>
+  </p:clrMapOvr>
+</p:sld>
+</file>
+
+<file path=ppt/slides/slide14.xml><?xml version="1.0" encoding="utf-8"?>
+<p:sld xmlns:a="http://schemas.openxmlformats.org/drawingml/2006/main" xmlns:r="http://schemas.openxmlformats.org/officeDocument/2006/relationships" xmlns:p="http://schemas.openxmlformats.org/presentationml/2006/main">
+  <p:cSld>
+    <p:spTree>
+      <p:nvGrpSpPr>
+        <p:cNvPr id="1" name=""/>
+        <p:cNvGrpSpPr/>
+        <p:nvPr/>
+      </p:nvGrpSpPr>
+      <p:grpSpPr>
+        <a:xfrm>
+          <a:off x="0" y="0"/>
+          <a:ext cx="0" cy="0"/>
+          <a:chOff x="0" y="0"/>
+          <a:chExt cx="0" cy="0"/>
+        </a:xfrm>
+      </p:grpSpPr>
+      <p:sp>
+        <p:nvSpPr>
           <p:cNvPr id="6" name="Inhaltsplatzhalter 5"/>
           <p:cNvSpPr>
             <a:spLocks noGrp="1"/>
@@ -19311,7 +20121,7 @@
 </p:sld>
 </file>
 
-<file path=ppt/slides/slide11.xml><?xml version="1.0" encoding="utf-8"?>
+<file path=ppt/slides/slide15.xml><?xml version="1.0" encoding="utf-8"?>
 <p:sld xmlns:a="http://schemas.openxmlformats.org/drawingml/2006/main" xmlns:r="http://schemas.openxmlformats.org/officeDocument/2006/relationships" xmlns:p="http://schemas.openxmlformats.org/presentationml/2006/main">
   <p:cSld>
     <p:spTree>
@@ -19437,7 +20247,7 @@
 </p:sld>
 </file>
 
-<file path=ppt/slides/slide12.xml><?xml version="1.0" encoding="utf-8"?>
+<file path=ppt/slides/slide16.xml><?xml version="1.0" encoding="utf-8"?>
 <p:sld xmlns:a="http://schemas.openxmlformats.org/drawingml/2006/main" xmlns:r="http://schemas.openxmlformats.org/officeDocument/2006/relationships" xmlns:p="http://schemas.openxmlformats.org/presentationml/2006/main">
   <p:cSld>
     <p:spTree>
@@ -19731,7 +20541,7 @@
         </p:nvSpPr>
         <p:spPr>
           <a:xfrm>
-            <a:off x="3343275" y="498262"/>
+            <a:off x="3343275" y="816612"/>
             <a:ext cx="800100" cy="323850"/>
           </a:xfrm>
           <a:prstGeom prst="rect">
@@ -20929,15 +21739,16 @@
         <p:nvCxnSpPr>
           <p:cNvPr id="31" name="Gerader Verbinder 30"/>
           <p:cNvCxnSpPr>
-            <a:stCxn id="15" idx="3"/>
+            <a:cxnSpLocks/>
+            <a:stCxn id="56" idx="2"/>
             <a:endCxn id="22" idx="0"/>
           </p:cNvCxnSpPr>
           <p:nvPr/>
         </p:nvCxnSpPr>
         <p:spPr>
           <a:xfrm flipH="1">
-            <a:off x="439341" y="3107605"/>
-            <a:ext cx="471442" cy="979841"/>
+            <a:off x="439341" y="3324730"/>
+            <a:ext cx="545855" cy="762716"/>
           </a:xfrm>
           <a:prstGeom prst="line">
             <a:avLst/>
@@ -20962,15 +21773,16 @@
         <p:nvCxnSpPr>
           <p:cNvPr id="33" name="Gerader Verbinder 32"/>
           <p:cNvCxnSpPr>
-            <a:stCxn id="15" idx="3"/>
+            <a:cxnSpLocks/>
+            <a:stCxn id="56" idx="2"/>
             <a:endCxn id="23" idx="0"/>
           </p:cNvCxnSpPr>
           <p:nvPr/>
         </p:nvCxnSpPr>
         <p:spPr>
           <a:xfrm>
-            <a:off x="910783" y="3107604"/>
-            <a:ext cx="300557" cy="1127576"/>
+            <a:off x="985196" y="3324730"/>
+            <a:ext cx="226144" cy="910450"/>
           </a:xfrm>
           <a:prstGeom prst="line">
             <a:avLst/>
@@ -20995,15 +21807,15 @@
         <p:nvCxnSpPr>
           <p:cNvPr id="35" name="Gerader Verbinder 34"/>
           <p:cNvCxnSpPr>
-            <a:stCxn id="15" idx="3"/>
+            <a:cxnSpLocks/>
             <a:endCxn id="23" idx="3"/>
           </p:cNvCxnSpPr>
           <p:nvPr/>
         </p:nvCxnSpPr>
         <p:spPr>
           <a:xfrm flipH="1">
-            <a:off x="848060" y="3107605"/>
-            <a:ext cx="62723" cy="1498073"/>
+            <a:off x="848060" y="3317521"/>
+            <a:ext cx="170174" cy="1288157"/>
           </a:xfrm>
           <a:prstGeom prst="line">
             <a:avLst/>
@@ -21028,15 +21840,15 @@
         <p:nvCxnSpPr>
           <p:cNvPr id="37" name="Gerader Verbinder 36"/>
           <p:cNvCxnSpPr>
-            <a:stCxn id="15" idx="3"/>
+            <a:cxnSpLocks/>
             <a:endCxn id="24" idx="1"/>
           </p:cNvCxnSpPr>
           <p:nvPr/>
         </p:nvCxnSpPr>
         <p:spPr>
           <a:xfrm>
-            <a:off x="910783" y="3107604"/>
-            <a:ext cx="426746" cy="1661023"/>
+            <a:off x="934171" y="3317521"/>
+            <a:ext cx="403358" cy="1451106"/>
           </a:xfrm>
           <a:prstGeom prst="line">
             <a:avLst/>
@@ -21179,138 +21991,6 @@
           </a:p>
         </p:txBody>
       </p:sp>
-      <p:cxnSp>
-        <p:nvCxnSpPr>
-          <p:cNvPr id="41" name="Gerade Verbindung mit Pfeil 40"/>
-          <p:cNvCxnSpPr>
-            <a:cxnSpLocks/>
-            <a:stCxn id="39" idx="4"/>
-          </p:cNvCxnSpPr>
-          <p:nvPr/>
-        </p:nvCxnSpPr>
-        <p:spPr>
-          <a:xfrm flipH="1">
-            <a:off x="6709018" y="2786831"/>
-            <a:ext cx="356213" cy="461230"/>
-          </a:xfrm>
-          <a:prstGeom prst="straightConnector1">
-            <a:avLst/>
-          </a:prstGeom>
-          <a:ln>
-            <a:tailEnd type="triangle"/>
-          </a:ln>
-        </p:spPr>
-        <p:style>
-          <a:lnRef idx="1">
-            <a:schemeClr val="accent1"/>
-          </a:lnRef>
-          <a:fillRef idx="0">
-            <a:schemeClr val="accent1"/>
-          </a:fillRef>
-          <a:effectRef idx="0">
-            <a:schemeClr val="accent1"/>
-          </a:effectRef>
-          <a:fontRef idx="minor">
-            <a:schemeClr val="tx1"/>
-          </a:fontRef>
-        </p:style>
-      </p:cxnSp>
-      <p:sp>
-        <p:nvSpPr>
-          <p:cNvPr id="42" name="Textfeld 41"/>
-          <p:cNvSpPr txBox="1"/>
-          <p:nvPr/>
-        </p:nvSpPr>
-        <p:spPr>
-          <a:xfrm>
-            <a:off x="7062498" y="3078113"/>
-            <a:ext cx="1137043" cy="300082"/>
-          </a:xfrm>
-          <a:prstGeom prst="rect">
-            <a:avLst/>
-          </a:prstGeom>
-          <a:noFill/>
-        </p:spPr>
-        <p:txBody>
-          <a:bodyPr wrap="none" rtlCol="0">
-            <a:spAutoFit/>
-          </a:bodyPr>
-          <a:lstStyle/>
-          <a:p>
-            <a:pPr defTabSz="685800" fontAlgn="auto">
-              <a:spcBef>
-                <a:spcPts val="0"/>
-              </a:spcBef>
-              <a:spcAft>
-                <a:spcPts val="0"/>
-              </a:spcAft>
-            </a:pPr>
-            <a:r>
-              <a:rPr lang="de-DE" sz="1350" dirty="0">
-                <a:solidFill>
-                  <a:prstClr val="black"/>
-                </a:solidFill>
-                <a:latin typeface="Calibri" panose="020F0502020204030204"/>
-                <a:ea typeface="+mn-ea"/>
-              </a:rPr>
-              <a:t>Message </a:t>
-            </a:r>
-            <a:r>
-              <a:rPr lang="de-DE" sz="1350" dirty="0" err="1">
-                <a:solidFill>
-                  <a:prstClr val="black"/>
-                </a:solidFill>
-                <a:latin typeface="Calibri" panose="020F0502020204030204"/>
-                <a:ea typeface="+mn-ea"/>
-              </a:rPr>
-              <a:t>Que</a:t>
-            </a:r>
-            <a:endParaRPr lang="de-DE" sz="1350" dirty="0">
-              <a:solidFill>
-                <a:prstClr val="black"/>
-              </a:solidFill>
-              <a:latin typeface="Calibri" panose="020F0502020204030204"/>
-              <a:ea typeface="+mn-ea"/>
-            </a:endParaRPr>
-          </a:p>
-        </p:txBody>
-      </p:sp>
-      <p:cxnSp>
-        <p:nvCxnSpPr>
-          <p:cNvPr id="44" name="Gerade Verbindung mit Pfeil 43"/>
-          <p:cNvCxnSpPr>
-            <a:cxnSpLocks/>
-            <a:stCxn id="38" idx="1"/>
-          </p:cNvCxnSpPr>
-          <p:nvPr/>
-        </p:nvCxnSpPr>
-        <p:spPr>
-          <a:xfrm flipH="1" flipV="1">
-            <a:off x="3518131" y="3114454"/>
-            <a:ext cx="987631" cy="304148"/>
-          </a:xfrm>
-          <a:prstGeom prst="straightConnector1">
-            <a:avLst/>
-          </a:prstGeom>
-          <a:ln>
-            <a:tailEnd type="triangle"/>
-          </a:ln>
-        </p:spPr>
-        <p:style>
-          <a:lnRef idx="1">
-            <a:schemeClr val="accent1"/>
-          </a:lnRef>
-          <a:fillRef idx="0">
-            <a:schemeClr val="accent1"/>
-          </a:fillRef>
-          <a:effectRef idx="0">
-            <a:schemeClr val="accent1"/>
-          </a:effectRef>
-          <a:fontRef idx="minor">
-            <a:schemeClr val="tx1"/>
-          </a:fontRef>
-        </p:style>
-      </p:cxnSp>
       <p:sp>
         <p:nvSpPr>
           <p:cNvPr id="45" name="Rechteck 44"/>
@@ -21319,8 +21999,8 @@
         </p:nvSpPr>
         <p:spPr>
           <a:xfrm>
-            <a:off x="6547014" y="3284778"/>
-            <a:ext cx="162004" cy="140669"/>
+            <a:off x="6357355" y="3248061"/>
+            <a:ext cx="518901" cy="193311"/>
           </a:xfrm>
           <a:prstGeom prst="rect">
             <a:avLst/>
@@ -21360,30 +22040,32 @@
                 <a:spcPts val="0"/>
               </a:spcAft>
             </a:pPr>
-            <a:endParaRPr lang="de-DE" sz="1350">
-              <a:solidFill>
-                <a:prstClr val="white"/>
-              </a:solidFill>
-              <a:latin typeface="Calibri" panose="020F0502020204030204"/>
-            </a:endParaRPr>
-          </a:p>
-        </p:txBody>
-      </p:sp>
-      <p:sp>
-        <p:nvSpPr>
-          <p:cNvPr id="47" name="Rechteck 46"/>
+            <a:r>
+              <a:rPr lang="de-DE" sz="1000" dirty="0">
+                <a:solidFill>
+                  <a:schemeClr val="tx1"/>
+                </a:solidFill>
+                <a:latin typeface="Calibri" panose="020F0502020204030204"/>
+              </a:rPr>
+              <a:t>ACL/CS</a:t>
+            </a:r>
+          </a:p>
+        </p:txBody>
+      </p:sp>
+      <p:sp>
+        <p:nvSpPr>
+          <p:cNvPr id="53" name="Rechteck 52"/>
           <p:cNvSpPr/>
           <p:nvPr/>
         </p:nvSpPr>
         <p:spPr>
           <a:xfrm>
-            <a:off x="3340335" y="2947111"/>
-            <a:ext cx="162004" cy="140669"/>
+            <a:off x="6061678" y="2075501"/>
+            <a:ext cx="922727" cy="323850"/>
           </a:xfrm>
           <a:prstGeom prst="rect">
             <a:avLst/>
           </a:prstGeom>
-          <a:noFill/>
         </p:spPr>
         <p:style>
           <a:lnRef idx="2">
@@ -21418,30 +22100,37 @@
                 <a:spcPts val="0"/>
               </a:spcAft>
             </a:pPr>
-            <a:endParaRPr lang="de-DE" sz="1350">
-              <a:solidFill>
-                <a:prstClr val="white"/>
-              </a:solidFill>
-              <a:latin typeface="Calibri" panose="020F0502020204030204"/>
-            </a:endParaRPr>
-          </a:p>
-        </p:txBody>
-      </p:sp>
-      <p:sp>
-        <p:nvSpPr>
-          <p:cNvPr id="50" name="Rechteck 49"/>
+            <a:r>
+              <a:rPr lang="de-DE" sz="1350" dirty="0">
+                <a:solidFill>
+                  <a:prstClr val="white"/>
+                </a:solidFill>
+                <a:latin typeface="Calibri" panose="020F0502020204030204"/>
+              </a:rPr>
+              <a:t>Neukunde</a:t>
+            </a:r>
+          </a:p>
+        </p:txBody>
+      </p:sp>
+      <p:sp>
+        <p:nvSpPr>
+          <p:cNvPr id="55" name="Fünfeck 54"/>
           <p:cNvSpPr/>
           <p:nvPr/>
         </p:nvSpPr>
         <p:spPr>
           <a:xfrm>
-            <a:off x="6252306" y="1590675"/>
-            <a:ext cx="162004" cy="140669"/>
+            <a:off x="5439324" y="3905251"/>
+            <a:ext cx="1395212" cy="319571"/>
           </a:xfrm>
-          <a:prstGeom prst="rect">
+          <a:prstGeom prst="pentagon">
             <a:avLst/>
           </a:prstGeom>
-          <a:noFill/>
+          <a:solidFill>
+            <a:schemeClr val="bg2">
+              <a:lumMod val="10000"/>
+            </a:schemeClr>
+          </a:solidFill>
         </p:spPr>
         <p:style>
           <a:lnRef idx="2">
@@ -21476,64 +22165,37 @@
                 <a:spcPts val="0"/>
               </a:spcAft>
             </a:pPr>
-            <a:endParaRPr lang="de-DE" sz="1350">
-              <a:solidFill>
-                <a:prstClr val="white"/>
-              </a:solidFill>
-              <a:latin typeface="Calibri" panose="020F0502020204030204"/>
-            </a:endParaRPr>
-          </a:p>
-        </p:txBody>
-      </p:sp>
-      <p:cxnSp>
-        <p:nvCxnSpPr>
-          <p:cNvPr id="52" name="Gerade Verbindung mit Pfeil 51"/>
-          <p:cNvCxnSpPr>
-            <a:stCxn id="50" idx="1"/>
-          </p:cNvCxnSpPr>
+            <a:r>
+              <a:rPr lang="de-DE" sz="1350" dirty="0">
+                <a:solidFill>
+                  <a:prstClr val="white"/>
+                </a:solidFill>
+                <a:latin typeface="Calibri" panose="020F0502020204030204"/>
+              </a:rPr>
+              <a:t>Bewerten</a:t>
+            </a:r>
+          </a:p>
+        </p:txBody>
+      </p:sp>
+      <p:sp>
+        <p:nvSpPr>
+          <p:cNvPr id="57" name="Fünfeck 56"/>
+          <p:cNvSpPr/>
           <p:nvPr/>
-        </p:nvCxnSpPr>
+        </p:nvSpPr>
         <p:spPr>
-          <a:xfrm flipH="1" flipV="1">
-            <a:off x="5123518" y="1252532"/>
-            <a:ext cx="1128788" cy="408478"/>
+          <a:xfrm>
+            <a:off x="5667374" y="3635710"/>
+            <a:ext cx="1447800" cy="297977"/>
           </a:xfrm>
-          <a:prstGeom prst="straightConnector1">
+          <a:prstGeom prst="pentagon">
             <a:avLst/>
           </a:prstGeom>
-          <a:ln>
-            <a:tailEnd type="triangle"/>
-          </a:ln>
-        </p:spPr>
-        <p:style>
-          <a:lnRef idx="1">
-            <a:schemeClr val="accent1"/>
-          </a:lnRef>
-          <a:fillRef idx="0">
-            <a:schemeClr val="accent1"/>
-          </a:fillRef>
-          <a:effectRef idx="0">
-            <a:schemeClr val="accent1"/>
-          </a:effectRef>
-          <a:fontRef idx="minor">
-            <a:schemeClr val="tx1"/>
-          </a:fontRef>
-        </p:style>
-      </p:cxnSp>
-      <p:sp>
-        <p:nvSpPr>
-          <p:cNvPr id="53" name="Rechteck 52"/>
-          <p:cNvSpPr/>
-          <p:nvPr/>
-        </p:nvSpPr>
-        <p:spPr>
-          <a:xfrm>
-            <a:off x="6061678" y="2075501"/>
-            <a:ext cx="922727" cy="323850"/>
-          </a:xfrm>
-          <a:prstGeom prst="rect">
-            <a:avLst/>
-          </a:prstGeom>
+          <a:solidFill>
+            <a:schemeClr val="accent6">
+              <a:lumMod val="75000"/>
+            </a:schemeClr>
+          </a:solidFill>
         </p:spPr>
         <p:style>
           <a:lnRef idx="2">
@@ -21575,30 +22237,25 @@
                 </a:solidFill>
                 <a:latin typeface="Calibri" panose="020F0502020204030204"/>
               </a:rPr>
-              <a:t>Neukunde</a:t>
-            </a:r>
-          </a:p>
-        </p:txBody>
-      </p:sp>
-      <p:sp>
-        <p:nvSpPr>
-          <p:cNvPr id="55" name="Fünfeck 54"/>
+              <a:t>Stornieren</a:t>
+            </a:r>
+          </a:p>
+        </p:txBody>
+      </p:sp>
+      <p:sp>
+        <p:nvSpPr>
+          <p:cNvPr id="62" name="Rechteck 61"/>
           <p:cNvSpPr/>
           <p:nvPr/>
         </p:nvSpPr>
         <p:spPr>
           <a:xfrm>
-            <a:off x="5439324" y="3905251"/>
-            <a:ext cx="1183230" cy="319571"/>
+            <a:off x="6740173" y="2406284"/>
+            <a:ext cx="922727" cy="323850"/>
           </a:xfrm>
-          <a:prstGeom prst="pentagon">
+          <a:prstGeom prst="rect">
             <a:avLst/>
           </a:prstGeom>
-          <a:solidFill>
-            <a:schemeClr val="bg2">
-              <a:lumMod val="10000"/>
-            </a:schemeClr>
-          </a:solidFill>
         </p:spPr>
         <p:style>
           <a:lnRef idx="2">
@@ -21640,30 +22297,25 @@
                 </a:solidFill>
                 <a:latin typeface="Calibri" panose="020F0502020204030204"/>
               </a:rPr>
-              <a:t>Bewerten</a:t>
-            </a:r>
-          </a:p>
-        </p:txBody>
-      </p:sp>
-      <p:sp>
-        <p:nvSpPr>
-          <p:cNvPr id="57" name="Fünfeck 56"/>
+              <a:t>Interessen</a:t>
+            </a:r>
+          </a:p>
+        </p:txBody>
+      </p:sp>
+      <p:sp>
+        <p:nvSpPr>
+          <p:cNvPr id="48" name="Rechteck 47"/>
           <p:cNvSpPr/>
           <p:nvPr/>
         </p:nvSpPr>
         <p:spPr>
           <a:xfrm>
-            <a:off x="5667374" y="3635710"/>
-            <a:ext cx="1447800" cy="297977"/>
+            <a:off x="4580799" y="3378195"/>
+            <a:ext cx="800100" cy="323850"/>
           </a:xfrm>
-          <a:prstGeom prst="pentagon">
+          <a:prstGeom prst="rect">
             <a:avLst/>
           </a:prstGeom>
-          <a:solidFill>
-            <a:schemeClr val="accent6">
-              <a:lumMod val="75000"/>
-            </a:schemeClr>
-          </a:solidFill>
         </p:spPr>
         <p:style>
           <a:lnRef idx="2">
@@ -21705,26 +22357,25 @@
                 </a:solidFill>
                 <a:latin typeface="Calibri" panose="020F0502020204030204"/>
               </a:rPr>
-              <a:t>Stornieren</a:t>
-            </a:r>
-          </a:p>
-        </p:txBody>
-      </p:sp>
-      <p:sp>
-        <p:nvSpPr>
-          <p:cNvPr id="58" name="Rechteck 57"/>
+              <a:t>Reisen</a:t>
+            </a:r>
+          </a:p>
+        </p:txBody>
+      </p:sp>
+      <p:sp>
+        <p:nvSpPr>
+          <p:cNvPr id="49" name="Rechteck 48"/>
           <p:cNvSpPr/>
           <p:nvPr/>
         </p:nvSpPr>
         <p:spPr>
           <a:xfrm>
-            <a:off x="2547898" y="2005166"/>
-            <a:ext cx="162004" cy="140669"/>
+            <a:off x="4194228" y="3763596"/>
+            <a:ext cx="800100" cy="323850"/>
           </a:xfrm>
           <a:prstGeom prst="rect">
             <a:avLst/>
           </a:prstGeom>
-          <a:noFill/>
         </p:spPr>
         <p:style>
           <a:lnRef idx="2">
@@ -21759,61 +22410,28 @@
                 <a:spcPts val="0"/>
               </a:spcAft>
             </a:pPr>
-            <a:endParaRPr lang="de-DE" sz="1350">
-              <a:solidFill>
-                <a:prstClr val="white"/>
-              </a:solidFill>
-              <a:latin typeface="Calibri" panose="020F0502020204030204"/>
-            </a:endParaRPr>
-          </a:p>
-        </p:txBody>
-      </p:sp>
-      <p:cxnSp>
-        <p:nvCxnSpPr>
-          <p:cNvPr id="59" name="Gerade Verbindung mit Pfeil 58"/>
-          <p:cNvCxnSpPr>
-            <a:cxnSpLocks/>
-            <a:stCxn id="8" idx="3"/>
-          </p:cNvCxnSpPr>
+            <a:r>
+              <a:rPr lang="de-DE" sz="1350" dirty="0">
+                <a:solidFill>
+                  <a:prstClr val="white"/>
+                </a:solidFill>
+                <a:latin typeface="Calibri" panose="020F0502020204030204"/>
+              </a:rPr>
+              <a:t>Beweis</a:t>
+            </a:r>
+          </a:p>
+        </p:txBody>
+      </p:sp>
+      <p:sp>
+        <p:nvSpPr>
+          <p:cNvPr id="51" name="Rechteck 50"/>
+          <p:cNvSpPr/>
           <p:nvPr/>
-        </p:nvCxnSpPr>
+        </p:nvSpPr>
         <p:spPr>
           <a:xfrm>
-            <a:off x="2625283" y="1422646"/>
-            <a:ext cx="3617" cy="627071"/>
-          </a:xfrm>
-          <a:prstGeom prst="straightConnector1">
-            <a:avLst/>
-          </a:prstGeom>
-          <a:ln>
-            <a:tailEnd type="triangle"/>
-          </a:ln>
-        </p:spPr>
-        <p:style>
-          <a:lnRef idx="1">
-            <a:schemeClr val="accent1"/>
-          </a:lnRef>
-          <a:fillRef idx="0">
-            <a:schemeClr val="accent1"/>
-          </a:fillRef>
-          <a:effectRef idx="0">
-            <a:schemeClr val="accent1"/>
-          </a:effectRef>
-          <a:fontRef idx="minor">
-            <a:schemeClr val="tx1"/>
-          </a:fontRef>
-        </p:style>
-      </p:cxnSp>
-      <p:sp>
-        <p:nvSpPr>
-          <p:cNvPr id="62" name="Rechteck 61"/>
-          <p:cNvSpPr/>
-          <p:nvPr/>
-        </p:nvSpPr>
-        <p:spPr>
-          <a:xfrm>
-            <a:off x="6740173" y="2406284"/>
-            <a:ext cx="922727" cy="323850"/>
+            <a:off x="4495132" y="4090716"/>
+            <a:ext cx="998392" cy="323850"/>
           </a:xfrm>
           <a:prstGeom prst="rect">
             <a:avLst/>
@@ -21859,21 +22477,55 @@
                 </a:solidFill>
                 <a:latin typeface="Calibri" panose="020F0502020204030204"/>
               </a:rPr>
-              <a:t>Interessen</a:t>
-            </a:r>
-          </a:p>
-        </p:txBody>
-      </p:sp>
-      <p:sp>
-        <p:nvSpPr>
-          <p:cNvPr id="63" name="Textfeld 62"/>
+              <a:t>Alternative</a:t>
+            </a:r>
+          </a:p>
+        </p:txBody>
+      </p:sp>
+      <p:cxnSp>
+        <p:nvCxnSpPr>
+          <p:cNvPr id="12" name="Gerader Verbinder 11"/>
+          <p:cNvCxnSpPr>
+            <a:cxnSpLocks/>
+            <a:stCxn id="8" idx="5"/>
+            <a:endCxn id="84" idx="0"/>
+          </p:cNvCxnSpPr>
+          <p:nvPr/>
+        </p:nvCxnSpPr>
+        <p:spPr>
+          <a:xfrm>
+            <a:off x="4861367" y="1422646"/>
+            <a:ext cx="1156399" cy="265064"/>
+          </a:xfrm>
+          <a:prstGeom prst="line">
+            <a:avLst/>
+          </a:prstGeom>
+        </p:spPr>
+        <p:style>
+          <a:lnRef idx="1">
+            <a:schemeClr val="accent1"/>
+          </a:lnRef>
+          <a:fillRef idx="0">
+            <a:schemeClr val="accent1"/>
+          </a:fillRef>
+          <a:effectRef idx="0">
+            <a:schemeClr val="accent1"/>
+          </a:effectRef>
+          <a:fontRef idx="minor">
+            <a:schemeClr val="tx1"/>
+          </a:fontRef>
+        </p:style>
+      </p:cxnSp>
+      <p:sp>
+        <p:nvSpPr>
+          <p:cNvPr id="30" name="Textfeld 29"/>
           <p:cNvSpPr txBox="1"/>
           <p:nvPr/>
         </p:nvSpPr>
         <p:spPr>
           <a:xfrm>
-            <a:off x="5612448" y="1069375"/>
-            <a:ext cx="485902" cy="300082"/>
+            <a:off x="4763517" y="1369217"/>
+            <a:ext cx="277640" cy="246221"/>
           </a:xfrm>
           <a:prstGeom prst="rect">
             <a:avLst/>
@@ -21886,41 +22538,57 @@
           </a:bodyPr>
           <a:lstStyle/>
           <a:p>
-            <a:pPr defTabSz="685800" fontAlgn="auto">
-              <a:spcBef>
-                <a:spcPts val="0"/>
-              </a:spcBef>
-              <a:spcAft>
-                <a:spcPts val="0"/>
-              </a:spcAft>
-            </a:pPr>
-            <a:r>
-              <a:rPr lang="de-DE" sz="1350" dirty="0">
-                <a:solidFill>
-                  <a:prstClr val="black"/>
-                </a:solidFill>
-                <a:latin typeface="Calibri" panose="020F0502020204030204"/>
-                <a:ea typeface="+mn-ea"/>
-              </a:rPr>
-              <a:t>Rest</a:t>
-            </a:r>
-          </a:p>
-        </p:txBody>
-      </p:sp>
-      <p:sp>
-        <p:nvSpPr>
-          <p:cNvPr id="48" name="Rechteck 47"/>
-          <p:cNvSpPr/>
+            <a:r>
+              <a:rPr lang="de-DE" sz="1000" dirty="0"/>
+              <a:t>U</a:t>
+            </a:r>
+          </a:p>
+        </p:txBody>
+      </p:sp>
+      <p:sp>
+        <p:nvSpPr>
+          <p:cNvPr id="54" name="Textfeld 53"/>
+          <p:cNvSpPr txBox="1"/>
           <p:nvPr/>
         </p:nvSpPr>
         <p:spPr>
           <a:xfrm>
-            <a:off x="4580799" y="3378195"/>
-            <a:ext cx="800100" cy="323850"/>
+            <a:off x="5676300" y="1714986"/>
+            <a:ext cx="277640" cy="246221"/>
           </a:xfrm>
           <a:prstGeom prst="rect">
             <a:avLst/>
           </a:prstGeom>
+          <a:noFill/>
+        </p:spPr>
+        <p:txBody>
+          <a:bodyPr wrap="none" rtlCol="0">
+            <a:spAutoFit/>
+          </a:bodyPr>
+          <a:lstStyle/>
+          <a:p>
+            <a:r>
+              <a:rPr lang="de-DE" sz="1000" dirty="0"/>
+              <a:t>D</a:t>
+            </a:r>
+          </a:p>
+        </p:txBody>
+      </p:sp>
+      <p:sp>
+        <p:nvSpPr>
+          <p:cNvPr id="56" name="Rechteck 55"/>
+          <p:cNvSpPr/>
+          <p:nvPr/>
+        </p:nvSpPr>
+        <p:spPr>
+          <a:xfrm>
+            <a:off x="655516" y="3114812"/>
+            <a:ext cx="659359" cy="209918"/>
+          </a:xfrm>
+          <a:prstGeom prst="rect">
+            <a:avLst/>
+          </a:prstGeom>
+          <a:noFill/>
         </p:spPr>
         <p:style>
           <a:lnRef idx="2">
@@ -21956,31 +22624,148 @@
               </a:spcAft>
             </a:pPr>
             <a:r>
-              <a:rPr lang="de-DE" sz="1350" dirty="0">
+              <a:rPr lang="de-DE" sz="1000" dirty="0">
                 <a:solidFill>
-                  <a:prstClr val="white"/>
+                  <a:schemeClr val="tx1"/>
                 </a:solidFill>
                 <a:latin typeface="Calibri" panose="020F0502020204030204"/>
               </a:rPr>
-              <a:t>Reisen</a:t>
-            </a:r>
-          </a:p>
-        </p:txBody>
-      </p:sp>
-      <p:sp>
-        <p:nvSpPr>
-          <p:cNvPr id="49" name="Rechteck 48"/>
-          <p:cNvSpPr/>
+              <a:t>CON/ACL</a:t>
+            </a:r>
+          </a:p>
+        </p:txBody>
+      </p:sp>
+      <p:sp>
+        <p:nvSpPr>
+          <p:cNvPr id="68" name="Textfeld 67"/>
+          <p:cNvSpPr txBox="1"/>
           <p:nvPr/>
         </p:nvSpPr>
         <p:spPr>
           <a:xfrm>
-            <a:off x="4194228" y="3763596"/>
-            <a:ext cx="800100" cy="323850"/>
+            <a:off x="1184084" y="3978872"/>
+            <a:ext cx="277640" cy="246221"/>
           </a:xfrm>
           <a:prstGeom prst="rect">
             <a:avLst/>
           </a:prstGeom>
+          <a:noFill/>
+        </p:spPr>
+        <p:txBody>
+          <a:bodyPr wrap="none" rtlCol="0">
+            <a:spAutoFit/>
+          </a:bodyPr>
+          <a:lstStyle/>
+          <a:p>
+            <a:r>
+              <a:rPr lang="de-DE" sz="1000" dirty="0"/>
+              <a:t>U</a:t>
+            </a:r>
+          </a:p>
+        </p:txBody>
+      </p:sp>
+      <p:sp>
+        <p:nvSpPr>
+          <p:cNvPr id="69" name="Textfeld 68"/>
+          <p:cNvSpPr txBox="1"/>
+          <p:nvPr/>
+        </p:nvSpPr>
+        <p:spPr>
+          <a:xfrm>
+            <a:off x="963075" y="3309421"/>
+            <a:ext cx="277640" cy="246221"/>
+          </a:xfrm>
+          <a:prstGeom prst="rect">
+            <a:avLst/>
+          </a:prstGeom>
+          <a:noFill/>
+        </p:spPr>
+        <p:txBody>
+          <a:bodyPr wrap="none" rtlCol="0">
+            <a:spAutoFit/>
+          </a:bodyPr>
+          <a:lstStyle/>
+          <a:p>
+            <a:r>
+              <a:rPr lang="de-DE" sz="1000" dirty="0"/>
+              <a:t>D</a:t>
+            </a:r>
+          </a:p>
+        </p:txBody>
+      </p:sp>
+      <p:sp>
+        <p:nvSpPr>
+          <p:cNvPr id="70" name="Textfeld 69"/>
+          <p:cNvSpPr txBox="1"/>
+          <p:nvPr/>
+        </p:nvSpPr>
+        <p:spPr>
+          <a:xfrm>
+            <a:off x="7062716" y="2779636"/>
+            <a:ext cx="277640" cy="246221"/>
+          </a:xfrm>
+          <a:prstGeom prst="rect">
+            <a:avLst/>
+          </a:prstGeom>
+          <a:noFill/>
+        </p:spPr>
+        <p:txBody>
+          <a:bodyPr wrap="none" rtlCol="0">
+            <a:spAutoFit/>
+          </a:bodyPr>
+          <a:lstStyle/>
+          <a:p>
+            <a:r>
+              <a:rPr lang="de-DE" sz="1000" dirty="0"/>
+              <a:t>U</a:t>
+            </a:r>
+          </a:p>
+        </p:txBody>
+      </p:sp>
+      <p:sp>
+        <p:nvSpPr>
+          <p:cNvPr id="71" name="Textfeld 70"/>
+          <p:cNvSpPr txBox="1"/>
+          <p:nvPr/>
+        </p:nvSpPr>
+        <p:spPr>
+          <a:xfrm>
+            <a:off x="6834536" y="3206256"/>
+            <a:ext cx="277640" cy="246221"/>
+          </a:xfrm>
+          <a:prstGeom prst="rect">
+            <a:avLst/>
+          </a:prstGeom>
+          <a:noFill/>
+        </p:spPr>
+        <p:txBody>
+          <a:bodyPr wrap="none" rtlCol="0">
+            <a:spAutoFit/>
+          </a:bodyPr>
+          <a:lstStyle/>
+          <a:p>
+            <a:r>
+              <a:rPr lang="de-DE" sz="1000" dirty="0"/>
+              <a:t>D</a:t>
+            </a:r>
+          </a:p>
+        </p:txBody>
+      </p:sp>
+      <p:sp>
+        <p:nvSpPr>
+          <p:cNvPr id="72" name="Rechteck 71"/>
+          <p:cNvSpPr/>
+          <p:nvPr/>
+        </p:nvSpPr>
+        <p:spPr>
+          <a:xfrm>
+            <a:off x="3070435" y="2851893"/>
+            <a:ext cx="518901" cy="193311"/>
+          </a:xfrm>
+          <a:prstGeom prst="rect">
+            <a:avLst/>
+          </a:prstGeom>
+          <a:noFill/>
         </p:spPr>
         <p:style>
           <a:lnRef idx="2">
@@ -22016,31 +22801,188 @@
               </a:spcAft>
             </a:pPr>
             <a:r>
-              <a:rPr lang="de-DE" sz="1350" dirty="0">
+              <a:rPr lang="de-DE" sz="1000" dirty="0">
                 <a:solidFill>
-                  <a:prstClr val="white"/>
+                  <a:schemeClr val="tx1"/>
                 </a:solidFill>
                 <a:latin typeface="Calibri" panose="020F0502020204030204"/>
               </a:rPr>
-              <a:t>Beweis</a:t>
-            </a:r>
-          </a:p>
-        </p:txBody>
-      </p:sp>
-      <p:sp>
-        <p:nvSpPr>
-          <p:cNvPr id="51" name="Rechteck 50"/>
-          <p:cNvSpPr/>
+              <a:t>ACL/CS</a:t>
+            </a:r>
+          </a:p>
+        </p:txBody>
+      </p:sp>
+      <p:cxnSp>
+        <p:nvCxnSpPr>
+          <p:cNvPr id="74" name="Gerader Verbinder 73"/>
+          <p:cNvCxnSpPr>
+            <a:endCxn id="45" idx="0"/>
+          </p:cNvCxnSpPr>
           <p:nvPr/>
-        </p:nvSpPr>
+        </p:nvCxnSpPr>
+        <p:spPr>
+          <a:xfrm flipH="1">
+            <a:off x="6616806" y="2786831"/>
+            <a:ext cx="445692" cy="461230"/>
+          </a:xfrm>
+          <a:prstGeom prst="line">
+            <a:avLst/>
+          </a:prstGeom>
+        </p:spPr>
+        <p:style>
+          <a:lnRef idx="1">
+            <a:schemeClr val="accent1"/>
+          </a:lnRef>
+          <a:fillRef idx="0">
+            <a:schemeClr val="accent1"/>
+          </a:fillRef>
+          <a:effectRef idx="0">
+            <a:schemeClr val="accent1"/>
+          </a:effectRef>
+          <a:fontRef idx="minor">
+            <a:schemeClr val="tx1"/>
+          </a:fontRef>
+        </p:style>
+      </p:cxnSp>
+      <p:cxnSp>
+        <p:nvCxnSpPr>
+          <p:cNvPr id="76" name="Gerader Verbinder 75"/>
+          <p:cNvCxnSpPr>
+            <a:stCxn id="72" idx="2"/>
+            <a:endCxn id="38" idx="1"/>
+          </p:cNvCxnSpPr>
+          <p:nvPr/>
+        </p:nvCxnSpPr>
         <p:spPr>
           <a:xfrm>
-            <a:off x="4495132" y="4090716"/>
-            <a:ext cx="998392" cy="323850"/>
+            <a:off x="3329886" y="3045204"/>
+            <a:ext cx="1175876" cy="373398"/>
+          </a:xfrm>
+          <a:prstGeom prst="line">
+            <a:avLst/>
+          </a:prstGeom>
+        </p:spPr>
+        <p:style>
+          <a:lnRef idx="1">
+            <a:schemeClr val="accent1"/>
+          </a:lnRef>
+          <a:fillRef idx="0">
+            <a:schemeClr val="accent1"/>
+          </a:fillRef>
+          <a:effectRef idx="0">
+            <a:schemeClr val="accent1"/>
+          </a:effectRef>
+          <a:fontRef idx="minor">
+            <a:schemeClr val="tx1"/>
+          </a:fontRef>
+        </p:style>
+      </p:cxnSp>
+      <p:sp>
+        <p:nvSpPr>
+          <p:cNvPr id="77" name="Textfeld 76"/>
+          <p:cNvSpPr txBox="1"/>
+          <p:nvPr/>
+        </p:nvSpPr>
+        <p:spPr>
+          <a:xfrm>
+            <a:off x="4160716" y="3283400"/>
+            <a:ext cx="277640" cy="246221"/>
           </a:xfrm>
           <a:prstGeom prst="rect">
             <a:avLst/>
           </a:prstGeom>
+          <a:noFill/>
+        </p:spPr>
+        <p:txBody>
+          <a:bodyPr wrap="none" rtlCol="0">
+            <a:spAutoFit/>
+          </a:bodyPr>
+          <a:lstStyle/>
+          <a:p>
+            <a:r>
+              <a:rPr lang="de-DE" sz="1000" dirty="0"/>
+              <a:t>U</a:t>
+            </a:r>
+          </a:p>
+        </p:txBody>
+      </p:sp>
+      <p:sp>
+        <p:nvSpPr>
+          <p:cNvPr id="78" name="Textfeld 77"/>
+          <p:cNvSpPr txBox="1"/>
+          <p:nvPr/>
+        </p:nvSpPr>
+        <p:spPr>
+          <a:xfrm>
+            <a:off x="3236745" y="3056109"/>
+            <a:ext cx="277640" cy="246221"/>
+          </a:xfrm>
+          <a:prstGeom prst="rect">
+            <a:avLst/>
+          </a:prstGeom>
+          <a:noFill/>
+        </p:spPr>
+        <p:txBody>
+          <a:bodyPr wrap="none" rtlCol="0">
+            <a:spAutoFit/>
+          </a:bodyPr>
+          <a:lstStyle/>
+          <a:p>
+            <a:r>
+              <a:rPr lang="de-DE" sz="1000" dirty="0"/>
+              <a:t>D</a:t>
+            </a:r>
+          </a:p>
+        </p:txBody>
+      </p:sp>
+      <p:cxnSp>
+        <p:nvCxnSpPr>
+          <p:cNvPr id="80" name="Gerader Verbinder 79"/>
+          <p:cNvCxnSpPr>
+            <a:cxnSpLocks/>
+            <a:stCxn id="8" idx="3"/>
+          </p:cNvCxnSpPr>
+          <p:nvPr/>
+        </p:nvCxnSpPr>
+        <p:spPr>
+          <a:xfrm>
+            <a:off x="2625283" y="1422646"/>
+            <a:ext cx="3617" cy="582520"/>
+          </a:xfrm>
+          <a:prstGeom prst="line">
+            <a:avLst/>
+          </a:prstGeom>
+        </p:spPr>
+        <p:style>
+          <a:lnRef idx="1">
+            <a:schemeClr val="accent1"/>
+          </a:lnRef>
+          <a:fillRef idx="0">
+            <a:schemeClr val="accent1"/>
+          </a:fillRef>
+          <a:effectRef idx="0">
+            <a:schemeClr val="accent1"/>
+          </a:effectRef>
+          <a:fontRef idx="minor">
+            <a:schemeClr val="tx1"/>
+          </a:fontRef>
+        </p:style>
+      </p:cxnSp>
+      <p:sp>
+        <p:nvSpPr>
+          <p:cNvPr id="81" name="Rechteck 80"/>
+          <p:cNvSpPr/>
+          <p:nvPr/>
+        </p:nvSpPr>
+        <p:spPr>
+          <a:xfrm>
+            <a:off x="2401491" y="2031602"/>
+            <a:ext cx="518901" cy="193311"/>
+          </a:xfrm>
+          <a:prstGeom prst="rect">
+            <a:avLst/>
+          </a:prstGeom>
+          <a:noFill/>
         </p:spPr>
         <p:style>
           <a:lnRef idx="2">
@@ -22076,13 +23018,192 @@
               </a:spcAft>
             </a:pPr>
             <a:r>
+              <a:rPr lang="de-DE" sz="1000" dirty="0">
+                <a:solidFill>
+                  <a:schemeClr val="tx1"/>
+                </a:solidFill>
+                <a:latin typeface="Calibri" panose="020F0502020204030204"/>
+              </a:rPr>
+              <a:t>ACL/CS</a:t>
+            </a:r>
+          </a:p>
+        </p:txBody>
+      </p:sp>
+      <p:sp>
+        <p:nvSpPr>
+          <p:cNvPr id="82" name="Textfeld 81"/>
+          <p:cNvSpPr txBox="1"/>
+          <p:nvPr/>
+        </p:nvSpPr>
+        <p:spPr>
+          <a:xfrm>
+            <a:off x="2633527" y="1814346"/>
+            <a:ext cx="277640" cy="246221"/>
+          </a:xfrm>
+          <a:prstGeom prst="rect">
+            <a:avLst/>
+          </a:prstGeom>
+          <a:noFill/>
+        </p:spPr>
+        <p:txBody>
+          <a:bodyPr wrap="none" rtlCol="0">
+            <a:spAutoFit/>
+          </a:bodyPr>
+          <a:lstStyle/>
+          <a:p>
+            <a:r>
+              <a:rPr lang="de-DE" sz="1000" dirty="0"/>
+              <a:t>D</a:t>
+            </a:r>
+          </a:p>
+        </p:txBody>
+      </p:sp>
+      <p:sp>
+        <p:nvSpPr>
+          <p:cNvPr id="83" name="Textfeld 82"/>
+          <p:cNvSpPr txBox="1"/>
+          <p:nvPr/>
+        </p:nvSpPr>
+        <p:spPr>
+          <a:xfrm>
+            <a:off x="2617775" y="1395350"/>
+            <a:ext cx="277640" cy="246221"/>
+          </a:xfrm>
+          <a:prstGeom prst="rect">
+            <a:avLst/>
+          </a:prstGeom>
+          <a:noFill/>
+        </p:spPr>
+        <p:txBody>
+          <a:bodyPr wrap="none" rtlCol="0">
+            <a:spAutoFit/>
+          </a:bodyPr>
+          <a:lstStyle/>
+          <a:p>
+            <a:r>
+              <a:rPr lang="de-DE" sz="1000" dirty="0"/>
+              <a:t>U</a:t>
+            </a:r>
+          </a:p>
+        </p:txBody>
+      </p:sp>
+      <p:sp>
+        <p:nvSpPr>
+          <p:cNvPr id="84" name="Rechteck 83"/>
+          <p:cNvSpPr/>
+          <p:nvPr/>
+        </p:nvSpPr>
+        <p:spPr>
+          <a:xfrm>
+            <a:off x="5758315" y="1687710"/>
+            <a:ext cx="518901" cy="193311"/>
+          </a:xfrm>
+          <a:prstGeom prst="rect">
+            <a:avLst/>
+          </a:prstGeom>
+          <a:noFill/>
+        </p:spPr>
+        <p:style>
+          <a:lnRef idx="2">
+            <a:schemeClr val="accent1">
+              <a:shade val="50000"/>
+            </a:schemeClr>
+          </a:lnRef>
+          <a:fillRef idx="1">
+            <a:schemeClr val="accent1"/>
+          </a:fillRef>
+          <a:effectRef idx="0">
+            <a:schemeClr val="accent1"/>
+          </a:effectRef>
+          <a:fontRef idx="minor">
+            <a:schemeClr val="lt1"/>
+          </a:fontRef>
+        </p:style>
+        <p:txBody>
+          <a:bodyPr rot="0" spcFirstLastPara="0" vertOverflow="overflow" horzOverflow="overflow" vert="horz" wrap="square" lIns="68580" tIns="34290" rIns="68580" bIns="34290" numCol="1" spcCol="0" rtlCol="0" fromWordArt="0" anchor="ctr" anchorCtr="0" forceAA="0" compatLnSpc="1">
+            <a:prstTxWarp prst="textNoShape">
+              <a:avLst/>
+            </a:prstTxWarp>
+            <a:noAutofit/>
+          </a:bodyPr>
+          <a:lstStyle/>
+          <a:p>
+            <a:pPr algn="ctr" defTabSz="685800" fontAlgn="auto">
+              <a:spcBef>
+                <a:spcPts val="0"/>
+              </a:spcBef>
+              <a:spcAft>
+                <a:spcPts val="0"/>
+              </a:spcAft>
+            </a:pPr>
+            <a:r>
+              <a:rPr lang="de-DE" sz="1000" dirty="0">
+                <a:solidFill>
+                  <a:schemeClr val="tx1"/>
+                </a:solidFill>
+                <a:latin typeface="Calibri" panose="020F0502020204030204"/>
+              </a:rPr>
+              <a:t>CS</a:t>
+            </a:r>
+          </a:p>
+        </p:txBody>
+      </p:sp>
+      <p:sp>
+        <p:nvSpPr>
+          <p:cNvPr id="86" name="Rechteck 85"/>
+          <p:cNvSpPr/>
+          <p:nvPr/>
+        </p:nvSpPr>
+        <p:spPr>
+          <a:xfrm>
+            <a:off x="3330671" y="414940"/>
+            <a:ext cx="800100" cy="323850"/>
+          </a:xfrm>
+          <a:prstGeom prst="rect">
+            <a:avLst/>
+          </a:prstGeom>
+        </p:spPr>
+        <p:style>
+          <a:lnRef idx="2">
+            <a:schemeClr val="accent1">
+              <a:shade val="50000"/>
+            </a:schemeClr>
+          </a:lnRef>
+          <a:fillRef idx="1">
+            <a:schemeClr val="accent1"/>
+          </a:fillRef>
+          <a:effectRef idx="0">
+            <a:schemeClr val="accent1"/>
+          </a:effectRef>
+          <a:fontRef idx="minor">
+            <a:schemeClr val="lt1"/>
+          </a:fontRef>
+        </p:style>
+        <p:txBody>
+          <a:bodyPr rot="0" spcFirstLastPara="0" vertOverflow="overflow" horzOverflow="overflow" vert="horz" wrap="square" lIns="68580" tIns="34290" rIns="68580" bIns="34290" numCol="1" spcCol="0" rtlCol="0" fromWordArt="0" anchor="ctr" anchorCtr="0" forceAA="0" compatLnSpc="1">
+            <a:prstTxWarp prst="textNoShape">
+              <a:avLst/>
+            </a:prstTxWarp>
+            <a:noAutofit/>
+          </a:bodyPr>
+          <a:lstStyle/>
+          <a:p>
+            <a:pPr algn="ctr" defTabSz="685800" fontAlgn="auto">
+              <a:spcBef>
+                <a:spcPts val="0"/>
+              </a:spcBef>
+              <a:spcAft>
+                <a:spcPts val="0"/>
+              </a:spcAft>
+            </a:pPr>
+            <a:r>
               <a:rPr lang="de-DE" sz="1350" dirty="0">
                 <a:solidFill>
                   <a:prstClr val="white"/>
                 </a:solidFill>
                 <a:latin typeface="Calibri" panose="020F0502020204030204"/>
               </a:rPr>
-              <a:t>Alternative</a:t>
+              <a:t>Reisen</a:t>
             </a:r>
           </a:p>
         </p:txBody>
@@ -22100,7 +23221,7 @@
 </p:sld>
 </file>
 
-<file path=ppt/slides/slide13.xml><?xml version="1.0" encoding="utf-8"?>
+<file path=ppt/slides/slide17.xml><?xml version="1.0" encoding="utf-8"?>
 <p:sld xmlns:a="http://schemas.openxmlformats.org/drawingml/2006/main" xmlns:r="http://schemas.openxmlformats.org/officeDocument/2006/relationships" xmlns:p="http://schemas.openxmlformats.org/presentationml/2006/main">
   <p:cSld>
     <p:spTree>
@@ -22117,130 +23238,6 @@
           <a:chExt cx="0" cy="0"/>
         </a:xfrm>
       </p:grpSpPr>
-      <p:pic>
-        <p:nvPicPr>
-          <p:cNvPr id="7" name="Picture 2" descr="http://www.alex11.org/wp-content/uploads/2012/01/Peace_eye_by_skrobdizzles-e1326758699333-1024x810.jpg"/>
-          <p:cNvPicPr>
-            <a:picLocks noGrp="1" noChangeAspect="1" noChangeArrowheads="1"/>
-          </p:cNvPicPr>
-          <p:nvPr>
-            <p:ph type="pic" sz="quarter" idx="17"/>
-          </p:nvPr>
-        </p:nvPicPr>
-        <p:blipFill>
-          <a:blip r:embed="rId2">
-            <a:extLst>
-              <a:ext uri="{28A0092B-C50C-407E-A947-70E740481C1C}">
-                <a14:useLocalDpi xmlns:a14="http://schemas.microsoft.com/office/drawing/2010/main" val="0"/>
-              </a:ext>
-            </a:extLst>
-          </a:blip>
-          <a:srcRect l="7527" r="7527"/>
-          <a:stretch>
-            <a:fillRect/>
-          </a:stretch>
-        </p:blipFill>
-        <p:spPr bwMode="auto">
-          <a:prstGeom prst="rect">
-            <a:avLst/>
-          </a:prstGeom>
-          <a:noFill/>
-          <a:extLst>
-            <a:ext uri="{909E8E84-426E-40DD-AFC4-6F175D3DCCD1}">
-              <a14:hiddenFill xmlns:a14="http://schemas.microsoft.com/office/drawing/2010/main">
-                <a:solidFill>
-                  <a:srgbClr val="FFFFFF"/>
-                </a:solidFill>
-              </a14:hiddenFill>
-            </a:ext>
-          </a:extLst>
-        </p:spPr>
-      </p:pic>
-      <p:sp>
-        <p:nvSpPr>
-          <p:cNvPr id="6" name="Textplatzhalter 5"/>
-          <p:cNvSpPr>
-            <a:spLocks noGrp="1"/>
-          </p:cNvSpPr>
-          <p:nvPr>
-            <p:ph idx="1"/>
-          </p:nvPr>
-        </p:nvSpPr>
-        <p:spPr/>
-        <p:txBody>
-          <a:bodyPr/>
-          <a:lstStyle/>
-          <a:p>
-            <a:pPr indent="-207963"/>
-            <a:r>
-              <a:rPr lang="de-DE" sz="1600" dirty="0"/>
-              <a:t>HMI</a:t>
-            </a:r>
-          </a:p>
-          <a:p>
-            <a:pPr lvl="2"/>
-            <a:r>
-              <a:rPr lang="de-DE" sz="1600" dirty="0"/>
-              <a:t>Neue Eingabegeräte</a:t>
-            </a:r>
-          </a:p>
-          <a:p>
-            <a:pPr lvl="2"/>
-            <a:r>
-              <a:rPr lang="de-DE" sz="1600" dirty="0"/>
-              <a:t>Feedback</a:t>
-            </a:r>
-          </a:p>
-          <a:p>
-            <a:pPr lvl="2"/>
-            <a:endParaRPr lang="de-DE" sz="1600" dirty="0"/>
-          </a:p>
-          <a:p>
-            <a:pPr indent="-207963"/>
-            <a:r>
-              <a:rPr lang="de-DE" sz="1600" dirty="0"/>
-              <a:t>Spielwelt</a:t>
-            </a:r>
-          </a:p>
-          <a:p>
-            <a:pPr lvl="2"/>
-            <a:r>
-              <a:rPr lang="de-DE" sz="1600" dirty="0"/>
-              <a:t>Unterschiedliche Level </a:t>
-            </a:r>
-          </a:p>
-          <a:p>
-            <a:pPr lvl="2"/>
-            <a:r>
-              <a:rPr lang="de-DE" sz="1600" dirty="0"/>
-              <a:t>Integration von Sound</a:t>
-            </a:r>
-          </a:p>
-          <a:p>
-            <a:pPr marL="0" lvl="2" indent="0">
-              <a:buNone/>
-            </a:pPr>
-            <a:endParaRPr lang="de-DE" sz="1600" dirty="0"/>
-          </a:p>
-          <a:p>
-            <a:pPr indent="-207963"/>
-            <a:r>
-              <a:rPr lang="de-DE" sz="1600" dirty="0"/>
-              <a:t>Mehr Spieler </a:t>
-            </a:r>
-          </a:p>
-          <a:p>
-            <a:pPr lvl="2"/>
-            <a:r>
-              <a:rPr lang="de-DE" sz="1600" dirty="0"/>
-              <a:t>mehr Spaß</a:t>
-            </a:r>
-          </a:p>
-          <a:p>
-            <a:endParaRPr lang="de-DE" sz="1600" dirty="0"/>
-          </a:p>
-        </p:txBody>
-      </p:sp>
       <p:sp>
         <p:nvSpPr>
           <p:cNvPr id="5" name="Titel 4"/>
@@ -22254,7 +23251,7 @@
         <p:spPr>
           <a:xfrm>
             <a:off x="250825" y="411087"/>
-            <a:ext cx="1145214" cy="431614"/>
+            <a:ext cx="1167656" cy="431614"/>
           </a:xfrm>
         </p:spPr>
         <p:txBody>
@@ -22263,7 +23260,7 @@
           <a:p>
             <a:r>
               <a:rPr lang="de-DE" dirty="0"/>
-              <a:t>Ausblick</a:t>
+              <a:t>Ergebnis</a:t>
             </a:r>
           </a:p>
         </p:txBody>
@@ -22279,7 +23276,7 @@
         <p:spPr bwMode="auto">
           <a:xfrm>
             <a:off x="1534273" y="418356"/>
-            <a:ext cx="951250" cy="417074"/>
+            <a:ext cx="1385664" cy="417074"/>
           </a:xfrm>
           <a:prstGeom prst="rect">
             <a:avLst/>
@@ -22333,7 +23330,7 @@
           <a:p>
             <a:r>
               <a:rPr lang="de-DE" dirty="0"/>
-              <a:t>Ideen?</a:t>
+              <a:t>Seht selbst</a:t>
             </a:r>
           </a:p>
         </p:txBody>
@@ -22351,7 +23348,7 @@
 </p:sld>
 </file>
 
-<file path=ppt/slides/slide14.xml><?xml version="1.0" encoding="utf-8"?>
+<file path=ppt/slides/slide18.xml><?xml version="1.0" encoding="utf-8"?>
 <p:sld xmlns:a="http://schemas.openxmlformats.org/drawingml/2006/main" xmlns:r="http://schemas.openxmlformats.org/officeDocument/2006/relationships" xmlns:p="http://schemas.openxmlformats.org/presentationml/2006/main">
   <p:cSld>
     <p:spTree>
@@ -22370,6 +23367,139 @@
       </p:grpSpPr>
       <p:sp>
         <p:nvSpPr>
+          <p:cNvPr id="6" name="Textplatzhalter 5"/>
+          <p:cNvSpPr>
+            <a:spLocks noGrp="1"/>
+          </p:cNvSpPr>
+          <p:nvPr>
+            <p:ph idx="1"/>
+          </p:nvPr>
+        </p:nvSpPr>
+        <p:spPr/>
+        <p:txBody>
+          <a:bodyPr/>
+          <a:lstStyle/>
+          <a:p>
+            <a:pPr indent="-207963"/>
+            <a:r>
+              <a:rPr lang="de-DE" sz="1600" dirty="0"/>
+              <a:t>DDD</a:t>
+            </a:r>
+          </a:p>
+          <a:p>
+            <a:pPr lvl="2"/>
+            <a:r>
+              <a:rPr lang="de-DE" sz="1600" b="0" dirty="0"/>
+              <a:t>Sehr viel neues</a:t>
+            </a:r>
+          </a:p>
+          <a:p>
+            <a:pPr lvl="2"/>
+            <a:r>
+              <a:rPr lang="de-DE" sz="1600" b="0" dirty="0"/>
+              <a:t>Kann man nicht alleine machen</a:t>
+            </a:r>
+          </a:p>
+          <a:p>
+            <a:pPr lvl="2"/>
+            <a:r>
+              <a:rPr lang="de-DE" sz="1600" b="0" dirty="0"/>
+              <a:t>Muss gewollt sein</a:t>
+            </a:r>
+          </a:p>
+          <a:p>
+            <a:pPr lvl="2"/>
+            <a:r>
+              <a:rPr lang="de-DE" sz="1600" b="0" dirty="0"/>
+              <a:t>Hat großen Einfluss auf die Architektur</a:t>
+            </a:r>
+          </a:p>
+          <a:p>
+            <a:pPr lvl="2"/>
+            <a:r>
+              <a:rPr lang="de-DE" sz="1600" b="0" dirty="0"/>
+              <a:t>Erstellt bessere Software</a:t>
+            </a:r>
+          </a:p>
+          <a:p>
+            <a:pPr lvl="2"/>
+            <a:endParaRPr lang="de-DE" sz="1600" dirty="0"/>
+          </a:p>
+          <a:p>
+            <a:endParaRPr lang="de-DE" sz="1600" dirty="0"/>
+          </a:p>
+        </p:txBody>
+      </p:sp>
+      <p:sp>
+        <p:nvSpPr>
+          <p:cNvPr id="8" name="Inhaltsplatzhalter 7"/>
+          <p:cNvSpPr>
+            <a:spLocks noGrp="1"/>
+          </p:cNvSpPr>
+          <p:nvPr>
+            <p:ph idx="14"/>
+          </p:nvPr>
+        </p:nvSpPr>
+        <p:spPr/>
+        <p:txBody>
+          <a:bodyPr/>
+          <a:lstStyle/>
+          <a:p>
+            <a:r>
+              <a:rPr lang="de-DE" dirty="0" err="1"/>
+              <a:t>React</a:t>
+            </a:r>
+            <a:endParaRPr lang="de-DE" dirty="0"/>
+          </a:p>
+          <a:p>
+            <a:pPr lvl="2"/>
+            <a:r>
+              <a:rPr lang="de-DE" sz="1600" b="0" dirty="0"/>
+              <a:t>Relativ schwer reinzukommen</a:t>
+            </a:r>
+          </a:p>
+          <a:p>
+            <a:pPr lvl="2"/>
+            <a:r>
+              <a:rPr lang="de-DE" sz="1600" b="0" dirty="0"/>
+              <a:t>Aufteilung des Codes in </a:t>
+            </a:r>
+            <a:r>
+              <a:rPr lang="de-DE" sz="1600" b="0" dirty="0" err="1"/>
+              <a:t>Komponeneten</a:t>
+            </a:r>
+            <a:endParaRPr lang="de-DE" sz="1600" b="0" dirty="0"/>
+          </a:p>
+          <a:p>
+            <a:pPr lvl="3"/>
+            <a:r>
+              <a:rPr lang="de-DE" sz="1600" dirty="0"/>
+              <a:t>Keine Unterteilung mehr in JS, CSS und HTML</a:t>
+            </a:r>
+          </a:p>
+          <a:p>
+            <a:pPr lvl="2"/>
+            <a:r>
+              <a:rPr lang="de-DE" sz="1600" b="0" dirty="0"/>
+              <a:t>Benötigt relativ viele zusätzliche Bibliotheken (JSX, Babel)</a:t>
+            </a:r>
+          </a:p>
+          <a:p>
+            <a:endParaRPr lang="de-DE" dirty="0"/>
+          </a:p>
+          <a:p>
+            <a:endParaRPr lang="de-DE" dirty="0"/>
+          </a:p>
+          <a:p>
+            <a:r>
+              <a:rPr lang="de-DE" dirty="0"/>
+              <a:t>Kann man machen muss man aber nicht</a:t>
+            </a:r>
+          </a:p>
+        </p:txBody>
+      </p:sp>
+      <p:sp>
+        <p:nvSpPr>
           <p:cNvPr id="5" name="Titel 4"/>
           <p:cNvSpPr>
             <a:spLocks noGrp="1"/>
@@ -22381,7 +23511,7 @@
         <p:spPr>
           <a:xfrm>
             <a:off x="250825" y="411087"/>
-            <a:ext cx="1167656" cy="431614"/>
+            <a:ext cx="1202922" cy="431614"/>
           </a:xfrm>
         </p:spPr>
         <p:txBody>
@@ -22390,77 +23520,7 @@
           <a:p>
             <a:r>
               <a:rPr lang="de-DE" dirty="0"/>
-              <a:t>Ergebnis</a:t>
-            </a:r>
-          </a:p>
-        </p:txBody>
-      </p:sp>
-      <p:sp>
-        <p:nvSpPr>
-          <p:cNvPr id="4" name="Titel 83"/>
-          <p:cNvSpPr txBox="1">
-            <a:spLocks/>
-          </p:cNvSpPr>
-          <p:nvPr/>
-        </p:nvSpPr>
-        <p:spPr bwMode="auto">
-          <a:xfrm>
-            <a:off x="1534273" y="418356"/>
-            <a:ext cx="1385664" cy="417074"/>
-          </a:xfrm>
-          <a:prstGeom prst="rect">
-            <a:avLst/>
-          </a:prstGeom>
-          <a:solidFill>
-            <a:srgbClr val="0095D8"/>
-          </a:solidFill>
-          <a:ln w="9525">
-            <a:noFill/>
-            <a:miter lim="800000"/>
-            <a:headEnd/>
-            <a:tailEnd/>
-          </a:ln>
-        </p:spPr>
-        <p:txBody>
-          <a:bodyPr vert="horz" wrap="none" lIns="144000" tIns="82800" rIns="144000" bIns="86400" numCol="1" rtlCol="0" anchor="ctr" anchorCtr="0" compatLnSpc="1">
-            <a:prstTxWarp prst="textNoShape">
-              <a:avLst/>
-            </a:prstTxWarp>
-            <a:spAutoFit/>
-          </a:bodyPr>
-          <a:lstStyle>
-            <a:defPPr>
-              <a:defRPr lang="de-DE"/>
-            </a:defPPr>
-            <a:lvl1pPr marL="0" marR="0" lvl="0" indent="0" defTabSz="914400" eaLnBrk="1" latinLnBrk="0" hangingPunct="1">
-              <a:lnSpc>
-                <a:spcPct val="100000"/>
-              </a:lnSpc>
-              <a:buClrTx/>
-              <a:buSzTx/>
-              <a:buFontTx/>
-              <a:buNone/>
-              <a:tabLst/>
-              <a:defRPr kumimoji="0" sz="1600" b="1" i="0" u="none" strike="noStrike" cap="none" spc="0" normalizeH="0" baseline="0">
-                <a:ln>
-                  <a:noFill/>
-                </a:ln>
-                <a:solidFill>
-                  <a:srgbClr val="FFFFFF"/>
-                </a:solidFill>
-                <a:effectLst/>
-                <a:uLnTx/>
-                <a:uFillTx/>
-                <a:latin typeface="Arial"/>
-                <a:ea typeface="ＭＳ Ｐゴシック" charset="0"/>
-                <a:cs typeface="ＭＳ Ｐゴシック" charset="0"/>
-              </a:defRPr>
-            </a:lvl1pPr>
-          </a:lstStyle>
-          <a:p>
-            <a:r>
-              <a:rPr lang="de-DE" dirty="0"/>
-              <a:t>Seht selbst</a:t>
+              <a:t>Ausblick </a:t>
             </a:r>
           </a:p>
         </p:txBody>
@@ -22468,7 +23528,7 @@
     </p:spTree>
     <p:extLst>
       <p:ext uri="{BB962C8B-B14F-4D97-AF65-F5344CB8AC3E}">
-        <p14:creationId xmlns:p14="http://schemas.microsoft.com/office/powerpoint/2010/main" val="135947717"/>
+        <p14:creationId xmlns:p14="http://schemas.microsoft.com/office/powerpoint/2010/main" val="4167193452"/>
       </p:ext>
     </p:extLst>
   </p:cSld>
@@ -22478,7 +23538,7 @@
 </p:sld>
 </file>
 
-<file path=ppt/slides/slide15.xml><?xml version="1.0" encoding="utf-8"?>
+<file path=ppt/slides/slide19.xml><?xml version="1.0" encoding="utf-8"?>
 <p:sld xmlns:a="http://schemas.openxmlformats.org/drawingml/2006/main" xmlns:r="http://schemas.openxmlformats.org/officeDocument/2006/relationships" xmlns:p="http://schemas.openxmlformats.org/presentationml/2006/main">
   <p:cSld>
     <p:spTree>
@@ -23620,32 +24680,6 @@
       </p:grpSpPr>
       <p:sp>
         <p:nvSpPr>
-          <p:cNvPr id="2" name="Inhaltsplatzhalter 1"/>
-          <p:cNvSpPr>
-            <a:spLocks noGrp="1"/>
-          </p:cNvSpPr>
-          <p:nvPr>
-            <p:ph idx="1"/>
-          </p:nvPr>
-        </p:nvSpPr>
-        <p:spPr/>
-        <p:txBody>
-          <a:bodyPr/>
-          <a:lstStyle/>
-          <a:p>
-            <a:r>
-              <a:rPr lang="de-DE" dirty="0" err="1"/>
-              <a:t>React</a:t>
-            </a:r>
-            <a:r>
-              <a:rPr lang="de-DE" dirty="0"/>
-              <a:t> JS</a:t>
-            </a:r>
-          </a:p>
-        </p:txBody>
-      </p:sp>
-      <p:sp>
-        <p:nvSpPr>
           <p:cNvPr id="3" name="Inhaltsplatzhalter 2"/>
           <p:cNvSpPr>
             <a:spLocks noGrp="1"/>
@@ -23744,6 +24778,265 @@
               <a:rPr lang="de-DE" dirty="0"/>
               <a:t>Aufgabe</a:t>
             </a:r>
+          </a:p>
+        </p:txBody>
+      </p:sp>
+      <p:sp>
+        <p:nvSpPr>
+          <p:cNvPr id="5" name="Inhaltsplatzhalter 1"/>
+          <p:cNvSpPr txBox="1">
+            <a:spLocks/>
+          </p:cNvSpPr>
+          <p:nvPr/>
+        </p:nvSpPr>
+        <p:spPr bwMode="auto">
+          <a:xfrm>
+            <a:off x="395536" y="1140438"/>
+            <a:ext cx="3888486" cy="3600450"/>
+          </a:xfrm>
+          <a:prstGeom prst="rect">
+            <a:avLst/>
+          </a:prstGeom>
+          <a:noFill/>
+          <a:ln w="9525">
+            <a:noFill/>
+            <a:miter lim="800000"/>
+            <a:headEnd/>
+            <a:tailEnd/>
+          </a:ln>
+          <a:extLst/>
+        </p:spPr>
+        <p:txBody>
+          <a:bodyPr vert="horz" wrap="square" lIns="0" tIns="0" rIns="0" bIns="0" numCol="1" anchor="t" anchorCtr="0" compatLnSpc="1">
+            <a:prstTxWarp prst="textNoShape">
+              <a:avLst/>
+            </a:prstTxWarp>
+          </a:bodyPr>
+          <a:lstStyle>
+            <a:lvl1pPr algn="l" defTabSz="863600" rtl="0" eaLnBrk="1" fontAlgn="base" hangingPunct="1">
+              <a:lnSpc>
+                <a:spcPts val="1800"/>
+              </a:lnSpc>
+              <a:spcBef>
+                <a:spcPts val="163"/>
+              </a:spcBef>
+              <a:spcAft>
+                <a:spcPts val="500"/>
+              </a:spcAft>
+              <a:buSzPct val="100000"/>
+              <a:defRPr lang="de-DE" sz="1600" b="1" kern="1200" dirty="0">
+                <a:solidFill>
+                  <a:srgbClr val="0095D8"/>
+                </a:solidFill>
+                <a:latin typeface="Arial"/>
+                <a:ea typeface="ＭＳ Ｐゴシック" charset="0"/>
+                <a:cs typeface="ＭＳ Ｐゴシック" charset="0"/>
+              </a:defRPr>
+            </a:lvl1pPr>
+            <a:lvl2pPr algn="l" defTabSz="1254125" rtl="0" eaLnBrk="1" fontAlgn="base" hangingPunct="1">
+              <a:lnSpc>
+                <a:spcPts val="1800"/>
+              </a:lnSpc>
+              <a:spcBef>
+                <a:spcPts val="163"/>
+              </a:spcBef>
+              <a:spcAft>
+                <a:spcPts val="500"/>
+              </a:spcAft>
+              <a:buSzPct val="100000"/>
+              <a:defRPr sz="1600" kern="1200">
+                <a:solidFill>
+                  <a:srgbClr val="003882"/>
+                </a:solidFill>
+                <a:latin typeface="Arial"/>
+                <a:ea typeface="ＭＳ Ｐゴシック" charset="0"/>
+                <a:cs typeface="+mn-cs"/>
+              </a:defRPr>
+            </a:lvl2pPr>
+            <a:lvl3pPr marL="207963" indent="-207963" algn="l" rtl="0" eaLnBrk="1" fontAlgn="base" hangingPunct="1">
+              <a:lnSpc>
+                <a:spcPts val="1800"/>
+              </a:lnSpc>
+              <a:spcBef>
+                <a:spcPts val="163"/>
+              </a:spcBef>
+              <a:spcAft>
+                <a:spcPts val="500"/>
+              </a:spcAft>
+              <a:buSzPct val="110000"/>
+              <a:buFontTx/>
+              <a:buBlip>
+                <a:blip r:embed="rId2"/>
+              </a:buBlip>
+              <a:defRPr sz="1600" b="1" kern="1200">
+                <a:solidFill>
+                  <a:srgbClr val="003882"/>
+                </a:solidFill>
+                <a:latin typeface="Arial"/>
+                <a:ea typeface="ＭＳ Ｐゴシック" charset="0"/>
+                <a:cs typeface="+mn-cs"/>
+              </a:defRPr>
+            </a:lvl3pPr>
+            <a:lvl4pPr marL="431800" indent="-215900" algn="l" rtl="0" eaLnBrk="1" fontAlgn="base" hangingPunct="1">
+              <a:lnSpc>
+                <a:spcPts val="1800"/>
+              </a:lnSpc>
+              <a:spcBef>
+                <a:spcPts val="163"/>
+              </a:spcBef>
+              <a:spcAft>
+                <a:spcPts val="500"/>
+              </a:spcAft>
+              <a:buSzPct val="110000"/>
+              <a:buFontTx/>
+              <a:buBlip>
+                <a:blip r:embed="rId2"/>
+              </a:buBlip>
+              <a:defRPr sz="1600" kern="1200">
+                <a:solidFill>
+                  <a:srgbClr val="003882"/>
+                </a:solidFill>
+                <a:latin typeface="Arial"/>
+                <a:ea typeface="ＭＳ Ｐゴシック" charset="0"/>
+                <a:cs typeface="+mn-cs"/>
+              </a:defRPr>
+            </a:lvl4pPr>
+            <a:lvl5pPr marL="647700" indent="-215900" algn="l" rtl="0" eaLnBrk="1" fontAlgn="base" hangingPunct="1">
+              <a:lnSpc>
+                <a:spcPts val="1800"/>
+              </a:lnSpc>
+              <a:spcBef>
+                <a:spcPts val="163"/>
+              </a:spcBef>
+              <a:spcAft>
+                <a:spcPts val="500"/>
+              </a:spcAft>
+              <a:buSzPct val="110000"/>
+              <a:buFontTx/>
+              <a:buBlip>
+                <a:blip r:embed="rId3"/>
+              </a:buBlip>
+              <a:defRPr sz="1400" kern="1200">
+                <a:solidFill>
+                  <a:srgbClr val="003882"/>
+                </a:solidFill>
+                <a:latin typeface="Arial"/>
+                <a:ea typeface="ＭＳ Ｐゴシック" charset="0"/>
+                <a:cs typeface="+mn-cs"/>
+              </a:defRPr>
+            </a:lvl5pPr>
+            <a:lvl6pPr marL="208800" indent="-208800" algn="l" defTabSz="914400" rtl="0" eaLnBrk="1" latinLnBrk="0" hangingPunct="1">
+              <a:lnSpc>
+                <a:spcPts val="1800"/>
+              </a:lnSpc>
+              <a:spcBef>
+                <a:spcPts val="163"/>
+              </a:spcBef>
+              <a:spcAft>
+                <a:spcPts val="500"/>
+              </a:spcAft>
+              <a:buFont typeface="+mj-lt"/>
+              <a:buAutoNum type="arabicPeriod"/>
+              <a:defRPr sz="1500" kern="1200">
+                <a:solidFill>
+                  <a:schemeClr val="tx1"/>
+                </a:solidFill>
+                <a:latin typeface="+mn-lt"/>
+                <a:ea typeface="+mn-ea"/>
+                <a:cs typeface="+mn-cs"/>
+              </a:defRPr>
+            </a:lvl6pPr>
+            <a:lvl7pPr marL="2971800" indent="-228600" algn="l" defTabSz="914400" rtl="0" eaLnBrk="1" latinLnBrk="0" hangingPunct="1">
+              <a:spcBef>
+                <a:spcPct val="20000"/>
+              </a:spcBef>
+              <a:buFont typeface="Arial" pitchFamily="34" charset="0"/>
+              <a:buChar char="•"/>
+              <a:defRPr sz="2000" kern="1200">
+                <a:solidFill>
+                  <a:schemeClr val="tx1"/>
+                </a:solidFill>
+                <a:latin typeface="+mn-lt"/>
+                <a:ea typeface="+mn-ea"/>
+                <a:cs typeface="+mn-cs"/>
+              </a:defRPr>
+            </a:lvl7pPr>
+            <a:lvl8pPr marL="3429000" indent="-228600" algn="l" defTabSz="914400" rtl="0" eaLnBrk="1" latinLnBrk="0" hangingPunct="1">
+              <a:spcBef>
+                <a:spcPct val="20000"/>
+              </a:spcBef>
+              <a:buFont typeface="Arial" pitchFamily="34" charset="0"/>
+              <a:buChar char="•"/>
+              <a:defRPr sz="2000" kern="1200">
+                <a:solidFill>
+                  <a:schemeClr val="tx1"/>
+                </a:solidFill>
+                <a:latin typeface="+mn-lt"/>
+                <a:ea typeface="+mn-ea"/>
+                <a:cs typeface="+mn-cs"/>
+              </a:defRPr>
+            </a:lvl8pPr>
+            <a:lvl9pPr marL="3886200" indent="-228600" algn="l" defTabSz="914400" rtl="0" eaLnBrk="1" latinLnBrk="0" hangingPunct="1">
+              <a:spcBef>
+                <a:spcPct val="20000"/>
+              </a:spcBef>
+              <a:buFont typeface="Arial" pitchFamily="34" charset="0"/>
+              <a:buChar char="•"/>
+              <a:defRPr sz="2000" kern="1200">
+                <a:solidFill>
+                  <a:schemeClr val="tx1"/>
+                </a:solidFill>
+                <a:latin typeface="+mn-lt"/>
+                <a:ea typeface="+mn-ea"/>
+                <a:cs typeface="+mn-cs"/>
+              </a:defRPr>
+            </a:lvl9pPr>
+          </a:lstStyle>
+          <a:p>
+            <a:r>
+              <a:rPr lang="de-DE"/>
+              <a:t>React JS</a:t>
+            </a:r>
+          </a:p>
+          <a:p>
+            <a:endParaRPr lang="de-DE"/>
+          </a:p>
+          <a:p>
+            <a:r>
+              <a:rPr lang="de-DE"/>
+              <a:t>	</a:t>
+            </a:r>
+          </a:p>
+          <a:p>
+            <a:pPr lvl="3"/>
+            <a:r>
+              <a:rPr lang="de-DE" i="1"/>
+              <a:t>Bibliothek – kein Framework</a:t>
+            </a:r>
+          </a:p>
+          <a:p>
+            <a:pPr lvl="3"/>
+            <a:r>
+              <a:rPr lang="de-DE" i="1"/>
+              <a:t>Benutzoberflächen erstellen</a:t>
+            </a:r>
+          </a:p>
+          <a:p>
+            <a:pPr lvl="3"/>
+            <a:r>
+              <a:rPr lang="de-DE" i="1"/>
+              <a:t>Einfacher Code</a:t>
+            </a:r>
+          </a:p>
+          <a:p>
+            <a:pPr lvl="3"/>
+            <a:r>
+              <a:rPr lang="de-DE" i="1"/>
+              <a:t>Virtual DOM</a:t>
+            </a:r>
+          </a:p>
+          <a:p>
+            <a:endParaRPr lang="de-DE"/>
           </a:p>
         </p:txBody>
       </p:sp>
@@ -23795,8 +25088,13 @@
             <a:pPr algn="ctr"/>
             <a:r>
               <a:rPr lang="de-DE" dirty="0"/>
-              <a:t>Christin</a:t>
-            </a:r>
+              <a:t>Christin </a:t>
+            </a:r>
+            <a:r>
+              <a:rPr lang="de-DE" dirty="0" err="1"/>
+              <a:t>Mc</a:t>
+            </a:r>
+            <a:endParaRPr lang="de-DE" dirty="0"/>
           </a:p>
         </p:txBody>
       </p:sp>
@@ -23818,8 +25116,13 @@
             <a:pPr algn="ctr"/>
             <a:r>
               <a:rPr lang="de-DE" dirty="0"/>
-              <a:t>Thomas</a:t>
-            </a:r>
+              <a:t>Thomas </a:t>
+            </a:r>
+            <a:r>
+              <a:rPr lang="de-DE" dirty="0" err="1"/>
+              <a:t>Mc</a:t>
+            </a:r>
+            <a:endParaRPr lang="de-DE" dirty="0"/>
           </a:p>
         </p:txBody>
       </p:sp>
@@ -23836,7 +25139,7 @@
         <p:spPr>
           <a:xfrm>
             <a:off x="250825" y="411087"/>
-            <a:ext cx="982477" cy="431614"/>
+            <a:ext cx="868663" cy="431614"/>
           </a:xfrm>
         </p:spPr>
         <p:txBody>
@@ -23845,7 +25148,7 @@
           <a:p>
             <a:r>
               <a:rPr lang="de-DE" dirty="0"/>
-              <a:t>Team 1</a:t>
+              <a:t>Team </a:t>
             </a:r>
           </a:p>
         </p:txBody>
@@ -23868,14 +25171,19 @@
             <a:pPr algn="ctr"/>
             <a:r>
               <a:rPr lang="de-DE" dirty="0"/>
-              <a:t>Ferris</a:t>
-            </a:r>
+              <a:t>Ferris </a:t>
+            </a:r>
+            <a:r>
+              <a:rPr lang="de-DE" dirty="0" err="1"/>
+              <a:t>Mc</a:t>
+            </a:r>
+            <a:endParaRPr lang="de-DE" dirty="0"/>
           </a:p>
         </p:txBody>
       </p:sp>
       <p:pic>
         <p:nvPicPr>
-          <p:cNvPr id="8" name="Picture 2" descr="C:\Users\lrieger\Desktop\Bilder\Kaptur%20Christian.jpg"/>
+          <p:cNvPr id="8" name="Picture 2"/>
           <p:cNvPicPr>
             <a:picLocks noChangeAspect="1" noChangeArrowheads="1"/>
           </p:cNvPicPr>
@@ -23895,8 +25203,8 @@
         </p:blipFill>
         <p:spPr bwMode="auto">
           <a:xfrm>
-            <a:off x="251520" y="1059582"/>
-            <a:ext cx="2736304" cy="2052228"/>
+            <a:off x="593558" y="1059582"/>
+            <a:ext cx="2052228" cy="2052228"/>
           </a:xfrm>
           <a:prstGeom prst="rect">
             <a:avLst/>
@@ -23921,14 +25229,14 @@
       </p:pic>
       <p:pic>
         <p:nvPicPr>
-          <p:cNvPr id="9" name="Picture 3" descr="C:\Users\lrieger\Desktop\Bilder\Guntermann%20Jonathan.jpg"/>
+          <p:cNvPr id="9" name="Picture 3"/>
           <p:cNvPicPr>
             <a:picLocks noChangeAspect="1" noChangeArrowheads="1"/>
           </p:cNvPicPr>
           <p:nvPr/>
         </p:nvPicPr>
         <p:blipFill>
-          <a:blip r:embed="rId3" cstate="print">
+          <a:blip r:embed="rId3">
             <a:extLst>
               <a:ext uri="{28A0092B-C50C-407E-A947-70E740481C1C}">
                 <a14:useLocalDpi xmlns:a14="http://schemas.microsoft.com/office/drawing/2010/main" val="0"/>
@@ -23941,8 +25249,8 @@
         </p:blipFill>
         <p:spPr bwMode="auto">
           <a:xfrm>
-            <a:off x="6156176" y="1059582"/>
-            <a:ext cx="2736001" cy="2052000"/>
+            <a:off x="6156176" y="1173582"/>
+            <a:ext cx="2736001" cy="1824000"/>
           </a:xfrm>
           <a:prstGeom prst="rect">
             <a:avLst/>
@@ -23967,14 +25275,14 @@
       </p:pic>
       <p:pic>
         <p:nvPicPr>
-          <p:cNvPr id="10" name="Picture 4" descr="C:\Users\lrieger\Desktop\Bilder\Rieger%20Laura.jpg"/>
+          <p:cNvPr id="10" name="Picture 4"/>
           <p:cNvPicPr>
             <a:picLocks noChangeAspect="1" noChangeArrowheads="1"/>
           </p:cNvPicPr>
           <p:nvPr/>
         </p:nvPicPr>
         <p:blipFill>
-          <a:blip r:embed="rId4" cstate="print">
+          <a:blip r:embed="rId4">
             <a:extLst>
               <a:ext uri="{28A0092B-C50C-407E-A947-70E740481C1C}">
                 <a14:useLocalDpi xmlns:a14="http://schemas.microsoft.com/office/drawing/2010/main" val="0"/>
@@ -23987,8 +25295,8 @@
         </p:blipFill>
         <p:spPr bwMode="auto">
           <a:xfrm>
-            <a:off x="3207288" y="1059582"/>
-            <a:ext cx="2729424" cy="2052000"/>
+            <a:off x="3207288" y="1073054"/>
+            <a:ext cx="2729424" cy="2025056"/>
           </a:xfrm>
           <a:prstGeom prst="rect">
             <a:avLst/>
@@ -24014,7 +25322,7 @@
     </p:spTree>
     <p:extLst>
       <p:ext uri="{BB962C8B-B14F-4D97-AF65-F5344CB8AC3E}">
-        <p14:creationId xmlns:p14="http://schemas.microsoft.com/office/powerpoint/2010/main" val="2534784180"/>
+        <p14:creationId xmlns:p14="http://schemas.microsoft.com/office/powerpoint/2010/main" val="598439739"/>
       </p:ext>
     </p:extLst>
   </p:cSld>
@@ -24095,68 +25403,59 @@
           <a:p>
             <a:r>
               <a:rPr lang="de-DE" dirty="0"/>
-              <a:t>Zielstellung, Teambildung, Schnittstellendefinition</a:t>
-            </a:r>
-          </a:p>
-          <a:p>
-            <a:endParaRPr lang="de-DE" dirty="0">
-              <a:solidFill>
-                <a:schemeClr val="accent1">
-                  <a:lumMod val="75000"/>
-                </a:schemeClr>
-              </a:solidFill>
-            </a:endParaRPr>
-          </a:p>
-          <a:p>
-            <a:r>
-              <a:rPr lang="de-DE" dirty="0">
-                <a:solidFill>
-                  <a:schemeClr val="accent1">
-                    <a:lumMod val="75000"/>
-                  </a:schemeClr>
-                </a:solidFill>
-              </a:rPr>
-              <a:t>Team 1</a:t>
+              <a:t>Domain </a:t>
+            </a:r>
+            <a:r>
+              <a:rPr lang="de-DE" dirty="0" err="1"/>
+              <a:t>Driven</a:t>
+            </a:r>
+            <a:r>
+              <a:rPr lang="de-DE" dirty="0"/>
+              <a:t> Design ausprobieren und umsetzen</a:t>
             </a:r>
           </a:p>
           <a:p>
             <a:pPr lvl="2"/>
             <a:r>
-              <a:rPr lang="de-DE" dirty="0">
-                <a:solidFill>
-                  <a:schemeClr val="accent1">
-                    <a:lumMod val="75000"/>
-                  </a:schemeClr>
-                </a:solidFill>
-              </a:rPr>
-              <a:t>Erweiterung von vorhandenem Spiel-Prototypen </a:t>
-            </a:r>
+              <a:rPr lang="de-DE" dirty="0"/>
+              <a:t>Strategisches </a:t>
+            </a:r>
+            <a:r>
+              <a:rPr lang="de-DE" dirty="0" err="1"/>
+              <a:t>Desing</a:t>
+            </a:r>
+            <a:endParaRPr lang="de-DE" dirty="0"/>
           </a:p>
           <a:p>
             <a:pPr lvl="2"/>
             <a:r>
-              <a:rPr lang="de-DE" dirty="0">
-                <a:solidFill>
-                  <a:schemeClr val="accent1">
-                    <a:lumMod val="75000"/>
-                  </a:schemeClr>
-                </a:solidFill>
-              </a:rPr>
-              <a:t>Implementierung der Schnittstelle</a:t>
+              <a:rPr lang="de-DE" dirty="0"/>
+              <a:t>Taktisches Design</a:t>
             </a:r>
           </a:p>
           <a:p>
             <a:pPr lvl="2"/>
             <a:r>
-              <a:rPr lang="de-DE" dirty="0">
-                <a:solidFill>
-                  <a:schemeClr val="accent1">
-                    <a:lumMod val="75000"/>
-                  </a:schemeClr>
-                </a:solidFill>
-              </a:rPr>
-              <a:t>Beta-Test</a:t>
-            </a:r>
+              <a:rPr lang="de-DE" dirty="0"/>
+              <a:t>Frontend und Backend bauen mit </a:t>
+            </a:r>
+            <a:r>
+              <a:rPr lang="de-DE" dirty="0" err="1"/>
+              <a:t>React</a:t>
+            </a:r>
+            <a:r>
+              <a:rPr lang="de-DE" dirty="0"/>
+              <a:t> und </a:t>
+            </a:r>
+            <a:r>
+              <a:rPr lang="de-DE" dirty="0" err="1"/>
+              <a:t>NoSQL</a:t>
+            </a:r>
+            <a:endParaRPr lang="de-DE" dirty="0"/>
+          </a:p>
+          <a:p>
+            <a:pPr lvl="2"/>
+            <a:endParaRPr lang="de-DE" dirty="0"/>
           </a:p>
           <a:p>
             <a:endParaRPr lang="de-DE" dirty="0">
@@ -24167,57 +25466,6 @@
               </a:solidFill>
             </a:endParaRPr>
           </a:p>
-          <a:p>
-            <a:r>
-              <a:rPr lang="de-DE" dirty="0">
-                <a:solidFill>
-                  <a:schemeClr val="accent4">
-                    <a:lumMod val="75000"/>
-                  </a:schemeClr>
-                </a:solidFill>
-              </a:rPr>
-              <a:t>Team 2</a:t>
-            </a:r>
-          </a:p>
-          <a:p>
-            <a:pPr lvl="2"/>
-            <a:r>
-              <a:rPr lang="de-DE" dirty="0">
-                <a:solidFill>
-                  <a:schemeClr val="accent4">
-                    <a:lumMod val="75000"/>
-                  </a:schemeClr>
-                </a:solidFill>
-              </a:rPr>
-              <a:t>Auswahl der API</a:t>
-            </a:r>
-          </a:p>
-          <a:p>
-            <a:pPr lvl="2"/>
-            <a:r>
-              <a:rPr lang="de-DE" dirty="0">
-                <a:solidFill>
-                  <a:schemeClr val="accent4">
-                    <a:lumMod val="75000"/>
-                  </a:schemeClr>
-                </a:solidFill>
-              </a:rPr>
-              <a:t>Anbindung der Wii Boards</a:t>
-            </a:r>
-          </a:p>
-          <a:p>
-            <a:pPr lvl="2"/>
-            <a:r>
-              <a:rPr lang="de-DE" dirty="0">
-                <a:solidFill>
-                  <a:schemeClr val="accent4">
-                    <a:lumMod val="75000"/>
-                  </a:schemeClr>
-                </a:solidFill>
-              </a:rPr>
-              <a:t>Bereitstellung der Daten an Schnittstelle</a:t>
-            </a:r>
-          </a:p>
         </p:txBody>
       </p:sp>
       <p:sp>
@@ -24250,7 +25498,7 @@
     </p:spTree>
     <p:extLst>
       <p:ext uri="{BB962C8B-B14F-4D97-AF65-F5344CB8AC3E}">
-        <p14:creationId xmlns:p14="http://schemas.microsoft.com/office/powerpoint/2010/main" val="135947717"/>
+        <p14:creationId xmlns:p14="http://schemas.microsoft.com/office/powerpoint/2010/main" val="289106694"/>
       </p:ext>
     </p:extLst>
   </p:cSld>
@@ -24292,52 +25540,78 @@
           <a:bodyPr/>
           <a:lstStyle/>
           <a:p>
-            <a:r>
-              <a:rPr lang="de-DE" dirty="0">
-                <a:solidFill>
-                  <a:schemeClr val="accent1">
-                    <a:lumMod val="75000"/>
-                  </a:schemeClr>
-                </a:solidFill>
-                <a:cs typeface="+mn-cs"/>
-              </a:rPr>
-              <a:t>Benefits</a:t>
-            </a:r>
-          </a:p>
-          <a:p>
-            <a:pPr lvl="2"/>
-            <a:r>
-              <a:rPr lang="en-US" b="0" dirty="0"/>
-              <a:t>DDD isn’t first and foremost about technology. In its most central principles, DDD is about discussion, listening, understanding, discovery, and business value</a:t>
-            </a:r>
-          </a:p>
-          <a:p>
-            <a:pPr lvl="2"/>
-            <a:r>
-              <a:rPr lang="en-US" b="0" dirty="0"/>
-              <a:t>DDD brings domain experts and software developers together</a:t>
-            </a:r>
-          </a:p>
-          <a:p>
-            <a:pPr lvl="2"/>
-            <a:r>
-              <a:rPr lang="en-US" b="0" dirty="0"/>
-              <a:t>DDD addresses the strategic initiatives of the business</a:t>
-            </a:r>
-          </a:p>
-          <a:p>
-            <a:pPr lvl="2"/>
-            <a:r>
-              <a:rPr lang="en-US" b="0" dirty="0"/>
-              <a:t>DDD meets the real technical demands of the software by using tactical design modeling tools</a:t>
-            </a:r>
-          </a:p>
-          <a:p>
-            <a:pPr lvl="2"/>
-            <a:r>
-              <a:rPr lang="en-US" b="0" i="1" dirty="0"/>
-              <a:t>the design is the code and the code is the design</a:t>
-            </a:r>
+            <a:pPr lvl="3"/>
+            <a:r>
+              <a:rPr lang="de-DE" dirty="0"/>
+              <a:t>Ist eine deklarative, effiziente und flexible JavaScript Bibliothek zu Erstellen von Benutzeroberflächen</a:t>
+            </a:r>
+          </a:p>
+          <a:p>
+            <a:pPr lvl="3"/>
+            <a:r>
+              <a:rPr lang="de-DE" dirty="0" err="1"/>
+              <a:t>React</a:t>
+            </a:r>
+            <a:r>
+              <a:rPr lang="de-DE" dirty="0"/>
+              <a:t> rendert und </a:t>
+            </a:r>
+            <a:r>
+              <a:rPr lang="de-DE" dirty="0" err="1"/>
+              <a:t>updated</a:t>
+            </a:r>
+            <a:r>
+              <a:rPr lang="de-DE" dirty="0"/>
+              <a:t> nur die Komponenten die von der Datenänderung betroffen sind</a:t>
+            </a:r>
+          </a:p>
+          <a:p>
+            <a:pPr lvl="3"/>
+            <a:r>
+              <a:rPr lang="de-DE" dirty="0"/>
+              <a:t>Jedes </a:t>
+            </a:r>
+            <a:r>
+              <a:rPr lang="de-DE" dirty="0" err="1"/>
+              <a:t>React</a:t>
+            </a:r>
+            <a:r>
+              <a:rPr lang="de-DE" dirty="0"/>
+              <a:t> Element ist ein JavaScript </a:t>
+            </a:r>
+            <a:r>
+              <a:rPr lang="de-DE" dirty="0" err="1"/>
+              <a:t>Object</a:t>
+            </a:r>
+            <a:endParaRPr lang="de-DE" dirty="0"/>
+          </a:p>
+          <a:p>
+            <a:pPr lvl="3"/>
+            <a:r>
+              <a:rPr lang="de-DE" dirty="0"/>
+              <a:t>Jede Komponente ist gekapselt -&gt; arbeitet unabhängig -&gt; erlaubt komplexe UI mit einfachen Komponenten</a:t>
+            </a:r>
+          </a:p>
+          <a:p>
+            <a:pPr lvl="3"/>
+            <a:r>
+              <a:rPr lang="de-DE" dirty="0"/>
+              <a:t>Frontendcode leichter verständlich + besser wartbar</a:t>
+            </a:r>
+          </a:p>
+          <a:p>
+            <a:pPr marL="0" lvl="2" indent="0">
+              <a:buNone/>
+            </a:pPr>
+            <a:endParaRPr lang="de-DE" dirty="0">
+              <a:solidFill>
+                <a:schemeClr val="accent1">
+                  <a:lumMod val="75000"/>
+                </a:schemeClr>
+              </a:solidFill>
+            </a:endParaRPr>
+          </a:p>
+          <a:p>
             <a:endParaRPr lang="de-DE" dirty="0"/>
           </a:p>
         </p:txBody>
@@ -24355,7 +25629,7 @@
         <p:spPr>
           <a:xfrm>
             <a:off x="250825" y="411087"/>
-            <a:ext cx="2478912" cy="431614"/>
+            <a:ext cx="1156434" cy="431614"/>
           </a:xfrm>
         </p:spPr>
         <p:txBody>
@@ -24363,22 +25637,13 @@
           <a:lstStyle/>
           <a:p>
             <a:r>
+              <a:rPr lang="de-DE" dirty="0" err="1"/>
+              <a:t>React</a:t>
+            </a:r>
+            <a:r>
               <a:rPr lang="de-DE" dirty="0"/>
-              <a:t>Domain </a:t>
-            </a:r>
-            <a:r>
-              <a:rPr lang="de-DE" dirty="0" err="1"/>
-              <a:t>Driven</a:t>
-            </a:r>
-            <a:r>
-              <a:rPr lang="de-DE" dirty="0"/>
-              <a:t> </a:t>
-            </a:r>
-            <a:r>
-              <a:rPr lang="de-DE" dirty="0" err="1"/>
-              <a:t>Desing</a:t>
-            </a:r>
-            <a:endParaRPr lang="de-DE" dirty="0"/>
+              <a:t> JS</a:t>
+            </a:r>
           </a:p>
         </p:txBody>
       </p:sp>
@@ -24392,8 +25657,8 @@
         </p:nvSpPr>
         <p:spPr bwMode="auto">
           <a:xfrm>
-            <a:off x="2843808" y="425627"/>
-            <a:ext cx="2588301" cy="417074"/>
+            <a:off x="1475656" y="411087"/>
+            <a:ext cx="4061460" cy="417074"/>
           </a:xfrm>
           <a:prstGeom prst="rect">
             <a:avLst/>
@@ -24447,7 +25712,7 @@
           <a:p>
             <a:r>
               <a:rPr lang="de-DE" dirty="0"/>
-              <a:t>Was haben wir gelernt?</a:t>
+              <a:t>Was haben wir in der Theorie gelernt? </a:t>
             </a:r>
           </a:p>
         </p:txBody>
@@ -24494,7 +25759,7 @@
     </p:spTree>
     <p:extLst>
       <p:ext uri="{BB962C8B-B14F-4D97-AF65-F5344CB8AC3E}">
-        <p14:creationId xmlns:p14="http://schemas.microsoft.com/office/powerpoint/2010/main" val="135947717"/>
+        <p14:creationId xmlns:p14="http://schemas.microsoft.com/office/powerpoint/2010/main" val="705023643"/>
       </p:ext>
     </p:extLst>
   </p:cSld>
@@ -24523,19 +25788,7 @@
       </p:grpSpPr>
       <p:sp>
         <p:nvSpPr>
-          <p:cNvPr id="2" name="Bildplatzhalter 1"/>
-          <p:cNvSpPr>
-            <a:spLocks noGrp="1"/>
-          </p:cNvSpPr>
-          <p:nvPr>
-            <p:ph type="pic" sz="quarter" idx="17"/>
-          </p:nvPr>
-        </p:nvSpPr>
-        <p:spPr/>
-      </p:sp>
-      <p:sp>
-        <p:nvSpPr>
-          <p:cNvPr id="3" name="Inhaltsplatzhalter 2"/>
+          <p:cNvPr id="5" name="Textplatzhalter 4"/>
           <p:cNvSpPr>
             <a:spLocks noGrp="1"/>
           </p:cNvSpPr>
@@ -24548,22 +25801,230 @@
           <a:bodyPr/>
           <a:lstStyle/>
           <a:p>
-            <a:r>
-              <a:rPr lang="de-DE" dirty="0" err="1"/>
-              <a:t>Ubiquitous</a:t>
-            </a:r>
-            <a:r>
-              <a:rPr lang="de-DE" dirty="0"/>
-              <a:t> Language</a:t>
-            </a:r>
-          </a:p>
-          <a:p>
-            <a:pPr lvl="1"/>
+            <a:pPr lvl="3">
+              <a:lnSpc>
+                <a:spcPct val="150000"/>
+              </a:lnSpc>
+            </a:pPr>
+            <a:r>
+              <a:rPr lang="en-US" i="1" dirty="0" err="1"/>
+              <a:t>Bibliothek</a:t>
+            </a:r>
             <a:r>
               <a:rPr lang="en-US" i="1" dirty="0"/>
-              <a:t>The Ubiquitous Language is a shared language developed by the team—a team composed of both domain experts and software developers.</a:t>
-            </a:r>
+              <a:t> – </a:t>
+            </a:r>
+            <a:r>
+              <a:rPr lang="en-US" i="1" dirty="0" err="1"/>
+              <a:t>kein</a:t>
+            </a:r>
+            <a:r>
+              <a:rPr lang="en-US" i="1" dirty="0"/>
+              <a:t> Framework</a:t>
+            </a:r>
+          </a:p>
+          <a:p>
+            <a:pPr lvl="3">
+              <a:lnSpc>
+                <a:spcPct val="150000"/>
+              </a:lnSpc>
+            </a:pPr>
+            <a:r>
+              <a:rPr lang="en-US" i="1" dirty="0" err="1"/>
+              <a:t>Benutzoberflächen</a:t>
+            </a:r>
+            <a:r>
+              <a:rPr lang="en-US" i="1" dirty="0"/>
+              <a:t> </a:t>
+            </a:r>
+            <a:r>
+              <a:rPr lang="en-US" i="1" dirty="0" err="1"/>
+              <a:t>erstellen</a:t>
+            </a:r>
+            <a:endParaRPr lang="en-US" i="1" dirty="0"/>
+          </a:p>
+          <a:p>
+            <a:pPr lvl="3">
+              <a:lnSpc>
+                <a:spcPct val="150000"/>
+              </a:lnSpc>
+            </a:pPr>
+            <a:r>
+              <a:rPr lang="en-US" i="1" dirty="0"/>
+              <a:t>Virtual DOM</a:t>
+            </a:r>
+          </a:p>
+          <a:p>
+            <a:pPr lvl="3">
+              <a:lnSpc>
+                <a:spcPct val="150000"/>
+              </a:lnSpc>
+            </a:pPr>
+            <a:r>
+              <a:rPr lang="en-US" i="1" dirty="0" err="1"/>
+              <a:t>Kann</a:t>
+            </a:r>
+            <a:r>
+              <a:rPr lang="en-US" i="1" dirty="0"/>
+              <a:t> JSX </a:t>
+            </a:r>
+            <a:r>
+              <a:rPr lang="en-US" i="1" dirty="0" err="1"/>
+              <a:t>verwenden</a:t>
+            </a:r>
+            <a:endParaRPr lang="en-US" i="1" dirty="0"/>
+          </a:p>
+          <a:p>
+            <a:pPr lvl="3">
+              <a:lnSpc>
+                <a:spcPct val="150000"/>
+              </a:lnSpc>
+            </a:pPr>
+            <a:r>
+              <a:rPr lang="en-US" i="1" dirty="0" err="1"/>
+              <a:t>Einfacher</a:t>
+            </a:r>
+            <a:r>
+              <a:rPr lang="en-US" i="1" dirty="0"/>
+              <a:t> Code</a:t>
+            </a:r>
+          </a:p>
+          <a:p>
+            <a:pPr lvl="3">
+              <a:lnSpc>
+                <a:spcPct val="150000"/>
+              </a:lnSpc>
+            </a:pPr>
+            <a:r>
+              <a:rPr lang="en-US" i="1" dirty="0" err="1"/>
+              <a:t>Weit</a:t>
+            </a:r>
+            <a:r>
+              <a:rPr lang="en-US" i="1" dirty="0"/>
+              <a:t> </a:t>
+            </a:r>
+            <a:r>
+              <a:rPr lang="en-US" i="1" dirty="0" err="1"/>
+              <a:t>verbreitet</a:t>
+            </a:r>
+            <a:endParaRPr lang="en-US" i="1" dirty="0"/>
+          </a:p>
+          <a:p>
+            <a:pPr marL="285750" lvl="1" indent="-285750">
+              <a:buFont typeface="Arial" panose="020B0604020202020204" pitchFamily="34" charset="0"/>
+              <a:buChar char="•"/>
+            </a:pPr>
             <a:endParaRPr lang="de-DE" dirty="0"/>
+          </a:p>
+        </p:txBody>
+      </p:sp>
+      <p:sp>
+        <p:nvSpPr>
+          <p:cNvPr id="6" name="Inhaltsplatzhalter 5"/>
+          <p:cNvSpPr>
+            <a:spLocks noGrp="1"/>
+          </p:cNvSpPr>
+          <p:nvPr>
+            <p:ph idx="14"/>
+          </p:nvPr>
+        </p:nvSpPr>
+        <p:spPr>
+          <a:xfrm>
+            <a:off x="4716016" y="1131570"/>
+            <a:ext cx="4176464" cy="3600450"/>
+          </a:xfrm>
+        </p:spPr>
+        <p:txBody>
+          <a:bodyPr/>
+          <a:lstStyle/>
+          <a:p>
+            <a:pPr marL="215900" lvl="3" indent="0">
+              <a:buNone/>
+            </a:pPr>
+            <a:r>
+              <a:rPr lang="en-US" i="1" dirty="0"/>
+              <a:t>Class Test extends </a:t>
+            </a:r>
+            <a:r>
+              <a:rPr lang="en-US" i="1" dirty="0" err="1"/>
+              <a:t>React.Component</a:t>
+            </a:r>
+            <a:r>
+              <a:rPr lang="en-US" i="1" dirty="0"/>
+              <a:t> {</a:t>
+            </a:r>
+          </a:p>
+          <a:p>
+            <a:pPr marL="215900" lvl="3" indent="0">
+              <a:buNone/>
+            </a:pPr>
+            <a:r>
+              <a:rPr lang="en-US" i="1" dirty="0"/>
+              <a:t>    render() {</a:t>
+            </a:r>
+          </a:p>
+          <a:p>
+            <a:pPr marL="215900" lvl="3" indent="0">
+              <a:buNone/>
+            </a:pPr>
+            <a:r>
+              <a:rPr lang="en-US" i="1" dirty="0"/>
+              <a:t>        return (</a:t>
+            </a:r>
+          </a:p>
+          <a:p>
+            <a:pPr marL="215900" lvl="3" indent="0">
+              <a:buNone/>
+            </a:pPr>
+            <a:r>
+              <a:rPr lang="en-US" i="1" dirty="0"/>
+              <a:t>            &lt;h1 id=“test”&gt;</a:t>
+            </a:r>
+          </a:p>
+          <a:p>
+            <a:pPr marL="215900" lvl="3" indent="0">
+              <a:buNone/>
+            </a:pPr>
+            <a:r>
+              <a:rPr lang="en-US" i="1" dirty="0"/>
+              <a:t>                Hallo Welt</a:t>
+            </a:r>
+          </a:p>
+          <a:p>
+            <a:pPr marL="215900" lvl="3" indent="0">
+              <a:buNone/>
+            </a:pPr>
+            <a:r>
+              <a:rPr lang="en-US" i="1" dirty="0"/>
+              <a:t>            &lt;/h1&gt;</a:t>
+            </a:r>
+          </a:p>
+          <a:p>
+            <a:pPr marL="215900" lvl="3" indent="0">
+              <a:buNone/>
+            </a:pPr>
+            <a:r>
+              <a:rPr lang="en-US" i="1" dirty="0"/>
+              <a:t>        );</a:t>
+            </a:r>
+          </a:p>
+          <a:p>
+            <a:pPr marL="215900" lvl="3" indent="0">
+              <a:buNone/>
+            </a:pPr>
+            <a:r>
+              <a:rPr lang="en-US" i="1" dirty="0"/>
+              <a:t>    }</a:t>
+            </a:r>
+          </a:p>
+          <a:p>
+            <a:pPr marL="215900" lvl="3" indent="0">
+              <a:buNone/>
+            </a:pPr>
+            <a:r>
+              <a:rPr lang="en-US" i="1" dirty="0"/>
+              <a:t>}</a:t>
+            </a:r>
           </a:p>
         </p:txBody>
       </p:sp>
@@ -24580,7 +26041,7 @@
         <p:spPr>
           <a:xfrm>
             <a:off x="250825" y="411087"/>
-            <a:ext cx="1017743" cy="431614"/>
+            <a:ext cx="848658" cy="431614"/>
           </a:xfrm>
         </p:spPr>
         <p:txBody>
@@ -24588,40 +26049,17 @@
           <a:lstStyle/>
           <a:p>
             <a:r>
-              <a:rPr lang="de-DE" dirty="0"/>
-              <a:t>Termini</a:t>
-            </a:r>
-          </a:p>
-        </p:txBody>
-      </p:sp>
-      <p:pic>
-        <p:nvPicPr>
-          <p:cNvPr id="5" name="Grafik 4"/>
-          <p:cNvPicPr>
-            <a:picLocks noChangeAspect="1"/>
-          </p:cNvPicPr>
-          <p:nvPr/>
-        </p:nvPicPr>
-        <p:blipFill>
-          <a:blip r:embed="rId2"/>
-          <a:stretch>
-            <a:fillRect/>
-          </a:stretch>
-        </p:blipFill>
-        <p:spPr>
-          <a:xfrm>
-            <a:off x="953075" y="2355726"/>
-            <a:ext cx="4357489" cy="2326921"/>
-          </a:xfrm>
-          <a:prstGeom prst="rect">
-            <a:avLst/>
-          </a:prstGeom>
-        </p:spPr>
-      </p:pic>
+              <a:rPr lang="de-DE" dirty="0" err="1"/>
+              <a:t>React</a:t>
+            </a:r>
+            <a:endParaRPr lang="de-DE" dirty="0"/>
+          </a:p>
+        </p:txBody>
+      </p:sp>
     </p:spTree>
     <p:extLst>
       <p:ext uri="{BB962C8B-B14F-4D97-AF65-F5344CB8AC3E}">
-        <p14:creationId xmlns:p14="http://schemas.microsoft.com/office/powerpoint/2010/main" val="1916531576"/>
+        <p14:creationId xmlns:p14="http://schemas.microsoft.com/office/powerpoint/2010/main" val="3138605269"/>
       </p:ext>
     </p:extLst>
   </p:cSld>
@@ -26519,6 +27957,49 @@
 </a:theme>
 </file>
 
+<file path=ppt/theme/themeOverride1.xml><?xml version="1.0" encoding="utf-8"?>
+<a:themeOverride xmlns:a="http://schemas.openxmlformats.org/drawingml/2006/main">
+  <a:clrScheme name="InMediasP">
+    <a:dk1>
+      <a:srgbClr val="003882"/>
+    </a:dk1>
+    <a:lt1>
+      <a:srgbClr val="FFFFFF"/>
+    </a:lt1>
+    <a:dk2>
+      <a:srgbClr val="1EA6A5"/>
+    </a:dk2>
+    <a:lt2>
+      <a:srgbClr val="1F6CB5"/>
+    </a:lt2>
+    <a:accent1>
+      <a:srgbClr val="5BAC26"/>
+    </a:accent1>
+    <a:accent2>
+      <a:srgbClr val="EFD61F"/>
+    </a:accent2>
+    <a:accent3>
+      <a:srgbClr val="E9AB00"/>
+    </a:accent3>
+    <a:accent4>
+      <a:srgbClr val="DF3A1E"/>
+    </a:accent4>
+    <a:accent5>
+      <a:srgbClr val="6C56AC"/>
+    </a:accent5>
+    <a:accent6>
+      <a:srgbClr val="0095D8"/>
+    </a:accent6>
+    <a:hlink>
+      <a:srgbClr val="0000FF"/>
+    </a:hlink>
+    <a:folHlink>
+      <a:srgbClr val="800080"/>
+    </a:folHlink>
+  </a:clrScheme>
+</a:themeOverride>
+</file>
+
 <file path=customXml/item1.xml><?xml version="1.0" encoding="utf-8"?>
 <p:properties xmlns:p="http://schemas.microsoft.com/office/2006/metadata/properties" xmlns:xsi="http://www.w3.org/2001/XMLSchema-instance">
   <documentManagement/>

--- a/Folien/3T_2017_React und DDD.pptx
+++ b/Folien/3T_2017_React und DDD.pptx
@@ -8,31 +8,27 @@
     <p:sldMasterId id="2147486033" r:id="rId7"/>
   </p:sldMasterIdLst>
   <p:notesMasterIdLst>
-    <p:notesMasterId r:id="rId27"/>
+    <p:notesMasterId r:id="rId23"/>
   </p:notesMasterIdLst>
   <p:handoutMasterIdLst>
-    <p:handoutMasterId r:id="rId28"/>
+    <p:handoutMasterId r:id="rId24"/>
   </p:handoutMasterIdLst>
   <p:sldIdLst>
-    <p:sldId id="334" r:id="rId8"/>
-    <p:sldId id="345" r:id="rId9"/>
-    <p:sldId id="361" r:id="rId10"/>
-    <p:sldId id="348" r:id="rId11"/>
-    <p:sldId id="362" r:id="rId12"/>
-    <p:sldId id="368" r:id="rId13"/>
-    <p:sldId id="369" r:id="rId14"/>
-    <p:sldId id="370" r:id="rId15"/>
-    <p:sldId id="371" r:id="rId16"/>
-    <p:sldId id="372" r:id="rId17"/>
-    <p:sldId id="373" r:id="rId18"/>
-    <p:sldId id="352" r:id="rId19"/>
-    <p:sldId id="364" r:id="rId20"/>
-    <p:sldId id="363" r:id="rId21"/>
-    <p:sldId id="365" r:id="rId22"/>
-    <p:sldId id="367" r:id="rId23"/>
-    <p:sldId id="351" r:id="rId24"/>
-    <p:sldId id="374" r:id="rId25"/>
-    <p:sldId id="335" r:id="rId26"/>
+    <p:sldId id="345" r:id="rId8"/>
+    <p:sldId id="361" r:id="rId9"/>
+    <p:sldId id="362" r:id="rId10"/>
+    <p:sldId id="368" r:id="rId11"/>
+    <p:sldId id="369" r:id="rId12"/>
+    <p:sldId id="371" r:id="rId13"/>
+    <p:sldId id="372" r:id="rId14"/>
+    <p:sldId id="352" r:id="rId15"/>
+    <p:sldId id="364" r:id="rId16"/>
+    <p:sldId id="363" r:id="rId17"/>
+    <p:sldId id="365" r:id="rId18"/>
+    <p:sldId id="367" r:id="rId19"/>
+    <p:sldId id="351" r:id="rId20"/>
+    <p:sldId id="374" r:id="rId21"/>
+    <p:sldId id="335" r:id="rId22"/>
   </p:sldIdLst>
   <p:sldSz cx="9144000" cy="5143500" type="screen16x9"/>
   <p:notesSz cx="6883400" cy="9906000"/>
@@ -817,7 +813,7 @@
       </p:grpSpPr>
       <p:sp>
         <p:nvSpPr>
-          <p:cNvPr id="96258" name="Folienbildplatzhalter 1"/>
+          <p:cNvPr id="99330" name="Folienbildplatzhalter 1"/>
           <p:cNvSpPr>
             <a:spLocks noGrp="1" noRot="1" noChangeAspect="1" noTextEdit="1"/>
           </p:cNvSpPr>
@@ -839,7 +835,7 @@
       </p:sp>
       <p:sp>
         <p:nvSpPr>
-          <p:cNvPr id="96259" name="Notizenplatzhalter 2"/>
+          <p:cNvPr id="99331" name="Notizenplatzhalter 2"/>
           <p:cNvSpPr>
             <a:spLocks noGrp="1"/>
           </p:cNvSpPr>
@@ -862,7 +858,7 @@
       </p:sp>
       <p:sp>
         <p:nvSpPr>
-          <p:cNvPr id="96260" name="Foliennummernplatzhalter 3"/>
+          <p:cNvPr id="99332" name="Foliennummernplatzhalter 3"/>
           <p:cNvSpPr>
             <a:spLocks noGrp="1"/>
           </p:cNvSpPr>
@@ -882,7 +878,7 @@
           <a:bodyPr/>
           <a:lstStyle/>
           <a:p>
-            <a:fld id="{E138A658-E782-4271-A8F3-F31E0F303D7B}" type="slidenum">
+            <a:fld id="{D92F6006-C082-441F-BA35-1F7CC4288A98}" type="slidenum">
               <a:rPr lang="de-DE" smtClean="0">
                 <a:cs typeface="Arial" charset="0"/>
               </a:rPr>
@@ -922,7 +918,7 @@
       </p:grpSpPr>
       <p:sp>
         <p:nvSpPr>
-          <p:cNvPr id="99330" name="Folienbildplatzhalter 1"/>
+          <p:cNvPr id="100354" name="Folienbildplatzhalter 1"/>
           <p:cNvSpPr>
             <a:spLocks noGrp="1" noRot="1" noChangeAspect="1" noTextEdit="1"/>
           </p:cNvSpPr>
@@ -944,7 +940,7 @@
       </p:sp>
       <p:sp>
         <p:nvSpPr>
-          <p:cNvPr id="99331" name="Notizenplatzhalter 2"/>
+          <p:cNvPr id="100355" name="Notizenplatzhalter 2"/>
           <p:cNvSpPr>
             <a:spLocks noGrp="1"/>
           </p:cNvSpPr>
@@ -967,7 +963,7 @@
       </p:sp>
       <p:sp>
         <p:nvSpPr>
-          <p:cNvPr id="99332" name="Foliennummernplatzhalter 3"/>
+          <p:cNvPr id="100356" name="Foliennummernplatzhalter 3"/>
           <p:cNvSpPr>
             <a:spLocks noGrp="1"/>
           </p:cNvSpPr>
@@ -987,117 +983,12 @@
           <a:bodyPr/>
           <a:lstStyle/>
           <a:p>
-            <a:fld id="{D92F6006-C082-441F-BA35-1F7CC4288A98}" type="slidenum">
-              <a:rPr lang="de-DE" smtClean="0">
-                <a:cs typeface="Arial" charset="0"/>
-              </a:rPr>
-              <a:pPr/>
-              <a:t>2</a:t>
-            </a:fld>
-            <a:endParaRPr lang="de-DE">
-              <a:cs typeface="Arial" charset="0"/>
-            </a:endParaRPr>
-          </a:p>
-        </p:txBody>
-      </p:sp>
-    </p:spTree>
-  </p:cSld>
-  <p:clrMapOvr>
-    <a:masterClrMapping/>
-  </p:clrMapOvr>
-</p:notes>
-</file>
-
-<file path=ppt/notesSlides/notesSlide3.xml><?xml version="1.0" encoding="utf-8"?>
-<p:notes xmlns:a="http://schemas.openxmlformats.org/drawingml/2006/main" xmlns:r="http://schemas.openxmlformats.org/officeDocument/2006/relationships" xmlns:p="http://schemas.openxmlformats.org/presentationml/2006/main">
-  <p:cSld>
-    <p:spTree>
-      <p:nvGrpSpPr>
-        <p:cNvPr id="1" name=""/>
-        <p:cNvGrpSpPr/>
-        <p:nvPr/>
-      </p:nvGrpSpPr>
-      <p:grpSpPr>
-        <a:xfrm>
-          <a:off x="0" y="0"/>
-          <a:ext cx="0" cy="0"/>
-          <a:chOff x="0" y="0"/>
-          <a:chExt cx="0" cy="0"/>
-        </a:xfrm>
-      </p:grpSpPr>
-      <p:sp>
-        <p:nvSpPr>
-          <p:cNvPr id="100354" name="Folienbildplatzhalter 1"/>
-          <p:cNvSpPr>
-            <a:spLocks noGrp="1" noRot="1" noChangeAspect="1" noTextEdit="1"/>
-          </p:cNvSpPr>
-          <p:nvPr>
-            <p:ph type="sldImg"/>
-          </p:nvPr>
-        </p:nvSpPr>
-        <p:spPr bwMode="auto">
-          <a:noFill/>
-          <a:ln>
-            <a:solidFill>
-              <a:srgbClr val="000000"/>
-            </a:solidFill>
-            <a:miter lim="800000"/>
-            <a:headEnd/>
-            <a:tailEnd/>
-          </a:ln>
-        </p:spPr>
-      </p:sp>
-      <p:sp>
-        <p:nvSpPr>
-          <p:cNvPr id="100355" name="Notizenplatzhalter 2"/>
-          <p:cNvSpPr>
-            <a:spLocks noGrp="1"/>
-          </p:cNvSpPr>
-          <p:nvPr>
-            <p:ph type="body" idx="1"/>
-          </p:nvPr>
-        </p:nvSpPr>
-        <p:spPr bwMode="auto">
-          <a:noFill/>
-        </p:spPr>
-        <p:txBody>
-          <a:bodyPr/>
-          <a:lstStyle/>
-          <a:p>
-            <a:endParaRPr lang="en-US">
-              <a:ea typeface="ＭＳ Ｐゴシック" pitchFamily="34" charset="-128"/>
-            </a:endParaRPr>
-          </a:p>
-        </p:txBody>
-      </p:sp>
-      <p:sp>
-        <p:nvSpPr>
-          <p:cNvPr id="100356" name="Foliennummernplatzhalter 3"/>
-          <p:cNvSpPr>
-            <a:spLocks noGrp="1"/>
-          </p:cNvSpPr>
-          <p:nvPr>
-            <p:ph type="sldNum" sz="quarter" idx="5"/>
-          </p:nvPr>
-        </p:nvSpPr>
-        <p:spPr bwMode="auto">
-          <a:noFill/>
-          <a:ln>
-            <a:miter lim="800000"/>
-            <a:headEnd/>
-            <a:tailEnd/>
-          </a:ln>
-        </p:spPr>
-        <p:txBody>
-          <a:bodyPr/>
-          <a:lstStyle/>
-          <a:p>
             <a:fld id="{E8169783-4A6D-42D8-A612-0BEEC20217DE}" type="slidenum">
               <a:rPr lang="de-DE" smtClean="0">
                 <a:cs typeface="Arial" charset="0"/>
               </a:rPr>
               <a:pPr/>
-              <a:t>19</a:t>
+              <a:t>15</a:t>
             </a:fld>
             <a:endParaRPr lang="de-DE">
               <a:cs typeface="Arial" charset="0"/>
@@ -15432,7 +15323,7 @@
             <a:pPr algn="ctr">
               <a:defRPr/>
             </a:pPr>
-            <a:endParaRPr lang="de-DE">
+            <a:endParaRPr lang="de-DE" dirty="0">
               <a:solidFill>
                 <a:srgbClr val="CACFE5"/>
               </a:solidFill>
@@ -16123,9 +16014,33 @@
                   <a:srgbClr val="0095D8"/>
                 </a:solidFill>
               </a:rPr>
-              <a:t>Gestensteuerung mit dem Wii Balance Board</a:t>
-            </a:r>
-            <a:endParaRPr lang="de-DE" dirty="0">
+              <a:t>Domain </a:t>
+            </a:r>
+            <a:r>
+              <a:rPr lang="de-DE" baseline="0" dirty="0" err="1">
+                <a:solidFill>
+                  <a:srgbClr val="0095D8"/>
+                </a:solidFill>
+              </a:rPr>
+              <a:t>Driven</a:t>
+            </a:r>
+            <a:r>
+              <a:rPr lang="de-DE" baseline="0" dirty="0">
+                <a:solidFill>
+                  <a:srgbClr val="0095D8"/>
+                </a:solidFill>
+              </a:rPr>
+              <a:t> Design und </a:t>
+            </a:r>
+            <a:r>
+              <a:rPr lang="de-DE" baseline="0" dirty="0" err="1">
+                <a:solidFill>
+                  <a:srgbClr val="0095D8"/>
+                </a:solidFill>
+              </a:rPr>
+              <a:t>ReactJS</a:t>
+            </a:r>
+            <a:endParaRPr lang="de-DE" baseline="0" dirty="0">
               <a:solidFill>
                 <a:srgbClr val="0095D8"/>
               </a:solidFill>
@@ -17917,7 +17832,31 @@
                   <a:schemeClr val="bg1"/>
                 </a:solidFill>
               </a:rPr>
-              <a:t>Gestensteuerung mit dem Wii Balance Board</a:t>
+              <a:t>Domain </a:t>
+            </a:r>
+            <a:r>
+              <a:rPr lang="de-DE" baseline="0" dirty="0" err="1">
+                <a:solidFill>
+                  <a:schemeClr val="bg1"/>
+                </a:solidFill>
+              </a:rPr>
+              <a:t>Driven</a:t>
+            </a:r>
+            <a:r>
+              <a:rPr lang="de-DE" baseline="0" dirty="0">
+                <a:solidFill>
+                  <a:schemeClr val="bg1"/>
+                </a:solidFill>
+              </a:rPr>
+              <a:t> Design und </a:t>
+            </a:r>
+            <a:r>
+              <a:rPr lang="de-DE" baseline="0" dirty="0" err="1">
+                <a:solidFill>
+                  <a:schemeClr val="bg1"/>
+                </a:solidFill>
+              </a:rPr>
+              <a:t>ReactJS</a:t>
             </a:r>
             <a:endParaRPr lang="de-DE" dirty="0">
               <a:solidFill>
@@ -19062,7 +19001,7 @@
       </p:grpSpPr>
       <p:sp>
         <p:nvSpPr>
-          <p:cNvPr id="16388" name="Textfeld 6"/>
+          <p:cNvPr id="19460" name="Textfeld 6"/>
           <p:cNvSpPr txBox="1">
             <a:spLocks noChangeArrowheads="1"/>
           </p:cNvSpPr>
@@ -19070,8 +19009,8 @@
         </p:nvSpPr>
         <p:spPr bwMode="auto">
           <a:xfrm>
-            <a:off x="3492500" y="1763713"/>
-            <a:ext cx="4751388" cy="1731962"/>
+            <a:off x="3492500" y="1813058"/>
+            <a:ext cx="5399980" cy="1569660"/>
           </a:xfrm>
           <a:prstGeom prst="rect">
             <a:avLst/>
@@ -19085,40 +19024,121 @@
           </a:ln>
         </p:spPr>
         <p:txBody>
-          <a:bodyPr lIns="0" tIns="0" rIns="0" bIns="0">
-            <a:spAutoFit/>
+          <a:bodyPr lIns="0" tIns="0" rIns="0" bIns="0" anchor="t">
+            <a:noAutofit/>
           </a:bodyPr>
           <a:lstStyle/>
           <a:p>
             <a:r>
-              <a:rPr lang="de-DE" sz="5400" dirty="0">
+              <a:rPr lang="de-DE" sz="3500" dirty="0" err="1">
                 <a:solidFill>
                   <a:srgbClr val="002754"/>
                 </a:solidFill>
               </a:rPr>
-              <a:t>Engineering</a:t>
-            </a:r>
-          </a:p>
-          <a:p>
-            <a:pPr>
-              <a:lnSpc>
-                <a:spcPct val="120000"/>
-              </a:lnSpc>
-            </a:pPr>
-            <a:r>
-              <a:rPr lang="de-DE" sz="5400" dirty="0">
+              <a:t>React</a:t>
+            </a:r>
+            <a:r>
+              <a:rPr lang="de-DE" sz="3500" dirty="0">
                 <a:solidFill>
                   <a:srgbClr val="002754"/>
                 </a:solidFill>
               </a:rPr>
-              <a:t>Performance</a:t>
+              <a:t> &amp; </a:t>
+            </a:r>
+            <a:br>
+              <a:rPr lang="de-DE" sz="3500" dirty="0">
+                <a:solidFill>
+                  <a:srgbClr val="002754"/>
+                </a:solidFill>
+              </a:rPr>
+            </a:br>
+            <a:r>
+              <a:rPr lang="de-DE" sz="3500" dirty="0">
+                <a:solidFill>
+                  <a:srgbClr val="002754"/>
+                </a:solidFill>
+              </a:rPr>
+              <a:t>DDD</a:t>
+            </a:r>
+          </a:p>
+        </p:txBody>
+      </p:sp>
+      <p:sp>
+        <p:nvSpPr>
+          <p:cNvPr id="19461" name="Textfeld 6"/>
+          <p:cNvSpPr txBox="1">
+            <a:spLocks noChangeArrowheads="1"/>
+          </p:cNvSpPr>
+          <p:nvPr/>
+        </p:nvSpPr>
+        <p:spPr bwMode="auto">
+          <a:xfrm>
+            <a:off x="3492500" y="4587875"/>
+            <a:ext cx="4751388" cy="215444"/>
+          </a:xfrm>
+          <a:prstGeom prst="rect">
+            <a:avLst/>
+          </a:prstGeom>
+          <a:noFill/>
+          <a:ln w="9525">
+            <a:noFill/>
+            <a:miter lim="800000"/>
+            <a:headEnd/>
+            <a:tailEnd/>
+          </a:ln>
+        </p:spPr>
+        <p:txBody>
+          <a:bodyPr lIns="0" tIns="0" rIns="0" bIns="0">
+            <a:spAutoFit/>
+          </a:bodyPr>
+          <a:lstStyle/>
+          <a:p>
+            <a:r>
+              <a:rPr lang="de-DE" sz="1400" dirty="0">
+                <a:solidFill>
+                  <a:srgbClr val="002754"/>
+                </a:solidFill>
+              </a:rPr>
+              <a:t>31.03.2017 Christin </a:t>
+            </a:r>
+            <a:r>
+              <a:rPr lang="de-DE" sz="1400" dirty="0" err="1">
+                <a:solidFill>
+                  <a:srgbClr val="002754"/>
+                </a:solidFill>
+              </a:rPr>
+              <a:t>Scheewe</a:t>
+            </a:r>
+            <a:r>
+              <a:rPr lang="de-DE" sz="1400" dirty="0">
+                <a:solidFill>
+                  <a:srgbClr val="002754"/>
+                </a:solidFill>
+              </a:rPr>
+              <a:t>, Ferris </a:t>
+            </a:r>
+            <a:r>
+              <a:rPr lang="de-DE" sz="1400" dirty="0" err="1">
+                <a:solidFill>
+                  <a:srgbClr val="002754"/>
+                </a:solidFill>
+              </a:rPr>
+              <a:t>Burock</a:t>
+            </a:r>
+            <a:r>
+              <a:rPr lang="de-DE" sz="1400" dirty="0">
+                <a:solidFill>
+                  <a:srgbClr val="002754"/>
+                </a:solidFill>
+              </a:rPr>
+              <a:t>, Thomas Hein</a:t>
             </a:r>
           </a:p>
         </p:txBody>
       </p:sp>
       <p:pic>
         <p:nvPicPr>
-          <p:cNvPr id="4" name="Grafik 3" descr="Bild1.emf"/>
+          <p:cNvPr id="6" name="Grafik 5" descr="Bild1.emf"/>
           <p:cNvPicPr>
             <a:picLocks noChangeAspect="1"/>
           </p:cNvPicPr>
@@ -19140,6 +19160,63 @@
           </a:prstGeom>
         </p:spPr>
       </p:pic>
+      <p:sp>
+        <p:nvSpPr>
+          <p:cNvPr id="5" name="Rechteck 4"/>
+          <p:cNvSpPr/>
+          <p:nvPr/>
+        </p:nvSpPr>
+        <p:spPr>
+          <a:xfrm>
+            <a:off x="3492500" y="3092898"/>
+            <a:ext cx="3017988" cy="433311"/>
+          </a:xfrm>
+          <a:prstGeom prst="rect">
+            <a:avLst/>
+          </a:prstGeom>
+          <a:solidFill>
+            <a:srgbClr val="0095D8"/>
+          </a:solidFill>
+          <a:ln>
+            <a:noFill/>
+          </a:ln>
+          <a:effectLst/>
+        </p:spPr>
+        <p:style>
+          <a:lnRef idx="1">
+            <a:schemeClr val="accent1"/>
+          </a:lnRef>
+          <a:fillRef idx="3">
+            <a:schemeClr val="accent1"/>
+          </a:fillRef>
+          <a:effectRef idx="2">
+            <a:schemeClr val="accent1"/>
+          </a:effectRef>
+          <a:fontRef idx="minor">
+            <a:schemeClr val="lt1"/>
+          </a:fontRef>
+        </p:style>
+        <p:txBody>
+          <a:bodyPr wrap="none" lIns="72000" tIns="75600" rIns="72000" bIns="79200" anchor="ctr">
+            <a:spAutoFit/>
+          </a:bodyPr>
+          <a:lstStyle/>
+          <a:p>
+            <a:pPr>
+              <a:defRPr/>
+            </a:pPr>
+            <a:r>
+              <a:rPr lang="de-DE" sz="1800" dirty="0">
+                <a:solidFill>
+                  <a:srgbClr val="FFFFFF"/>
+                </a:solidFill>
+                <a:ea typeface="ＭＳ Ｐゴシック" pitchFamily="34" charset="-128"/>
+              </a:rPr>
+              <a:t>Reisebuchung im Jahr 2017</a:t>
+            </a:r>
+          </a:p>
+        </p:txBody>
+      </p:sp>
     </p:spTree>
   </p:cSld>
   <p:clrMapOvr>
@@ -19167,812 +19244,6 @@
       </p:grpSpPr>
       <p:sp>
         <p:nvSpPr>
-          <p:cNvPr id="2" name="Textplatzhalter 1"/>
-          <p:cNvSpPr>
-            <a:spLocks noGrp="1"/>
-          </p:cNvSpPr>
-          <p:nvPr>
-            <p:ph idx="1"/>
-          </p:nvPr>
-        </p:nvSpPr>
-        <p:spPr/>
-        <p:txBody>
-          <a:bodyPr/>
-          <a:lstStyle/>
-          <a:p>
-            <a:pPr lvl="3">
-              <a:lnSpc>
-                <a:spcPct val="150000"/>
-              </a:lnSpc>
-            </a:pPr>
-            <a:r>
-              <a:rPr lang="en-US" i="1" dirty="0" err="1"/>
-              <a:t>Nicht</a:t>
-            </a:r>
-            <a:r>
-              <a:rPr lang="en-US" i="1" dirty="0"/>
-              <a:t> das </a:t>
-            </a:r>
-            <a:r>
-              <a:rPr lang="en-US" i="1" dirty="0" err="1"/>
-              <a:t>schnellste</a:t>
-            </a:r>
-            <a:endParaRPr lang="en-US" i="1" dirty="0"/>
-          </a:p>
-          <a:p>
-            <a:pPr lvl="3">
-              <a:lnSpc>
-                <a:spcPct val="150000"/>
-              </a:lnSpc>
-            </a:pPr>
-            <a:r>
-              <a:rPr lang="en-US" i="1" dirty="0"/>
-              <a:t>Babel </a:t>
-            </a:r>
-            <a:r>
-              <a:rPr lang="en-US" i="1" dirty="0" err="1"/>
-              <a:t>benötigt</a:t>
-            </a:r>
-            <a:endParaRPr lang="en-US" i="1" dirty="0"/>
-          </a:p>
-          <a:p>
-            <a:pPr lvl="3">
-              <a:lnSpc>
-                <a:spcPct val="150000"/>
-              </a:lnSpc>
-            </a:pPr>
-            <a:r>
-              <a:rPr lang="en-US" i="1" dirty="0" err="1"/>
-              <a:t>ReactDOM</a:t>
-            </a:r>
-            <a:r>
-              <a:rPr lang="en-US" i="1" dirty="0"/>
-              <a:t> </a:t>
-            </a:r>
-            <a:r>
-              <a:rPr lang="en-US" i="1" dirty="0" err="1"/>
-              <a:t>benötigt</a:t>
-            </a:r>
-            <a:endParaRPr lang="en-US" i="1" dirty="0"/>
-          </a:p>
-          <a:p>
-            <a:pPr lvl="3">
-              <a:lnSpc>
-                <a:spcPct val="150000"/>
-              </a:lnSpc>
-            </a:pPr>
-            <a:r>
-              <a:rPr lang="en-US" i="1" dirty="0"/>
-              <a:t>Klassen </a:t>
-            </a:r>
-            <a:r>
-              <a:rPr lang="en-US" i="1" dirty="0" err="1"/>
-              <a:t>groß</a:t>
-            </a:r>
-            <a:r>
-              <a:rPr lang="en-US" i="1" dirty="0"/>
-              <a:t> </a:t>
-            </a:r>
-            <a:r>
-              <a:rPr lang="en-US" i="1" dirty="0" err="1"/>
-              <a:t>schreiben</a:t>
-            </a:r>
-            <a:endParaRPr lang="de-DE" dirty="0"/>
-          </a:p>
-        </p:txBody>
-      </p:sp>
-      <p:sp>
-        <p:nvSpPr>
-          <p:cNvPr id="3" name="Titel 2"/>
-          <p:cNvSpPr>
-            <a:spLocks noGrp="1"/>
-          </p:cNvSpPr>
-          <p:nvPr>
-            <p:ph type="title"/>
-          </p:nvPr>
-        </p:nvSpPr>
-        <p:spPr>
-          <a:xfrm>
-            <a:off x="250825" y="411087"/>
-            <a:ext cx="848658" cy="431614"/>
-          </a:xfrm>
-        </p:spPr>
-        <p:txBody>
-          <a:bodyPr/>
-          <a:lstStyle/>
-          <a:p>
-            <a:r>
-              <a:rPr lang="de-DE" dirty="0" err="1"/>
-              <a:t>React</a:t>
-            </a:r>
-            <a:endParaRPr lang="de-DE" dirty="0"/>
-          </a:p>
-        </p:txBody>
-      </p:sp>
-      <p:pic>
-        <p:nvPicPr>
-          <p:cNvPr id="10" name="Bildplatzhalter 9"/>
-          <p:cNvPicPr>
-            <a:picLocks noGrp="1" noChangeAspect="1"/>
-          </p:cNvPicPr>
-          <p:nvPr>
-            <p:ph type="pic" sz="quarter" idx="17"/>
-          </p:nvPr>
-        </p:nvPicPr>
-        <p:blipFill>
-          <a:blip r:embed="rId2">
-            <a:extLst>
-              <a:ext uri="{28A0092B-C50C-407E-A947-70E740481C1C}">
-                <a14:useLocalDpi xmlns:a14="http://schemas.microsoft.com/office/drawing/2010/main" val="0"/>
-              </a:ext>
-            </a:extLst>
-          </a:blip>
-          <a:srcRect t="7630" b="7630"/>
-          <a:stretch>
-            <a:fillRect/>
-          </a:stretch>
-        </p:blipFill>
-        <p:spPr/>
-      </p:pic>
-    </p:spTree>
-    <p:extLst>
-      <p:ext uri="{BB962C8B-B14F-4D97-AF65-F5344CB8AC3E}">
-        <p14:creationId xmlns:p14="http://schemas.microsoft.com/office/powerpoint/2010/main" val="1104477734"/>
-      </p:ext>
-    </p:extLst>
-  </p:cSld>
-  <p:clrMapOvr>
-    <a:masterClrMapping/>
-  </p:clrMapOvr>
-</p:sld>
-</file>
-
-<file path=ppt/slides/slide11.xml><?xml version="1.0" encoding="utf-8"?>
-<p:sld xmlns:a="http://schemas.openxmlformats.org/drawingml/2006/main" xmlns:r="http://schemas.openxmlformats.org/officeDocument/2006/relationships" xmlns:p="http://schemas.openxmlformats.org/presentationml/2006/main">
-  <p:cSld>
-    <p:bg>
-      <p:bgRef idx="1001">
-        <a:schemeClr val="bg1"/>
-      </p:bgRef>
-    </p:bg>
-    <p:spTree>
-      <p:nvGrpSpPr>
-        <p:cNvPr id="1" name=""/>
-        <p:cNvGrpSpPr/>
-        <p:nvPr/>
-      </p:nvGrpSpPr>
-      <p:grpSpPr>
-        <a:xfrm>
-          <a:off x="0" y="0"/>
-          <a:ext cx="0" cy="0"/>
-          <a:chOff x="0" y="0"/>
-          <a:chExt cx="0" cy="0"/>
-        </a:xfrm>
-      </p:grpSpPr>
-      <p:pic>
-        <p:nvPicPr>
-          <p:cNvPr id="4100" name="Picture 4" descr="http://www.metaphonica.com/wp-content/uploads/2012/07/Photoxpress_10045531.jpg"/>
-          <p:cNvPicPr>
-            <a:picLocks noGrp="1" noChangeAspect="1" noChangeArrowheads="1"/>
-          </p:cNvPicPr>
-          <p:nvPr>
-            <p:ph type="pic" sz="quarter" idx="17"/>
-          </p:nvPr>
-        </p:nvPicPr>
-        <p:blipFill>
-          <a:blip r:embed="rId3" cstate="print">
-            <a:extLst>
-              <a:ext uri="{28A0092B-C50C-407E-A947-70E740481C1C}">
-                <a14:useLocalDpi xmlns:a14="http://schemas.microsoft.com/office/drawing/2010/main" val="0"/>
-              </a:ext>
-            </a:extLst>
-          </a:blip>
-          <a:srcRect l="3787" r="3787"/>
-          <a:stretch>
-            <a:fillRect/>
-          </a:stretch>
-        </p:blipFill>
-        <p:spPr bwMode="auto">
-          <a:prstGeom prst="rect">
-            <a:avLst/>
-          </a:prstGeom>
-          <a:noFill/>
-          <a:extLst>
-            <a:ext uri="{909E8E84-426E-40DD-AFC4-6F175D3DCCD1}">
-              <a14:hiddenFill xmlns:a14="http://schemas.microsoft.com/office/drawing/2010/main">
-                <a:solidFill>
-                  <a:srgbClr val="FFFFFF"/>
-                </a:solidFill>
-              </a14:hiddenFill>
-            </a:ext>
-          </a:extLst>
-        </p:spPr>
-      </p:pic>
-      <p:sp>
-        <p:nvSpPr>
-          <p:cNvPr id="6" name="Textplatzhalter 5"/>
-          <p:cNvSpPr>
-            <a:spLocks noGrp="1"/>
-          </p:cNvSpPr>
-          <p:nvPr>
-            <p:ph idx="1"/>
-          </p:nvPr>
-        </p:nvSpPr>
-        <p:spPr/>
-        <p:txBody>
-          <a:bodyPr/>
-          <a:lstStyle/>
-          <a:p>
-            <a:pPr lvl="3"/>
-            <a:endParaRPr lang="de-DE" dirty="0">
-              <a:solidFill>
-                <a:schemeClr val="accent1">
-                  <a:lumMod val="75000"/>
-                </a:schemeClr>
-              </a:solidFill>
-            </a:endParaRPr>
-          </a:p>
-          <a:p>
-            <a:pPr lvl="2"/>
-            <a:endParaRPr lang="de-DE" dirty="0">
-              <a:solidFill>
-                <a:schemeClr val="accent1">
-                  <a:lumMod val="75000"/>
-                </a:schemeClr>
-              </a:solidFill>
-            </a:endParaRPr>
-          </a:p>
-          <a:p>
-            <a:endParaRPr lang="de-DE" dirty="0"/>
-          </a:p>
-        </p:txBody>
-      </p:sp>
-      <p:sp>
-        <p:nvSpPr>
-          <p:cNvPr id="5" name="Titel 4"/>
-          <p:cNvSpPr>
-            <a:spLocks noGrp="1"/>
-          </p:cNvSpPr>
-          <p:nvPr>
-            <p:ph type="title"/>
-          </p:nvPr>
-        </p:nvSpPr>
-        <p:spPr>
-          <a:xfrm>
-            <a:off x="250825" y="411087"/>
-            <a:ext cx="1156434" cy="431614"/>
-          </a:xfrm>
-        </p:spPr>
-        <p:txBody>
-          <a:bodyPr/>
-          <a:lstStyle/>
-          <a:p>
-            <a:r>
-              <a:rPr lang="de-DE" dirty="0" err="1"/>
-              <a:t>React</a:t>
-            </a:r>
-            <a:r>
-              <a:rPr lang="de-DE" dirty="0"/>
-              <a:t> JS</a:t>
-            </a:r>
-          </a:p>
-        </p:txBody>
-      </p:sp>
-      <p:sp>
-        <p:nvSpPr>
-          <p:cNvPr id="4" name="Titel 83"/>
-          <p:cNvSpPr txBox="1">
-            <a:spLocks/>
-          </p:cNvSpPr>
-          <p:nvPr/>
-        </p:nvSpPr>
-        <p:spPr bwMode="auto">
-          <a:xfrm>
-            <a:off x="1475656" y="411087"/>
-            <a:ext cx="3878718" cy="417074"/>
-          </a:xfrm>
-          <a:prstGeom prst="rect">
-            <a:avLst/>
-          </a:prstGeom>
-          <a:solidFill>
-            <a:srgbClr val="0095D8"/>
-          </a:solidFill>
-          <a:ln w="9525">
-            <a:noFill/>
-            <a:miter lim="800000"/>
-            <a:headEnd/>
-            <a:tailEnd/>
-          </a:ln>
-        </p:spPr>
-        <p:txBody>
-          <a:bodyPr vert="horz" wrap="none" lIns="144000" tIns="82800" rIns="144000" bIns="86400" numCol="1" rtlCol="0" anchor="ctr" anchorCtr="0" compatLnSpc="1">
-            <a:prstTxWarp prst="textNoShape">
-              <a:avLst/>
-            </a:prstTxWarp>
-            <a:spAutoFit/>
-          </a:bodyPr>
-          <a:lstStyle>
-            <a:defPPr>
-              <a:defRPr lang="de-DE"/>
-            </a:defPPr>
-            <a:lvl1pPr marL="0" marR="0" lvl="0" indent="0" defTabSz="914400" eaLnBrk="1" latinLnBrk="0" hangingPunct="1">
-              <a:lnSpc>
-                <a:spcPct val="100000"/>
-              </a:lnSpc>
-              <a:buClrTx/>
-              <a:buSzTx/>
-              <a:buFontTx/>
-              <a:buNone/>
-              <a:tabLst/>
-              <a:defRPr kumimoji="0" sz="1600" b="1" i="0" u="none" strike="noStrike" cap="none" spc="0" normalizeH="0" baseline="0">
-                <a:ln>
-                  <a:noFill/>
-                </a:ln>
-                <a:solidFill>
-                  <a:srgbClr val="FFFFFF"/>
-                </a:solidFill>
-                <a:effectLst/>
-                <a:uLnTx/>
-                <a:uFillTx/>
-                <a:latin typeface="Arial"/>
-                <a:ea typeface="ＭＳ Ｐゴシック" charset="0"/>
-                <a:cs typeface="ＭＳ Ｐゴシック" charset="0"/>
-              </a:defRPr>
-            </a:lvl1pPr>
-          </a:lstStyle>
-          <a:p>
-            <a:r>
-              <a:rPr lang="de-DE" dirty="0"/>
-              <a:t>Was haben wir in der Praxis gelernt?</a:t>
-            </a:r>
-          </a:p>
-        </p:txBody>
-      </p:sp>
-    </p:spTree>
-    <p:extLst>
-      <p:ext uri="{BB962C8B-B14F-4D97-AF65-F5344CB8AC3E}">
-        <p14:creationId xmlns:p14="http://schemas.microsoft.com/office/powerpoint/2010/main" val="833537590"/>
-      </p:ext>
-    </p:extLst>
-  </p:cSld>
-  <p:clrMapOvr>
-    <a:overrideClrMapping bg1="lt1" tx1="dk1" bg2="lt2" tx2="dk2" accent1="accent1" accent2="accent2" accent3="accent3" accent4="accent4" accent5="accent5" accent6="accent6" hlink="hlink" folHlink="folHlink"/>
-  </p:clrMapOvr>
-</p:sld>
-</file>
-
-<file path=ppt/slides/slide12.xml><?xml version="1.0" encoding="utf-8"?>
-<p:sld xmlns:a="http://schemas.openxmlformats.org/drawingml/2006/main" xmlns:r="http://schemas.openxmlformats.org/officeDocument/2006/relationships" xmlns:p="http://schemas.openxmlformats.org/presentationml/2006/main">
-  <p:cSld>
-    <p:spTree>
-      <p:nvGrpSpPr>
-        <p:cNvPr id="1" name=""/>
-        <p:cNvGrpSpPr/>
-        <p:nvPr/>
-      </p:nvGrpSpPr>
-      <p:grpSpPr>
-        <a:xfrm>
-          <a:off x="0" y="0"/>
-          <a:ext cx="0" cy="0"/>
-          <a:chOff x="0" y="0"/>
-          <a:chExt cx="0" cy="0"/>
-        </a:xfrm>
-      </p:grpSpPr>
-      <p:sp>
-        <p:nvSpPr>
-          <p:cNvPr id="6" name="Textplatzhalter 5"/>
-          <p:cNvSpPr>
-            <a:spLocks noGrp="1"/>
-          </p:cNvSpPr>
-          <p:nvPr>
-            <p:ph idx="1"/>
-          </p:nvPr>
-        </p:nvSpPr>
-        <p:spPr/>
-        <p:txBody>
-          <a:bodyPr/>
-          <a:lstStyle/>
-          <a:p>
-            <a:r>
-              <a:rPr lang="de-DE" dirty="0">
-                <a:solidFill>
-                  <a:schemeClr val="accent1">
-                    <a:lumMod val="75000"/>
-                  </a:schemeClr>
-                </a:solidFill>
-                <a:cs typeface="+mn-cs"/>
-              </a:rPr>
-              <a:t>Benefits</a:t>
-            </a:r>
-          </a:p>
-          <a:p>
-            <a:pPr lvl="2"/>
-            <a:r>
-              <a:rPr lang="en-US" b="0" dirty="0"/>
-              <a:t>DDD isn’t first and foremost about technology. In its most central principles, DDD is about discussion, listening, understanding, discovery, and business value</a:t>
-            </a:r>
-          </a:p>
-          <a:p>
-            <a:pPr lvl="2"/>
-            <a:r>
-              <a:rPr lang="en-US" b="0" dirty="0"/>
-              <a:t>DDD brings domain experts and software developers together</a:t>
-            </a:r>
-          </a:p>
-          <a:p>
-            <a:pPr lvl="2"/>
-            <a:r>
-              <a:rPr lang="en-US" b="0" dirty="0"/>
-              <a:t>DDD addresses the strategic initiatives of the business</a:t>
-            </a:r>
-          </a:p>
-          <a:p>
-            <a:pPr lvl="2"/>
-            <a:r>
-              <a:rPr lang="en-US" b="0" dirty="0"/>
-              <a:t>DDD meets the real technical demands of the software by using tactical design modeling tools</a:t>
-            </a:r>
-          </a:p>
-          <a:p>
-            <a:pPr lvl="2"/>
-            <a:r>
-              <a:rPr lang="en-US" b="0" i="1" dirty="0"/>
-              <a:t>the design is the code and the code is the design</a:t>
-            </a:r>
-          </a:p>
-          <a:p>
-            <a:pPr lvl="2"/>
-            <a:endParaRPr lang="en-US" b="0" i="1" dirty="0"/>
-          </a:p>
-          <a:p>
-            <a:pPr lvl="2"/>
-            <a:endParaRPr lang="en-US" b="0" i="1" dirty="0"/>
-          </a:p>
-          <a:p>
-            <a:pPr lvl="2"/>
-            <a:r>
-              <a:rPr lang="en-US" i="1" dirty="0" err="1"/>
-              <a:t>Bessere</a:t>
-            </a:r>
-            <a:r>
-              <a:rPr lang="en-US" i="1" dirty="0"/>
-              <a:t> </a:t>
-            </a:r>
-            <a:r>
-              <a:rPr lang="en-US" i="1" dirty="0" err="1"/>
-              <a:t>Architektur</a:t>
-            </a:r>
-            <a:r>
-              <a:rPr lang="en-US" i="1" dirty="0"/>
-              <a:t> </a:t>
-            </a:r>
-            <a:r>
-              <a:rPr lang="en-US" i="1" dirty="0" err="1"/>
-              <a:t>für</a:t>
-            </a:r>
-            <a:r>
-              <a:rPr lang="en-US" i="1" dirty="0"/>
-              <a:t> </a:t>
-            </a:r>
-            <a:r>
-              <a:rPr lang="en-US" i="1" dirty="0" err="1"/>
-              <a:t>verteilte</a:t>
-            </a:r>
-            <a:r>
-              <a:rPr lang="en-US" i="1" dirty="0"/>
-              <a:t> </a:t>
-            </a:r>
-            <a:r>
-              <a:rPr lang="en-US" i="1" dirty="0" err="1"/>
-              <a:t>Webapplikation</a:t>
-            </a:r>
-            <a:endParaRPr lang="de-DE" dirty="0"/>
-          </a:p>
-        </p:txBody>
-      </p:sp>
-      <p:sp>
-        <p:nvSpPr>
-          <p:cNvPr id="5" name="Titel 4"/>
-          <p:cNvSpPr>
-            <a:spLocks noGrp="1"/>
-          </p:cNvSpPr>
-          <p:nvPr>
-            <p:ph type="title"/>
-          </p:nvPr>
-        </p:nvSpPr>
-        <p:spPr>
-          <a:xfrm>
-            <a:off x="250825" y="411087"/>
-            <a:ext cx="2478912" cy="431614"/>
-          </a:xfrm>
-        </p:spPr>
-        <p:txBody>
-          <a:bodyPr/>
-          <a:lstStyle/>
-          <a:p>
-            <a:r>
-              <a:rPr lang="de-DE" dirty="0"/>
-              <a:t>Domain </a:t>
-            </a:r>
-            <a:r>
-              <a:rPr lang="de-DE" dirty="0" err="1"/>
-              <a:t>Driven</a:t>
-            </a:r>
-            <a:r>
-              <a:rPr lang="de-DE" dirty="0"/>
-              <a:t> Design</a:t>
-            </a:r>
-          </a:p>
-        </p:txBody>
-      </p:sp>
-      <p:sp>
-        <p:nvSpPr>
-          <p:cNvPr id="4" name="Titel 83"/>
-          <p:cNvSpPr txBox="1">
-            <a:spLocks/>
-          </p:cNvSpPr>
-          <p:nvPr/>
-        </p:nvSpPr>
-        <p:spPr bwMode="auto">
-          <a:xfrm>
-            <a:off x="2843808" y="425627"/>
-            <a:ext cx="1103920" cy="417074"/>
-          </a:xfrm>
-          <a:prstGeom prst="rect">
-            <a:avLst/>
-          </a:prstGeom>
-          <a:solidFill>
-            <a:srgbClr val="0095D8"/>
-          </a:solidFill>
-          <a:ln w="9525">
-            <a:noFill/>
-            <a:miter lim="800000"/>
-            <a:headEnd/>
-            <a:tailEnd/>
-          </a:ln>
-        </p:spPr>
-        <p:txBody>
-          <a:bodyPr vert="horz" wrap="none" lIns="144000" tIns="82800" rIns="144000" bIns="86400" numCol="1" rtlCol="0" anchor="ctr" anchorCtr="0" compatLnSpc="1">
-            <a:prstTxWarp prst="textNoShape">
-              <a:avLst/>
-            </a:prstTxWarp>
-            <a:spAutoFit/>
-          </a:bodyPr>
-          <a:lstStyle>
-            <a:defPPr>
-              <a:defRPr lang="de-DE"/>
-            </a:defPPr>
-            <a:lvl1pPr marL="0" marR="0" lvl="0" indent="0" defTabSz="914400" eaLnBrk="1" latinLnBrk="0" hangingPunct="1">
-              <a:lnSpc>
-                <a:spcPct val="100000"/>
-              </a:lnSpc>
-              <a:buClrTx/>
-              <a:buSzTx/>
-              <a:buFontTx/>
-              <a:buNone/>
-              <a:tabLst/>
-              <a:defRPr kumimoji="0" sz="1600" b="1" i="0" u="none" strike="noStrike" cap="none" spc="0" normalizeH="0" baseline="0">
-                <a:ln>
-                  <a:noFill/>
-                </a:ln>
-                <a:solidFill>
-                  <a:srgbClr val="FFFFFF"/>
-                </a:solidFill>
-                <a:effectLst/>
-                <a:uLnTx/>
-                <a:uFillTx/>
-                <a:latin typeface="Arial"/>
-                <a:ea typeface="ＭＳ Ｐゴシック" charset="0"/>
-                <a:cs typeface="ＭＳ Ｐゴシック" charset="0"/>
-              </a:defRPr>
-            </a:lvl1pPr>
-          </a:lstStyle>
-          <a:p>
-            <a:r>
-              <a:rPr lang="de-DE" dirty="0"/>
-              <a:t>Warum?</a:t>
-            </a:r>
-          </a:p>
-        </p:txBody>
-      </p:sp>
-      <p:pic>
-        <p:nvPicPr>
-          <p:cNvPr id="4100" name="Picture 4" descr="http://www.metaphonica.com/wp-content/uploads/2012/07/Photoxpress_10045531.jpg"/>
-          <p:cNvPicPr>
-            <a:picLocks noGrp="1" noChangeAspect="1" noChangeArrowheads="1"/>
-          </p:cNvPicPr>
-          <p:nvPr>
-            <p:ph type="pic" sz="quarter" idx="17"/>
-          </p:nvPr>
-        </p:nvPicPr>
-        <p:blipFill>
-          <a:blip r:embed="rId2" cstate="print">
-            <a:extLst>
-              <a:ext uri="{28A0092B-C50C-407E-A947-70E740481C1C}">
-                <a14:useLocalDpi xmlns:a14="http://schemas.microsoft.com/office/drawing/2010/main" val="0"/>
-              </a:ext>
-            </a:extLst>
-          </a:blip>
-          <a:srcRect l="3856" r="3856"/>
-          <a:stretch>
-            <a:fillRect/>
-          </a:stretch>
-        </p:blipFill>
-        <p:spPr bwMode="auto">
-          <a:prstGeom prst="rect">
-            <a:avLst/>
-          </a:prstGeom>
-          <a:noFill/>
-          <a:extLst>
-            <a:ext uri="{909E8E84-426E-40DD-AFC4-6F175D3DCCD1}">
-              <a14:hiddenFill xmlns:a14="http://schemas.microsoft.com/office/drawing/2010/main">
-                <a:solidFill>
-                  <a:srgbClr val="FFFFFF"/>
-                </a:solidFill>
-              </a14:hiddenFill>
-            </a:ext>
-          </a:extLst>
-        </p:spPr>
-      </p:pic>
-    </p:spTree>
-    <p:extLst>
-      <p:ext uri="{BB962C8B-B14F-4D97-AF65-F5344CB8AC3E}">
-        <p14:creationId xmlns:p14="http://schemas.microsoft.com/office/powerpoint/2010/main" val="135947717"/>
-      </p:ext>
-    </p:extLst>
-  </p:cSld>
-  <p:clrMapOvr>
-    <a:masterClrMapping/>
-  </p:clrMapOvr>
-</p:sld>
-</file>
-
-<file path=ppt/slides/slide13.xml><?xml version="1.0" encoding="utf-8"?>
-<p:sld xmlns:a="http://schemas.openxmlformats.org/drawingml/2006/main" xmlns:r="http://schemas.openxmlformats.org/officeDocument/2006/relationships" xmlns:p="http://schemas.openxmlformats.org/presentationml/2006/main">
-  <p:cSld>
-    <p:spTree>
-      <p:nvGrpSpPr>
-        <p:cNvPr id="1" name=""/>
-        <p:cNvGrpSpPr/>
-        <p:nvPr/>
-      </p:nvGrpSpPr>
-      <p:grpSpPr>
-        <a:xfrm>
-          <a:off x="0" y="0"/>
-          <a:ext cx="0" cy="0"/>
-          <a:chOff x="0" y="0"/>
-          <a:chExt cx="0" cy="0"/>
-        </a:xfrm>
-      </p:grpSpPr>
-      <p:sp>
-        <p:nvSpPr>
-          <p:cNvPr id="2" name="Bildplatzhalter 1"/>
-          <p:cNvSpPr>
-            <a:spLocks noGrp="1"/>
-          </p:cNvSpPr>
-          <p:nvPr>
-            <p:ph type="pic" sz="quarter" idx="17"/>
-          </p:nvPr>
-        </p:nvSpPr>
-        <p:spPr/>
-      </p:sp>
-      <p:sp>
-        <p:nvSpPr>
-          <p:cNvPr id="3" name="Inhaltsplatzhalter 2"/>
-          <p:cNvSpPr>
-            <a:spLocks noGrp="1"/>
-          </p:cNvSpPr>
-          <p:nvPr>
-            <p:ph idx="1"/>
-          </p:nvPr>
-        </p:nvSpPr>
-        <p:spPr/>
-        <p:txBody>
-          <a:bodyPr/>
-          <a:lstStyle/>
-          <a:p>
-            <a:r>
-              <a:rPr lang="de-DE" dirty="0" err="1"/>
-              <a:t>Ubiquitous</a:t>
-            </a:r>
-            <a:r>
-              <a:rPr lang="de-DE" dirty="0"/>
-              <a:t> Language</a:t>
-            </a:r>
-          </a:p>
-          <a:p>
-            <a:pPr lvl="1"/>
-            <a:r>
-              <a:rPr lang="en-US" i="1" dirty="0"/>
-              <a:t>The Ubiquitous Language is a shared language developed by the team—a team composed of both domain experts and software developers.</a:t>
-            </a:r>
-            <a:endParaRPr lang="de-DE" dirty="0"/>
-          </a:p>
-        </p:txBody>
-      </p:sp>
-      <p:sp>
-        <p:nvSpPr>
-          <p:cNvPr id="4" name="Titel 3"/>
-          <p:cNvSpPr>
-            <a:spLocks noGrp="1"/>
-          </p:cNvSpPr>
-          <p:nvPr>
-            <p:ph type="title"/>
-          </p:nvPr>
-        </p:nvSpPr>
-        <p:spPr>
-          <a:xfrm>
-            <a:off x="250825" y="411087"/>
-            <a:ext cx="1017743" cy="431614"/>
-          </a:xfrm>
-        </p:spPr>
-        <p:txBody>
-          <a:bodyPr/>
-          <a:lstStyle/>
-          <a:p>
-            <a:r>
-              <a:rPr lang="de-DE" dirty="0"/>
-              <a:t>Termini</a:t>
-            </a:r>
-          </a:p>
-        </p:txBody>
-      </p:sp>
-      <p:pic>
-        <p:nvPicPr>
-          <p:cNvPr id="5" name="Grafik 4"/>
-          <p:cNvPicPr>
-            <a:picLocks noChangeAspect="1"/>
-          </p:cNvPicPr>
-          <p:nvPr/>
-        </p:nvPicPr>
-        <p:blipFill>
-          <a:blip r:embed="rId2"/>
-          <a:stretch>
-            <a:fillRect/>
-          </a:stretch>
-        </p:blipFill>
-        <p:spPr>
-          <a:xfrm>
-            <a:off x="953075" y="2355726"/>
-            <a:ext cx="4357489" cy="2326921"/>
-          </a:xfrm>
-          <a:prstGeom prst="rect">
-            <a:avLst/>
-          </a:prstGeom>
-        </p:spPr>
-      </p:pic>
-    </p:spTree>
-    <p:extLst>
-      <p:ext uri="{BB962C8B-B14F-4D97-AF65-F5344CB8AC3E}">
-        <p14:creationId xmlns:p14="http://schemas.microsoft.com/office/powerpoint/2010/main" val="1916531576"/>
-      </p:ext>
-    </p:extLst>
-  </p:cSld>
-  <p:clrMapOvr>
-    <a:masterClrMapping/>
-  </p:clrMapOvr>
-</p:sld>
-</file>
-
-<file path=ppt/slides/slide14.xml><?xml version="1.0" encoding="utf-8"?>
-<p:sld xmlns:a="http://schemas.openxmlformats.org/drawingml/2006/main" xmlns:r="http://schemas.openxmlformats.org/officeDocument/2006/relationships" xmlns:p="http://schemas.openxmlformats.org/presentationml/2006/main">
-  <p:cSld>
-    <p:spTree>
-      <p:nvGrpSpPr>
-        <p:cNvPr id="1" name=""/>
-        <p:cNvGrpSpPr/>
-        <p:nvPr/>
-      </p:nvGrpSpPr>
-      <p:grpSpPr>
-        <a:xfrm>
-          <a:off x="0" y="0"/>
-          <a:ext cx="0" cy="0"/>
-          <a:chOff x="0" y="0"/>
-          <a:chExt cx="0" cy="0"/>
-        </a:xfrm>
-      </p:grpSpPr>
-      <p:sp>
-        <p:nvSpPr>
           <p:cNvPr id="6" name="Inhaltsplatzhalter 5"/>
           <p:cNvSpPr>
             <a:spLocks noGrp="1"/>
@@ -20121,7 +19392,7 @@
 </p:sld>
 </file>
 
-<file path=ppt/slides/slide15.xml><?xml version="1.0" encoding="utf-8"?>
+<file path=ppt/slides/slide11.xml><?xml version="1.0" encoding="utf-8"?>
 <p:sld xmlns:a="http://schemas.openxmlformats.org/drawingml/2006/main" xmlns:r="http://schemas.openxmlformats.org/officeDocument/2006/relationships" xmlns:p="http://schemas.openxmlformats.org/presentationml/2006/main">
   <p:cSld>
     <p:spTree>
@@ -20247,7 +19518,7 @@
 </p:sld>
 </file>
 
-<file path=ppt/slides/slide16.xml><?xml version="1.0" encoding="utf-8"?>
+<file path=ppt/slides/slide12.xml><?xml version="1.0" encoding="utf-8"?>
 <p:sld xmlns:a="http://schemas.openxmlformats.org/drawingml/2006/main" xmlns:r="http://schemas.openxmlformats.org/officeDocument/2006/relationships" xmlns:p="http://schemas.openxmlformats.org/presentationml/2006/main">
   <p:cSld>
     <p:spTree>
@@ -23221,7 +22492,7 @@
 </p:sld>
 </file>
 
-<file path=ppt/slides/slide17.xml><?xml version="1.0" encoding="utf-8"?>
+<file path=ppt/slides/slide13.xml><?xml version="1.0" encoding="utf-8"?>
 <p:sld xmlns:a="http://schemas.openxmlformats.org/drawingml/2006/main" xmlns:r="http://schemas.openxmlformats.org/officeDocument/2006/relationships" xmlns:p="http://schemas.openxmlformats.org/presentationml/2006/main">
   <p:cSld>
     <p:spTree>
@@ -23348,7 +22619,7 @@
 </p:sld>
 </file>
 
-<file path=ppt/slides/slide18.xml><?xml version="1.0" encoding="utf-8"?>
+<file path=ppt/slides/slide14.xml><?xml version="1.0" encoding="utf-8"?>
 <p:sld xmlns:a="http://schemas.openxmlformats.org/drawingml/2006/main" xmlns:r="http://schemas.openxmlformats.org/officeDocument/2006/relationships" xmlns:p="http://schemas.openxmlformats.org/presentationml/2006/main">
   <p:cSld>
     <p:spTree>
@@ -23481,7 +22752,7 @@
             <a:pPr lvl="2"/>
             <a:r>
               <a:rPr lang="de-DE" sz="1600" b="0" dirty="0"/>
-              <a:t>Benötigt relativ viele zusätzliche Bibliotheken (JSX, Babel)</a:t>
+              <a:t>Benötigt relativ viele zusätzliche Komponenten (JSX, Babel)</a:t>
             </a:r>
           </a:p>
           <a:p>
@@ -23538,7 +22809,7 @@
 </p:sld>
 </file>
 
-<file path=ppt/slides/slide19.xml><?xml version="1.0" encoding="utf-8"?>
+<file path=ppt/slides/slide15.xml><?xml version="1.0" encoding="utf-8"?>
 <p:sld xmlns:a="http://schemas.openxmlformats.org/drawingml/2006/main" xmlns:r="http://schemas.openxmlformats.org/officeDocument/2006/relationships" xmlns:p="http://schemas.openxmlformats.org/presentationml/2006/main">
   <p:cSld>
     <p:spTree>
@@ -23928,223 +23199,105 @@
       </p:grpSpPr>
       <p:sp>
         <p:nvSpPr>
-          <p:cNvPr id="19460" name="Textfeld 6"/>
-          <p:cNvSpPr txBox="1">
-            <a:spLocks noChangeArrowheads="1"/>
-          </p:cNvSpPr>
-          <p:nvPr/>
-        </p:nvSpPr>
-        <p:spPr bwMode="auto">
-          <a:xfrm>
-            <a:off x="3492500" y="1813058"/>
-            <a:ext cx="5399980" cy="1569660"/>
-          </a:xfrm>
-          <a:prstGeom prst="rect">
-            <a:avLst/>
-          </a:prstGeom>
-          <a:noFill/>
-          <a:ln w="9525">
-            <a:noFill/>
-            <a:miter lim="800000"/>
-            <a:headEnd/>
-            <a:tailEnd/>
-          </a:ln>
-        </p:spPr>
-        <p:txBody>
-          <a:bodyPr lIns="0" tIns="0" rIns="0" bIns="0" anchor="t">
-            <a:noAutofit/>
-          </a:bodyPr>
-          <a:lstStyle/>
-          <a:p>
-            <a:r>
-              <a:rPr lang="de-DE" sz="3500" dirty="0" err="1">
-                <a:solidFill>
-                  <a:srgbClr val="002754"/>
-                </a:solidFill>
-              </a:rPr>
-              <a:t>React</a:t>
-            </a:r>
-            <a:r>
-              <a:rPr lang="de-DE" sz="3500" dirty="0">
-                <a:solidFill>
-                  <a:srgbClr val="002754"/>
-                </a:solidFill>
-              </a:rPr>
-              <a:t> &amp; </a:t>
-            </a:r>
-            <a:br>
-              <a:rPr lang="de-DE" sz="3500" dirty="0">
-                <a:solidFill>
-                  <a:srgbClr val="002754"/>
-                </a:solidFill>
-              </a:rPr>
-            </a:br>
-            <a:r>
-              <a:rPr lang="de-DE" sz="3500" dirty="0">
-                <a:solidFill>
-                  <a:srgbClr val="002754"/>
-                </a:solidFill>
-              </a:rPr>
-              <a:t>DDD</a:t>
-            </a:r>
-          </a:p>
-        </p:txBody>
-      </p:sp>
-      <p:sp>
-        <p:nvSpPr>
-          <p:cNvPr id="19461" name="Textfeld 6"/>
-          <p:cNvSpPr txBox="1">
-            <a:spLocks noChangeArrowheads="1"/>
-          </p:cNvSpPr>
-          <p:nvPr/>
-        </p:nvSpPr>
-        <p:spPr bwMode="auto">
-          <a:xfrm>
-            <a:off x="3492500" y="4587875"/>
-            <a:ext cx="4751388" cy="215444"/>
-          </a:xfrm>
-          <a:prstGeom prst="rect">
-            <a:avLst/>
-          </a:prstGeom>
-          <a:noFill/>
-          <a:ln w="9525">
-            <a:noFill/>
-            <a:miter lim="800000"/>
-            <a:headEnd/>
-            <a:tailEnd/>
-          </a:ln>
-        </p:spPr>
-        <p:txBody>
-          <a:bodyPr lIns="0" tIns="0" rIns="0" bIns="0">
-            <a:spAutoFit/>
-          </a:bodyPr>
-          <a:lstStyle/>
-          <a:p>
-            <a:r>
-              <a:rPr lang="de-DE" sz="1400" dirty="0">
-                <a:solidFill>
-                  <a:srgbClr val="002754"/>
-                </a:solidFill>
-              </a:rPr>
-              <a:t>31.03.2017 Christin </a:t>
-            </a:r>
-            <a:r>
-              <a:rPr lang="de-DE" sz="1400" dirty="0" err="1">
-                <a:solidFill>
-                  <a:srgbClr val="002754"/>
-                </a:solidFill>
-              </a:rPr>
-              <a:t>Scheewe</a:t>
-            </a:r>
-            <a:r>
-              <a:rPr lang="de-DE" sz="1400" dirty="0">
-                <a:solidFill>
-                  <a:srgbClr val="002754"/>
-                </a:solidFill>
-              </a:rPr>
-              <a:t>, Ferris </a:t>
-            </a:r>
-            <a:r>
-              <a:rPr lang="de-DE" sz="1400" dirty="0" err="1">
-                <a:solidFill>
-                  <a:srgbClr val="002754"/>
-                </a:solidFill>
-              </a:rPr>
-              <a:t>Burock</a:t>
-            </a:r>
-            <a:r>
-              <a:rPr lang="de-DE" sz="1400" dirty="0">
-                <a:solidFill>
-                  <a:srgbClr val="002754"/>
-                </a:solidFill>
-              </a:rPr>
-              <a:t>, Thomas Hein</a:t>
-            </a:r>
-          </a:p>
-        </p:txBody>
-      </p:sp>
-      <p:pic>
-        <p:nvPicPr>
-          <p:cNvPr id="6" name="Grafik 5" descr="Bild1.emf"/>
-          <p:cNvPicPr>
-            <a:picLocks noChangeAspect="1"/>
-          </p:cNvPicPr>
-          <p:nvPr/>
-        </p:nvPicPr>
-        <p:blipFill>
-          <a:blip r:embed="rId3" cstate="print"/>
-          <a:stretch>
-            <a:fillRect/>
-          </a:stretch>
-        </p:blipFill>
+          <p:cNvPr id="2" name="Inhaltsplatzhalter 1"/>
+          <p:cNvSpPr>
+            <a:spLocks noGrp="1"/>
+          </p:cNvSpPr>
+          <p:nvPr>
+            <p:ph idx="1"/>
+          </p:nvPr>
+        </p:nvSpPr>
         <p:spPr>
           <a:xfrm>
-            <a:off x="1508400" y="1908000"/>
-            <a:ext cx="1650578" cy="1640584"/>
+            <a:off x="251520" y="987574"/>
+            <a:ext cx="2160240" cy="3888432"/>
           </a:xfrm>
-          <a:prstGeom prst="rect">
-            <a:avLst/>
-          </a:prstGeom>
-        </p:spPr>
-      </p:pic>
-      <p:sp>
-        <p:nvSpPr>
-          <p:cNvPr id="5" name="Rechteck 4"/>
-          <p:cNvSpPr/>
-          <p:nvPr/>
-        </p:nvSpPr>
-        <p:spPr>
-          <a:xfrm>
-            <a:off x="3492500" y="3092898"/>
-            <a:ext cx="3017988" cy="433311"/>
-          </a:xfrm>
-          <a:prstGeom prst="rect">
-            <a:avLst/>
-          </a:prstGeom>
-          <a:solidFill>
-            <a:srgbClr val="0095D8"/>
-          </a:solidFill>
-          <a:ln>
-            <a:noFill/>
-          </a:ln>
-          <a:effectLst/>
-        </p:spPr>
-        <p:style>
-          <a:lnRef idx="1">
-            <a:schemeClr val="accent1"/>
-          </a:lnRef>
-          <a:fillRef idx="3">
-            <a:schemeClr val="accent1"/>
-          </a:fillRef>
-          <a:effectRef idx="2">
-            <a:schemeClr val="accent1"/>
-          </a:effectRef>
-          <a:fontRef idx="minor">
-            <a:schemeClr val="lt1"/>
-          </a:fontRef>
-        </p:style>
-        <p:txBody>
-          <a:bodyPr wrap="none" lIns="72000" tIns="75600" rIns="72000" bIns="79200" anchor="ctr">
-            <a:spAutoFit/>
-          </a:bodyPr>
-          <a:lstStyle/>
-          <a:p>
-            <a:pPr>
-              <a:defRPr/>
-            </a:pPr>
-            <a:r>
-              <a:rPr lang="de-DE" sz="1800" dirty="0">
-                <a:solidFill>
-                  <a:srgbClr val="FFFFFF"/>
-                </a:solidFill>
-                <a:ea typeface="ＭＳ Ｐゴシック" pitchFamily="34" charset="-128"/>
-              </a:rPr>
-              <a:t>Reisebuchung im Jahr 2017</a:t>
+        </p:spPr>
+        <p:txBody>
+          <a:bodyPr/>
+          <a:lstStyle/>
+          <a:p>
+            <a:pPr lvl="2"/>
+            <a:r>
+              <a:rPr lang="de-DE" sz="1800" dirty="0"/>
+              <a:t>Aufgabe </a:t>
+            </a:r>
+          </a:p>
+          <a:p>
+            <a:pPr lvl="2"/>
+            <a:r>
+              <a:rPr lang="de-DE" sz="1800" dirty="0"/>
+              <a:t>Team </a:t>
+            </a:r>
+          </a:p>
+          <a:p>
+            <a:pPr lvl="2"/>
+            <a:r>
+              <a:rPr lang="de-DE" sz="1800" dirty="0"/>
+              <a:t>Vorgehen </a:t>
+            </a:r>
+          </a:p>
+          <a:p>
+            <a:pPr lvl="2"/>
+            <a:r>
+              <a:rPr lang="de-DE" sz="1800" dirty="0"/>
+              <a:t>Erkenntnisse</a:t>
+            </a:r>
+          </a:p>
+          <a:p>
+            <a:pPr lvl="2"/>
+            <a:r>
+              <a:rPr lang="de-DE" sz="1800" dirty="0"/>
+              <a:t>Ausblick</a:t>
+            </a:r>
+          </a:p>
+          <a:p>
+            <a:pPr lvl="2"/>
+            <a:r>
+              <a:rPr lang="de-DE" sz="1800" dirty="0"/>
+              <a:t>Ergebnis </a:t>
+            </a:r>
+          </a:p>
+          <a:p>
+            <a:pPr lvl="2"/>
+            <a:r>
+              <a:rPr lang="de-DE" sz="1800" dirty="0"/>
+              <a:t>Demo</a:t>
+            </a:r>
+          </a:p>
+          <a:p>
+            <a:endParaRPr lang="de-DE" dirty="0"/>
+          </a:p>
+        </p:txBody>
+      </p:sp>
+      <p:sp>
+        <p:nvSpPr>
+          <p:cNvPr id="3" name="Titel 2"/>
+          <p:cNvSpPr>
+            <a:spLocks noGrp="1"/>
+          </p:cNvSpPr>
+          <p:nvPr>
+            <p:ph type="title"/>
+          </p:nvPr>
+        </p:nvSpPr>
+        <p:spPr/>
+        <p:txBody>
+          <a:bodyPr/>
+          <a:lstStyle/>
+          <a:p>
+            <a:r>
+              <a:rPr lang="de-DE" dirty="0"/>
+              <a:t>Agenda</a:t>
             </a:r>
           </a:p>
         </p:txBody>
       </p:sp>
     </p:spTree>
+    <p:extLst>
+      <p:ext uri="{BB962C8B-B14F-4D97-AF65-F5344CB8AC3E}">
+        <p14:creationId xmlns:p14="http://schemas.microsoft.com/office/powerpoint/2010/main" val="2660203829"/>
+      </p:ext>
+    </p:extLst>
   </p:cSld>
   <p:clrMapOvr>
     <a:masterClrMapping/>
@@ -24171,132 +23324,83 @@
       </p:grpSpPr>
       <p:sp>
         <p:nvSpPr>
-          <p:cNvPr id="2" name="Inhaltsplatzhalter 1"/>
+          <p:cNvPr id="3" name="Inhaltsplatzhalter 2"/>
           <p:cNvSpPr>
             <a:spLocks noGrp="1"/>
           </p:cNvSpPr>
           <p:nvPr>
-            <p:ph idx="1"/>
+            <p:ph idx="14"/>
           </p:nvPr>
         </p:nvSpPr>
-        <p:spPr>
-          <a:xfrm>
-            <a:off x="251520" y="987574"/>
-            <a:ext cx="2160240" cy="3888432"/>
-          </a:xfrm>
-        </p:spPr>
+        <p:spPr/>
         <p:txBody>
           <a:bodyPr/>
           <a:lstStyle/>
           <a:p>
-            <a:pPr lvl="2"/>
-            <a:r>
-              <a:rPr lang="de-DE" sz="1800" dirty="0"/>
-              <a:t>Aufgabe </a:t>
-            </a:r>
-          </a:p>
-          <a:p>
-            <a:pPr lvl="2"/>
-            <a:r>
-              <a:rPr lang="de-DE" sz="1800" dirty="0"/>
-              <a:t>Team </a:t>
-            </a:r>
-          </a:p>
-          <a:p>
-            <a:pPr lvl="2"/>
-            <a:r>
-              <a:rPr lang="de-DE" sz="1800" dirty="0"/>
-              <a:t>Vorgehen </a:t>
-            </a:r>
-          </a:p>
-          <a:p>
-            <a:pPr lvl="2"/>
-            <a:r>
-              <a:rPr lang="de-DE" sz="1800" dirty="0"/>
-              <a:t>Erkenntnisse</a:t>
-            </a:r>
-          </a:p>
-          <a:p>
-            <a:pPr lvl="2"/>
-            <a:r>
-              <a:rPr lang="de-DE" sz="1800" dirty="0"/>
-              <a:t>Ausblick</a:t>
-            </a:r>
-          </a:p>
-          <a:p>
-            <a:pPr lvl="2"/>
-            <a:r>
-              <a:rPr lang="de-DE" sz="1800" dirty="0"/>
-              <a:t>Ergebnis </a:t>
-            </a:r>
-          </a:p>
-          <a:p>
-            <a:pPr lvl="2"/>
-            <a:r>
-              <a:rPr lang="de-DE" sz="1800" dirty="0"/>
-              <a:t>Demo</a:t>
+            <a:r>
+              <a:rPr lang="de-DE" dirty="0"/>
+              <a:t>DDD</a:t>
             </a:r>
           </a:p>
           <a:p>
             <a:endParaRPr lang="de-DE" dirty="0"/>
           </a:p>
-        </p:txBody>
-      </p:sp>
-      <p:sp>
-        <p:nvSpPr>
-          <p:cNvPr id="3" name="Titel 2"/>
-          <p:cNvSpPr>
-            <a:spLocks noGrp="1"/>
-          </p:cNvSpPr>
-          <p:nvPr>
-            <p:ph type="title"/>
-          </p:nvPr>
-        </p:nvSpPr>
-        <p:spPr/>
-        <p:txBody>
-          <a:bodyPr/>
-          <a:lstStyle/>
-          <a:p>
-            <a:r>
-              <a:rPr lang="de-DE" dirty="0"/>
-              <a:t>Agenda</a:t>
-            </a:r>
-          </a:p>
-        </p:txBody>
-      </p:sp>
-    </p:spTree>
-    <p:extLst>
-      <p:ext uri="{BB962C8B-B14F-4D97-AF65-F5344CB8AC3E}">
-        <p14:creationId xmlns:p14="http://schemas.microsoft.com/office/powerpoint/2010/main" val="2660203829"/>
-      </p:ext>
-    </p:extLst>
-  </p:cSld>
-  <p:clrMapOvr>
-    <a:masterClrMapping/>
-  </p:clrMapOvr>
-</p:sld>
-</file>
-
-<file path=ppt/slides/slide4.xml><?xml version="1.0" encoding="utf-8"?>
-<p:sld xmlns:a="http://schemas.openxmlformats.org/drawingml/2006/main" xmlns:r="http://schemas.openxmlformats.org/officeDocument/2006/relationships" xmlns:p="http://schemas.openxmlformats.org/presentationml/2006/main">
-  <p:cSld>
-    <p:spTree>
-      <p:nvGrpSpPr>
-        <p:cNvPr id="1" name=""/>
-        <p:cNvGrpSpPr/>
-        <p:nvPr/>
-      </p:nvGrpSpPr>
-      <p:grpSpPr>
-        <a:xfrm>
-          <a:off x="0" y="0"/>
-          <a:ext cx="0" cy="0"/>
-          <a:chOff x="0" y="0"/>
-          <a:chExt cx="0" cy="0"/>
-        </a:xfrm>
-      </p:grpSpPr>
-      <p:sp>
-        <p:nvSpPr>
-          <p:cNvPr id="5" name="Titel 4"/>
+          <a:p>
+            <a:pPr lvl="1"/>
+            <a:r>
+              <a:rPr lang="en-US" b="0" i="1" dirty="0"/>
+              <a:t>Eric Evans brought about what is a timeless work. It is my firm belief that Eric’s work will guide developers in practical ways for decades to come.</a:t>
+            </a:r>
+          </a:p>
+          <a:p>
+            <a:pPr lvl="1"/>
+            <a:endParaRPr lang="en-US" i="1" dirty="0"/>
+          </a:p>
+          <a:p>
+            <a:pPr lvl="3"/>
+            <a:r>
+              <a:rPr lang="en-US" i="1" dirty="0" err="1"/>
+              <a:t>Ubiqious</a:t>
+            </a:r>
+            <a:r>
+              <a:rPr lang="en-US" i="1" dirty="0"/>
+              <a:t> Language</a:t>
+            </a:r>
+          </a:p>
+          <a:p>
+            <a:pPr lvl="3"/>
+            <a:r>
+              <a:rPr lang="en-US" i="1" dirty="0"/>
+              <a:t>Bounded Context</a:t>
+            </a:r>
+          </a:p>
+          <a:p>
+            <a:pPr lvl="3"/>
+            <a:r>
+              <a:rPr lang="en-US" i="1" dirty="0"/>
+              <a:t>Context Map</a:t>
+            </a:r>
+          </a:p>
+          <a:p>
+            <a:pPr lvl="3"/>
+            <a:r>
+              <a:rPr lang="en-US" i="1" dirty="0"/>
+              <a:t>Value Objects</a:t>
+            </a:r>
+          </a:p>
+          <a:p>
+            <a:pPr lvl="3"/>
+            <a:r>
+              <a:rPr lang="en-US" i="1" dirty="0"/>
+              <a:t>Entities</a:t>
+            </a:r>
+            <a:endParaRPr lang="de-DE" i="1" dirty="0"/>
+          </a:p>
+        </p:txBody>
+      </p:sp>
+      <p:sp>
+        <p:nvSpPr>
+          <p:cNvPr id="4" name="Titel 3"/>
           <p:cNvSpPr>
             <a:spLocks noGrp="1"/>
           </p:cNvSpPr>
@@ -24323,23 +23427,35 @@
       </p:sp>
       <p:sp>
         <p:nvSpPr>
-          <p:cNvPr id="14" name="Inhaltsplatzhalter 10"/>
+          <p:cNvPr id="5" name="Inhaltsplatzhalter 1"/>
           <p:cNvSpPr txBox="1">
             <a:spLocks/>
           </p:cNvSpPr>
           <p:nvPr/>
         </p:nvSpPr>
-        <p:spPr>
+        <p:spPr bwMode="auto">
           <a:xfrm>
-            <a:off x="395478" y="1131570"/>
+            <a:off x="395536" y="1140438"/>
             <a:ext cx="3888486" cy="3600450"/>
           </a:xfrm>
           <a:prstGeom prst="rect">
             <a:avLst/>
           </a:prstGeom>
-        </p:spPr>
-        <p:txBody>
-          <a:bodyPr/>
+          <a:noFill/>
+          <a:ln w="9525">
+            <a:noFill/>
+            <a:miter lim="800000"/>
+            <a:headEnd/>
+            <a:tailEnd/>
+          </a:ln>
+          <a:extLst/>
+        </p:spPr>
+        <p:txBody>
+          <a:bodyPr vert="horz" wrap="square" lIns="0" tIns="0" rIns="0" bIns="0" numCol="1" anchor="t" anchorCtr="0" compatLnSpc="1">
+            <a:prstTxWarp prst="textNoShape">
+              <a:avLst/>
+            </a:prstTxWarp>
+          </a:bodyPr>
           <a:lstStyle>
             <a:lvl1pPr algn="l" defTabSz="863600" rtl="0" eaLnBrk="1" fontAlgn="base" hangingPunct="1">
               <a:lnSpc>
@@ -24521,522 +23637,59 @@
             </a:lvl9pPr>
           </a:lstStyle>
           <a:p>
+            <a:r>
+              <a:rPr lang="de-DE" dirty="0" err="1"/>
+              <a:t>React</a:t>
+            </a:r>
+            <a:r>
+              <a:rPr lang="de-DE" dirty="0"/>
+              <a:t> JS</a:t>
+            </a:r>
+          </a:p>
+          <a:p>
             <a:endParaRPr lang="de-DE" dirty="0"/>
           </a:p>
-        </p:txBody>
-      </p:sp>
-      <p:pic>
-        <p:nvPicPr>
-          <p:cNvPr id="1030" name="Picture 6" descr="http://ecx.images-amazon.com/images/I/81nhvNRII5L._SL1500_.jpg"/>
-          <p:cNvPicPr>
-            <a:picLocks noChangeAspect="1" noChangeArrowheads="1"/>
-          </p:cNvPicPr>
-          <p:nvPr/>
-        </p:nvPicPr>
-        <p:blipFill>
-          <a:blip r:embed="rId4" cstate="print">
-            <a:extLst>
-              <a:ext uri="{28A0092B-C50C-407E-A947-70E740481C1C}">
-                <a14:useLocalDpi xmlns:a14="http://schemas.microsoft.com/office/drawing/2010/main" val="0"/>
-              </a:ext>
-            </a:extLst>
-          </a:blip>
-          <a:srcRect/>
-          <a:stretch>
-            <a:fillRect/>
-          </a:stretch>
-        </p:blipFill>
-        <p:spPr bwMode="auto">
-          <a:xfrm>
-            <a:off x="4788024" y="1335640"/>
-            <a:ext cx="4040385" cy="3030289"/>
-          </a:xfrm>
-          <a:prstGeom prst="rect">
-            <a:avLst/>
-          </a:prstGeom>
-          <a:noFill/>
-          <a:extLst>
-            <a:ext uri="{909E8E84-426E-40DD-AFC4-6F175D3DCCD1}">
-              <a14:hiddenFill xmlns:a14="http://schemas.microsoft.com/office/drawing/2010/main">
-                <a:solidFill>
-                  <a:srgbClr val="FFFFFF"/>
-                </a:solidFill>
-              </a14:hiddenFill>
-            </a:ext>
-          </a:extLst>
-        </p:spPr>
-      </p:pic>
-      <p:sp>
-        <p:nvSpPr>
-          <p:cNvPr id="6" name="Titel 83"/>
-          <p:cNvSpPr txBox="1">
-            <a:spLocks/>
-          </p:cNvSpPr>
-          <p:nvPr/>
-        </p:nvSpPr>
-        <p:spPr bwMode="auto">
-          <a:xfrm>
-            <a:off x="1534273" y="418356"/>
-            <a:ext cx="2857092" cy="417074"/>
-          </a:xfrm>
-          <a:prstGeom prst="rect">
-            <a:avLst/>
-          </a:prstGeom>
-          <a:solidFill>
-            <a:srgbClr val="0095D8"/>
-          </a:solidFill>
-          <a:ln w="9525">
-            <a:noFill/>
-            <a:miter lim="800000"/>
-            <a:headEnd/>
-            <a:tailEnd/>
-          </a:ln>
-        </p:spPr>
-        <p:txBody>
-          <a:bodyPr vert="horz" wrap="none" lIns="144000" tIns="82800" rIns="144000" bIns="86400" numCol="1" rtlCol="0" anchor="ctr" anchorCtr="0" compatLnSpc="1">
-            <a:prstTxWarp prst="textNoShape">
-              <a:avLst/>
-            </a:prstTxWarp>
-            <a:spAutoFit/>
-          </a:bodyPr>
-          <a:lstStyle>
-            <a:defPPr>
-              <a:defRPr lang="de-DE"/>
-            </a:defPPr>
-            <a:lvl1pPr marL="0" marR="0" lvl="0" indent="0" defTabSz="914400" eaLnBrk="1" latinLnBrk="0" hangingPunct="1">
+          <a:p>
+            <a:r>
+              <a:rPr lang="de-DE" dirty="0"/>
+              <a:t>	</a:t>
+            </a:r>
+          </a:p>
+          <a:p>
+            <a:pPr lvl="3">
               <a:lnSpc>
-                <a:spcPct val="100000"/>
+                <a:spcPct val="150000"/>
               </a:lnSpc>
-              <a:buClrTx/>
-              <a:buSzTx/>
-              <a:buFontTx/>
-              <a:buNone/>
-              <a:tabLst/>
-              <a:defRPr kumimoji="0" sz="1600" b="1" i="0" u="none" strike="noStrike" cap="none" spc="0" normalizeH="0" baseline="0">
-                <a:ln>
-                  <a:noFill/>
-                </a:ln>
-                <a:solidFill>
-                  <a:srgbClr val="FFFFFF"/>
-                </a:solidFill>
-                <a:effectLst/>
-                <a:uLnTx/>
-                <a:uFillTx/>
-                <a:latin typeface="Arial"/>
-                <a:ea typeface="ＭＳ Ｐゴシック" charset="0"/>
-                <a:cs typeface="ＭＳ Ｐゴシック" charset="0"/>
-              </a:defRPr>
-            </a:lvl1pPr>
-          </a:lstStyle>
-          <a:p>
-            <a:r>
-              <a:rPr lang="de-DE" dirty="0"/>
-              <a:t>Treffen der Generationen?</a:t>
-            </a:r>
-          </a:p>
-        </p:txBody>
-      </p:sp>
-      <p:sp>
-        <p:nvSpPr>
-          <p:cNvPr id="3" name="Bildplatzhalter 2"/>
-          <p:cNvSpPr>
-            <a:spLocks noGrp="1"/>
-          </p:cNvSpPr>
-          <p:nvPr>
-            <p:ph type="pic" sz="quarter" idx="17"/>
-          </p:nvPr>
-        </p:nvSpPr>
-        <p:spPr/>
-      </p:sp>
-    </p:spTree>
-    <p:extLst>
-      <p:ext uri="{BB962C8B-B14F-4D97-AF65-F5344CB8AC3E}">
-        <p14:creationId xmlns:p14="http://schemas.microsoft.com/office/powerpoint/2010/main" val="3590408629"/>
-      </p:ext>
-    </p:extLst>
-  </p:cSld>
-  <p:clrMapOvr>
-    <a:masterClrMapping/>
-  </p:clrMapOvr>
-</p:sld>
-</file>
-
-<file path=ppt/slides/slide5.xml><?xml version="1.0" encoding="utf-8"?>
-<p:sld xmlns:a="http://schemas.openxmlformats.org/drawingml/2006/main" xmlns:r="http://schemas.openxmlformats.org/officeDocument/2006/relationships" xmlns:p="http://schemas.openxmlformats.org/presentationml/2006/main">
-  <p:cSld>
-    <p:spTree>
-      <p:nvGrpSpPr>
-        <p:cNvPr id="1" name=""/>
-        <p:cNvGrpSpPr/>
-        <p:nvPr/>
-      </p:nvGrpSpPr>
-      <p:grpSpPr>
-        <a:xfrm>
-          <a:off x="0" y="0"/>
-          <a:ext cx="0" cy="0"/>
-          <a:chOff x="0" y="0"/>
-          <a:chExt cx="0" cy="0"/>
-        </a:xfrm>
-      </p:grpSpPr>
-      <p:sp>
-        <p:nvSpPr>
-          <p:cNvPr id="3" name="Inhaltsplatzhalter 2"/>
-          <p:cNvSpPr>
-            <a:spLocks noGrp="1"/>
-          </p:cNvSpPr>
-          <p:nvPr>
-            <p:ph idx="14"/>
-          </p:nvPr>
-        </p:nvSpPr>
-        <p:spPr/>
-        <p:txBody>
-          <a:bodyPr/>
-          <a:lstStyle/>
-          <a:p>
-            <a:r>
-              <a:rPr lang="de-DE" dirty="0"/>
-              <a:t>DDD</a:t>
+            </a:pPr>
+            <a:r>
+              <a:rPr lang="de-DE" i="1" dirty="0"/>
+              <a:t>Vorteile</a:t>
+            </a:r>
+          </a:p>
+          <a:p>
+            <a:pPr lvl="3">
+              <a:lnSpc>
+                <a:spcPct val="150000"/>
+              </a:lnSpc>
+            </a:pPr>
+            <a:r>
+              <a:rPr lang="de-DE" i="1" dirty="0"/>
+              <a:t>Nachteile</a:t>
+            </a:r>
+          </a:p>
+          <a:p>
+            <a:pPr lvl="3">
+              <a:lnSpc>
+                <a:spcPct val="150000"/>
+              </a:lnSpc>
+            </a:pPr>
+            <a:r>
+              <a:rPr lang="de-DE" i="1" dirty="0"/>
+              <a:t>Reiseplanung implementieren</a:t>
             </a:r>
           </a:p>
           <a:p>
             <a:endParaRPr lang="de-DE" dirty="0"/>
-          </a:p>
-          <a:p>
-            <a:pPr lvl="1"/>
-            <a:r>
-              <a:rPr lang="en-US" b="0" i="1" dirty="0"/>
-              <a:t>Eric Evans brought about what is a timeless work. It is my firm belief that Eric’s work will guide developers in practical ways for decades to come.</a:t>
-            </a:r>
-          </a:p>
-          <a:p>
-            <a:pPr lvl="1"/>
-            <a:endParaRPr lang="en-US" i="1" dirty="0"/>
-          </a:p>
-          <a:p>
-            <a:pPr lvl="3"/>
-            <a:r>
-              <a:rPr lang="en-US" i="1" dirty="0" err="1"/>
-              <a:t>Ubiqious</a:t>
-            </a:r>
-            <a:r>
-              <a:rPr lang="en-US" i="1" dirty="0"/>
-              <a:t> Language</a:t>
-            </a:r>
-          </a:p>
-          <a:p>
-            <a:pPr lvl="3"/>
-            <a:r>
-              <a:rPr lang="en-US" i="1" dirty="0"/>
-              <a:t>Bounded Context</a:t>
-            </a:r>
-          </a:p>
-          <a:p>
-            <a:pPr lvl="3"/>
-            <a:r>
-              <a:rPr lang="en-US" i="1" dirty="0"/>
-              <a:t>Context Map</a:t>
-            </a:r>
-          </a:p>
-          <a:p>
-            <a:pPr lvl="3"/>
-            <a:r>
-              <a:rPr lang="en-US" i="1" dirty="0"/>
-              <a:t>Value Objects</a:t>
-            </a:r>
-          </a:p>
-          <a:p>
-            <a:pPr lvl="3"/>
-            <a:r>
-              <a:rPr lang="en-US" i="1" dirty="0"/>
-              <a:t>Entities</a:t>
-            </a:r>
-            <a:endParaRPr lang="de-DE" i="1" dirty="0"/>
-          </a:p>
-        </p:txBody>
-      </p:sp>
-      <p:sp>
-        <p:nvSpPr>
-          <p:cNvPr id="4" name="Titel 3"/>
-          <p:cNvSpPr>
-            <a:spLocks noGrp="1"/>
-          </p:cNvSpPr>
-          <p:nvPr>
-            <p:ph type="title"/>
-          </p:nvPr>
-        </p:nvSpPr>
-        <p:spPr>
-          <a:xfrm>
-            <a:off x="250825" y="411087"/>
-            <a:ext cx="1109948" cy="431614"/>
-          </a:xfrm>
-        </p:spPr>
-        <p:txBody>
-          <a:bodyPr/>
-          <a:lstStyle/>
-          <a:p>
-            <a:r>
-              <a:rPr lang="de-DE" dirty="0"/>
-              <a:t>Aufgabe</a:t>
-            </a:r>
-          </a:p>
-        </p:txBody>
-      </p:sp>
-      <p:sp>
-        <p:nvSpPr>
-          <p:cNvPr id="5" name="Inhaltsplatzhalter 1"/>
-          <p:cNvSpPr txBox="1">
-            <a:spLocks/>
-          </p:cNvSpPr>
-          <p:nvPr/>
-        </p:nvSpPr>
-        <p:spPr bwMode="auto">
-          <a:xfrm>
-            <a:off x="395536" y="1140438"/>
-            <a:ext cx="3888486" cy="3600450"/>
-          </a:xfrm>
-          <a:prstGeom prst="rect">
-            <a:avLst/>
-          </a:prstGeom>
-          <a:noFill/>
-          <a:ln w="9525">
-            <a:noFill/>
-            <a:miter lim="800000"/>
-            <a:headEnd/>
-            <a:tailEnd/>
-          </a:ln>
-          <a:extLst/>
-        </p:spPr>
-        <p:txBody>
-          <a:bodyPr vert="horz" wrap="square" lIns="0" tIns="0" rIns="0" bIns="0" numCol="1" anchor="t" anchorCtr="0" compatLnSpc="1">
-            <a:prstTxWarp prst="textNoShape">
-              <a:avLst/>
-            </a:prstTxWarp>
-          </a:bodyPr>
-          <a:lstStyle>
-            <a:lvl1pPr algn="l" defTabSz="863600" rtl="0" eaLnBrk="1" fontAlgn="base" hangingPunct="1">
-              <a:lnSpc>
-                <a:spcPts val="1800"/>
-              </a:lnSpc>
-              <a:spcBef>
-                <a:spcPts val="163"/>
-              </a:spcBef>
-              <a:spcAft>
-                <a:spcPts val="500"/>
-              </a:spcAft>
-              <a:buSzPct val="100000"/>
-              <a:defRPr lang="de-DE" sz="1600" b="1" kern="1200" dirty="0">
-                <a:solidFill>
-                  <a:srgbClr val="0095D8"/>
-                </a:solidFill>
-                <a:latin typeface="Arial"/>
-                <a:ea typeface="ＭＳ Ｐゴシック" charset="0"/>
-                <a:cs typeface="ＭＳ Ｐゴシック" charset="0"/>
-              </a:defRPr>
-            </a:lvl1pPr>
-            <a:lvl2pPr algn="l" defTabSz="1254125" rtl="0" eaLnBrk="1" fontAlgn="base" hangingPunct="1">
-              <a:lnSpc>
-                <a:spcPts val="1800"/>
-              </a:lnSpc>
-              <a:spcBef>
-                <a:spcPts val="163"/>
-              </a:spcBef>
-              <a:spcAft>
-                <a:spcPts val="500"/>
-              </a:spcAft>
-              <a:buSzPct val="100000"/>
-              <a:defRPr sz="1600" kern="1200">
-                <a:solidFill>
-                  <a:srgbClr val="003882"/>
-                </a:solidFill>
-                <a:latin typeface="Arial"/>
-                <a:ea typeface="ＭＳ Ｐゴシック" charset="0"/>
-                <a:cs typeface="+mn-cs"/>
-              </a:defRPr>
-            </a:lvl2pPr>
-            <a:lvl3pPr marL="207963" indent="-207963" algn="l" rtl="0" eaLnBrk="1" fontAlgn="base" hangingPunct="1">
-              <a:lnSpc>
-                <a:spcPts val="1800"/>
-              </a:lnSpc>
-              <a:spcBef>
-                <a:spcPts val="163"/>
-              </a:spcBef>
-              <a:spcAft>
-                <a:spcPts val="500"/>
-              </a:spcAft>
-              <a:buSzPct val="110000"/>
-              <a:buFontTx/>
-              <a:buBlip>
-                <a:blip r:embed="rId2"/>
-              </a:buBlip>
-              <a:defRPr sz="1600" b="1" kern="1200">
-                <a:solidFill>
-                  <a:srgbClr val="003882"/>
-                </a:solidFill>
-                <a:latin typeface="Arial"/>
-                <a:ea typeface="ＭＳ Ｐゴシック" charset="0"/>
-                <a:cs typeface="+mn-cs"/>
-              </a:defRPr>
-            </a:lvl3pPr>
-            <a:lvl4pPr marL="431800" indent="-215900" algn="l" rtl="0" eaLnBrk="1" fontAlgn="base" hangingPunct="1">
-              <a:lnSpc>
-                <a:spcPts val="1800"/>
-              </a:lnSpc>
-              <a:spcBef>
-                <a:spcPts val="163"/>
-              </a:spcBef>
-              <a:spcAft>
-                <a:spcPts val="500"/>
-              </a:spcAft>
-              <a:buSzPct val="110000"/>
-              <a:buFontTx/>
-              <a:buBlip>
-                <a:blip r:embed="rId2"/>
-              </a:buBlip>
-              <a:defRPr sz="1600" kern="1200">
-                <a:solidFill>
-                  <a:srgbClr val="003882"/>
-                </a:solidFill>
-                <a:latin typeface="Arial"/>
-                <a:ea typeface="ＭＳ Ｐゴシック" charset="0"/>
-                <a:cs typeface="+mn-cs"/>
-              </a:defRPr>
-            </a:lvl4pPr>
-            <a:lvl5pPr marL="647700" indent="-215900" algn="l" rtl="0" eaLnBrk="1" fontAlgn="base" hangingPunct="1">
-              <a:lnSpc>
-                <a:spcPts val="1800"/>
-              </a:lnSpc>
-              <a:spcBef>
-                <a:spcPts val="163"/>
-              </a:spcBef>
-              <a:spcAft>
-                <a:spcPts val="500"/>
-              </a:spcAft>
-              <a:buSzPct val="110000"/>
-              <a:buFontTx/>
-              <a:buBlip>
-                <a:blip r:embed="rId3"/>
-              </a:buBlip>
-              <a:defRPr sz="1400" kern="1200">
-                <a:solidFill>
-                  <a:srgbClr val="003882"/>
-                </a:solidFill>
-                <a:latin typeface="Arial"/>
-                <a:ea typeface="ＭＳ Ｐゴシック" charset="0"/>
-                <a:cs typeface="+mn-cs"/>
-              </a:defRPr>
-            </a:lvl5pPr>
-            <a:lvl6pPr marL="208800" indent="-208800" algn="l" defTabSz="914400" rtl="0" eaLnBrk="1" latinLnBrk="0" hangingPunct="1">
-              <a:lnSpc>
-                <a:spcPts val="1800"/>
-              </a:lnSpc>
-              <a:spcBef>
-                <a:spcPts val="163"/>
-              </a:spcBef>
-              <a:spcAft>
-                <a:spcPts val="500"/>
-              </a:spcAft>
-              <a:buFont typeface="+mj-lt"/>
-              <a:buAutoNum type="arabicPeriod"/>
-              <a:defRPr sz="1500" kern="1200">
-                <a:solidFill>
-                  <a:schemeClr val="tx1"/>
-                </a:solidFill>
-                <a:latin typeface="+mn-lt"/>
-                <a:ea typeface="+mn-ea"/>
-                <a:cs typeface="+mn-cs"/>
-              </a:defRPr>
-            </a:lvl6pPr>
-            <a:lvl7pPr marL="2971800" indent="-228600" algn="l" defTabSz="914400" rtl="0" eaLnBrk="1" latinLnBrk="0" hangingPunct="1">
-              <a:spcBef>
-                <a:spcPct val="20000"/>
-              </a:spcBef>
-              <a:buFont typeface="Arial" pitchFamily="34" charset="0"/>
-              <a:buChar char="•"/>
-              <a:defRPr sz="2000" kern="1200">
-                <a:solidFill>
-                  <a:schemeClr val="tx1"/>
-                </a:solidFill>
-                <a:latin typeface="+mn-lt"/>
-                <a:ea typeface="+mn-ea"/>
-                <a:cs typeface="+mn-cs"/>
-              </a:defRPr>
-            </a:lvl7pPr>
-            <a:lvl8pPr marL="3429000" indent="-228600" algn="l" defTabSz="914400" rtl="0" eaLnBrk="1" latinLnBrk="0" hangingPunct="1">
-              <a:spcBef>
-                <a:spcPct val="20000"/>
-              </a:spcBef>
-              <a:buFont typeface="Arial" pitchFamily="34" charset="0"/>
-              <a:buChar char="•"/>
-              <a:defRPr sz="2000" kern="1200">
-                <a:solidFill>
-                  <a:schemeClr val="tx1"/>
-                </a:solidFill>
-                <a:latin typeface="+mn-lt"/>
-                <a:ea typeface="+mn-ea"/>
-                <a:cs typeface="+mn-cs"/>
-              </a:defRPr>
-            </a:lvl8pPr>
-            <a:lvl9pPr marL="3886200" indent="-228600" algn="l" defTabSz="914400" rtl="0" eaLnBrk="1" latinLnBrk="0" hangingPunct="1">
-              <a:spcBef>
-                <a:spcPct val="20000"/>
-              </a:spcBef>
-              <a:buFont typeface="Arial" pitchFamily="34" charset="0"/>
-              <a:buChar char="•"/>
-              <a:defRPr sz="2000" kern="1200">
-                <a:solidFill>
-                  <a:schemeClr val="tx1"/>
-                </a:solidFill>
-                <a:latin typeface="+mn-lt"/>
-                <a:ea typeface="+mn-ea"/>
-                <a:cs typeface="+mn-cs"/>
-              </a:defRPr>
-            </a:lvl9pPr>
-          </a:lstStyle>
-          <a:p>
-            <a:r>
-              <a:rPr lang="de-DE"/>
-              <a:t>React JS</a:t>
-            </a:r>
-          </a:p>
-          <a:p>
-            <a:endParaRPr lang="de-DE"/>
-          </a:p>
-          <a:p>
-            <a:r>
-              <a:rPr lang="de-DE"/>
-              <a:t>	</a:t>
-            </a:r>
-          </a:p>
-          <a:p>
-            <a:pPr lvl="3"/>
-            <a:r>
-              <a:rPr lang="de-DE" i="1"/>
-              <a:t>Bibliothek – kein Framework</a:t>
-            </a:r>
-          </a:p>
-          <a:p>
-            <a:pPr lvl="3"/>
-            <a:r>
-              <a:rPr lang="de-DE" i="1"/>
-              <a:t>Benutzoberflächen erstellen</a:t>
-            </a:r>
-          </a:p>
-          <a:p>
-            <a:pPr lvl="3"/>
-            <a:r>
-              <a:rPr lang="de-DE" i="1"/>
-              <a:t>Einfacher Code</a:t>
-            </a:r>
-          </a:p>
-          <a:p>
-            <a:pPr lvl="3"/>
-            <a:r>
-              <a:rPr lang="de-DE" i="1"/>
-              <a:t>Virtual DOM</a:t>
-            </a:r>
-          </a:p>
-          <a:p>
-            <a:endParaRPr lang="de-DE"/>
           </a:p>
         </p:txBody>
       </p:sp>
@@ -25053,7 +23706,7 @@
 </p:sld>
 </file>
 
-<file path=ppt/slides/slide6.xml><?xml version="1.0" encoding="utf-8"?>
+<file path=ppt/slides/slide4.xml><?xml version="1.0" encoding="utf-8"?>
 <p:sld xmlns:a="http://schemas.openxmlformats.org/drawingml/2006/main" xmlns:r="http://schemas.openxmlformats.org/officeDocument/2006/relationships" xmlns:p="http://schemas.openxmlformats.org/presentationml/2006/main">
   <p:cSld>
     <p:spTree>
@@ -25332,7 +23985,7 @@
 </p:sld>
 </file>
 
-<file path=ppt/slides/slide7.xml><?xml version="1.0" encoding="utf-8"?>
+<file path=ppt/slides/slide5.xml><?xml version="1.0" encoding="utf-8"?>
 <p:sld xmlns:a="http://schemas.openxmlformats.org/drawingml/2006/main" xmlns:r="http://schemas.openxmlformats.org/officeDocument/2006/relationships" xmlns:p="http://schemas.openxmlformats.org/presentationml/2006/main">
   <p:cSld>
     <p:spTree>
@@ -25508,6 +24161,485 @@
 </p:sld>
 </file>
 
+<file path=ppt/slides/slide6.xml><?xml version="1.0" encoding="utf-8"?>
+<p:sld xmlns:a="http://schemas.openxmlformats.org/drawingml/2006/main" xmlns:r="http://schemas.openxmlformats.org/officeDocument/2006/relationships" xmlns:p="http://schemas.openxmlformats.org/presentationml/2006/main">
+  <p:cSld>
+    <p:spTree>
+      <p:nvGrpSpPr>
+        <p:cNvPr id="1" name=""/>
+        <p:cNvGrpSpPr/>
+        <p:nvPr/>
+      </p:nvGrpSpPr>
+      <p:grpSpPr>
+        <a:xfrm>
+          <a:off x="0" y="0"/>
+          <a:ext cx="0" cy="0"/>
+          <a:chOff x="0" y="0"/>
+          <a:chExt cx="0" cy="0"/>
+        </a:xfrm>
+      </p:grpSpPr>
+      <p:sp>
+        <p:nvSpPr>
+          <p:cNvPr id="5" name="Textplatzhalter 4"/>
+          <p:cNvSpPr>
+            <a:spLocks noGrp="1"/>
+          </p:cNvSpPr>
+          <p:nvPr>
+            <p:ph idx="1"/>
+          </p:nvPr>
+        </p:nvSpPr>
+        <p:spPr/>
+        <p:txBody>
+          <a:bodyPr/>
+          <a:lstStyle/>
+          <a:p>
+            <a:pPr lvl="3">
+              <a:lnSpc>
+                <a:spcPct val="150000"/>
+              </a:lnSpc>
+            </a:pPr>
+            <a:r>
+              <a:rPr lang="en-US" i="1" dirty="0" err="1"/>
+              <a:t>Bibliothek</a:t>
+            </a:r>
+            <a:r>
+              <a:rPr lang="en-US" i="1" dirty="0"/>
+              <a:t> – </a:t>
+            </a:r>
+            <a:r>
+              <a:rPr lang="en-US" i="1" dirty="0" err="1"/>
+              <a:t>kein</a:t>
+            </a:r>
+            <a:r>
+              <a:rPr lang="en-US" i="1" dirty="0"/>
+              <a:t> Framework</a:t>
+            </a:r>
+          </a:p>
+          <a:p>
+            <a:pPr lvl="3">
+              <a:lnSpc>
+                <a:spcPct val="150000"/>
+              </a:lnSpc>
+            </a:pPr>
+            <a:r>
+              <a:rPr lang="en-US" i="1" dirty="0" err="1"/>
+              <a:t>Benutzoberflächen</a:t>
+            </a:r>
+            <a:r>
+              <a:rPr lang="en-US" i="1" dirty="0"/>
+              <a:t> </a:t>
+            </a:r>
+            <a:r>
+              <a:rPr lang="en-US" i="1" dirty="0" err="1"/>
+              <a:t>erstellen</a:t>
+            </a:r>
+            <a:endParaRPr lang="en-US" i="1" dirty="0"/>
+          </a:p>
+          <a:p>
+            <a:pPr lvl="3">
+              <a:lnSpc>
+                <a:spcPct val="150000"/>
+              </a:lnSpc>
+            </a:pPr>
+            <a:r>
+              <a:rPr lang="en-US" i="1" dirty="0"/>
+              <a:t>Virtual DOM</a:t>
+            </a:r>
+          </a:p>
+          <a:p>
+            <a:pPr lvl="3">
+              <a:lnSpc>
+                <a:spcPct val="150000"/>
+              </a:lnSpc>
+            </a:pPr>
+            <a:r>
+              <a:rPr lang="en-US" i="1" dirty="0" err="1"/>
+              <a:t>Kann</a:t>
+            </a:r>
+            <a:r>
+              <a:rPr lang="en-US" i="1" dirty="0"/>
+              <a:t> JSX </a:t>
+            </a:r>
+            <a:r>
+              <a:rPr lang="en-US" i="1" dirty="0" err="1"/>
+              <a:t>verwenden</a:t>
+            </a:r>
+            <a:endParaRPr lang="en-US" i="1" dirty="0"/>
+          </a:p>
+          <a:p>
+            <a:pPr lvl="3">
+              <a:lnSpc>
+                <a:spcPct val="150000"/>
+              </a:lnSpc>
+            </a:pPr>
+            <a:r>
+              <a:rPr lang="en-US" i="1" dirty="0" err="1"/>
+              <a:t>Einfacher</a:t>
+            </a:r>
+            <a:r>
+              <a:rPr lang="en-US" i="1" dirty="0"/>
+              <a:t> Code</a:t>
+            </a:r>
+          </a:p>
+          <a:p>
+            <a:pPr lvl="3">
+              <a:lnSpc>
+                <a:spcPct val="150000"/>
+              </a:lnSpc>
+            </a:pPr>
+            <a:r>
+              <a:rPr lang="en-US" i="1" dirty="0" err="1"/>
+              <a:t>Weit</a:t>
+            </a:r>
+            <a:r>
+              <a:rPr lang="en-US" i="1" dirty="0"/>
+              <a:t> </a:t>
+            </a:r>
+            <a:r>
+              <a:rPr lang="en-US" i="1" dirty="0" err="1"/>
+              <a:t>verbreitet</a:t>
+            </a:r>
+            <a:endParaRPr lang="en-US" i="1" dirty="0"/>
+          </a:p>
+          <a:p>
+            <a:pPr marL="285750" lvl="1" indent="-285750">
+              <a:buFont typeface="Arial" panose="020B0604020202020204" pitchFamily="34" charset="0"/>
+              <a:buChar char="•"/>
+            </a:pPr>
+            <a:endParaRPr lang="de-DE" dirty="0"/>
+          </a:p>
+        </p:txBody>
+      </p:sp>
+      <p:sp>
+        <p:nvSpPr>
+          <p:cNvPr id="6" name="Inhaltsplatzhalter 5"/>
+          <p:cNvSpPr>
+            <a:spLocks noGrp="1"/>
+          </p:cNvSpPr>
+          <p:nvPr>
+            <p:ph idx="14"/>
+          </p:nvPr>
+        </p:nvSpPr>
+        <p:spPr>
+          <a:xfrm>
+            <a:off x="4716016" y="1131570"/>
+            <a:ext cx="4176464" cy="3600450"/>
+          </a:xfrm>
+        </p:spPr>
+        <p:txBody>
+          <a:bodyPr/>
+          <a:lstStyle/>
+          <a:p>
+            <a:pPr marL="215900" lvl="3" indent="0">
+              <a:buNone/>
+            </a:pPr>
+            <a:r>
+              <a:rPr lang="en-US" i="1" dirty="0"/>
+              <a:t>Class Test extends </a:t>
+            </a:r>
+            <a:r>
+              <a:rPr lang="en-US" i="1" dirty="0" err="1"/>
+              <a:t>React.Component</a:t>
+            </a:r>
+            <a:r>
+              <a:rPr lang="en-US" i="1" dirty="0"/>
+              <a:t> {</a:t>
+            </a:r>
+          </a:p>
+          <a:p>
+            <a:pPr marL="215900" lvl="3" indent="0">
+              <a:buNone/>
+            </a:pPr>
+            <a:r>
+              <a:rPr lang="en-US" i="1" dirty="0"/>
+              <a:t>    render() {</a:t>
+            </a:r>
+          </a:p>
+          <a:p>
+            <a:pPr marL="215900" lvl="3" indent="0">
+              <a:buNone/>
+            </a:pPr>
+            <a:r>
+              <a:rPr lang="en-US" i="1" dirty="0"/>
+              <a:t>        return (</a:t>
+            </a:r>
+          </a:p>
+          <a:p>
+            <a:pPr marL="215900" lvl="3" indent="0">
+              <a:buNone/>
+            </a:pPr>
+            <a:r>
+              <a:rPr lang="en-US" i="1" dirty="0"/>
+              <a:t>            &lt;h1 id=“test”&gt;</a:t>
+            </a:r>
+          </a:p>
+          <a:p>
+            <a:pPr marL="215900" lvl="3" indent="0">
+              <a:buNone/>
+            </a:pPr>
+            <a:r>
+              <a:rPr lang="en-US" i="1" dirty="0"/>
+              <a:t>                Hallo Welt</a:t>
+            </a:r>
+          </a:p>
+          <a:p>
+            <a:pPr marL="215900" lvl="3" indent="0">
+              <a:buNone/>
+            </a:pPr>
+            <a:r>
+              <a:rPr lang="en-US" i="1" dirty="0"/>
+              <a:t>            &lt;/h1&gt;</a:t>
+            </a:r>
+          </a:p>
+          <a:p>
+            <a:pPr marL="215900" lvl="3" indent="0">
+              <a:buNone/>
+            </a:pPr>
+            <a:r>
+              <a:rPr lang="en-US" i="1" dirty="0"/>
+              <a:t>        );</a:t>
+            </a:r>
+          </a:p>
+          <a:p>
+            <a:pPr marL="215900" lvl="3" indent="0">
+              <a:buNone/>
+            </a:pPr>
+            <a:r>
+              <a:rPr lang="en-US" i="1" dirty="0"/>
+              <a:t>    }</a:t>
+            </a:r>
+          </a:p>
+          <a:p>
+            <a:pPr marL="215900" lvl="3" indent="0">
+              <a:buNone/>
+            </a:pPr>
+            <a:r>
+              <a:rPr lang="en-US" i="1" dirty="0"/>
+              <a:t>}</a:t>
+            </a:r>
+          </a:p>
+        </p:txBody>
+      </p:sp>
+      <p:sp>
+        <p:nvSpPr>
+          <p:cNvPr id="4" name="Titel 3"/>
+          <p:cNvSpPr>
+            <a:spLocks noGrp="1"/>
+          </p:cNvSpPr>
+          <p:nvPr>
+            <p:ph type="title"/>
+          </p:nvPr>
+        </p:nvSpPr>
+        <p:spPr>
+          <a:xfrm>
+            <a:off x="250825" y="411087"/>
+            <a:ext cx="848658" cy="431614"/>
+          </a:xfrm>
+        </p:spPr>
+        <p:txBody>
+          <a:bodyPr/>
+          <a:lstStyle/>
+          <a:p>
+            <a:r>
+              <a:rPr lang="de-DE" dirty="0" err="1"/>
+              <a:t>React</a:t>
+            </a:r>
+            <a:endParaRPr lang="de-DE" dirty="0"/>
+          </a:p>
+        </p:txBody>
+      </p:sp>
+    </p:spTree>
+    <p:extLst>
+      <p:ext uri="{BB962C8B-B14F-4D97-AF65-F5344CB8AC3E}">
+        <p14:creationId xmlns:p14="http://schemas.microsoft.com/office/powerpoint/2010/main" val="3138605269"/>
+      </p:ext>
+    </p:extLst>
+  </p:cSld>
+  <p:clrMapOvr>
+    <a:masterClrMapping/>
+  </p:clrMapOvr>
+</p:sld>
+</file>
+
+<file path=ppt/slides/slide7.xml><?xml version="1.0" encoding="utf-8"?>
+<p:sld xmlns:a="http://schemas.openxmlformats.org/drawingml/2006/main" xmlns:r="http://schemas.openxmlformats.org/officeDocument/2006/relationships" xmlns:p="http://schemas.openxmlformats.org/presentationml/2006/main">
+  <p:cSld>
+    <p:spTree>
+      <p:nvGrpSpPr>
+        <p:cNvPr id="1" name=""/>
+        <p:cNvGrpSpPr/>
+        <p:nvPr/>
+      </p:nvGrpSpPr>
+      <p:grpSpPr>
+        <a:xfrm>
+          <a:off x="0" y="0"/>
+          <a:ext cx="0" cy="0"/>
+          <a:chOff x="0" y="0"/>
+          <a:chExt cx="0" cy="0"/>
+        </a:xfrm>
+      </p:grpSpPr>
+      <p:sp>
+        <p:nvSpPr>
+          <p:cNvPr id="2" name="Textplatzhalter 1"/>
+          <p:cNvSpPr>
+            <a:spLocks noGrp="1"/>
+          </p:cNvSpPr>
+          <p:nvPr>
+            <p:ph idx="1"/>
+          </p:nvPr>
+        </p:nvSpPr>
+        <p:spPr/>
+        <p:txBody>
+          <a:bodyPr/>
+          <a:lstStyle/>
+          <a:p>
+            <a:pPr lvl="3">
+              <a:lnSpc>
+                <a:spcPct val="150000"/>
+              </a:lnSpc>
+            </a:pPr>
+            <a:r>
+              <a:rPr lang="en-US" i="1" dirty="0" err="1"/>
+              <a:t>Nicht</a:t>
+            </a:r>
+            <a:r>
+              <a:rPr lang="en-US" i="1" dirty="0"/>
+              <a:t> das </a:t>
+            </a:r>
+            <a:r>
+              <a:rPr lang="en-US" i="1" dirty="0" err="1"/>
+              <a:t>schnellste</a:t>
+            </a:r>
+            <a:endParaRPr lang="en-US" i="1" dirty="0"/>
+          </a:p>
+          <a:p>
+            <a:pPr lvl="3">
+              <a:lnSpc>
+                <a:spcPct val="150000"/>
+              </a:lnSpc>
+            </a:pPr>
+            <a:r>
+              <a:rPr lang="en-US" i="1" dirty="0"/>
+              <a:t>Babel </a:t>
+            </a:r>
+            <a:r>
+              <a:rPr lang="en-US" i="1" dirty="0" err="1"/>
+              <a:t>benötigt</a:t>
+            </a:r>
+            <a:endParaRPr lang="en-US" i="1" dirty="0"/>
+          </a:p>
+          <a:p>
+            <a:pPr lvl="3">
+              <a:lnSpc>
+                <a:spcPct val="150000"/>
+              </a:lnSpc>
+            </a:pPr>
+            <a:r>
+              <a:rPr lang="en-US" i="1" dirty="0" err="1"/>
+              <a:t>ReactDOM</a:t>
+            </a:r>
+            <a:r>
+              <a:rPr lang="en-US" i="1" dirty="0"/>
+              <a:t> </a:t>
+            </a:r>
+            <a:r>
+              <a:rPr lang="en-US" i="1" dirty="0" err="1"/>
+              <a:t>benötigt</a:t>
+            </a:r>
+            <a:endParaRPr lang="en-US" i="1" dirty="0"/>
+          </a:p>
+          <a:p>
+            <a:pPr lvl="3">
+              <a:lnSpc>
+                <a:spcPct val="150000"/>
+              </a:lnSpc>
+            </a:pPr>
+            <a:r>
+              <a:rPr lang="en-US" i="1" dirty="0"/>
+              <a:t>Klassen </a:t>
+            </a:r>
+            <a:r>
+              <a:rPr lang="en-US" i="1" dirty="0" err="1"/>
+              <a:t>groß</a:t>
+            </a:r>
+            <a:r>
+              <a:rPr lang="en-US" i="1" dirty="0"/>
+              <a:t> </a:t>
+            </a:r>
+            <a:r>
+              <a:rPr lang="en-US" i="1" dirty="0" err="1"/>
+              <a:t>schreiben</a:t>
+            </a:r>
+            <a:endParaRPr lang="de-DE" dirty="0"/>
+          </a:p>
+        </p:txBody>
+      </p:sp>
+      <p:sp>
+        <p:nvSpPr>
+          <p:cNvPr id="3" name="Titel 2"/>
+          <p:cNvSpPr>
+            <a:spLocks noGrp="1"/>
+          </p:cNvSpPr>
+          <p:nvPr>
+            <p:ph type="title"/>
+          </p:nvPr>
+        </p:nvSpPr>
+        <p:spPr>
+          <a:xfrm>
+            <a:off x="250825" y="411087"/>
+            <a:ext cx="848658" cy="431614"/>
+          </a:xfrm>
+        </p:spPr>
+        <p:txBody>
+          <a:bodyPr/>
+          <a:lstStyle/>
+          <a:p>
+            <a:r>
+              <a:rPr lang="de-DE" dirty="0" err="1"/>
+              <a:t>React</a:t>
+            </a:r>
+            <a:endParaRPr lang="de-DE" dirty="0"/>
+          </a:p>
+        </p:txBody>
+      </p:sp>
+      <p:pic>
+        <p:nvPicPr>
+          <p:cNvPr id="10" name="Bildplatzhalter 9"/>
+          <p:cNvPicPr>
+            <a:picLocks noGrp="1" noChangeAspect="1"/>
+          </p:cNvPicPr>
+          <p:nvPr>
+            <p:ph type="pic" sz="quarter" idx="17"/>
+          </p:nvPr>
+        </p:nvPicPr>
+        <p:blipFill>
+          <a:blip r:embed="rId2">
+            <a:extLst>
+              <a:ext uri="{28A0092B-C50C-407E-A947-70E740481C1C}">
+                <a14:useLocalDpi xmlns:a14="http://schemas.microsoft.com/office/drawing/2010/main" val="0"/>
+              </a:ext>
+            </a:extLst>
+          </a:blip>
+          <a:srcRect t="7630" b="7630"/>
+          <a:stretch>
+            <a:fillRect/>
+          </a:stretch>
+        </p:blipFill>
+        <p:spPr/>
+      </p:pic>
+    </p:spTree>
+    <p:extLst>
+      <p:ext uri="{BB962C8B-B14F-4D97-AF65-F5344CB8AC3E}">
+        <p14:creationId xmlns:p14="http://schemas.microsoft.com/office/powerpoint/2010/main" val="1104477734"/>
+      </p:ext>
+    </p:extLst>
+  </p:cSld>
+  <p:clrMapOvr>
+    <a:masterClrMapping/>
+  </p:clrMapOvr>
+</p:sld>
+</file>
+
 <file path=ppt/slides/slide8.xml><?xml version="1.0" encoding="utf-8"?>
 <p:sld xmlns:a="http://schemas.openxmlformats.org/drawingml/2006/main" xmlns:r="http://schemas.openxmlformats.org/officeDocument/2006/relationships" xmlns:p="http://schemas.openxmlformats.org/presentationml/2006/main">
   <p:cSld>
@@ -25540,78 +24672,99 @@
           <a:bodyPr/>
           <a:lstStyle/>
           <a:p>
-            <a:pPr lvl="3"/>
-            <a:r>
-              <a:rPr lang="de-DE" dirty="0"/>
-              <a:t>Ist eine deklarative, effiziente und flexible JavaScript Bibliothek zu Erstellen von Benutzeroberflächen</a:t>
-            </a:r>
-          </a:p>
-          <a:p>
-            <a:pPr lvl="3"/>
-            <a:r>
-              <a:rPr lang="de-DE" dirty="0" err="1"/>
-              <a:t>React</a:t>
-            </a:r>
-            <a:r>
-              <a:rPr lang="de-DE" dirty="0"/>
-              <a:t> rendert und </a:t>
-            </a:r>
-            <a:r>
-              <a:rPr lang="de-DE" dirty="0" err="1"/>
-              <a:t>updated</a:t>
-            </a:r>
-            <a:r>
-              <a:rPr lang="de-DE" dirty="0"/>
-              <a:t> nur die Komponenten die von der Datenänderung betroffen sind</a:t>
-            </a:r>
-          </a:p>
-          <a:p>
-            <a:pPr lvl="3"/>
-            <a:r>
-              <a:rPr lang="de-DE" dirty="0"/>
-              <a:t>Jedes </a:t>
-            </a:r>
-            <a:r>
-              <a:rPr lang="de-DE" dirty="0" err="1"/>
-              <a:t>React</a:t>
-            </a:r>
-            <a:r>
-              <a:rPr lang="de-DE" dirty="0"/>
-              <a:t> Element ist ein JavaScript </a:t>
-            </a:r>
-            <a:r>
-              <a:rPr lang="de-DE" dirty="0" err="1"/>
-              <a:t>Object</a:t>
-            </a:r>
-            <a:endParaRPr lang="de-DE" dirty="0"/>
-          </a:p>
-          <a:p>
-            <a:pPr lvl="3"/>
-            <a:r>
-              <a:rPr lang="de-DE" dirty="0"/>
-              <a:t>Jede Komponente ist gekapselt -&gt; arbeitet unabhängig -&gt; erlaubt komplexe UI mit einfachen Komponenten</a:t>
-            </a:r>
-          </a:p>
-          <a:p>
-            <a:pPr lvl="3"/>
-            <a:r>
-              <a:rPr lang="de-DE" dirty="0"/>
-              <a:t>Frontendcode leichter verständlich + besser wartbar</a:t>
-            </a:r>
-          </a:p>
-          <a:p>
-            <a:pPr marL="0" lvl="2" indent="0">
-              <a:buNone/>
-            </a:pPr>
-            <a:endParaRPr lang="de-DE" dirty="0">
-              <a:solidFill>
-                <a:schemeClr val="accent1">
-                  <a:lumMod val="75000"/>
-                </a:schemeClr>
-              </a:solidFill>
-            </a:endParaRPr>
-          </a:p>
-          <a:p>
+            <a:r>
+              <a:rPr lang="de-DE" dirty="0">
+                <a:solidFill>
+                  <a:schemeClr val="accent1">
+                    <a:lumMod val="75000"/>
+                  </a:schemeClr>
+                </a:solidFill>
+                <a:cs typeface="+mn-cs"/>
+              </a:rPr>
+              <a:t>Benefits</a:t>
+            </a:r>
+          </a:p>
+          <a:p>
+            <a:pPr lvl="2"/>
+            <a:r>
+              <a:rPr lang="en-US" b="0" dirty="0"/>
+              <a:t>DDD isn’t first and foremost about technology. In its most central principles, DDD is about discussion, listening, understanding, discovery, and business value</a:t>
+            </a:r>
+          </a:p>
+          <a:p>
+            <a:pPr lvl="2"/>
+            <a:r>
+              <a:rPr lang="en-US" b="0" dirty="0"/>
+              <a:t>DDD brings domain experts and software developers together</a:t>
+            </a:r>
+          </a:p>
+          <a:p>
+            <a:pPr lvl="2"/>
+            <a:r>
+              <a:rPr lang="en-US" b="0" dirty="0"/>
+              <a:t>DDD addresses the strategic initiatives of the business</a:t>
+            </a:r>
+          </a:p>
+          <a:p>
+            <a:pPr lvl="2"/>
+            <a:r>
+              <a:rPr lang="en-US" b="0" dirty="0"/>
+              <a:t>DDD meets the real technical demands of the software by using tactical design modeling tools</a:t>
+            </a:r>
+          </a:p>
+          <a:p>
+            <a:pPr lvl="2"/>
+            <a:r>
+              <a:rPr lang="en-US" b="0" i="1" dirty="0"/>
+              <a:t>the design is the code and the code is the design</a:t>
+            </a:r>
+          </a:p>
+          <a:p>
+            <a:pPr lvl="2"/>
+            <a:endParaRPr lang="en-US" b="0" i="1" dirty="0"/>
+          </a:p>
+          <a:p>
+            <a:pPr lvl="2"/>
+            <a:endParaRPr lang="en-US" b="0" i="1" dirty="0"/>
+          </a:p>
+          <a:p>
+            <a:pPr lvl="2"/>
+            <a:r>
+              <a:rPr lang="en-US" i="1" dirty="0" err="1"/>
+              <a:t>Bessere</a:t>
+            </a:r>
+            <a:r>
+              <a:rPr lang="en-US" i="1" dirty="0"/>
+              <a:t> </a:t>
+            </a:r>
+            <a:r>
+              <a:rPr lang="en-US" i="1" dirty="0" err="1"/>
+              <a:t>Architektur</a:t>
+            </a:r>
+            <a:r>
+              <a:rPr lang="en-US" i="1" dirty="0"/>
+              <a:t> </a:t>
+            </a:r>
+            <a:r>
+              <a:rPr lang="en-US" i="1" dirty="0" err="1"/>
+              <a:t>für</a:t>
+            </a:r>
+            <a:r>
+              <a:rPr lang="en-US" i="1" dirty="0"/>
+              <a:t> </a:t>
+            </a:r>
+            <a:r>
+              <a:rPr lang="en-US" i="1" dirty="0" err="1"/>
+              <a:t>verteilte</a:t>
+            </a:r>
+            <a:r>
+              <a:rPr lang="en-US" i="1" dirty="0"/>
+              <a:t> </a:t>
+            </a:r>
+            <a:r>
+              <a:rPr lang="en-US" i="1" dirty="0" err="1"/>
+              <a:t>Webapplikation</a:t>
+            </a:r>
             <a:endParaRPr lang="de-DE" dirty="0"/>
           </a:p>
         </p:txBody>
@@ -25629,7 +24782,7 @@
         <p:spPr>
           <a:xfrm>
             <a:off x="250825" y="411087"/>
-            <a:ext cx="1156434" cy="431614"/>
+            <a:ext cx="2478912" cy="431614"/>
           </a:xfrm>
         </p:spPr>
         <p:txBody>
@@ -25637,12 +24790,16 @@
           <a:lstStyle/>
           <a:p>
             <a:r>
+              <a:rPr lang="de-DE" dirty="0"/>
+              <a:t>Domain </a:t>
+            </a:r>
+            <a:r>
               <a:rPr lang="de-DE" dirty="0" err="1"/>
-              <a:t>React</a:t>
+              <a:t>Driven</a:t>
             </a:r>
             <a:r>
               <a:rPr lang="de-DE" dirty="0"/>
-              <a:t> JS</a:t>
+              <a:t> Design</a:t>
             </a:r>
           </a:p>
         </p:txBody>
@@ -25657,8 +24814,8 @@
         </p:nvSpPr>
         <p:spPr bwMode="auto">
           <a:xfrm>
-            <a:off x="1475656" y="411087"/>
-            <a:ext cx="4061460" cy="417074"/>
+            <a:off x="2843808" y="425627"/>
+            <a:ext cx="1103920" cy="417074"/>
           </a:xfrm>
           <a:prstGeom prst="rect">
             <a:avLst/>
@@ -25712,7 +24869,7 @@
           <a:p>
             <a:r>
               <a:rPr lang="de-DE" dirty="0"/>
-              <a:t>Was haben wir in der Theorie gelernt? </a:t>
+              <a:t>Warum?</a:t>
             </a:r>
           </a:p>
         </p:txBody>
@@ -25759,7 +24916,7 @@
     </p:spTree>
     <p:extLst>
       <p:ext uri="{BB962C8B-B14F-4D97-AF65-F5344CB8AC3E}">
-        <p14:creationId xmlns:p14="http://schemas.microsoft.com/office/powerpoint/2010/main" val="705023643"/>
+        <p14:creationId xmlns:p14="http://schemas.microsoft.com/office/powerpoint/2010/main" val="135947717"/>
       </p:ext>
     </p:extLst>
   </p:cSld>
@@ -25788,7 +24945,19 @@
       </p:grpSpPr>
       <p:sp>
         <p:nvSpPr>
-          <p:cNvPr id="5" name="Textplatzhalter 4"/>
+          <p:cNvPr id="2" name="Bildplatzhalter 1"/>
+          <p:cNvSpPr>
+            <a:spLocks noGrp="1"/>
+          </p:cNvSpPr>
+          <p:nvPr>
+            <p:ph type="pic" sz="quarter" idx="17"/>
+          </p:nvPr>
+        </p:nvSpPr>
+        <p:spPr/>
+      </p:sp>
+      <p:sp>
+        <p:nvSpPr>
+          <p:cNvPr id="3" name="Inhaltsplatzhalter 2"/>
           <p:cNvSpPr>
             <a:spLocks noGrp="1"/>
           </p:cNvSpPr>
@@ -25801,230 +24970,22 @@
           <a:bodyPr/>
           <a:lstStyle/>
           <a:p>
-            <a:pPr lvl="3">
-              <a:lnSpc>
-                <a:spcPct val="150000"/>
-              </a:lnSpc>
-            </a:pPr>
-            <a:r>
-              <a:rPr lang="en-US" i="1" dirty="0" err="1"/>
-              <a:t>Bibliothek</a:t>
-            </a:r>
+            <a:r>
+              <a:rPr lang="de-DE" dirty="0" err="1"/>
+              <a:t>Ubiquitous</a:t>
+            </a:r>
+            <a:r>
+              <a:rPr lang="de-DE" dirty="0"/>
+              <a:t> Language</a:t>
+            </a:r>
+          </a:p>
+          <a:p>
+            <a:pPr lvl="1"/>
             <a:r>
               <a:rPr lang="en-US" i="1" dirty="0"/>
-              <a:t> – </a:t>
-            </a:r>
-            <a:r>
-              <a:rPr lang="en-US" i="1" dirty="0" err="1"/>
-              <a:t>kein</a:t>
-            </a:r>
-            <a:r>
-              <a:rPr lang="en-US" i="1" dirty="0"/>
-              <a:t> Framework</a:t>
-            </a:r>
-          </a:p>
-          <a:p>
-            <a:pPr lvl="3">
-              <a:lnSpc>
-                <a:spcPct val="150000"/>
-              </a:lnSpc>
-            </a:pPr>
-            <a:r>
-              <a:rPr lang="en-US" i="1" dirty="0" err="1"/>
-              <a:t>Benutzoberflächen</a:t>
-            </a:r>
-            <a:r>
-              <a:rPr lang="en-US" i="1" dirty="0"/>
-              <a:t> </a:t>
-            </a:r>
-            <a:r>
-              <a:rPr lang="en-US" i="1" dirty="0" err="1"/>
-              <a:t>erstellen</a:t>
-            </a:r>
-            <a:endParaRPr lang="en-US" i="1" dirty="0"/>
-          </a:p>
-          <a:p>
-            <a:pPr lvl="3">
-              <a:lnSpc>
-                <a:spcPct val="150000"/>
-              </a:lnSpc>
-            </a:pPr>
-            <a:r>
-              <a:rPr lang="en-US" i="1" dirty="0"/>
-              <a:t>Virtual DOM</a:t>
-            </a:r>
-          </a:p>
-          <a:p>
-            <a:pPr lvl="3">
-              <a:lnSpc>
-                <a:spcPct val="150000"/>
-              </a:lnSpc>
-            </a:pPr>
-            <a:r>
-              <a:rPr lang="en-US" i="1" dirty="0" err="1"/>
-              <a:t>Kann</a:t>
-            </a:r>
-            <a:r>
-              <a:rPr lang="en-US" i="1" dirty="0"/>
-              <a:t> JSX </a:t>
-            </a:r>
-            <a:r>
-              <a:rPr lang="en-US" i="1" dirty="0" err="1"/>
-              <a:t>verwenden</a:t>
-            </a:r>
-            <a:endParaRPr lang="en-US" i="1" dirty="0"/>
-          </a:p>
-          <a:p>
-            <a:pPr lvl="3">
-              <a:lnSpc>
-                <a:spcPct val="150000"/>
-              </a:lnSpc>
-            </a:pPr>
-            <a:r>
-              <a:rPr lang="en-US" i="1" dirty="0" err="1"/>
-              <a:t>Einfacher</a:t>
-            </a:r>
-            <a:r>
-              <a:rPr lang="en-US" i="1" dirty="0"/>
-              <a:t> Code</a:t>
-            </a:r>
-          </a:p>
-          <a:p>
-            <a:pPr lvl="3">
-              <a:lnSpc>
-                <a:spcPct val="150000"/>
-              </a:lnSpc>
-            </a:pPr>
-            <a:r>
-              <a:rPr lang="en-US" i="1" dirty="0" err="1"/>
-              <a:t>Weit</a:t>
-            </a:r>
-            <a:r>
-              <a:rPr lang="en-US" i="1" dirty="0"/>
-              <a:t> </a:t>
-            </a:r>
-            <a:r>
-              <a:rPr lang="en-US" i="1" dirty="0" err="1"/>
-              <a:t>verbreitet</a:t>
-            </a:r>
-            <a:endParaRPr lang="en-US" i="1" dirty="0"/>
-          </a:p>
-          <a:p>
-            <a:pPr marL="285750" lvl="1" indent="-285750">
-              <a:buFont typeface="Arial" panose="020B0604020202020204" pitchFamily="34" charset="0"/>
-              <a:buChar char="•"/>
-            </a:pPr>
+              <a:t>The Ubiquitous Language is a shared language developed by the team—a team composed of both domain experts and software developers.</a:t>
+            </a:r>
             <a:endParaRPr lang="de-DE" dirty="0"/>
-          </a:p>
-        </p:txBody>
-      </p:sp>
-      <p:sp>
-        <p:nvSpPr>
-          <p:cNvPr id="6" name="Inhaltsplatzhalter 5"/>
-          <p:cNvSpPr>
-            <a:spLocks noGrp="1"/>
-          </p:cNvSpPr>
-          <p:nvPr>
-            <p:ph idx="14"/>
-          </p:nvPr>
-        </p:nvSpPr>
-        <p:spPr>
-          <a:xfrm>
-            <a:off x="4716016" y="1131570"/>
-            <a:ext cx="4176464" cy="3600450"/>
-          </a:xfrm>
-        </p:spPr>
-        <p:txBody>
-          <a:bodyPr/>
-          <a:lstStyle/>
-          <a:p>
-            <a:pPr marL="215900" lvl="3" indent="0">
-              <a:buNone/>
-            </a:pPr>
-            <a:r>
-              <a:rPr lang="en-US" i="1" dirty="0"/>
-              <a:t>Class Test extends </a:t>
-            </a:r>
-            <a:r>
-              <a:rPr lang="en-US" i="1" dirty="0" err="1"/>
-              <a:t>React.Component</a:t>
-            </a:r>
-            <a:r>
-              <a:rPr lang="en-US" i="1" dirty="0"/>
-              <a:t> {</a:t>
-            </a:r>
-          </a:p>
-          <a:p>
-            <a:pPr marL="215900" lvl="3" indent="0">
-              <a:buNone/>
-            </a:pPr>
-            <a:r>
-              <a:rPr lang="en-US" i="1" dirty="0"/>
-              <a:t>    render() {</a:t>
-            </a:r>
-          </a:p>
-          <a:p>
-            <a:pPr marL="215900" lvl="3" indent="0">
-              <a:buNone/>
-            </a:pPr>
-            <a:r>
-              <a:rPr lang="en-US" i="1" dirty="0"/>
-              <a:t>        return (</a:t>
-            </a:r>
-          </a:p>
-          <a:p>
-            <a:pPr marL="215900" lvl="3" indent="0">
-              <a:buNone/>
-            </a:pPr>
-            <a:r>
-              <a:rPr lang="en-US" i="1" dirty="0"/>
-              <a:t>            &lt;h1 id=“test”&gt;</a:t>
-            </a:r>
-          </a:p>
-          <a:p>
-            <a:pPr marL="215900" lvl="3" indent="0">
-              <a:buNone/>
-            </a:pPr>
-            <a:r>
-              <a:rPr lang="en-US" i="1" dirty="0"/>
-              <a:t>                Hallo Welt</a:t>
-            </a:r>
-          </a:p>
-          <a:p>
-            <a:pPr marL="215900" lvl="3" indent="0">
-              <a:buNone/>
-            </a:pPr>
-            <a:r>
-              <a:rPr lang="en-US" i="1" dirty="0"/>
-              <a:t>            &lt;/h1&gt;</a:t>
-            </a:r>
-          </a:p>
-          <a:p>
-            <a:pPr marL="215900" lvl="3" indent="0">
-              <a:buNone/>
-            </a:pPr>
-            <a:r>
-              <a:rPr lang="en-US" i="1" dirty="0"/>
-              <a:t>        );</a:t>
-            </a:r>
-          </a:p>
-          <a:p>
-            <a:pPr marL="215900" lvl="3" indent="0">
-              <a:buNone/>
-            </a:pPr>
-            <a:r>
-              <a:rPr lang="en-US" i="1" dirty="0"/>
-              <a:t>    }</a:t>
-            </a:r>
-          </a:p>
-          <a:p>
-            <a:pPr marL="215900" lvl="3" indent="0">
-              <a:buNone/>
-            </a:pPr>
-            <a:r>
-              <a:rPr lang="en-US" i="1" dirty="0"/>
-              <a:t>}</a:t>
-            </a:r>
           </a:p>
         </p:txBody>
       </p:sp>
@@ -26041,7 +25002,7 @@
         <p:spPr>
           <a:xfrm>
             <a:off x="250825" y="411087"/>
-            <a:ext cx="848658" cy="431614"/>
+            <a:ext cx="1017743" cy="431614"/>
           </a:xfrm>
         </p:spPr>
         <p:txBody>
@@ -26049,17 +25010,40 @@
           <a:lstStyle/>
           <a:p>
             <a:r>
-              <a:rPr lang="de-DE" dirty="0" err="1"/>
-              <a:t>React</a:t>
-            </a:r>
-            <a:endParaRPr lang="de-DE" dirty="0"/>
-          </a:p>
-        </p:txBody>
-      </p:sp>
+              <a:rPr lang="de-DE" dirty="0"/>
+              <a:t>Termini</a:t>
+            </a:r>
+          </a:p>
+        </p:txBody>
+      </p:sp>
+      <p:pic>
+        <p:nvPicPr>
+          <p:cNvPr id="5" name="Grafik 4"/>
+          <p:cNvPicPr>
+            <a:picLocks noChangeAspect="1"/>
+          </p:cNvPicPr>
+          <p:nvPr/>
+        </p:nvPicPr>
+        <p:blipFill>
+          <a:blip r:embed="rId2"/>
+          <a:stretch>
+            <a:fillRect/>
+          </a:stretch>
+        </p:blipFill>
+        <p:spPr>
+          <a:xfrm>
+            <a:off x="953075" y="2355726"/>
+            <a:ext cx="4357489" cy="2326921"/>
+          </a:xfrm>
+          <a:prstGeom prst="rect">
+            <a:avLst/>
+          </a:prstGeom>
+        </p:spPr>
+      </p:pic>
     </p:spTree>
     <p:extLst>
       <p:ext uri="{BB962C8B-B14F-4D97-AF65-F5344CB8AC3E}">
-        <p14:creationId xmlns:p14="http://schemas.microsoft.com/office/powerpoint/2010/main" val="3138605269"/>
+        <p14:creationId xmlns:p14="http://schemas.microsoft.com/office/powerpoint/2010/main" val="1916531576"/>
       </p:ext>
     </p:extLst>
   </p:cSld>
@@ -27957,62 +26941,19 @@
 </a:theme>
 </file>
 
-<file path=ppt/theme/themeOverride1.xml><?xml version="1.0" encoding="utf-8"?>
-<a:themeOverride xmlns:a="http://schemas.openxmlformats.org/drawingml/2006/main">
-  <a:clrScheme name="InMediasP">
-    <a:dk1>
-      <a:srgbClr val="003882"/>
-    </a:dk1>
-    <a:lt1>
-      <a:srgbClr val="FFFFFF"/>
-    </a:lt1>
-    <a:dk2>
-      <a:srgbClr val="1EA6A5"/>
-    </a:dk2>
-    <a:lt2>
-      <a:srgbClr val="1F6CB5"/>
-    </a:lt2>
-    <a:accent1>
-      <a:srgbClr val="5BAC26"/>
-    </a:accent1>
-    <a:accent2>
-      <a:srgbClr val="EFD61F"/>
-    </a:accent2>
-    <a:accent3>
-      <a:srgbClr val="E9AB00"/>
-    </a:accent3>
-    <a:accent4>
-      <a:srgbClr val="DF3A1E"/>
-    </a:accent4>
-    <a:accent5>
-      <a:srgbClr val="6C56AC"/>
-    </a:accent5>
-    <a:accent6>
-      <a:srgbClr val="0095D8"/>
-    </a:accent6>
-    <a:hlink>
-      <a:srgbClr val="0000FF"/>
-    </a:hlink>
-    <a:folHlink>
-      <a:srgbClr val="800080"/>
-    </a:folHlink>
-  </a:clrScheme>
-</a:themeOverride>
-</file>
-
 <file path=customXml/item1.xml><?xml version="1.0" encoding="utf-8"?>
-<p:properties xmlns:p="http://schemas.microsoft.com/office/2006/metadata/properties" xmlns:xsi="http://www.w3.org/2001/XMLSchema-instance">
-  <documentManagement/>
-</p:properties>
-</file>
-
-<file path=customXml/item2.xml><?xml version="1.0" encoding="utf-8"?>
 <?mso-contentType ?>
 <FormTemplates xmlns="http://schemas.microsoft.com/sharepoint/v3/contenttype/forms">
   <Display>DocumentLibraryForm</Display>
   <Edit>DocumentLibraryForm</Edit>
   <New>DocumentLibraryForm</New>
 </FormTemplates>
+</file>
+
+<file path=customXml/item2.xml><?xml version="1.0" encoding="utf-8"?>
+<p:properties xmlns:p="http://schemas.microsoft.com/office/2006/metadata/properties" xmlns:xsi="http://www.w3.org/2001/XMLSchema-instance">
+  <documentManagement/>
+</p:properties>
 </file>
 
 <file path=customXml/item3.xml><?xml version="1.0" encoding="utf-8"?>
@@ -28065,6 +27006,14 @@
 </file>
 
 <file path=customXml/itemProps1.xml><?xml version="1.0" encoding="utf-8"?>
+<ds:datastoreItem xmlns:ds="http://schemas.openxmlformats.org/officeDocument/2006/customXml" ds:itemID="{77B713E6-920B-4230-AC0E-59ED99C0923E}">
+  <ds:schemaRefs>
+    <ds:schemaRef ds:uri="http://schemas.microsoft.com/sharepoint/v3/contenttype/forms"/>
+  </ds:schemaRefs>
+</ds:datastoreItem>
+</file>
+
+<file path=customXml/itemProps2.xml><?xml version="1.0" encoding="utf-8"?>
 <ds:datastoreItem xmlns:ds="http://schemas.openxmlformats.org/officeDocument/2006/customXml" ds:itemID="{59B834B3-90EC-4401-9017-D7D8CC13FBFE}">
   <ds:schemaRefs>
     <ds:schemaRef ds:uri="http://purl.org/dc/dcmitype/"/>
@@ -28074,14 +27023,6 @@
     <ds:schemaRef ds:uri="http://purl.org/dc/terms/"/>
     <ds:schemaRef ds:uri="http://schemas.openxmlformats.org/package/2006/metadata/core-properties"/>
     <ds:schemaRef ds:uri="http://www.w3.org/XML/1998/namespace"/>
-  </ds:schemaRefs>
-</ds:datastoreItem>
-</file>
-
-<file path=customXml/itemProps2.xml><?xml version="1.0" encoding="utf-8"?>
-<ds:datastoreItem xmlns:ds="http://schemas.openxmlformats.org/officeDocument/2006/customXml" ds:itemID="{77B713E6-920B-4230-AC0E-59ED99C0923E}">
-  <ds:schemaRefs>
-    <ds:schemaRef ds:uri="http://schemas.microsoft.com/sharepoint/v3/contenttype/forms"/>
   </ds:schemaRefs>
 </ds:datastoreItem>
 </file>
